--- a/images/stickyNotes.pptx
+++ b/images/stickyNotes.pptx
@@ -5,19 +5,20 @@
     <p:sldMasterId id="2147483648" r:id="rId1"/>
   </p:sldMasterIdLst>
   <p:notesMasterIdLst>
-    <p:notesMasterId r:id="rId12"/>
+    <p:notesMasterId r:id="rId13"/>
   </p:notesMasterIdLst>
   <p:sldIdLst>
-    <p:sldId id="257" r:id="rId2"/>
-    <p:sldId id="261" r:id="rId3"/>
-    <p:sldId id="258" r:id="rId4"/>
-    <p:sldId id="262" r:id="rId5"/>
-    <p:sldId id="256" r:id="rId6"/>
-    <p:sldId id="264" r:id="rId7"/>
-    <p:sldId id="263" r:id="rId8"/>
-    <p:sldId id="260" r:id="rId9"/>
-    <p:sldId id="265" r:id="rId10"/>
-    <p:sldId id="266" r:id="rId11"/>
+    <p:sldId id="267" r:id="rId2"/>
+    <p:sldId id="257" r:id="rId3"/>
+    <p:sldId id="261" r:id="rId4"/>
+    <p:sldId id="258" r:id="rId5"/>
+    <p:sldId id="262" r:id="rId6"/>
+    <p:sldId id="256" r:id="rId7"/>
+    <p:sldId id="264" r:id="rId8"/>
+    <p:sldId id="263" r:id="rId9"/>
+    <p:sldId id="260" r:id="rId10"/>
+    <p:sldId id="265" r:id="rId11"/>
+    <p:sldId id="266" r:id="rId12"/>
   </p:sldIdLst>
   <p:sldSz cx="12192000" cy="6858000"/>
   <p:notesSz cx="6858000" cy="9144000"/>
@@ -206,7 +207,7 @@
           <a:p>
             <a:fld id="{EC75A01B-47F4-4A72-B313-CDCBEB24B9AA}" type="datetimeFigureOut">
               <a:rPr lang="de-CH" smtClean="0"/>
-              <a:t>22.11.2019</a:t>
+              <a:t>19.12.2019</a:t>
             </a:fld>
             <a:endParaRPr lang="de-CH"/>
           </a:p>
@@ -519,8 +520,12 @@
           <a:lstStyle/>
           <a:p>
             <a:r>
+              <a:rPr lang="de-CH" dirty="0" smtClean="0"/>
+              <a:t>Panel-</a:t>
+            </a:r>
+            <a:r>
               <a:rPr lang="de-CH" dirty="0" err="1" smtClean="0"/>
-              <a:t>Offering</a:t>
+              <a:t>example</a:t>
             </a:r>
             <a:endParaRPr lang="de-CH" dirty="0"/>
           </a:p>
@@ -552,7 +557,7 @@
     </p:spTree>
     <p:extLst>
       <p:ext uri="{BB962C8B-B14F-4D97-AF65-F5344CB8AC3E}">
-        <p14:creationId xmlns:p14="http://schemas.microsoft.com/office/powerpoint/2010/main" val="676400779"/>
+        <p14:creationId xmlns:p14="http://schemas.microsoft.com/office/powerpoint/2010/main" val="1086945389"/>
       </p:ext>
     </p:extLst>
   </p:cSld>
@@ -620,7 +625,15 @@
             </a:r>
             <a:r>
               <a:rPr lang="de-CH" baseline="0" dirty="0" smtClean="0"/>
-              <a:t> – Variable </a:t>
+              <a:t> – </a:t>
+            </a:r>
+            <a:r>
+              <a:rPr lang="de-CH" baseline="0" dirty="0" err="1" smtClean="0"/>
+              <a:t>fixed</a:t>
+            </a:r>
+            <a:r>
+              <a:rPr lang="de-CH" baseline="0" dirty="0" smtClean="0"/>
+              <a:t> </a:t>
             </a:r>
             <a:r>
               <a:rPr lang="de-CH" baseline="0" dirty="0" err="1" smtClean="0"/>
@@ -648,6 +661,110 @@
             <a:fld id="{4881369C-B37E-416F-A200-175D84A25902}" type="slidenum">
               <a:rPr lang="de-CH" smtClean="0"/>
               <a:t>10</a:t>
+            </a:fld>
+            <a:endParaRPr lang="de-CH"/>
+          </a:p>
+        </p:txBody>
+      </p:sp>
+    </p:spTree>
+    <p:extLst>
+      <p:ext uri="{BB962C8B-B14F-4D97-AF65-F5344CB8AC3E}">
+        <p14:creationId xmlns:p14="http://schemas.microsoft.com/office/powerpoint/2010/main" val="308482155"/>
+      </p:ext>
+    </p:extLst>
+  </p:cSld>
+  <p:clrMapOvr>
+    <a:masterClrMapping/>
+  </p:clrMapOvr>
+</p:notes>
+</file>
+
+<file path=ppt/notesSlides/notesSlide11.xml><?xml version="1.0" encoding="utf-8"?>
+<p:notes xmlns:a="http://schemas.openxmlformats.org/drawingml/2006/main" xmlns:r="http://schemas.openxmlformats.org/officeDocument/2006/relationships" xmlns:p="http://schemas.openxmlformats.org/presentationml/2006/main">
+  <p:cSld>
+    <p:spTree>
+      <p:nvGrpSpPr>
+        <p:cNvPr id="1" name=""/>
+        <p:cNvGrpSpPr/>
+        <p:nvPr/>
+      </p:nvGrpSpPr>
+      <p:grpSpPr>
+        <a:xfrm>
+          <a:off x="0" y="0"/>
+          <a:ext cx="0" cy="0"/>
+          <a:chOff x="0" y="0"/>
+          <a:chExt cx="0" cy="0"/>
+        </a:xfrm>
+      </p:grpSpPr>
+      <p:sp>
+        <p:nvSpPr>
+          <p:cNvPr id="2" name="Folienbildplatzhalter 1"/>
+          <p:cNvSpPr>
+            <a:spLocks noGrp="1" noRot="1" noChangeAspect="1"/>
+          </p:cNvSpPr>
+          <p:nvPr>
+            <p:ph type="sldImg"/>
+          </p:nvPr>
+        </p:nvSpPr>
+        <p:spPr/>
+      </p:sp>
+      <p:sp>
+        <p:nvSpPr>
+          <p:cNvPr id="3" name="Notizenplatzhalter 2"/>
+          <p:cNvSpPr>
+            <a:spLocks noGrp="1"/>
+          </p:cNvSpPr>
+          <p:nvPr>
+            <p:ph type="body" idx="1"/>
+          </p:nvPr>
+        </p:nvSpPr>
+        <p:spPr/>
+        <p:txBody>
+          <a:bodyPr/>
+          <a:lstStyle/>
+          <a:p>
+            <a:r>
+              <a:rPr lang="de-CH" dirty="0" err="1" smtClean="0"/>
+              <a:t>Cost</a:t>
+            </a:r>
+            <a:r>
+              <a:rPr lang="de-CH" baseline="0" dirty="0" smtClean="0"/>
+              <a:t> </a:t>
+            </a:r>
+            <a:r>
+              <a:rPr lang="de-CH" baseline="0" dirty="0" err="1" smtClean="0"/>
+              <a:t>Structure</a:t>
+            </a:r>
+            <a:r>
+              <a:rPr lang="de-CH" baseline="0" dirty="0" smtClean="0"/>
+              <a:t> – Variable </a:t>
+            </a:r>
+            <a:r>
+              <a:rPr lang="de-CH" baseline="0" dirty="0" err="1" smtClean="0"/>
+              <a:t>Costs</a:t>
+            </a:r>
+            <a:endParaRPr lang="de-CH" dirty="0"/>
+          </a:p>
+        </p:txBody>
+      </p:sp>
+      <p:sp>
+        <p:nvSpPr>
+          <p:cNvPr id="4" name="Foliennummernplatzhalter 3"/>
+          <p:cNvSpPr>
+            <a:spLocks noGrp="1"/>
+          </p:cNvSpPr>
+          <p:nvPr>
+            <p:ph type="sldNum" sz="quarter" idx="10"/>
+          </p:nvPr>
+        </p:nvSpPr>
+        <p:spPr/>
+        <p:txBody>
+          <a:bodyPr/>
+          <a:lstStyle/>
+          <a:p>
+            <a:fld id="{4881369C-B37E-416F-A200-175D84A25902}" type="slidenum">
+              <a:rPr lang="de-CH" smtClean="0"/>
+              <a:t>11</a:t>
             </a:fld>
             <a:endParaRPr lang="de-CH"/>
           </a:p>
@@ -710,27 +827,11 @@
           <a:bodyPr/>
           <a:lstStyle/>
           <a:p>
-            <a:pPr marL="0" marR="0" lvl="0" indent="0" algn="l" defTabSz="914400" rtl="0" eaLnBrk="1" fontAlgn="auto" latinLnBrk="0" hangingPunct="1">
-              <a:lnSpc>
-                <a:spcPct val="100000"/>
-              </a:lnSpc>
-              <a:spcBef>
-                <a:spcPts val="0"/>
-              </a:spcBef>
-              <a:spcAft>
-                <a:spcPts val="0"/>
-              </a:spcAft>
-              <a:buClrTx/>
-              <a:buSzTx/>
-              <a:buFontTx/>
-              <a:buNone/>
-              <a:tabLst/>
-              <a:defRPr/>
-            </a:pPr>
-            <a:r>
-              <a:rPr lang="de-CH" dirty="0" smtClean="0"/>
-              <a:t>Customer Segments</a:t>
-            </a:r>
+            <a:r>
+              <a:rPr lang="de-CH" dirty="0" err="1" smtClean="0"/>
+              <a:t>Offering</a:t>
+            </a:r>
+            <a:endParaRPr lang="de-CH" dirty="0"/>
           </a:p>
         </p:txBody>
       </p:sp>
@@ -760,7 +861,7 @@
     </p:spTree>
     <p:extLst>
       <p:ext uri="{BB962C8B-B14F-4D97-AF65-F5344CB8AC3E}">
-        <p14:creationId xmlns:p14="http://schemas.microsoft.com/office/powerpoint/2010/main" val="1352097196"/>
+        <p14:creationId xmlns:p14="http://schemas.microsoft.com/office/powerpoint/2010/main" val="676400779"/>
       </p:ext>
     </p:extLst>
   </p:cSld>
@@ -814,15 +915,27 @@
           <a:bodyPr/>
           <a:lstStyle/>
           <a:p>
+            <a:pPr marL="0" marR="0" lvl="0" indent="0" algn="l" defTabSz="914400" rtl="0" eaLnBrk="1" fontAlgn="auto" latinLnBrk="0" hangingPunct="1">
+              <a:lnSpc>
+                <a:spcPct val="100000"/>
+              </a:lnSpc>
+              <a:spcBef>
+                <a:spcPts val="0"/>
+              </a:spcBef>
+              <a:spcAft>
+                <a:spcPts val="0"/>
+              </a:spcAft>
+              <a:buClrTx/>
+              <a:buSzTx/>
+              <a:buFontTx/>
+              <a:buNone/>
+              <a:tabLst/>
+              <a:defRPr/>
+            </a:pPr>
             <a:r>
               <a:rPr lang="de-CH" dirty="0" smtClean="0"/>
-              <a:t>Customer </a:t>
-            </a:r>
-            <a:r>
-              <a:rPr lang="de-CH" dirty="0" err="1" smtClean="0"/>
-              <a:t>Relationships</a:t>
-            </a:r>
-            <a:endParaRPr lang="de-CH" dirty="0"/>
+              <a:t>Customer Segments</a:t>
+            </a:r>
           </a:p>
         </p:txBody>
       </p:sp>
@@ -852,7 +965,7 @@
     </p:spTree>
     <p:extLst>
       <p:ext uri="{BB962C8B-B14F-4D97-AF65-F5344CB8AC3E}">
-        <p14:creationId xmlns:p14="http://schemas.microsoft.com/office/powerpoint/2010/main" val="3261446840"/>
+        <p14:creationId xmlns:p14="http://schemas.microsoft.com/office/powerpoint/2010/main" val="1352097196"/>
       </p:ext>
     </p:extLst>
   </p:cSld>
@@ -908,7 +1021,11 @@
           <a:p>
             <a:r>
               <a:rPr lang="de-CH" dirty="0" smtClean="0"/>
-              <a:t>Channels</a:t>
+              <a:t>Customer </a:t>
+            </a:r>
+            <a:r>
+              <a:rPr lang="de-CH" dirty="0" err="1" smtClean="0"/>
+              <a:t>Relationships</a:t>
             </a:r>
             <a:endParaRPr lang="de-CH" dirty="0"/>
           </a:p>
@@ -940,7 +1057,7 @@
     </p:spTree>
     <p:extLst>
       <p:ext uri="{BB962C8B-B14F-4D97-AF65-F5344CB8AC3E}">
-        <p14:creationId xmlns:p14="http://schemas.microsoft.com/office/powerpoint/2010/main" val="1501992440"/>
+        <p14:creationId xmlns:p14="http://schemas.microsoft.com/office/powerpoint/2010/main" val="3261446840"/>
       </p:ext>
     </p:extLst>
   </p:cSld>
@@ -996,11 +1113,7 @@
           <a:p>
             <a:r>
               <a:rPr lang="de-CH" dirty="0" smtClean="0"/>
-              <a:t>Key </a:t>
-            </a:r>
-            <a:r>
-              <a:rPr lang="de-CH" dirty="0" err="1" smtClean="0"/>
-              <a:t>Partnerships</a:t>
+              <a:t>Channels</a:t>
             </a:r>
             <a:endParaRPr lang="de-CH" dirty="0"/>
           </a:p>
@@ -1032,7 +1145,7 @@
     </p:spTree>
     <p:extLst>
       <p:ext uri="{BB962C8B-B14F-4D97-AF65-F5344CB8AC3E}">
-        <p14:creationId xmlns:p14="http://schemas.microsoft.com/office/powerpoint/2010/main" val="1513846329"/>
+        <p14:creationId xmlns:p14="http://schemas.microsoft.com/office/powerpoint/2010/main" val="1501992440"/>
       </p:ext>
     </p:extLst>
   </p:cSld>
@@ -1092,7 +1205,7 @@
             </a:r>
             <a:r>
               <a:rPr lang="de-CH" dirty="0" err="1" smtClean="0"/>
-              <a:t>Activities</a:t>
+              <a:t>Partnerships</a:t>
             </a:r>
             <a:endParaRPr lang="de-CH" dirty="0"/>
           </a:p>
@@ -1124,7 +1237,7 @@
     </p:spTree>
     <p:extLst>
       <p:ext uri="{BB962C8B-B14F-4D97-AF65-F5344CB8AC3E}">
-        <p14:creationId xmlns:p14="http://schemas.microsoft.com/office/powerpoint/2010/main" val="2799724258"/>
+        <p14:creationId xmlns:p14="http://schemas.microsoft.com/office/powerpoint/2010/main" val="1513846329"/>
       </p:ext>
     </p:extLst>
   </p:cSld>
@@ -1184,7 +1297,7 @@
             </a:r>
             <a:r>
               <a:rPr lang="de-CH" dirty="0" err="1" smtClean="0"/>
-              <a:t>Ressources</a:t>
+              <a:t>Activities</a:t>
             </a:r>
             <a:endParaRPr lang="de-CH" dirty="0"/>
           </a:p>
@@ -1216,7 +1329,7 @@
     </p:spTree>
     <p:extLst>
       <p:ext uri="{BB962C8B-B14F-4D97-AF65-F5344CB8AC3E}">
-        <p14:creationId xmlns:p14="http://schemas.microsoft.com/office/powerpoint/2010/main" val="2653983063"/>
+        <p14:creationId xmlns:p14="http://schemas.microsoft.com/office/powerpoint/2010/main" val="2799724258"/>
       </p:ext>
     </p:extLst>
   </p:cSld>
@@ -1270,27 +1383,15 @@
           <a:bodyPr/>
           <a:lstStyle/>
           <a:p>
-            <a:pPr marL="0" marR="0" lvl="0" indent="0" algn="l" defTabSz="914400" rtl="0" eaLnBrk="1" fontAlgn="auto" latinLnBrk="0" hangingPunct="1">
-              <a:lnSpc>
-                <a:spcPct val="100000"/>
-              </a:lnSpc>
-              <a:spcBef>
-                <a:spcPts val="0"/>
-              </a:spcBef>
-              <a:spcAft>
-                <a:spcPts val="0"/>
-              </a:spcAft>
-              <a:buClrTx/>
-              <a:buSzTx/>
-              <a:buFontTx/>
-              <a:buNone/>
-              <a:tabLst/>
-              <a:defRPr/>
-            </a:pPr>
             <a:r>
               <a:rPr lang="de-CH" dirty="0" smtClean="0"/>
-              <a:t>Revenue Streams</a:t>
-            </a:r>
+              <a:t>Key </a:t>
+            </a:r>
+            <a:r>
+              <a:rPr lang="de-CH" dirty="0" err="1" smtClean="0"/>
+              <a:t>Ressources</a:t>
+            </a:r>
+            <a:endParaRPr lang="de-CH" dirty="0"/>
           </a:p>
         </p:txBody>
       </p:sp>
@@ -1320,7 +1421,7 @@
     </p:spTree>
     <p:extLst>
       <p:ext uri="{BB962C8B-B14F-4D97-AF65-F5344CB8AC3E}">
-        <p14:creationId xmlns:p14="http://schemas.microsoft.com/office/powerpoint/2010/main" val="1227994906"/>
+        <p14:creationId xmlns:p14="http://schemas.microsoft.com/office/powerpoint/2010/main" val="2653983063"/>
       </p:ext>
     </p:extLst>
   </p:cSld>
@@ -1374,35 +1475,27 @@
           <a:bodyPr/>
           <a:lstStyle/>
           <a:p>
-            <a:r>
-              <a:rPr lang="de-CH" dirty="0" err="1" smtClean="0"/>
-              <a:t>Cost</a:t>
-            </a:r>
-            <a:r>
-              <a:rPr lang="de-CH" baseline="0" dirty="0" smtClean="0"/>
-              <a:t> </a:t>
-            </a:r>
-            <a:r>
-              <a:rPr lang="de-CH" baseline="0" dirty="0" err="1" smtClean="0"/>
-              <a:t>Structure</a:t>
-            </a:r>
-            <a:r>
-              <a:rPr lang="de-CH" baseline="0" dirty="0" smtClean="0"/>
-              <a:t> – </a:t>
-            </a:r>
-            <a:r>
-              <a:rPr lang="de-CH" baseline="0" dirty="0" err="1" smtClean="0"/>
-              <a:t>fixed</a:t>
-            </a:r>
-            <a:r>
-              <a:rPr lang="de-CH" baseline="0" dirty="0" smtClean="0"/>
-              <a:t> </a:t>
-            </a:r>
-            <a:r>
-              <a:rPr lang="de-CH" baseline="0" dirty="0" err="1" smtClean="0"/>
-              <a:t>Costs</a:t>
-            </a:r>
-            <a:endParaRPr lang="de-CH" dirty="0"/>
+            <a:pPr marL="0" marR="0" lvl="0" indent="0" algn="l" defTabSz="914400" rtl="0" eaLnBrk="1" fontAlgn="auto" latinLnBrk="0" hangingPunct="1">
+              <a:lnSpc>
+                <a:spcPct val="100000"/>
+              </a:lnSpc>
+              <a:spcBef>
+                <a:spcPts val="0"/>
+              </a:spcBef>
+              <a:spcAft>
+                <a:spcPts val="0"/>
+              </a:spcAft>
+              <a:buClrTx/>
+              <a:buSzTx/>
+              <a:buFontTx/>
+              <a:buNone/>
+              <a:tabLst/>
+              <a:defRPr/>
+            </a:pPr>
+            <a:r>
+              <a:rPr lang="de-CH" dirty="0" smtClean="0"/>
+              <a:t>Revenue Streams</a:t>
+            </a:r>
           </a:p>
         </p:txBody>
       </p:sp>
@@ -1432,7 +1525,7 @@
     </p:spTree>
     <p:extLst>
       <p:ext uri="{BB962C8B-B14F-4D97-AF65-F5344CB8AC3E}">
-        <p14:creationId xmlns:p14="http://schemas.microsoft.com/office/powerpoint/2010/main" val="308482155"/>
+        <p14:creationId xmlns:p14="http://schemas.microsoft.com/office/powerpoint/2010/main" val="1227994906"/>
       </p:ext>
     </p:extLst>
   </p:cSld>
@@ -1573,7 +1666,7 @@
           <a:p>
             <a:fld id="{80A92051-9F01-459E-BB84-2389E6066350}" type="datetimeFigureOut">
               <a:rPr lang="de-CH" smtClean="0"/>
-              <a:t>22.11.2019</a:t>
+              <a:t>19.12.2019</a:t>
             </a:fld>
             <a:endParaRPr lang="de-CH"/>
           </a:p>
@@ -1743,7 +1836,7 @@
           <a:p>
             <a:fld id="{80A92051-9F01-459E-BB84-2389E6066350}" type="datetimeFigureOut">
               <a:rPr lang="de-CH" smtClean="0"/>
-              <a:t>22.11.2019</a:t>
+              <a:t>19.12.2019</a:t>
             </a:fld>
             <a:endParaRPr lang="de-CH"/>
           </a:p>
@@ -1923,7 +2016,7 @@
           <a:p>
             <a:fld id="{80A92051-9F01-459E-BB84-2389E6066350}" type="datetimeFigureOut">
               <a:rPr lang="de-CH" smtClean="0"/>
-              <a:t>22.11.2019</a:t>
+              <a:t>19.12.2019</a:t>
             </a:fld>
             <a:endParaRPr lang="de-CH"/>
           </a:p>
@@ -2093,7 +2186,7 @@
           <a:p>
             <a:fld id="{80A92051-9F01-459E-BB84-2389E6066350}" type="datetimeFigureOut">
               <a:rPr lang="de-CH" smtClean="0"/>
-              <a:t>22.11.2019</a:t>
+              <a:t>19.12.2019</a:t>
             </a:fld>
             <a:endParaRPr lang="de-CH"/>
           </a:p>
@@ -2339,7 +2432,7 @@
           <a:p>
             <a:fld id="{80A92051-9F01-459E-BB84-2389E6066350}" type="datetimeFigureOut">
               <a:rPr lang="de-CH" smtClean="0"/>
-              <a:t>22.11.2019</a:t>
+              <a:t>19.12.2019</a:t>
             </a:fld>
             <a:endParaRPr lang="de-CH"/>
           </a:p>
@@ -2571,7 +2664,7 @@
           <a:p>
             <a:fld id="{80A92051-9F01-459E-BB84-2389E6066350}" type="datetimeFigureOut">
               <a:rPr lang="de-CH" smtClean="0"/>
-              <a:t>22.11.2019</a:t>
+              <a:t>19.12.2019</a:t>
             </a:fld>
             <a:endParaRPr lang="de-CH"/>
           </a:p>
@@ -2938,7 +3031,7 @@
           <a:p>
             <a:fld id="{80A92051-9F01-459E-BB84-2389E6066350}" type="datetimeFigureOut">
               <a:rPr lang="de-CH" smtClean="0"/>
-              <a:t>22.11.2019</a:t>
+              <a:t>19.12.2019</a:t>
             </a:fld>
             <a:endParaRPr lang="de-CH"/>
           </a:p>
@@ -3056,7 +3149,7 @@
           <a:p>
             <a:fld id="{80A92051-9F01-459E-BB84-2389E6066350}" type="datetimeFigureOut">
               <a:rPr lang="de-CH" smtClean="0"/>
-              <a:t>22.11.2019</a:t>
+              <a:t>19.12.2019</a:t>
             </a:fld>
             <a:endParaRPr lang="de-CH"/>
           </a:p>
@@ -3151,7 +3244,7 @@
           <a:p>
             <a:fld id="{80A92051-9F01-459E-BB84-2389E6066350}" type="datetimeFigureOut">
               <a:rPr lang="de-CH" smtClean="0"/>
-              <a:t>22.11.2019</a:t>
+              <a:t>19.12.2019</a:t>
             </a:fld>
             <a:endParaRPr lang="de-CH"/>
           </a:p>
@@ -3428,7 +3521,7 @@
           <a:p>
             <a:fld id="{80A92051-9F01-459E-BB84-2389E6066350}" type="datetimeFigureOut">
               <a:rPr lang="de-CH" smtClean="0"/>
-              <a:t>22.11.2019</a:t>
+              <a:t>19.12.2019</a:t>
             </a:fld>
             <a:endParaRPr lang="de-CH"/>
           </a:p>
@@ -3681,7 +3774,7 @@
           <a:p>
             <a:fld id="{80A92051-9F01-459E-BB84-2389E6066350}" type="datetimeFigureOut">
               <a:rPr lang="de-CH" smtClean="0"/>
-              <a:t>22.11.2019</a:t>
+              <a:t>19.12.2019</a:t>
             </a:fld>
             <a:endParaRPr lang="de-CH"/>
           </a:p>
@@ -3894,7 +3987,7 @@
           <a:p>
             <a:fld id="{80A92051-9F01-459E-BB84-2389E6066350}" type="datetimeFigureOut">
               <a:rPr lang="de-CH" smtClean="0"/>
-              <a:t>22.11.2019</a:t>
+              <a:t>19.12.2019</a:t>
             </a:fld>
             <a:endParaRPr lang="de-CH"/>
           </a:p>
@@ -4299,28 +4392,295 @@
           <a:chExt cx="0" cy="0"/>
         </a:xfrm>
       </p:grpSpPr>
-      <p:sp>
-        <p:nvSpPr>
-          <p:cNvPr id="4" name="Rechteck 3"/>
+      <p:pic>
+        <p:nvPicPr>
+          <p:cNvPr id="4" name="Grafik 3"/>
+          <p:cNvPicPr>
+            <a:picLocks noChangeAspect="1"/>
+          </p:cNvPicPr>
+          <p:nvPr/>
+        </p:nvPicPr>
+        <p:blipFill rotWithShape="1">
+          <a:blip r:embed="rId3">
+            <a:extLst>
+              <a:ext uri="{28A0092B-C50C-407E-A947-70E740481C1C}">
+                <a14:useLocalDpi xmlns:a14="http://schemas.microsoft.com/office/drawing/2010/main" val="0"/>
+              </a:ext>
+            </a:extLst>
+          </a:blip>
+          <a:srcRect t="8647" b="1862"/>
+          <a:stretch/>
+        </p:blipFill>
+        <p:spPr>
+          <a:xfrm>
+            <a:off x="1" y="138518"/>
+            <a:ext cx="12191999" cy="6591797"/>
+          </a:xfrm>
+          <a:prstGeom prst="rect">
+            <a:avLst/>
+          </a:prstGeom>
+        </p:spPr>
+      </p:pic>
+      <p:sp>
+        <p:nvSpPr>
+          <p:cNvPr id="5" name="Rechteck 4"/>
           <p:cNvSpPr/>
           <p:nvPr/>
         </p:nvSpPr>
         <p:spPr>
           <a:xfrm>
-            <a:off x="57664" y="57665"/>
-            <a:ext cx="12068433" cy="6738552"/>
+            <a:off x="92869" y="228600"/>
+            <a:ext cx="983456" cy="116681"/>
           </a:xfrm>
           <a:prstGeom prst="rect">
             <a:avLst/>
           </a:prstGeom>
           <a:solidFill>
-            <a:schemeClr val="bg1">
-              <a:lumMod val="95000"/>
+            <a:schemeClr val="bg1"/>
+          </a:solidFill>
+          <a:ln>
+            <a:noFill/>
+          </a:ln>
+        </p:spPr>
+        <p:style>
+          <a:lnRef idx="2">
+            <a:schemeClr val="accent1">
+              <a:shade val="50000"/>
             </a:schemeClr>
+          </a:lnRef>
+          <a:fillRef idx="1">
+            <a:schemeClr val="accent1"/>
+          </a:fillRef>
+          <a:effectRef idx="0">
+            <a:schemeClr val="accent1"/>
+          </a:effectRef>
+          <a:fontRef idx="minor">
+            <a:schemeClr val="lt1"/>
+          </a:fontRef>
+        </p:style>
+        <p:txBody>
+          <a:bodyPr rtlCol="0" anchor="ctr"/>
+          <a:lstStyle/>
+          <a:p>
+            <a:pPr algn="ctr"/>
+            <a:r>
+              <a:rPr lang="de-CH" sz="600" dirty="0" smtClean="0">
+                <a:solidFill>
+                  <a:schemeClr val="tx1">
+                    <a:lumMod val="50000"/>
+                    <a:lumOff val="50000"/>
+                  </a:schemeClr>
+                </a:solidFill>
+              </a:rPr>
+              <a:t>Business Model Design</a:t>
+            </a:r>
+            <a:endParaRPr lang="de-CH" sz="600" dirty="0">
+              <a:solidFill>
+                <a:schemeClr val="tx1">
+                  <a:lumMod val="50000"/>
+                  <a:lumOff val="50000"/>
+                </a:schemeClr>
+              </a:solidFill>
+            </a:endParaRPr>
+          </a:p>
+        </p:txBody>
+      </p:sp>
+      <p:sp>
+        <p:nvSpPr>
+          <p:cNvPr id="6" name="Rechteck 5"/>
+          <p:cNvSpPr/>
+          <p:nvPr/>
+        </p:nvSpPr>
+        <p:spPr>
+          <a:xfrm>
+            <a:off x="92869" y="377022"/>
+            <a:ext cx="983456" cy="116681"/>
+          </a:xfrm>
+          <a:prstGeom prst="rect">
+            <a:avLst/>
+          </a:prstGeom>
+          <a:solidFill>
+            <a:schemeClr val="bg1"/>
           </a:solidFill>
-          <a:ln w="76200">
+          <a:ln>
+            <a:noFill/>
+          </a:ln>
+        </p:spPr>
+        <p:style>
+          <a:lnRef idx="2">
+            <a:schemeClr val="accent1">
+              <a:shade val="50000"/>
+            </a:schemeClr>
+          </a:lnRef>
+          <a:fillRef idx="1">
+            <a:schemeClr val="accent1"/>
+          </a:fillRef>
+          <a:effectRef idx="0">
+            <a:schemeClr val="accent1"/>
+          </a:effectRef>
+          <a:fontRef idx="minor">
+            <a:schemeClr val="lt1"/>
+          </a:fontRef>
+        </p:style>
+        <p:txBody>
+          <a:bodyPr rtlCol="0" anchor="ctr"/>
+          <a:lstStyle/>
+          <a:p>
+            <a:pPr algn="ctr"/>
+            <a:r>
+              <a:rPr lang="de-CH" sz="600" dirty="0" smtClean="0">
+                <a:solidFill>
+                  <a:schemeClr val="tx1">
+                    <a:lumMod val="50000"/>
+                    <a:lumOff val="50000"/>
+                  </a:schemeClr>
+                </a:solidFill>
+              </a:rPr>
+              <a:t>Business Model </a:t>
+            </a:r>
+            <a:r>
+              <a:rPr lang="de-CH" sz="600" dirty="0" err="1" smtClean="0">
+                <a:solidFill>
+                  <a:schemeClr val="tx1">
+                    <a:lumMod val="50000"/>
+                    <a:lumOff val="50000"/>
+                  </a:schemeClr>
+                </a:solidFill>
+              </a:rPr>
+              <a:t>Canvas</a:t>
+            </a:r>
+            <a:endParaRPr lang="de-CH" sz="600" dirty="0">
+              <a:solidFill>
+                <a:schemeClr val="tx1">
+                  <a:lumMod val="50000"/>
+                  <a:lumOff val="50000"/>
+                </a:schemeClr>
+              </a:solidFill>
+            </a:endParaRPr>
+          </a:p>
+        </p:txBody>
+      </p:sp>
+      <p:pic>
+        <p:nvPicPr>
+          <p:cNvPr id="7" name="Grafik 6"/>
+          <p:cNvPicPr>
+            <a:picLocks noChangeAspect="1"/>
+          </p:cNvPicPr>
+          <p:nvPr/>
+        </p:nvPicPr>
+        <p:blipFill rotWithShape="1">
+          <a:blip r:embed="rId4"/>
+          <a:srcRect l="13227" t="18266" r="13990" b="13385"/>
+          <a:stretch/>
+        </p:blipFill>
+        <p:spPr>
+          <a:xfrm>
+            <a:off x="1221376" y="659027"/>
+            <a:ext cx="10863544" cy="5489049"/>
+          </a:xfrm>
+          <a:prstGeom prst="rect">
+            <a:avLst/>
+          </a:prstGeom>
+        </p:spPr>
+      </p:pic>
+      <p:grpSp>
+        <p:nvGrpSpPr>
+          <p:cNvPr id="11" name="Gruppieren 10"/>
+          <p:cNvGrpSpPr/>
+          <p:nvPr/>
+        </p:nvGrpSpPr>
+        <p:grpSpPr>
+          <a:xfrm>
+            <a:off x="1827101" y="4862974"/>
+            <a:ext cx="1262087" cy="709924"/>
+            <a:chOff x="1827101" y="4904163"/>
+            <a:chExt cx="1262087" cy="709924"/>
+          </a:xfrm>
+        </p:grpSpPr>
+        <p:pic>
+          <p:nvPicPr>
+            <p:cNvPr id="9" name="Grafik 8"/>
+            <p:cNvPicPr>
+              <a:picLocks noChangeAspect="1"/>
+            </p:cNvPicPr>
+            <p:nvPr/>
+          </p:nvPicPr>
+          <p:blipFill>
+            <a:blip r:embed="rId5" cstate="print">
+              <a:extLst>
+                <a:ext uri="{28A0092B-C50C-407E-A947-70E740481C1C}">
+                  <a14:useLocalDpi xmlns:a14="http://schemas.microsoft.com/office/drawing/2010/main" val="0"/>
+                </a:ext>
+              </a:extLst>
+            </a:blip>
+            <a:stretch>
+              <a:fillRect/>
+            </a:stretch>
+          </p:blipFill>
+          <p:spPr>
+            <a:xfrm>
+              <a:off x="1827101" y="4904163"/>
+              <a:ext cx="1262087" cy="709924"/>
+            </a:xfrm>
+            <a:prstGeom prst="rect">
+              <a:avLst/>
+            </a:prstGeom>
+          </p:spPr>
+        </p:pic>
+        <p:sp>
+          <p:nvSpPr>
+            <p:cNvPr id="10" name="Textfeld 9"/>
+            <p:cNvSpPr txBox="1"/>
+            <p:nvPr/>
+          </p:nvSpPr>
+          <p:spPr>
+            <a:xfrm>
+              <a:off x="1827101" y="5120625"/>
+              <a:ext cx="1262087" cy="276999"/>
+            </a:xfrm>
+            <a:prstGeom prst="rect">
+              <a:avLst/>
+            </a:prstGeom>
+            <a:noFill/>
+          </p:spPr>
+          <p:txBody>
+            <a:bodyPr wrap="square" rtlCol="0">
+              <a:spAutoFit/>
+            </a:bodyPr>
+            <a:lstStyle/>
+            <a:p>
+              <a:pPr algn="ctr"/>
+              <a:r>
+                <a:rPr lang="de-CH" sz="1200" dirty="0" err="1" smtClean="0"/>
+                <a:t>Salaries</a:t>
+              </a:r>
+              <a:endParaRPr lang="de-CH" dirty="0"/>
+            </a:p>
+          </p:txBody>
+        </p:sp>
+      </p:grpSp>
+      <p:sp>
+        <p:nvSpPr>
+          <p:cNvPr id="12" name="Rechteck 11"/>
+          <p:cNvSpPr/>
+          <p:nvPr/>
+        </p:nvSpPr>
+        <p:spPr>
+          <a:xfrm>
+            <a:off x="92869" y="493704"/>
+            <a:ext cx="1068666" cy="568978"/>
+          </a:xfrm>
+          <a:prstGeom prst="rect">
+            <a:avLst/>
+          </a:prstGeom>
+          <a:solidFill>
+            <a:schemeClr val="bg1"/>
+          </a:solidFill>
+          <a:ln w="6350">
             <a:solidFill>
-              <a:schemeClr val="accent4"/>
+              <a:schemeClr val="bg2">
+                <a:lumMod val="75000"/>
+              </a:schemeClr>
             </a:solidFill>
           </a:ln>
         </p:spPr>
@@ -4341,6 +4701,293 @@
           </a:fontRef>
         </p:style>
         <p:txBody>
+          <a:bodyPr rtlCol="0" anchor="t"/>
+          <a:lstStyle/>
+          <a:p>
+            <a:pPr algn="ctr"/>
+            <a:r>
+              <a:rPr lang="de-CH" sz="800" dirty="0" err="1" smtClean="0">
+                <a:solidFill>
+                  <a:schemeClr val="tx1">
+                    <a:lumMod val="50000"/>
+                    <a:lumOff val="50000"/>
+                  </a:schemeClr>
+                </a:solidFill>
+              </a:rPr>
+              <a:t>Cost</a:t>
+            </a:r>
+            <a:r>
+              <a:rPr lang="de-CH" sz="800" dirty="0" smtClean="0">
+                <a:solidFill>
+                  <a:schemeClr val="tx1">
+                    <a:lumMod val="50000"/>
+                    <a:lumOff val="50000"/>
+                  </a:schemeClr>
+                </a:solidFill>
+              </a:rPr>
+              <a:t> </a:t>
+            </a:r>
+            <a:r>
+              <a:rPr lang="de-CH" sz="800" dirty="0" err="1" smtClean="0">
+                <a:solidFill>
+                  <a:schemeClr val="tx1">
+                    <a:lumMod val="50000"/>
+                    <a:lumOff val="50000"/>
+                  </a:schemeClr>
+                </a:solidFill>
+              </a:rPr>
+              <a:t>Structure</a:t>
+            </a:r>
+            <a:endParaRPr lang="de-CH" sz="800" dirty="0">
+              <a:solidFill>
+                <a:schemeClr val="tx1">
+                  <a:lumMod val="50000"/>
+                  <a:lumOff val="50000"/>
+                </a:schemeClr>
+              </a:solidFill>
+            </a:endParaRPr>
+          </a:p>
+        </p:txBody>
+      </p:sp>
+      <p:grpSp>
+        <p:nvGrpSpPr>
+          <p:cNvPr id="14" name="Gruppieren 13"/>
+          <p:cNvGrpSpPr/>
+          <p:nvPr/>
+        </p:nvGrpSpPr>
+        <p:grpSpPr>
+          <a:xfrm>
+            <a:off x="142059" y="708703"/>
+            <a:ext cx="468629" cy="288147"/>
+            <a:chOff x="1827101" y="4881586"/>
+            <a:chExt cx="1262087" cy="776025"/>
+          </a:xfrm>
+        </p:grpSpPr>
+        <p:pic>
+          <p:nvPicPr>
+            <p:cNvPr id="15" name="Grafik 14"/>
+            <p:cNvPicPr>
+              <a:picLocks noChangeAspect="1"/>
+            </p:cNvPicPr>
+            <p:nvPr/>
+          </p:nvPicPr>
+          <p:blipFill>
+            <a:blip r:embed="rId5" cstate="print">
+              <a:extLst>
+                <a:ext uri="{28A0092B-C50C-407E-A947-70E740481C1C}">
+                  <a14:useLocalDpi xmlns:a14="http://schemas.microsoft.com/office/drawing/2010/main" val="0"/>
+                </a:ext>
+              </a:extLst>
+            </a:blip>
+            <a:stretch>
+              <a:fillRect/>
+            </a:stretch>
+          </p:blipFill>
+          <p:spPr>
+            <a:xfrm>
+              <a:off x="1827101" y="4904163"/>
+              <a:ext cx="1262087" cy="709924"/>
+            </a:xfrm>
+            <a:prstGeom prst="rect">
+              <a:avLst/>
+            </a:prstGeom>
+          </p:spPr>
+        </p:pic>
+        <p:sp>
+          <p:nvSpPr>
+            <p:cNvPr id="16" name="Textfeld 15"/>
+            <p:cNvSpPr txBox="1"/>
+            <p:nvPr/>
+          </p:nvSpPr>
+          <p:spPr>
+            <a:xfrm>
+              <a:off x="1827101" y="4881586"/>
+              <a:ext cx="1262087" cy="776025"/>
+            </a:xfrm>
+            <a:prstGeom prst="rect">
+              <a:avLst/>
+            </a:prstGeom>
+            <a:noFill/>
+          </p:spPr>
+          <p:txBody>
+            <a:bodyPr wrap="square" lIns="36000" tIns="36000" rIns="36000" bIns="36000" rtlCol="0">
+              <a:spAutoFit/>
+            </a:bodyPr>
+            <a:lstStyle/>
+            <a:p>
+              <a:pPr algn="ctr"/>
+              <a:r>
+                <a:rPr lang="de-CH" sz="700" dirty="0" smtClean="0"/>
+                <a:t>Fixed </a:t>
+              </a:r>
+              <a:r>
+                <a:rPr lang="de-CH" sz="700" dirty="0" err="1" smtClean="0"/>
+                <a:t>Costs</a:t>
+              </a:r>
+              <a:endParaRPr lang="de-CH" sz="900" dirty="0"/>
+            </a:p>
+          </p:txBody>
+        </p:sp>
+      </p:grpSp>
+      <p:grpSp>
+        <p:nvGrpSpPr>
+          <p:cNvPr id="17" name="Gruppieren 16"/>
+          <p:cNvGrpSpPr/>
+          <p:nvPr/>
+        </p:nvGrpSpPr>
+        <p:grpSpPr>
+          <a:xfrm>
+            <a:off x="653905" y="705178"/>
+            <a:ext cx="468629" cy="288147"/>
+            <a:chOff x="1827101" y="4872103"/>
+            <a:chExt cx="1262087" cy="776025"/>
+          </a:xfrm>
+        </p:grpSpPr>
+        <p:pic>
+          <p:nvPicPr>
+            <p:cNvPr id="18" name="Grafik 17"/>
+            <p:cNvPicPr>
+              <a:picLocks noChangeAspect="1"/>
+            </p:cNvPicPr>
+            <p:nvPr/>
+          </p:nvPicPr>
+          <p:blipFill>
+            <a:blip r:embed="rId6" cstate="print">
+              <a:extLst>
+                <a:ext uri="{28A0092B-C50C-407E-A947-70E740481C1C}">
+                  <a14:useLocalDpi xmlns:a14="http://schemas.microsoft.com/office/drawing/2010/main" val="0"/>
+                </a:ext>
+              </a:extLst>
+            </a:blip>
+            <a:stretch>
+              <a:fillRect/>
+            </a:stretch>
+          </p:blipFill>
+          <p:spPr>
+            <a:xfrm>
+              <a:off x="1827104" y="4904163"/>
+              <a:ext cx="1262082" cy="709924"/>
+            </a:xfrm>
+            <a:prstGeom prst="rect">
+              <a:avLst/>
+            </a:prstGeom>
+          </p:spPr>
+        </p:pic>
+        <p:sp>
+          <p:nvSpPr>
+            <p:cNvPr id="19" name="Textfeld 18"/>
+            <p:cNvSpPr txBox="1"/>
+            <p:nvPr/>
+          </p:nvSpPr>
+          <p:spPr>
+            <a:xfrm>
+              <a:off x="1827101" y="4872103"/>
+              <a:ext cx="1262087" cy="776025"/>
+            </a:xfrm>
+            <a:prstGeom prst="rect">
+              <a:avLst/>
+            </a:prstGeom>
+            <a:noFill/>
+          </p:spPr>
+          <p:txBody>
+            <a:bodyPr wrap="square" lIns="36000" tIns="36000" rIns="36000" bIns="36000" rtlCol="0">
+              <a:spAutoFit/>
+            </a:bodyPr>
+            <a:lstStyle/>
+            <a:p>
+              <a:pPr algn="ctr"/>
+              <a:r>
+                <a:rPr lang="de-CH" sz="700" dirty="0" smtClean="0"/>
+                <a:t>Variable </a:t>
+              </a:r>
+              <a:r>
+                <a:rPr lang="de-CH" sz="700" dirty="0" err="1" smtClean="0"/>
+                <a:t>Costs</a:t>
+              </a:r>
+              <a:endParaRPr lang="de-CH" sz="900" dirty="0"/>
+            </a:p>
+          </p:txBody>
+        </p:sp>
+      </p:grpSp>
+    </p:spTree>
+    <p:extLst>
+      <p:ext uri="{BB962C8B-B14F-4D97-AF65-F5344CB8AC3E}">
+        <p14:creationId xmlns:p14="http://schemas.microsoft.com/office/powerpoint/2010/main" val="1019539180"/>
+      </p:ext>
+    </p:extLst>
+  </p:cSld>
+  <p:clrMapOvr>
+    <a:masterClrMapping/>
+  </p:clrMapOvr>
+  <p:timing>
+    <p:tnLst>
+      <p:par>
+        <p:cTn id="1" dur="indefinite" restart="never" nodeType="tmRoot"/>
+      </p:par>
+    </p:tnLst>
+  </p:timing>
+</p:sld>
+</file>
+
+<file path=ppt/slides/slide10.xml><?xml version="1.0" encoding="utf-8"?>
+<p:sld xmlns:a="http://schemas.openxmlformats.org/drawingml/2006/main" xmlns:r="http://schemas.openxmlformats.org/officeDocument/2006/relationships" xmlns:p="http://schemas.openxmlformats.org/presentationml/2006/main">
+  <p:cSld>
+    <p:spTree>
+      <p:nvGrpSpPr>
+        <p:cNvPr id="1" name=""/>
+        <p:cNvGrpSpPr/>
+        <p:nvPr/>
+      </p:nvGrpSpPr>
+      <p:grpSpPr>
+        <a:xfrm>
+          <a:off x="0" y="0"/>
+          <a:ext cx="0" cy="0"/>
+          <a:chOff x="0" y="0"/>
+          <a:chExt cx="0" cy="0"/>
+        </a:xfrm>
+      </p:grpSpPr>
+      <p:sp>
+        <p:nvSpPr>
+          <p:cNvPr id="4" name="Rechteck 3"/>
+          <p:cNvSpPr/>
+          <p:nvPr/>
+        </p:nvSpPr>
+        <p:spPr>
+          <a:xfrm>
+            <a:off x="57664" y="57665"/>
+            <a:ext cx="12068433" cy="6738552"/>
+          </a:xfrm>
+          <a:prstGeom prst="rect">
+            <a:avLst/>
+          </a:prstGeom>
+          <a:solidFill>
+            <a:schemeClr val="bg1">
+              <a:lumMod val="95000"/>
+            </a:schemeClr>
+          </a:solidFill>
+          <a:ln w="76200">
+            <a:solidFill>
+              <a:srgbClr val="FF0000"/>
+            </a:solidFill>
+          </a:ln>
+        </p:spPr>
+        <p:style>
+          <a:lnRef idx="2">
+            <a:schemeClr val="accent1">
+              <a:shade val="50000"/>
+            </a:schemeClr>
+          </a:lnRef>
+          <a:fillRef idx="1">
+            <a:schemeClr val="accent1"/>
+          </a:fillRef>
+          <a:effectRef idx="0">
+            <a:schemeClr val="accent1"/>
+          </a:effectRef>
+          <a:fontRef idx="minor">
+            <a:schemeClr val="lt1"/>
+          </a:fontRef>
+        </p:style>
+        <p:txBody>
           <a:bodyPr rtlCol="0" anchor="ctr"/>
           <a:lstStyle/>
           <a:p>
@@ -4359,6 +5006,13 @@
         </p:nvPicPr>
         <p:blipFill>
           <a:blip r:embed="rId3">
+            <a:duotone>
+              <a:schemeClr val="accent1">
+                <a:shade val="45000"/>
+                <a:satMod val="135000"/>
+              </a:schemeClr>
+              <a:prstClr val="white"/>
+            </a:duotone>
             <a:extLst>
               <a:ext uri="{28A0092B-C50C-407E-A947-70E740481C1C}">
                 <a14:useLocalDpi xmlns:a14="http://schemas.microsoft.com/office/drawing/2010/main" val="0"/>
@@ -4381,14 +5035,14 @@
       </p:pic>
       <p:sp>
         <p:nvSpPr>
-          <p:cNvPr id="5" name="Rechteck 4"/>
+          <p:cNvPr id="6" name="Rechteck 5"/>
           <p:cNvSpPr/>
           <p:nvPr/>
         </p:nvSpPr>
         <p:spPr>
           <a:xfrm>
-            <a:off x="2355904" y="894664"/>
-            <a:ext cx="7199870" cy="5183793"/>
+            <a:off x="2224334" y="944415"/>
+            <a:ext cx="7199870" cy="4965052"/>
           </a:xfrm>
           <a:prstGeom prst="rect">
             <a:avLst/>
@@ -4430,17 +5084,24 @@
     </p:spTree>
     <p:extLst>
       <p:ext uri="{BB962C8B-B14F-4D97-AF65-F5344CB8AC3E}">
-        <p14:creationId xmlns:p14="http://schemas.microsoft.com/office/powerpoint/2010/main" val="3300122313"/>
+        <p14:creationId xmlns:p14="http://schemas.microsoft.com/office/powerpoint/2010/main" val="1653183672"/>
       </p:ext>
     </p:extLst>
   </p:cSld>
   <p:clrMapOvr>
     <a:masterClrMapping/>
   </p:clrMapOvr>
+  <p:timing>
+    <p:tnLst>
+      <p:par>
+        <p:cTn id="1" dur="indefinite" restart="never" nodeType="tmRoot"/>
+      </p:par>
+    </p:tnLst>
+  </p:timing>
 </p:sld>
 </file>
 
-<file path=ppt/slides/slide10.xml><?xml version="1.0" encoding="utf-8"?>
+<file path=ppt/slides/slide11.xml><?xml version="1.0" encoding="utf-8"?>
 <p:sld xmlns:a="http://schemas.openxmlformats.org/drawingml/2006/main" xmlns:r="http://schemas.openxmlformats.org/officeDocument/2006/relationships" xmlns:p="http://schemas.openxmlformats.org/presentationml/2006/main">
   <p:cSld>
     <p:spTree>
@@ -4613,6 +5274,171 @@
 </file>
 
 <file path=ppt/slides/slide2.xml><?xml version="1.0" encoding="utf-8"?>
+<p:sld xmlns:a="http://schemas.openxmlformats.org/drawingml/2006/main" xmlns:r="http://schemas.openxmlformats.org/officeDocument/2006/relationships" xmlns:p="http://schemas.openxmlformats.org/presentationml/2006/main">
+  <p:cSld>
+    <p:spTree>
+      <p:nvGrpSpPr>
+        <p:cNvPr id="1" name=""/>
+        <p:cNvGrpSpPr/>
+        <p:nvPr/>
+      </p:nvGrpSpPr>
+      <p:grpSpPr>
+        <a:xfrm>
+          <a:off x="0" y="0"/>
+          <a:ext cx="0" cy="0"/>
+          <a:chOff x="0" y="0"/>
+          <a:chExt cx="0" cy="0"/>
+        </a:xfrm>
+      </p:grpSpPr>
+      <p:sp>
+        <p:nvSpPr>
+          <p:cNvPr id="4" name="Rechteck 3"/>
+          <p:cNvSpPr/>
+          <p:nvPr/>
+        </p:nvSpPr>
+        <p:spPr>
+          <a:xfrm>
+            <a:off x="57664" y="57665"/>
+            <a:ext cx="12068433" cy="6738552"/>
+          </a:xfrm>
+          <a:prstGeom prst="rect">
+            <a:avLst/>
+          </a:prstGeom>
+          <a:solidFill>
+            <a:schemeClr val="bg1">
+              <a:lumMod val="95000"/>
+            </a:schemeClr>
+          </a:solidFill>
+          <a:ln w="76200">
+            <a:solidFill>
+              <a:schemeClr val="accent4"/>
+            </a:solidFill>
+          </a:ln>
+        </p:spPr>
+        <p:style>
+          <a:lnRef idx="2">
+            <a:schemeClr val="accent1">
+              <a:shade val="50000"/>
+            </a:schemeClr>
+          </a:lnRef>
+          <a:fillRef idx="1">
+            <a:schemeClr val="accent1"/>
+          </a:fillRef>
+          <a:effectRef idx="0">
+            <a:schemeClr val="accent1"/>
+          </a:effectRef>
+          <a:fontRef idx="minor">
+            <a:schemeClr val="lt1"/>
+          </a:fontRef>
+        </p:style>
+        <p:txBody>
+          <a:bodyPr rtlCol="0" anchor="ctr"/>
+          <a:lstStyle/>
+          <a:p>
+            <a:pPr algn="ctr"/>
+            <a:endParaRPr lang="de-CH"/>
+          </a:p>
+        </p:txBody>
+      </p:sp>
+      <p:pic>
+        <p:nvPicPr>
+          <p:cNvPr id="2" name="Grafik 1"/>
+          <p:cNvPicPr>
+            <a:picLocks noChangeAspect="1"/>
+          </p:cNvPicPr>
+          <p:nvPr/>
+        </p:nvPicPr>
+        <p:blipFill>
+          <a:blip r:embed="rId3">
+            <a:extLst>
+              <a:ext uri="{28A0092B-C50C-407E-A947-70E740481C1C}">
+                <a14:useLocalDpi xmlns:a14="http://schemas.microsoft.com/office/drawing/2010/main" val="0"/>
+              </a:ext>
+            </a:extLst>
+          </a:blip>
+          <a:stretch>
+            <a:fillRect/>
+          </a:stretch>
+        </p:blipFill>
+        <p:spPr>
+          <a:xfrm>
+            <a:off x="3657905" y="990905"/>
+            <a:ext cx="4876190" cy="4876190"/>
+          </a:xfrm>
+          <a:prstGeom prst="rect">
+            <a:avLst/>
+          </a:prstGeom>
+        </p:spPr>
+      </p:pic>
+      <p:sp>
+        <p:nvSpPr>
+          <p:cNvPr id="5" name="Rechteck 4"/>
+          <p:cNvSpPr/>
+          <p:nvPr/>
+        </p:nvSpPr>
+        <p:spPr>
+          <a:xfrm>
+            <a:off x="2355904" y="894664"/>
+            <a:ext cx="7199870" cy="5183793"/>
+          </a:xfrm>
+          <a:prstGeom prst="rect">
+            <a:avLst/>
+          </a:prstGeom>
+          <a:solidFill>
+            <a:srgbClr val="F2F2F2">
+              <a:alpha val="60000"/>
+            </a:srgbClr>
+          </a:solidFill>
+          <a:ln w="76200">
+            <a:noFill/>
+          </a:ln>
+        </p:spPr>
+        <p:style>
+          <a:lnRef idx="2">
+            <a:schemeClr val="accent1">
+              <a:shade val="50000"/>
+            </a:schemeClr>
+          </a:lnRef>
+          <a:fillRef idx="1">
+            <a:schemeClr val="accent1"/>
+          </a:fillRef>
+          <a:effectRef idx="0">
+            <a:schemeClr val="accent1"/>
+          </a:effectRef>
+          <a:fontRef idx="minor">
+            <a:schemeClr val="lt1"/>
+          </a:fontRef>
+        </p:style>
+        <p:txBody>
+          <a:bodyPr rtlCol="0" anchor="ctr"/>
+          <a:lstStyle/>
+          <a:p>
+            <a:pPr algn="ctr"/>
+            <a:endParaRPr lang="de-CH"/>
+          </a:p>
+        </p:txBody>
+      </p:sp>
+    </p:spTree>
+    <p:extLst>
+      <p:ext uri="{BB962C8B-B14F-4D97-AF65-F5344CB8AC3E}">
+        <p14:creationId xmlns:p14="http://schemas.microsoft.com/office/powerpoint/2010/main" val="3300122313"/>
+      </p:ext>
+    </p:extLst>
+  </p:cSld>
+  <p:clrMapOvr>
+    <a:masterClrMapping/>
+  </p:clrMapOvr>
+  <p:timing>
+    <p:tnLst>
+      <p:par>
+        <p:cTn id="1" dur="indefinite" restart="never" nodeType="tmRoot"/>
+      </p:par>
+    </p:tnLst>
+  </p:timing>
+</p:sld>
+</file>
+
+<file path=ppt/slides/slide3.xml><?xml version="1.0" encoding="utf-8"?>
 <p:sld xmlns:a="http://schemas.openxmlformats.org/drawingml/2006/main" xmlns:r="http://schemas.openxmlformats.org/officeDocument/2006/relationships" xmlns:p="http://schemas.openxmlformats.org/presentationml/2006/main">
   <p:cSld>
     <p:spTree>
@@ -4773,7 +5599,7 @@
 </p:sld>
 </file>
 
-<file path=ppt/slides/slide3.xml><?xml version="1.0" encoding="utf-8"?>
+<file path=ppt/slides/slide4.xml><?xml version="1.0" encoding="utf-8"?>
 <p:sld xmlns:a="http://schemas.openxmlformats.org/drawingml/2006/main" xmlns:r="http://schemas.openxmlformats.org/officeDocument/2006/relationships" xmlns:p="http://schemas.openxmlformats.org/presentationml/2006/main">
   <p:cSld>
     <p:spTree>
@@ -4931,7 +5757,7 @@
 </p:sld>
 </file>
 
-<file path=ppt/slides/slide4.xml><?xml version="1.0" encoding="utf-8"?>
+<file path=ppt/slides/slide5.xml><?xml version="1.0" encoding="utf-8"?>
 <p:sld xmlns:a="http://schemas.openxmlformats.org/drawingml/2006/main" xmlns:r="http://schemas.openxmlformats.org/officeDocument/2006/relationships" xmlns:p="http://schemas.openxmlformats.org/presentationml/2006/main">
   <p:cSld>
     <p:spTree>
@@ -5091,7 +5917,7 @@
 </p:sld>
 </file>
 
-<file path=ppt/slides/slide5.xml><?xml version="1.0" encoding="utf-8"?>
+<file path=ppt/slides/slide6.xml><?xml version="1.0" encoding="utf-8"?>
 <p:sld xmlns:a="http://schemas.openxmlformats.org/drawingml/2006/main" xmlns:r="http://schemas.openxmlformats.org/officeDocument/2006/relationships" xmlns:p="http://schemas.openxmlformats.org/presentationml/2006/main">
   <p:cSld>
     <p:spTree>
@@ -5252,7 +6078,7 @@
 </p:sld>
 </file>
 
-<file path=ppt/slides/slide6.xml><?xml version="1.0" encoding="utf-8"?>
+<file path=ppt/slides/slide7.xml><?xml version="1.0" encoding="utf-8"?>
 <p:sld xmlns:a="http://schemas.openxmlformats.org/drawingml/2006/main" xmlns:r="http://schemas.openxmlformats.org/officeDocument/2006/relationships" xmlns:p="http://schemas.openxmlformats.org/presentationml/2006/main">
   <p:cSld>
     <p:spTree>
@@ -5410,7 +6236,7 @@
 </p:sld>
 </file>
 
-<file path=ppt/slides/slide7.xml><?xml version="1.0" encoding="utf-8"?>
+<file path=ppt/slides/slide8.xml><?xml version="1.0" encoding="utf-8"?>
 <p:sld xmlns:a="http://schemas.openxmlformats.org/drawingml/2006/main" xmlns:r="http://schemas.openxmlformats.org/officeDocument/2006/relationships" xmlns:p="http://schemas.openxmlformats.org/presentationml/2006/main">
   <p:cSld>
     <p:spTree>
@@ -5570,7 +6396,7 @@
 </p:sld>
 </file>
 
-<file path=ppt/slides/slide8.xml><?xml version="1.0" encoding="utf-8"?>
+<file path=ppt/slides/slide9.xml><?xml version="1.0" encoding="utf-8"?>
 <p:sld xmlns:a="http://schemas.openxmlformats.org/drawingml/2006/main" xmlns:r="http://schemas.openxmlformats.org/officeDocument/2006/relationships" xmlns:p="http://schemas.openxmlformats.org/presentationml/2006/main">
   <p:cSld>
     <p:spTree>
@@ -5725,178 +6551,6 @@
   <p:clrMapOvr>
     <a:masterClrMapping/>
   </p:clrMapOvr>
-</p:sld>
-</file>
-
-<file path=ppt/slides/slide9.xml><?xml version="1.0" encoding="utf-8"?>
-<p:sld xmlns:a="http://schemas.openxmlformats.org/drawingml/2006/main" xmlns:r="http://schemas.openxmlformats.org/officeDocument/2006/relationships" xmlns:p="http://schemas.openxmlformats.org/presentationml/2006/main">
-  <p:cSld>
-    <p:spTree>
-      <p:nvGrpSpPr>
-        <p:cNvPr id="1" name=""/>
-        <p:cNvGrpSpPr/>
-        <p:nvPr/>
-      </p:nvGrpSpPr>
-      <p:grpSpPr>
-        <a:xfrm>
-          <a:off x="0" y="0"/>
-          <a:ext cx="0" cy="0"/>
-          <a:chOff x="0" y="0"/>
-          <a:chExt cx="0" cy="0"/>
-        </a:xfrm>
-      </p:grpSpPr>
-      <p:sp>
-        <p:nvSpPr>
-          <p:cNvPr id="4" name="Rechteck 3"/>
-          <p:cNvSpPr/>
-          <p:nvPr/>
-        </p:nvSpPr>
-        <p:spPr>
-          <a:xfrm>
-            <a:off x="57664" y="57665"/>
-            <a:ext cx="12068433" cy="6738552"/>
-          </a:xfrm>
-          <a:prstGeom prst="rect">
-            <a:avLst/>
-          </a:prstGeom>
-          <a:solidFill>
-            <a:schemeClr val="bg1">
-              <a:lumMod val="95000"/>
-            </a:schemeClr>
-          </a:solidFill>
-          <a:ln w="76200">
-            <a:solidFill>
-              <a:srgbClr val="FF0000"/>
-            </a:solidFill>
-          </a:ln>
-        </p:spPr>
-        <p:style>
-          <a:lnRef idx="2">
-            <a:schemeClr val="accent1">
-              <a:shade val="50000"/>
-            </a:schemeClr>
-          </a:lnRef>
-          <a:fillRef idx="1">
-            <a:schemeClr val="accent1"/>
-          </a:fillRef>
-          <a:effectRef idx="0">
-            <a:schemeClr val="accent1"/>
-          </a:effectRef>
-          <a:fontRef idx="minor">
-            <a:schemeClr val="lt1"/>
-          </a:fontRef>
-        </p:style>
-        <p:txBody>
-          <a:bodyPr rtlCol="0" anchor="ctr"/>
-          <a:lstStyle/>
-          <a:p>
-            <a:pPr algn="ctr"/>
-            <a:endParaRPr lang="de-CH"/>
-          </a:p>
-        </p:txBody>
-      </p:sp>
-      <p:pic>
-        <p:nvPicPr>
-          <p:cNvPr id="2" name="Grafik 1"/>
-          <p:cNvPicPr>
-            <a:picLocks noChangeAspect="1"/>
-          </p:cNvPicPr>
-          <p:nvPr/>
-        </p:nvPicPr>
-        <p:blipFill>
-          <a:blip r:embed="rId3">
-            <a:duotone>
-              <a:schemeClr val="accent1">
-                <a:shade val="45000"/>
-                <a:satMod val="135000"/>
-              </a:schemeClr>
-              <a:prstClr val="white"/>
-            </a:duotone>
-            <a:extLst>
-              <a:ext uri="{28A0092B-C50C-407E-A947-70E740481C1C}">
-                <a14:useLocalDpi xmlns:a14="http://schemas.microsoft.com/office/drawing/2010/main" val="0"/>
-              </a:ext>
-            </a:extLst>
-          </a:blip>
-          <a:stretch>
-            <a:fillRect/>
-          </a:stretch>
-        </p:blipFill>
-        <p:spPr>
-          <a:xfrm>
-            <a:off x="3657905" y="990905"/>
-            <a:ext cx="4876190" cy="4876190"/>
-          </a:xfrm>
-          <a:prstGeom prst="rect">
-            <a:avLst/>
-          </a:prstGeom>
-        </p:spPr>
-      </p:pic>
-      <p:sp>
-        <p:nvSpPr>
-          <p:cNvPr id="6" name="Rechteck 5"/>
-          <p:cNvSpPr/>
-          <p:nvPr/>
-        </p:nvSpPr>
-        <p:spPr>
-          <a:xfrm>
-            <a:off x="2224334" y="944415"/>
-            <a:ext cx="7199870" cy="4965052"/>
-          </a:xfrm>
-          <a:prstGeom prst="rect">
-            <a:avLst/>
-          </a:prstGeom>
-          <a:solidFill>
-            <a:srgbClr val="F2F2F2">
-              <a:alpha val="60000"/>
-            </a:srgbClr>
-          </a:solidFill>
-          <a:ln w="76200">
-            <a:noFill/>
-          </a:ln>
-        </p:spPr>
-        <p:style>
-          <a:lnRef idx="2">
-            <a:schemeClr val="accent1">
-              <a:shade val="50000"/>
-            </a:schemeClr>
-          </a:lnRef>
-          <a:fillRef idx="1">
-            <a:schemeClr val="accent1"/>
-          </a:fillRef>
-          <a:effectRef idx="0">
-            <a:schemeClr val="accent1"/>
-          </a:effectRef>
-          <a:fontRef idx="minor">
-            <a:schemeClr val="lt1"/>
-          </a:fontRef>
-        </p:style>
-        <p:txBody>
-          <a:bodyPr rtlCol="0" anchor="ctr"/>
-          <a:lstStyle/>
-          <a:p>
-            <a:pPr algn="ctr"/>
-            <a:endParaRPr lang="de-CH"/>
-          </a:p>
-        </p:txBody>
-      </p:sp>
-    </p:spTree>
-    <p:extLst>
-      <p:ext uri="{BB962C8B-B14F-4D97-AF65-F5344CB8AC3E}">
-        <p14:creationId xmlns:p14="http://schemas.microsoft.com/office/powerpoint/2010/main" val="1653183672"/>
-      </p:ext>
-    </p:extLst>
-  </p:cSld>
-  <p:clrMapOvr>
-    <a:masterClrMapping/>
-  </p:clrMapOvr>
-  <p:timing>
-    <p:tnLst>
-      <p:par>
-        <p:cTn id="1" dur="indefinite" restart="never" nodeType="tmRoot"/>
-      </p:par>
-    </p:tnLst>
-  </p:timing>
 </p:sld>
 </file>
 

--- a/images/stickyNotes.pptx
+++ b/images/stickyNotes.pptx
@@ -5,20 +5,34 @@
     <p:sldMasterId id="2147483648" r:id="rId1"/>
   </p:sldMasterIdLst>
   <p:notesMasterIdLst>
-    <p:notesMasterId r:id="rId13"/>
+    <p:notesMasterId r:id="rId27"/>
   </p:notesMasterIdLst>
   <p:sldIdLst>
     <p:sldId id="267" r:id="rId2"/>
-    <p:sldId id="257" r:id="rId3"/>
-    <p:sldId id="261" r:id="rId4"/>
-    <p:sldId id="258" r:id="rId5"/>
-    <p:sldId id="262" r:id="rId6"/>
-    <p:sldId id="256" r:id="rId7"/>
-    <p:sldId id="264" r:id="rId8"/>
-    <p:sldId id="263" r:id="rId9"/>
-    <p:sldId id="260" r:id="rId10"/>
-    <p:sldId id="265" r:id="rId11"/>
-    <p:sldId id="266" r:id="rId12"/>
+    <p:sldId id="268" r:id="rId3"/>
+    <p:sldId id="270" r:id="rId4"/>
+    <p:sldId id="271" r:id="rId5"/>
+    <p:sldId id="272" r:id="rId6"/>
+    <p:sldId id="273" r:id="rId7"/>
+    <p:sldId id="274" r:id="rId8"/>
+    <p:sldId id="257" r:id="rId9"/>
+    <p:sldId id="261" r:id="rId10"/>
+    <p:sldId id="278" r:id="rId11"/>
+    <p:sldId id="279" r:id="rId12"/>
+    <p:sldId id="280" r:id="rId13"/>
+    <p:sldId id="281" r:id="rId14"/>
+    <p:sldId id="282" r:id="rId15"/>
+    <p:sldId id="283" r:id="rId16"/>
+    <p:sldId id="284" r:id="rId17"/>
+    <p:sldId id="275" r:id="rId18"/>
+    <p:sldId id="258" r:id="rId19"/>
+    <p:sldId id="262" r:id="rId20"/>
+    <p:sldId id="256" r:id="rId21"/>
+    <p:sldId id="264" r:id="rId22"/>
+    <p:sldId id="263" r:id="rId23"/>
+    <p:sldId id="260" r:id="rId24"/>
+    <p:sldId id="265" r:id="rId25"/>
+    <p:sldId id="266" r:id="rId26"/>
   </p:sldIdLst>
   <p:sldSz cx="12192000" cy="6858000"/>
   <p:notesSz cx="6858000" cy="9144000"/>
@@ -207,7 +221,7 @@
           <a:p>
             <a:fld id="{EC75A01B-47F4-4A72-B313-CDCBEB24B9AA}" type="datetimeFigureOut">
               <a:rPr lang="de-CH" smtClean="0"/>
-              <a:t>19.12.2019</a:t>
+              <a:t>21.02.2020</a:t>
             </a:fld>
             <a:endParaRPr lang="de-CH"/>
           </a:p>
@@ -271,35 +285,35 @@
           <a:p>
             <a:pPr lvl="0"/>
             <a:r>
-              <a:rPr lang="de-DE" smtClean="0"/>
+              <a:rPr lang="de-DE"/>
               <a:t>Formatvorlagen des Textmasters bearbeiten</a:t>
             </a:r>
           </a:p>
           <a:p>
             <a:pPr lvl="1"/>
             <a:r>
-              <a:rPr lang="de-DE" smtClean="0"/>
+              <a:rPr lang="de-DE"/>
               <a:t>Zweite Ebene</a:t>
             </a:r>
           </a:p>
           <a:p>
             <a:pPr lvl="2"/>
             <a:r>
-              <a:rPr lang="de-DE" smtClean="0"/>
+              <a:rPr lang="de-DE"/>
               <a:t>Dritte Ebene</a:t>
             </a:r>
           </a:p>
           <a:p>
             <a:pPr lvl="3"/>
             <a:r>
-              <a:rPr lang="de-DE" smtClean="0"/>
+              <a:rPr lang="de-DE"/>
               <a:t>Vierte Ebene</a:t>
             </a:r>
           </a:p>
           <a:p>
             <a:pPr lvl="4"/>
             <a:r>
-              <a:rPr lang="de-DE" smtClean="0"/>
+              <a:rPr lang="de-DE"/>
               <a:t>Fünfte Ebene</a:t>
             </a:r>
             <a:endParaRPr lang="de-CH"/>
@@ -520,11 +534,11 @@
           <a:lstStyle/>
           <a:p>
             <a:r>
-              <a:rPr lang="de-CH" dirty="0" smtClean="0"/>
+              <a:rPr lang="de-CH" dirty="0"/>
               <a:t>Panel-</a:t>
             </a:r>
             <a:r>
-              <a:rPr lang="de-CH" dirty="0" err="1" smtClean="0"/>
+              <a:rPr lang="de-CH" dirty="0" err="1"/>
               <a:t>example</a:t>
             </a:r>
             <a:endParaRPr lang="de-CH" dirty="0"/>
@@ -611,35 +625,27 @@
           <a:bodyPr/>
           <a:lstStyle/>
           <a:p>
-            <a:r>
-              <a:rPr lang="de-CH" dirty="0" err="1" smtClean="0"/>
-              <a:t>Cost</a:t>
-            </a:r>
-            <a:r>
-              <a:rPr lang="de-CH" baseline="0" dirty="0" smtClean="0"/>
-              <a:t> </a:t>
-            </a:r>
-            <a:r>
-              <a:rPr lang="de-CH" baseline="0" dirty="0" err="1" smtClean="0"/>
-              <a:t>Structure</a:t>
-            </a:r>
-            <a:r>
-              <a:rPr lang="de-CH" baseline="0" dirty="0" smtClean="0"/>
-              <a:t> – </a:t>
-            </a:r>
-            <a:r>
-              <a:rPr lang="de-CH" baseline="0" dirty="0" err="1" smtClean="0"/>
-              <a:t>fixed</a:t>
-            </a:r>
-            <a:r>
-              <a:rPr lang="de-CH" baseline="0" dirty="0" smtClean="0"/>
-              <a:t> </a:t>
-            </a:r>
-            <a:r>
-              <a:rPr lang="de-CH" baseline="0" dirty="0" err="1" smtClean="0"/>
-              <a:t>Costs</a:t>
-            </a:r>
-            <a:endParaRPr lang="de-CH" dirty="0"/>
+            <a:pPr marL="0" marR="0" lvl="0" indent="0" algn="l" defTabSz="914400" rtl="0" eaLnBrk="1" fontAlgn="auto" latinLnBrk="0" hangingPunct="1">
+              <a:lnSpc>
+                <a:spcPct val="100000"/>
+              </a:lnSpc>
+              <a:spcBef>
+                <a:spcPts val="0"/>
+              </a:spcBef>
+              <a:spcAft>
+                <a:spcPts val="0"/>
+              </a:spcAft>
+              <a:buClrTx/>
+              <a:buSzTx/>
+              <a:buFontTx/>
+              <a:buNone/>
+              <a:tabLst/>
+              <a:defRPr/>
+            </a:pPr>
+            <a:r>
+              <a:rPr lang="de-CH" dirty="0"/>
+              <a:t>Customer Segments</a:t>
+            </a:r>
           </a:p>
         </p:txBody>
       </p:sp>
@@ -669,7 +675,7 @@
     </p:spTree>
     <p:extLst>
       <p:ext uri="{BB962C8B-B14F-4D97-AF65-F5344CB8AC3E}">
-        <p14:creationId xmlns:p14="http://schemas.microsoft.com/office/powerpoint/2010/main" val="308482155"/>
+        <p14:creationId xmlns:p14="http://schemas.microsoft.com/office/powerpoint/2010/main" val="1183932288"/>
       </p:ext>
     </p:extLst>
   </p:cSld>
@@ -723,27 +729,27 @@
           <a:bodyPr/>
           <a:lstStyle/>
           <a:p>
-            <a:r>
-              <a:rPr lang="de-CH" dirty="0" err="1" smtClean="0"/>
-              <a:t>Cost</a:t>
-            </a:r>
-            <a:r>
-              <a:rPr lang="de-CH" baseline="0" dirty="0" smtClean="0"/>
-              <a:t> </a:t>
-            </a:r>
-            <a:r>
-              <a:rPr lang="de-CH" baseline="0" dirty="0" err="1" smtClean="0"/>
-              <a:t>Structure</a:t>
-            </a:r>
-            <a:r>
-              <a:rPr lang="de-CH" baseline="0" dirty="0" smtClean="0"/>
-              <a:t> – Variable </a:t>
-            </a:r>
-            <a:r>
-              <a:rPr lang="de-CH" baseline="0" dirty="0" err="1" smtClean="0"/>
-              <a:t>Costs</a:t>
-            </a:r>
-            <a:endParaRPr lang="de-CH" dirty="0"/>
+            <a:pPr marL="0" marR="0" lvl="0" indent="0" algn="l" defTabSz="914400" rtl="0" eaLnBrk="1" fontAlgn="auto" latinLnBrk="0" hangingPunct="1">
+              <a:lnSpc>
+                <a:spcPct val="100000"/>
+              </a:lnSpc>
+              <a:spcBef>
+                <a:spcPts val="0"/>
+              </a:spcBef>
+              <a:spcAft>
+                <a:spcPts val="0"/>
+              </a:spcAft>
+              <a:buClrTx/>
+              <a:buSzTx/>
+              <a:buFontTx/>
+              <a:buNone/>
+              <a:tabLst/>
+              <a:defRPr/>
+            </a:pPr>
+            <a:r>
+              <a:rPr lang="de-CH" dirty="0"/>
+              <a:t>Customer Segments</a:t>
+            </a:r>
           </a:p>
         </p:txBody>
       </p:sp>
@@ -773,7 +779,810 @@
     </p:spTree>
     <p:extLst>
       <p:ext uri="{BB962C8B-B14F-4D97-AF65-F5344CB8AC3E}">
-        <p14:creationId xmlns:p14="http://schemas.microsoft.com/office/powerpoint/2010/main" val="3385933860"/>
+        <p14:creationId xmlns:p14="http://schemas.microsoft.com/office/powerpoint/2010/main" val="37822055"/>
+      </p:ext>
+    </p:extLst>
+  </p:cSld>
+  <p:clrMapOvr>
+    <a:masterClrMapping/>
+  </p:clrMapOvr>
+</p:notes>
+</file>
+
+<file path=ppt/notesSlides/notesSlide12.xml><?xml version="1.0" encoding="utf-8"?>
+<p:notes xmlns:a="http://schemas.openxmlformats.org/drawingml/2006/main" xmlns:r="http://schemas.openxmlformats.org/officeDocument/2006/relationships" xmlns:p="http://schemas.openxmlformats.org/presentationml/2006/main">
+  <p:cSld>
+    <p:spTree>
+      <p:nvGrpSpPr>
+        <p:cNvPr id="1" name=""/>
+        <p:cNvGrpSpPr/>
+        <p:nvPr/>
+      </p:nvGrpSpPr>
+      <p:grpSpPr>
+        <a:xfrm>
+          <a:off x="0" y="0"/>
+          <a:ext cx="0" cy="0"/>
+          <a:chOff x="0" y="0"/>
+          <a:chExt cx="0" cy="0"/>
+        </a:xfrm>
+      </p:grpSpPr>
+      <p:sp>
+        <p:nvSpPr>
+          <p:cNvPr id="2" name="Folienbildplatzhalter 1"/>
+          <p:cNvSpPr>
+            <a:spLocks noGrp="1" noRot="1" noChangeAspect="1"/>
+          </p:cNvSpPr>
+          <p:nvPr>
+            <p:ph type="sldImg"/>
+          </p:nvPr>
+        </p:nvSpPr>
+        <p:spPr/>
+      </p:sp>
+      <p:sp>
+        <p:nvSpPr>
+          <p:cNvPr id="3" name="Notizenplatzhalter 2"/>
+          <p:cNvSpPr>
+            <a:spLocks noGrp="1"/>
+          </p:cNvSpPr>
+          <p:nvPr>
+            <p:ph type="body" idx="1"/>
+          </p:nvPr>
+        </p:nvSpPr>
+        <p:spPr/>
+        <p:txBody>
+          <a:bodyPr/>
+          <a:lstStyle/>
+          <a:p>
+            <a:pPr marL="0" marR="0" lvl="0" indent="0" algn="l" defTabSz="914400" rtl="0" eaLnBrk="1" fontAlgn="auto" latinLnBrk="0" hangingPunct="1">
+              <a:lnSpc>
+                <a:spcPct val="100000"/>
+              </a:lnSpc>
+              <a:spcBef>
+                <a:spcPts val="0"/>
+              </a:spcBef>
+              <a:spcAft>
+                <a:spcPts val="0"/>
+              </a:spcAft>
+              <a:buClrTx/>
+              <a:buSzTx/>
+              <a:buFontTx/>
+              <a:buNone/>
+              <a:tabLst/>
+              <a:defRPr/>
+            </a:pPr>
+            <a:r>
+              <a:rPr lang="de-CH" dirty="0"/>
+              <a:t>Customer Segments</a:t>
+            </a:r>
+          </a:p>
+        </p:txBody>
+      </p:sp>
+      <p:sp>
+        <p:nvSpPr>
+          <p:cNvPr id="4" name="Foliennummernplatzhalter 3"/>
+          <p:cNvSpPr>
+            <a:spLocks noGrp="1"/>
+          </p:cNvSpPr>
+          <p:nvPr>
+            <p:ph type="sldNum" sz="quarter" idx="10"/>
+          </p:nvPr>
+        </p:nvSpPr>
+        <p:spPr/>
+        <p:txBody>
+          <a:bodyPr/>
+          <a:lstStyle/>
+          <a:p>
+            <a:fld id="{4881369C-B37E-416F-A200-175D84A25902}" type="slidenum">
+              <a:rPr lang="de-CH" smtClean="0"/>
+              <a:t>12</a:t>
+            </a:fld>
+            <a:endParaRPr lang="de-CH"/>
+          </a:p>
+        </p:txBody>
+      </p:sp>
+    </p:spTree>
+    <p:extLst>
+      <p:ext uri="{BB962C8B-B14F-4D97-AF65-F5344CB8AC3E}">
+        <p14:creationId xmlns:p14="http://schemas.microsoft.com/office/powerpoint/2010/main" val="1169127245"/>
+      </p:ext>
+    </p:extLst>
+  </p:cSld>
+  <p:clrMapOvr>
+    <a:masterClrMapping/>
+  </p:clrMapOvr>
+</p:notes>
+</file>
+
+<file path=ppt/notesSlides/notesSlide13.xml><?xml version="1.0" encoding="utf-8"?>
+<p:notes xmlns:a="http://schemas.openxmlformats.org/drawingml/2006/main" xmlns:r="http://schemas.openxmlformats.org/officeDocument/2006/relationships" xmlns:p="http://schemas.openxmlformats.org/presentationml/2006/main">
+  <p:cSld>
+    <p:spTree>
+      <p:nvGrpSpPr>
+        <p:cNvPr id="1" name=""/>
+        <p:cNvGrpSpPr/>
+        <p:nvPr/>
+      </p:nvGrpSpPr>
+      <p:grpSpPr>
+        <a:xfrm>
+          <a:off x="0" y="0"/>
+          <a:ext cx="0" cy="0"/>
+          <a:chOff x="0" y="0"/>
+          <a:chExt cx="0" cy="0"/>
+        </a:xfrm>
+      </p:grpSpPr>
+      <p:sp>
+        <p:nvSpPr>
+          <p:cNvPr id="2" name="Folienbildplatzhalter 1"/>
+          <p:cNvSpPr>
+            <a:spLocks noGrp="1" noRot="1" noChangeAspect="1"/>
+          </p:cNvSpPr>
+          <p:nvPr>
+            <p:ph type="sldImg"/>
+          </p:nvPr>
+        </p:nvSpPr>
+        <p:spPr/>
+      </p:sp>
+      <p:sp>
+        <p:nvSpPr>
+          <p:cNvPr id="3" name="Notizenplatzhalter 2"/>
+          <p:cNvSpPr>
+            <a:spLocks noGrp="1"/>
+          </p:cNvSpPr>
+          <p:nvPr>
+            <p:ph type="body" idx="1"/>
+          </p:nvPr>
+        </p:nvSpPr>
+        <p:spPr/>
+        <p:txBody>
+          <a:bodyPr/>
+          <a:lstStyle/>
+          <a:p>
+            <a:pPr marL="0" marR="0" lvl="0" indent="0" algn="l" defTabSz="914400" rtl="0" eaLnBrk="1" fontAlgn="auto" latinLnBrk="0" hangingPunct="1">
+              <a:lnSpc>
+                <a:spcPct val="100000"/>
+              </a:lnSpc>
+              <a:spcBef>
+                <a:spcPts val="0"/>
+              </a:spcBef>
+              <a:spcAft>
+                <a:spcPts val="0"/>
+              </a:spcAft>
+              <a:buClrTx/>
+              <a:buSzTx/>
+              <a:buFontTx/>
+              <a:buNone/>
+              <a:tabLst/>
+              <a:defRPr/>
+            </a:pPr>
+            <a:r>
+              <a:rPr lang="de-CH" dirty="0"/>
+              <a:t>Customer Segments</a:t>
+            </a:r>
+          </a:p>
+        </p:txBody>
+      </p:sp>
+      <p:sp>
+        <p:nvSpPr>
+          <p:cNvPr id="4" name="Foliennummernplatzhalter 3"/>
+          <p:cNvSpPr>
+            <a:spLocks noGrp="1"/>
+          </p:cNvSpPr>
+          <p:nvPr>
+            <p:ph type="sldNum" sz="quarter" idx="10"/>
+          </p:nvPr>
+        </p:nvSpPr>
+        <p:spPr/>
+        <p:txBody>
+          <a:bodyPr/>
+          <a:lstStyle/>
+          <a:p>
+            <a:fld id="{4881369C-B37E-416F-A200-175D84A25902}" type="slidenum">
+              <a:rPr lang="de-CH" smtClean="0"/>
+              <a:t>13</a:t>
+            </a:fld>
+            <a:endParaRPr lang="de-CH"/>
+          </a:p>
+        </p:txBody>
+      </p:sp>
+    </p:spTree>
+    <p:extLst>
+      <p:ext uri="{BB962C8B-B14F-4D97-AF65-F5344CB8AC3E}">
+        <p14:creationId xmlns:p14="http://schemas.microsoft.com/office/powerpoint/2010/main" val="2538581555"/>
+      </p:ext>
+    </p:extLst>
+  </p:cSld>
+  <p:clrMapOvr>
+    <a:masterClrMapping/>
+  </p:clrMapOvr>
+</p:notes>
+</file>
+
+<file path=ppt/notesSlides/notesSlide14.xml><?xml version="1.0" encoding="utf-8"?>
+<p:notes xmlns:a="http://schemas.openxmlformats.org/drawingml/2006/main" xmlns:r="http://schemas.openxmlformats.org/officeDocument/2006/relationships" xmlns:p="http://schemas.openxmlformats.org/presentationml/2006/main">
+  <p:cSld>
+    <p:spTree>
+      <p:nvGrpSpPr>
+        <p:cNvPr id="1" name=""/>
+        <p:cNvGrpSpPr/>
+        <p:nvPr/>
+      </p:nvGrpSpPr>
+      <p:grpSpPr>
+        <a:xfrm>
+          <a:off x="0" y="0"/>
+          <a:ext cx="0" cy="0"/>
+          <a:chOff x="0" y="0"/>
+          <a:chExt cx="0" cy="0"/>
+        </a:xfrm>
+      </p:grpSpPr>
+      <p:sp>
+        <p:nvSpPr>
+          <p:cNvPr id="2" name="Folienbildplatzhalter 1"/>
+          <p:cNvSpPr>
+            <a:spLocks noGrp="1" noRot="1" noChangeAspect="1"/>
+          </p:cNvSpPr>
+          <p:nvPr>
+            <p:ph type="sldImg"/>
+          </p:nvPr>
+        </p:nvSpPr>
+        <p:spPr/>
+      </p:sp>
+      <p:sp>
+        <p:nvSpPr>
+          <p:cNvPr id="3" name="Notizenplatzhalter 2"/>
+          <p:cNvSpPr>
+            <a:spLocks noGrp="1"/>
+          </p:cNvSpPr>
+          <p:nvPr>
+            <p:ph type="body" idx="1"/>
+          </p:nvPr>
+        </p:nvSpPr>
+        <p:spPr/>
+        <p:txBody>
+          <a:bodyPr/>
+          <a:lstStyle/>
+          <a:p>
+            <a:pPr marL="0" marR="0" lvl="0" indent="0" algn="l" defTabSz="914400" rtl="0" eaLnBrk="1" fontAlgn="auto" latinLnBrk="0" hangingPunct="1">
+              <a:lnSpc>
+                <a:spcPct val="100000"/>
+              </a:lnSpc>
+              <a:spcBef>
+                <a:spcPts val="0"/>
+              </a:spcBef>
+              <a:spcAft>
+                <a:spcPts val="0"/>
+              </a:spcAft>
+              <a:buClrTx/>
+              <a:buSzTx/>
+              <a:buFontTx/>
+              <a:buNone/>
+              <a:tabLst/>
+              <a:defRPr/>
+            </a:pPr>
+            <a:r>
+              <a:rPr lang="de-CH" dirty="0"/>
+              <a:t>Customer Segments</a:t>
+            </a:r>
+          </a:p>
+        </p:txBody>
+      </p:sp>
+      <p:sp>
+        <p:nvSpPr>
+          <p:cNvPr id="4" name="Foliennummernplatzhalter 3"/>
+          <p:cNvSpPr>
+            <a:spLocks noGrp="1"/>
+          </p:cNvSpPr>
+          <p:nvPr>
+            <p:ph type="sldNum" sz="quarter" idx="10"/>
+          </p:nvPr>
+        </p:nvSpPr>
+        <p:spPr/>
+        <p:txBody>
+          <a:bodyPr/>
+          <a:lstStyle/>
+          <a:p>
+            <a:fld id="{4881369C-B37E-416F-A200-175D84A25902}" type="slidenum">
+              <a:rPr lang="de-CH" smtClean="0"/>
+              <a:t>14</a:t>
+            </a:fld>
+            <a:endParaRPr lang="de-CH"/>
+          </a:p>
+        </p:txBody>
+      </p:sp>
+    </p:spTree>
+    <p:extLst>
+      <p:ext uri="{BB962C8B-B14F-4D97-AF65-F5344CB8AC3E}">
+        <p14:creationId xmlns:p14="http://schemas.microsoft.com/office/powerpoint/2010/main" val="3711536249"/>
+      </p:ext>
+    </p:extLst>
+  </p:cSld>
+  <p:clrMapOvr>
+    <a:masterClrMapping/>
+  </p:clrMapOvr>
+</p:notes>
+</file>
+
+<file path=ppt/notesSlides/notesSlide15.xml><?xml version="1.0" encoding="utf-8"?>
+<p:notes xmlns:a="http://schemas.openxmlformats.org/drawingml/2006/main" xmlns:r="http://schemas.openxmlformats.org/officeDocument/2006/relationships" xmlns:p="http://schemas.openxmlformats.org/presentationml/2006/main">
+  <p:cSld>
+    <p:spTree>
+      <p:nvGrpSpPr>
+        <p:cNvPr id="1" name=""/>
+        <p:cNvGrpSpPr/>
+        <p:nvPr/>
+      </p:nvGrpSpPr>
+      <p:grpSpPr>
+        <a:xfrm>
+          <a:off x="0" y="0"/>
+          <a:ext cx="0" cy="0"/>
+          <a:chOff x="0" y="0"/>
+          <a:chExt cx="0" cy="0"/>
+        </a:xfrm>
+      </p:grpSpPr>
+      <p:sp>
+        <p:nvSpPr>
+          <p:cNvPr id="2" name="Folienbildplatzhalter 1"/>
+          <p:cNvSpPr>
+            <a:spLocks noGrp="1" noRot="1" noChangeAspect="1"/>
+          </p:cNvSpPr>
+          <p:nvPr>
+            <p:ph type="sldImg"/>
+          </p:nvPr>
+        </p:nvSpPr>
+        <p:spPr/>
+      </p:sp>
+      <p:sp>
+        <p:nvSpPr>
+          <p:cNvPr id="3" name="Notizenplatzhalter 2"/>
+          <p:cNvSpPr>
+            <a:spLocks noGrp="1"/>
+          </p:cNvSpPr>
+          <p:nvPr>
+            <p:ph type="body" idx="1"/>
+          </p:nvPr>
+        </p:nvSpPr>
+        <p:spPr/>
+        <p:txBody>
+          <a:bodyPr/>
+          <a:lstStyle/>
+          <a:p>
+            <a:pPr marL="0" marR="0" lvl="0" indent="0" algn="l" defTabSz="914400" rtl="0" eaLnBrk="1" fontAlgn="auto" latinLnBrk="0" hangingPunct="1">
+              <a:lnSpc>
+                <a:spcPct val="100000"/>
+              </a:lnSpc>
+              <a:spcBef>
+                <a:spcPts val="0"/>
+              </a:spcBef>
+              <a:spcAft>
+                <a:spcPts val="0"/>
+              </a:spcAft>
+              <a:buClrTx/>
+              <a:buSzTx/>
+              <a:buFontTx/>
+              <a:buNone/>
+              <a:tabLst/>
+              <a:defRPr/>
+            </a:pPr>
+            <a:r>
+              <a:rPr lang="de-CH" dirty="0"/>
+              <a:t>Customer Segments</a:t>
+            </a:r>
+          </a:p>
+        </p:txBody>
+      </p:sp>
+      <p:sp>
+        <p:nvSpPr>
+          <p:cNvPr id="4" name="Foliennummernplatzhalter 3"/>
+          <p:cNvSpPr>
+            <a:spLocks noGrp="1"/>
+          </p:cNvSpPr>
+          <p:nvPr>
+            <p:ph type="sldNum" sz="quarter" idx="10"/>
+          </p:nvPr>
+        </p:nvSpPr>
+        <p:spPr/>
+        <p:txBody>
+          <a:bodyPr/>
+          <a:lstStyle/>
+          <a:p>
+            <a:fld id="{4881369C-B37E-416F-A200-175D84A25902}" type="slidenum">
+              <a:rPr lang="de-CH" smtClean="0"/>
+              <a:t>15</a:t>
+            </a:fld>
+            <a:endParaRPr lang="de-CH"/>
+          </a:p>
+        </p:txBody>
+      </p:sp>
+    </p:spTree>
+    <p:extLst>
+      <p:ext uri="{BB962C8B-B14F-4D97-AF65-F5344CB8AC3E}">
+        <p14:creationId xmlns:p14="http://schemas.microsoft.com/office/powerpoint/2010/main" val="1127697031"/>
+      </p:ext>
+    </p:extLst>
+  </p:cSld>
+  <p:clrMapOvr>
+    <a:masterClrMapping/>
+  </p:clrMapOvr>
+</p:notes>
+</file>
+
+<file path=ppt/notesSlides/notesSlide16.xml><?xml version="1.0" encoding="utf-8"?>
+<p:notes xmlns:a="http://schemas.openxmlformats.org/drawingml/2006/main" xmlns:r="http://schemas.openxmlformats.org/officeDocument/2006/relationships" xmlns:p="http://schemas.openxmlformats.org/presentationml/2006/main">
+  <p:cSld>
+    <p:spTree>
+      <p:nvGrpSpPr>
+        <p:cNvPr id="1" name=""/>
+        <p:cNvGrpSpPr/>
+        <p:nvPr/>
+      </p:nvGrpSpPr>
+      <p:grpSpPr>
+        <a:xfrm>
+          <a:off x="0" y="0"/>
+          <a:ext cx="0" cy="0"/>
+          <a:chOff x="0" y="0"/>
+          <a:chExt cx="0" cy="0"/>
+        </a:xfrm>
+      </p:grpSpPr>
+      <p:sp>
+        <p:nvSpPr>
+          <p:cNvPr id="2" name="Folienbildplatzhalter 1"/>
+          <p:cNvSpPr>
+            <a:spLocks noGrp="1" noRot="1" noChangeAspect="1"/>
+          </p:cNvSpPr>
+          <p:nvPr>
+            <p:ph type="sldImg"/>
+          </p:nvPr>
+        </p:nvSpPr>
+        <p:spPr/>
+      </p:sp>
+      <p:sp>
+        <p:nvSpPr>
+          <p:cNvPr id="3" name="Notizenplatzhalter 2"/>
+          <p:cNvSpPr>
+            <a:spLocks noGrp="1"/>
+          </p:cNvSpPr>
+          <p:nvPr>
+            <p:ph type="body" idx="1"/>
+          </p:nvPr>
+        </p:nvSpPr>
+        <p:spPr/>
+        <p:txBody>
+          <a:bodyPr/>
+          <a:lstStyle/>
+          <a:p>
+            <a:pPr marL="0" marR="0" lvl="0" indent="0" algn="l" defTabSz="914400" rtl="0" eaLnBrk="1" fontAlgn="auto" latinLnBrk="0" hangingPunct="1">
+              <a:lnSpc>
+                <a:spcPct val="100000"/>
+              </a:lnSpc>
+              <a:spcBef>
+                <a:spcPts val="0"/>
+              </a:spcBef>
+              <a:spcAft>
+                <a:spcPts val="0"/>
+              </a:spcAft>
+              <a:buClrTx/>
+              <a:buSzTx/>
+              <a:buFontTx/>
+              <a:buNone/>
+              <a:tabLst/>
+              <a:defRPr/>
+            </a:pPr>
+            <a:r>
+              <a:rPr lang="de-CH" dirty="0"/>
+              <a:t>Customer Segments</a:t>
+            </a:r>
+          </a:p>
+        </p:txBody>
+      </p:sp>
+      <p:sp>
+        <p:nvSpPr>
+          <p:cNvPr id="4" name="Foliennummernplatzhalter 3"/>
+          <p:cNvSpPr>
+            <a:spLocks noGrp="1"/>
+          </p:cNvSpPr>
+          <p:nvPr>
+            <p:ph type="sldNum" sz="quarter" idx="10"/>
+          </p:nvPr>
+        </p:nvSpPr>
+        <p:spPr/>
+        <p:txBody>
+          <a:bodyPr/>
+          <a:lstStyle/>
+          <a:p>
+            <a:fld id="{4881369C-B37E-416F-A200-175D84A25902}" type="slidenum">
+              <a:rPr lang="de-CH" smtClean="0"/>
+              <a:t>16</a:t>
+            </a:fld>
+            <a:endParaRPr lang="de-CH"/>
+          </a:p>
+        </p:txBody>
+      </p:sp>
+    </p:spTree>
+    <p:extLst>
+      <p:ext uri="{BB962C8B-B14F-4D97-AF65-F5344CB8AC3E}">
+        <p14:creationId xmlns:p14="http://schemas.microsoft.com/office/powerpoint/2010/main" val="222439016"/>
+      </p:ext>
+    </p:extLst>
+  </p:cSld>
+  <p:clrMapOvr>
+    <a:masterClrMapping/>
+  </p:clrMapOvr>
+</p:notes>
+</file>
+
+<file path=ppt/notesSlides/notesSlide17.xml><?xml version="1.0" encoding="utf-8"?>
+<p:notes xmlns:a="http://schemas.openxmlformats.org/drawingml/2006/main" xmlns:r="http://schemas.openxmlformats.org/officeDocument/2006/relationships" xmlns:p="http://schemas.openxmlformats.org/presentationml/2006/main">
+  <p:cSld>
+    <p:spTree>
+      <p:nvGrpSpPr>
+        <p:cNvPr id="1" name=""/>
+        <p:cNvGrpSpPr/>
+        <p:nvPr/>
+      </p:nvGrpSpPr>
+      <p:grpSpPr>
+        <a:xfrm>
+          <a:off x="0" y="0"/>
+          <a:ext cx="0" cy="0"/>
+          <a:chOff x="0" y="0"/>
+          <a:chExt cx="0" cy="0"/>
+        </a:xfrm>
+      </p:grpSpPr>
+      <p:sp>
+        <p:nvSpPr>
+          <p:cNvPr id="2" name="Folienbildplatzhalter 1"/>
+          <p:cNvSpPr>
+            <a:spLocks noGrp="1" noRot="1" noChangeAspect="1"/>
+          </p:cNvSpPr>
+          <p:nvPr>
+            <p:ph type="sldImg"/>
+          </p:nvPr>
+        </p:nvSpPr>
+        <p:spPr/>
+      </p:sp>
+      <p:sp>
+        <p:nvSpPr>
+          <p:cNvPr id="3" name="Notizenplatzhalter 2"/>
+          <p:cNvSpPr>
+            <a:spLocks noGrp="1"/>
+          </p:cNvSpPr>
+          <p:nvPr>
+            <p:ph type="body" idx="1"/>
+          </p:nvPr>
+        </p:nvSpPr>
+        <p:spPr/>
+        <p:txBody>
+          <a:bodyPr/>
+          <a:lstStyle/>
+          <a:p>
+            <a:pPr marL="0" marR="0" lvl="0" indent="0" algn="l" defTabSz="914400" rtl="0" eaLnBrk="1" fontAlgn="auto" latinLnBrk="0" hangingPunct="1">
+              <a:lnSpc>
+                <a:spcPct val="100000"/>
+              </a:lnSpc>
+              <a:spcBef>
+                <a:spcPts val="0"/>
+              </a:spcBef>
+              <a:spcAft>
+                <a:spcPts val="0"/>
+              </a:spcAft>
+              <a:buClrTx/>
+              <a:buSzTx/>
+              <a:buFontTx/>
+              <a:buNone/>
+              <a:tabLst/>
+              <a:defRPr/>
+            </a:pPr>
+            <a:r>
+              <a:rPr lang="de-CH" dirty="0"/>
+              <a:t>Customer Segments</a:t>
+            </a:r>
+          </a:p>
+        </p:txBody>
+      </p:sp>
+      <p:sp>
+        <p:nvSpPr>
+          <p:cNvPr id="4" name="Foliennummernplatzhalter 3"/>
+          <p:cNvSpPr>
+            <a:spLocks noGrp="1"/>
+          </p:cNvSpPr>
+          <p:nvPr>
+            <p:ph type="sldNum" sz="quarter" idx="10"/>
+          </p:nvPr>
+        </p:nvSpPr>
+        <p:spPr/>
+        <p:txBody>
+          <a:bodyPr/>
+          <a:lstStyle/>
+          <a:p>
+            <a:fld id="{4881369C-B37E-416F-A200-175D84A25902}" type="slidenum">
+              <a:rPr lang="de-CH" smtClean="0"/>
+              <a:t>17</a:t>
+            </a:fld>
+            <a:endParaRPr lang="de-CH"/>
+          </a:p>
+        </p:txBody>
+      </p:sp>
+    </p:spTree>
+    <p:extLst>
+      <p:ext uri="{BB962C8B-B14F-4D97-AF65-F5344CB8AC3E}">
+        <p14:creationId xmlns:p14="http://schemas.microsoft.com/office/powerpoint/2010/main" val="545686977"/>
+      </p:ext>
+    </p:extLst>
+  </p:cSld>
+  <p:clrMapOvr>
+    <a:masterClrMapping/>
+  </p:clrMapOvr>
+</p:notes>
+</file>
+
+<file path=ppt/notesSlides/notesSlide18.xml><?xml version="1.0" encoding="utf-8"?>
+<p:notes xmlns:a="http://schemas.openxmlformats.org/drawingml/2006/main" xmlns:r="http://schemas.openxmlformats.org/officeDocument/2006/relationships" xmlns:p="http://schemas.openxmlformats.org/presentationml/2006/main">
+  <p:cSld>
+    <p:spTree>
+      <p:nvGrpSpPr>
+        <p:cNvPr id="1" name=""/>
+        <p:cNvGrpSpPr/>
+        <p:nvPr/>
+      </p:nvGrpSpPr>
+      <p:grpSpPr>
+        <a:xfrm>
+          <a:off x="0" y="0"/>
+          <a:ext cx="0" cy="0"/>
+          <a:chOff x="0" y="0"/>
+          <a:chExt cx="0" cy="0"/>
+        </a:xfrm>
+      </p:grpSpPr>
+      <p:sp>
+        <p:nvSpPr>
+          <p:cNvPr id="2" name="Folienbildplatzhalter 1"/>
+          <p:cNvSpPr>
+            <a:spLocks noGrp="1" noRot="1" noChangeAspect="1"/>
+          </p:cNvSpPr>
+          <p:nvPr>
+            <p:ph type="sldImg"/>
+          </p:nvPr>
+        </p:nvSpPr>
+        <p:spPr/>
+      </p:sp>
+      <p:sp>
+        <p:nvSpPr>
+          <p:cNvPr id="3" name="Notizenplatzhalter 2"/>
+          <p:cNvSpPr>
+            <a:spLocks noGrp="1"/>
+          </p:cNvSpPr>
+          <p:nvPr>
+            <p:ph type="body" idx="1"/>
+          </p:nvPr>
+        </p:nvSpPr>
+        <p:spPr/>
+        <p:txBody>
+          <a:bodyPr/>
+          <a:lstStyle/>
+          <a:p>
+            <a:r>
+              <a:rPr lang="de-CH" dirty="0"/>
+              <a:t>Customer </a:t>
+            </a:r>
+            <a:r>
+              <a:rPr lang="de-CH" dirty="0" err="1"/>
+              <a:t>Relationships</a:t>
+            </a:r>
+            <a:endParaRPr lang="de-CH" dirty="0"/>
+          </a:p>
+        </p:txBody>
+      </p:sp>
+      <p:sp>
+        <p:nvSpPr>
+          <p:cNvPr id="4" name="Foliennummernplatzhalter 3"/>
+          <p:cNvSpPr>
+            <a:spLocks noGrp="1"/>
+          </p:cNvSpPr>
+          <p:nvPr>
+            <p:ph type="sldNum" sz="quarter" idx="10"/>
+          </p:nvPr>
+        </p:nvSpPr>
+        <p:spPr/>
+        <p:txBody>
+          <a:bodyPr/>
+          <a:lstStyle/>
+          <a:p>
+            <a:fld id="{4881369C-B37E-416F-A200-175D84A25902}" type="slidenum">
+              <a:rPr lang="de-CH" smtClean="0"/>
+              <a:t>18</a:t>
+            </a:fld>
+            <a:endParaRPr lang="de-CH"/>
+          </a:p>
+        </p:txBody>
+      </p:sp>
+    </p:spTree>
+    <p:extLst>
+      <p:ext uri="{BB962C8B-B14F-4D97-AF65-F5344CB8AC3E}">
+        <p14:creationId xmlns:p14="http://schemas.microsoft.com/office/powerpoint/2010/main" val="3261446840"/>
+      </p:ext>
+    </p:extLst>
+  </p:cSld>
+  <p:clrMapOvr>
+    <a:masterClrMapping/>
+  </p:clrMapOvr>
+</p:notes>
+</file>
+
+<file path=ppt/notesSlides/notesSlide19.xml><?xml version="1.0" encoding="utf-8"?>
+<p:notes xmlns:a="http://schemas.openxmlformats.org/drawingml/2006/main" xmlns:r="http://schemas.openxmlformats.org/officeDocument/2006/relationships" xmlns:p="http://schemas.openxmlformats.org/presentationml/2006/main">
+  <p:cSld>
+    <p:spTree>
+      <p:nvGrpSpPr>
+        <p:cNvPr id="1" name=""/>
+        <p:cNvGrpSpPr/>
+        <p:nvPr/>
+      </p:nvGrpSpPr>
+      <p:grpSpPr>
+        <a:xfrm>
+          <a:off x="0" y="0"/>
+          <a:ext cx="0" cy="0"/>
+          <a:chOff x="0" y="0"/>
+          <a:chExt cx="0" cy="0"/>
+        </a:xfrm>
+      </p:grpSpPr>
+      <p:sp>
+        <p:nvSpPr>
+          <p:cNvPr id="2" name="Folienbildplatzhalter 1"/>
+          <p:cNvSpPr>
+            <a:spLocks noGrp="1" noRot="1" noChangeAspect="1"/>
+          </p:cNvSpPr>
+          <p:nvPr>
+            <p:ph type="sldImg"/>
+          </p:nvPr>
+        </p:nvSpPr>
+        <p:spPr/>
+      </p:sp>
+      <p:sp>
+        <p:nvSpPr>
+          <p:cNvPr id="3" name="Notizenplatzhalter 2"/>
+          <p:cNvSpPr>
+            <a:spLocks noGrp="1"/>
+          </p:cNvSpPr>
+          <p:nvPr>
+            <p:ph type="body" idx="1"/>
+          </p:nvPr>
+        </p:nvSpPr>
+        <p:spPr/>
+        <p:txBody>
+          <a:bodyPr/>
+          <a:lstStyle/>
+          <a:p>
+            <a:r>
+              <a:rPr lang="de-CH" dirty="0"/>
+              <a:t>Channels</a:t>
+            </a:r>
+          </a:p>
+        </p:txBody>
+      </p:sp>
+      <p:sp>
+        <p:nvSpPr>
+          <p:cNvPr id="4" name="Foliennummernplatzhalter 3"/>
+          <p:cNvSpPr>
+            <a:spLocks noGrp="1"/>
+          </p:cNvSpPr>
+          <p:nvPr>
+            <p:ph type="sldNum" sz="quarter" idx="10"/>
+          </p:nvPr>
+        </p:nvSpPr>
+        <p:spPr/>
+        <p:txBody>
+          <a:bodyPr/>
+          <a:lstStyle/>
+          <a:p>
+            <a:fld id="{4881369C-B37E-416F-A200-175D84A25902}" type="slidenum">
+              <a:rPr lang="de-CH" smtClean="0"/>
+              <a:t>19</a:t>
+            </a:fld>
+            <a:endParaRPr lang="de-CH"/>
+          </a:p>
+        </p:txBody>
+      </p:sp>
+    </p:spTree>
+    <p:extLst>
+      <p:ext uri="{BB962C8B-B14F-4D97-AF65-F5344CB8AC3E}">
+        <p14:creationId xmlns:p14="http://schemas.microsoft.com/office/powerpoint/2010/main" val="1501992440"/>
       </p:ext>
     </p:extLst>
   </p:cSld>
@@ -828,8 +1637,12 @@
           <a:lstStyle/>
           <a:p>
             <a:r>
-              <a:rPr lang="de-CH" dirty="0" err="1" smtClean="0"/>
-              <a:t>Offering</a:t>
+              <a:rPr lang="de-CH" dirty="0"/>
+              <a:t>BMC-name, date, </a:t>
+            </a:r>
+            <a:r>
+              <a:rPr lang="de-CH" dirty="0" err="1"/>
+              <a:t>creator</a:t>
             </a:r>
             <a:endParaRPr lang="de-CH" dirty="0"/>
           </a:p>
@@ -861,7 +1674,603 @@
     </p:spTree>
     <p:extLst>
       <p:ext uri="{BB962C8B-B14F-4D97-AF65-F5344CB8AC3E}">
-        <p14:creationId xmlns:p14="http://schemas.microsoft.com/office/powerpoint/2010/main" val="676400779"/>
+        <p14:creationId xmlns:p14="http://schemas.microsoft.com/office/powerpoint/2010/main" val="397856540"/>
+      </p:ext>
+    </p:extLst>
+  </p:cSld>
+  <p:clrMapOvr>
+    <a:masterClrMapping/>
+  </p:clrMapOvr>
+</p:notes>
+</file>
+
+<file path=ppt/notesSlides/notesSlide20.xml><?xml version="1.0" encoding="utf-8"?>
+<p:notes xmlns:a="http://schemas.openxmlformats.org/drawingml/2006/main" xmlns:r="http://schemas.openxmlformats.org/officeDocument/2006/relationships" xmlns:p="http://schemas.openxmlformats.org/presentationml/2006/main">
+  <p:cSld>
+    <p:spTree>
+      <p:nvGrpSpPr>
+        <p:cNvPr id="1" name=""/>
+        <p:cNvGrpSpPr/>
+        <p:nvPr/>
+      </p:nvGrpSpPr>
+      <p:grpSpPr>
+        <a:xfrm>
+          <a:off x="0" y="0"/>
+          <a:ext cx="0" cy="0"/>
+          <a:chOff x="0" y="0"/>
+          <a:chExt cx="0" cy="0"/>
+        </a:xfrm>
+      </p:grpSpPr>
+      <p:sp>
+        <p:nvSpPr>
+          <p:cNvPr id="2" name="Folienbildplatzhalter 1"/>
+          <p:cNvSpPr>
+            <a:spLocks noGrp="1" noRot="1" noChangeAspect="1"/>
+          </p:cNvSpPr>
+          <p:nvPr>
+            <p:ph type="sldImg"/>
+          </p:nvPr>
+        </p:nvSpPr>
+        <p:spPr/>
+      </p:sp>
+      <p:sp>
+        <p:nvSpPr>
+          <p:cNvPr id="3" name="Notizenplatzhalter 2"/>
+          <p:cNvSpPr>
+            <a:spLocks noGrp="1"/>
+          </p:cNvSpPr>
+          <p:nvPr>
+            <p:ph type="body" idx="1"/>
+          </p:nvPr>
+        </p:nvSpPr>
+        <p:spPr/>
+        <p:txBody>
+          <a:bodyPr/>
+          <a:lstStyle/>
+          <a:p>
+            <a:r>
+              <a:rPr lang="de-CH" dirty="0"/>
+              <a:t>Key </a:t>
+            </a:r>
+            <a:r>
+              <a:rPr lang="de-CH" dirty="0" err="1"/>
+              <a:t>Partnerships</a:t>
+            </a:r>
+            <a:endParaRPr lang="de-CH" dirty="0"/>
+          </a:p>
+        </p:txBody>
+      </p:sp>
+      <p:sp>
+        <p:nvSpPr>
+          <p:cNvPr id="4" name="Foliennummernplatzhalter 3"/>
+          <p:cNvSpPr>
+            <a:spLocks noGrp="1"/>
+          </p:cNvSpPr>
+          <p:nvPr>
+            <p:ph type="sldNum" sz="quarter" idx="10"/>
+          </p:nvPr>
+        </p:nvSpPr>
+        <p:spPr/>
+        <p:txBody>
+          <a:bodyPr/>
+          <a:lstStyle/>
+          <a:p>
+            <a:fld id="{4881369C-B37E-416F-A200-175D84A25902}" type="slidenum">
+              <a:rPr lang="de-CH" smtClean="0"/>
+              <a:t>20</a:t>
+            </a:fld>
+            <a:endParaRPr lang="de-CH"/>
+          </a:p>
+        </p:txBody>
+      </p:sp>
+    </p:spTree>
+    <p:extLst>
+      <p:ext uri="{BB962C8B-B14F-4D97-AF65-F5344CB8AC3E}">
+        <p14:creationId xmlns:p14="http://schemas.microsoft.com/office/powerpoint/2010/main" val="1513846329"/>
+      </p:ext>
+    </p:extLst>
+  </p:cSld>
+  <p:clrMapOvr>
+    <a:masterClrMapping/>
+  </p:clrMapOvr>
+</p:notes>
+</file>
+
+<file path=ppt/notesSlides/notesSlide21.xml><?xml version="1.0" encoding="utf-8"?>
+<p:notes xmlns:a="http://schemas.openxmlformats.org/drawingml/2006/main" xmlns:r="http://schemas.openxmlformats.org/officeDocument/2006/relationships" xmlns:p="http://schemas.openxmlformats.org/presentationml/2006/main">
+  <p:cSld>
+    <p:spTree>
+      <p:nvGrpSpPr>
+        <p:cNvPr id="1" name=""/>
+        <p:cNvGrpSpPr/>
+        <p:nvPr/>
+      </p:nvGrpSpPr>
+      <p:grpSpPr>
+        <a:xfrm>
+          <a:off x="0" y="0"/>
+          <a:ext cx="0" cy="0"/>
+          <a:chOff x="0" y="0"/>
+          <a:chExt cx="0" cy="0"/>
+        </a:xfrm>
+      </p:grpSpPr>
+      <p:sp>
+        <p:nvSpPr>
+          <p:cNvPr id="2" name="Folienbildplatzhalter 1"/>
+          <p:cNvSpPr>
+            <a:spLocks noGrp="1" noRot="1" noChangeAspect="1"/>
+          </p:cNvSpPr>
+          <p:nvPr>
+            <p:ph type="sldImg"/>
+          </p:nvPr>
+        </p:nvSpPr>
+        <p:spPr/>
+      </p:sp>
+      <p:sp>
+        <p:nvSpPr>
+          <p:cNvPr id="3" name="Notizenplatzhalter 2"/>
+          <p:cNvSpPr>
+            <a:spLocks noGrp="1"/>
+          </p:cNvSpPr>
+          <p:nvPr>
+            <p:ph type="body" idx="1"/>
+          </p:nvPr>
+        </p:nvSpPr>
+        <p:spPr/>
+        <p:txBody>
+          <a:bodyPr/>
+          <a:lstStyle/>
+          <a:p>
+            <a:r>
+              <a:rPr lang="de-CH" dirty="0"/>
+              <a:t>Key </a:t>
+            </a:r>
+            <a:r>
+              <a:rPr lang="de-CH" dirty="0" err="1"/>
+              <a:t>Activities</a:t>
+            </a:r>
+            <a:endParaRPr lang="de-CH" dirty="0"/>
+          </a:p>
+        </p:txBody>
+      </p:sp>
+      <p:sp>
+        <p:nvSpPr>
+          <p:cNvPr id="4" name="Foliennummernplatzhalter 3"/>
+          <p:cNvSpPr>
+            <a:spLocks noGrp="1"/>
+          </p:cNvSpPr>
+          <p:nvPr>
+            <p:ph type="sldNum" sz="quarter" idx="10"/>
+          </p:nvPr>
+        </p:nvSpPr>
+        <p:spPr/>
+        <p:txBody>
+          <a:bodyPr/>
+          <a:lstStyle/>
+          <a:p>
+            <a:fld id="{4881369C-B37E-416F-A200-175D84A25902}" type="slidenum">
+              <a:rPr lang="de-CH" smtClean="0"/>
+              <a:t>21</a:t>
+            </a:fld>
+            <a:endParaRPr lang="de-CH"/>
+          </a:p>
+        </p:txBody>
+      </p:sp>
+    </p:spTree>
+    <p:extLst>
+      <p:ext uri="{BB962C8B-B14F-4D97-AF65-F5344CB8AC3E}">
+        <p14:creationId xmlns:p14="http://schemas.microsoft.com/office/powerpoint/2010/main" val="2799724258"/>
+      </p:ext>
+    </p:extLst>
+  </p:cSld>
+  <p:clrMapOvr>
+    <a:masterClrMapping/>
+  </p:clrMapOvr>
+</p:notes>
+</file>
+
+<file path=ppt/notesSlides/notesSlide22.xml><?xml version="1.0" encoding="utf-8"?>
+<p:notes xmlns:a="http://schemas.openxmlformats.org/drawingml/2006/main" xmlns:r="http://schemas.openxmlformats.org/officeDocument/2006/relationships" xmlns:p="http://schemas.openxmlformats.org/presentationml/2006/main">
+  <p:cSld>
+    <p:spTree>
+      <p:nvGrpSpPr>
+        <p:cNvPr id="1" name=""/>
+        <p:cNvGrpSpPr/>
+        <p:nvPr/>
+      </p:nvGrpSpPr>
+      <p:grpSpPr>
+        <a:xfrm>
+          <a:off x="0" y="0"/>
+          <a:ext cx="0" cy="0"/>
+          <a:chOff x="0" y="0"/>
+          <a:chExt cx="0" cy="0"/>
+        </a:xfrm>
+      </p:grpSpPr>
+      <p:sp>
+        <p:nvSpPr>
+          <p:cNvPr id="2" name="Folienbildplatzhalter 1"/>
+          <p:cNvSpPr>
+            <a:spLocks noGrp="1" noRot="1" noChangeAspect="1"/>
+          </p:cNvSpPr>
+          <p:nvPr>
+            <p:ph type="sldImg"/>
+          </p:nvPr>
+        </p:nvSpPr>
+        <p:spPr/>
+      </p:sp>
+      <p:sp>
+        <p:nvSpPr>
+          <p:cNvPr id="3" name="Notizenplatzhalter 2"/>
+          <p:cNvSpPr>
+            <a:spLocks noGrp="1"/>
+          </p:cNvSpPr>
+          <p:nvPr>
+            <p:ph type="body" idx="1"/>
+          </p:nvPr>
+        </p:nvSpPr>
+        <p:spPr/>
+        <p:txBody>
+          <a:bodyPr/>
+          <a:lstStyle/>
+          <a:p>
+            <a:r>
+              <a:rPr lang="de-CH" dirty="0"/>
+              <a:t>Key </a:t>
+            </a:r>
+            <a:r>
+              <a:rPr lang="de-CH" dirty="0" err="1"/>
+              <a:t>Ressources</a:t>
+            </a:r>
+            <a:endParaRPr lang="de-CH" dirty="0"/>
+          </a:p>
+        </p:txBody>
+      </p:sp>
+      <p:sp>
+        <p:nvSpPr>
+          <p:cNvPr id="4" name="Foliennummernplatzhalter 3"/>
+          <p:cNvSpPr>
+            <a:spLocks noGrp="1"/>
+          </p:cNvSpPr>
+          <p:nvPr>
+            <p:ph type="sldNum" sz="quarter" idx="10"/>
+          </p:nvPr>
+        </p:nvSpPr>
+        <p:spPr/>
+        <p:txBody>
+          <a:bodyPr/>
+          <a:lstStyle/>
+          <a:p>
+            <a:fld id="{4881369C-B37E-416F-A200-175D84A25902}" type="slidenum">
+              <a:rPr lang="de-CH" smtClean="0"/>
+              <a:t>22</a:t>
+            </a:fld>
+            <a:endParaRPr lang="de-CH"/>
+          </a:p>
+        </p:txBody>
+      </p:sp>
+    </p:spTree>
+    <p:extLst>
+      <p:ext uri="{BB962C8B-B14F-4D97-AF65-F5344CB8AC3E}">
+        <p14:creationId xmlns:p14="http://schemas.microsoft.com/office/powerpoint/2010/main" val="2653983063"/>
+      </p:ext>
+    </p:extLst>
+  </p:cSld>
+  <p:clrMapOvr>
+    <a:masterClrMapping/>
+  </p:clrMapOvr>
+</p:notes>
+</file>
+
+<file path=ppt/notesSlides/notesSlide23.xml><?xml version="1.0" encoding="utf-8"?>
+<p:notes xmlns:a="http://schemas.openxmlformats.org/drawingml/2006/main" xmlns:r="http://schemas.openxmlformats.org/officeDocument/2006/relationships" xmlns:p="http://schemas.openxmlformats.org/presentationml/2006/main">
+  <p:cSld>
+    <p:spTree>
+      <p:nvGrpSpPr>
+        <p:cNvPr id="1" name=""/>
+        <p:cNvGrpSpPr/>
+        <p:nvPr/>
+      </p:nvGrpSpPr>
+      <p:grpSpPr>
+        <a:xfrm>
+          <a:off x="0" y="0"/>
+          <a:ext cx="0" cy="0"/>
+          <a:chOff x="0" y="0"/>
+          <a:chExt cx="0" cy="0"/>
+        </a:xfrm>
+      </p:grpSpPr>
+      <p:sp>
+        <p:nvSpPr>
+          <p:cNvPr id="2" name="Folienbildplatzhalter 1"/>
+          <p:cNvSpPr>
+            <a:spLocks noGrp="1" noRot="1" noChangeAspect="1"/>
+          </p:cNvSpPr>
+          <p:nvPr>
+            <p:ph type="sldImg"/>
+          </p:nvPr>
+        </p:nvSpPr>
+        <p:spPr/>
+      </p:sp>
+      <p:sp>
+        <p:nvSpPr>
+          <p:cNvPr id="3" name="Notizenplatzhalter 2"/>
+          <p:cNvSpPr>
+            <a:spLocks noGrp="1"/>
+          </p:cNvSpPr>
+          <p:nvPr>
+            <p:ph type="body" idx="1"/>
+          </p:nvPr>
+        </p:nvSpPr>
+        <p:spPr/>
+        <p:txBody>
+          <a:bodyPr/>
+          <a:lstStyle/>
+          <a:p>
+            <a:pPr marL="0" marR="0" lvl="0" indent="0" algn="l" defTabSz="914400" rtl="0" eaLnBrk="1" fontAlgn="auto" latinLnBrk="0" hangingPunct="1">
+              <a:lnSpc>
+                <a:spcPct val="100000"/>
+              </a:lnSpc>
+              <a:spcBef>
+                <a:spcPts val="0"/>
+              </a:spcBef>
+              <a:spcAft>
+                <a:spcPts val="0"/>
+              </a:spcAft>
+              <a:buClrTx/>
+              <a:buSzTx/>
+              <a:buFontTx/>
+              <a:buNone/>
+              <a:tabLst/>
+              <a:defRPr/>
+            </a:pPr>
+            <a:r>
+              <a:rPr lang="de-CH" dirty="0"/>
+              <a:t>Revenue Streams</a:t>
+            </a:r>
+          </a:p>
+        </p:txBody>
+      </p:sp>
+      <p:sp>
+        <p:nvSpPr>
+          <p:cNvPr id="4" name="Foliennummernplatzhalter 3"/>
+          <p:cNvSpPr>
+            <a:spLocks noGrp="1"/>
+          </p:cNvSpPr>
+          <p:nvPr>
+            <p:ph type="sldNum" sz="quarter" idx="10"/>
+          </p:nvPr>
+        </p:nvSpPr>
+        <p:spPr/>
+        <p:txBody>
+          <a:bodyPr/>
+          <a:lstStyle/>
+          <a:p>
+            <a:fld id="{4881369C-B37E-416F-A200-175D84A25902}" type="slidenum">
+              <a:rPr lang="de-CH" smtClean="0"/>
+              <a:t>23</a:t>
+            </a:fld>
+            <a:endParaRPr lang="de-CH"/>
+          </a:p>
+        </p:txBody>
+      </p:sp>
+    </p:spTree>
+    <p:extLst>
+      <p:ext uri="{BB962C8B-B14F-4D97-AF65-F5344CB8AC3E}">
+        <p14:creationId xmlns:p14="http://schemas.microsoft.com/office/powerpoint/2010/main" val="1227994906"/>
+      </p:ext>
+    </p:extLst>
+  </p:cSld>
+  <p:clrMapOvr>
+    <a:masterClrMapping/>
+  </p:clrMapOvr>
+</p:notes>
+</file>
+
+<file path=ppt/notesSlides/notesSlide24.xml><?xml version="1.0" encoding="utf-8"?>
+<p:notes xmlns:a="http://schemas.openxmlformats.org/drawingml/2006/main" xmlns:r="http://schemas.openxmlformats.org/officeDocument/2006/relationships" xmlns:p="http://schemas.openxmlformats.org/presentationml/2006/main">
+  <p:cSld>
+    <p:spTree>
+      <p:nvGrpSpPr>
+        <p:cNvPr id="1" name=""/>
+        <p:cNvGrpSpPr/>
+        <p:nvPr/>
+      </p:nvGrpSpPr>
+      <p:grpSpPr>
+        <a:xfrm>
+          <a:off x="0" y="0"/>
+          <a:ext cx="0" cy="0"/>
+          <a:chOff x="0" y="0"/>
+          <a:chExt cx="0" cy="0"/>
+        </a:xfrm>
+      </p:grpSpPr>
+      <p:sp>
+        <p:nvSpPr>
+          <p:cNvPr id="2" name="Folienbildplatzhalter 1"/>
+          <p:cNvSpPr>
+            <a:spLocks noGrp="1" noRot="1" noChangeAspect="1"/>
+          </p:cNvSpPr>
+          <p:nvPr>
+            <p:ph type="sldImg"/>
+          </p:nvPr>
+        </p:nvSpPr>
+        <p:spPr/>
+      </p:sp>
+      <p:sp>
+        <p:nvSpPr>
+          <p:cNvPr id="3" name="Notizenplatzhalter 2"/>
+          <p:cNvSpPr>
+            <a:spLocks noGrp="1"/>
+          </p:cNvSpPr>
+          <p:nvPr>
+            <p:ph type="body" idx="1"/>
+          </p:nvPr>
+        </p:nvSpPr>
+        <p:spPr/>
+        <p:txBody>
+          <a:bodyPr/>
+          <a:lstStyle/>
+          <a:p>
+            <a:r>
+              <a:rPr lang="de-CH" dirty="0" err="1"/>
+              <a:t>Cost</a:t>
+            </a:r>
+            <a:r>
+              <a:rPr lang="de-CH" baseline="0" dirty="0"/>
+              <a:t> </a:t>
+            </a:r>
+            <a:r>
+              <a:rPr lang="de-CH" baseline="0" dirty="0" err="1"/>
+              <a:t>Structure</a:t>
+            </a:r>
+            <a:r>
+              <a:rPr lang="de-CH" baseline="0" dirty="0"/>
+              <a:t> – </a:t>
+            </a:r>
+            <a:r>
+              <a:rPr lang="de-CH" baseline="0" dirty="0" err="1"/>
+              <a:t>fixed</a:t>
+            </a:r>
+            <a:r>
+              <a:rPr lang="de-CH" baseline="0" dirty="0"/>
+              <a:t> </a:t>
+            </a:r>
+            <a:r>
+              <a:rPr lang="de-CH" baseline="0" dirty="0" err="1"/>
+              <a:t>Costs</a:t>
+            </a:r>
+            <a:endParaRPr lang="de-CH" dirty="0"/>
+          </a:p>
+        </p:txBody>
+      </p:sp>
+      <p:sp>
+        <p:nvSpPr>
+          <p:cNvPr id="4" name="Foliennummernplatzhalter 3"/>
+          <p:cNvSpPr>
+            <a:spLocks noGrp="1"/>
+          </p:cNvSpPr>
+          <p:nvPr>
+            <p:ph type="sldNum" sz="quarter" idx="10"/>
+          </p:nvPr>
+        </p:nvSpPr>
+        <p:spPr/>
+        <p:txBody>
+          <a:bodyPr/>
+          <a:lstStyle/>
+          <a:p>
+            <a:fld id="{4881369C-B37E-416F-A200-175D84A25902}" type="slidenum">
+              <a:rPr lang="de-CH" smtClean="0"/>
+              <a:t>24</a:t>
+            </a:fld>
+            <a:endParaRPr lang="de-CH"/>
+          </a:p>
+        </p:txBody>
+      </p:sp>
+    </p:spTree>
+    <p:extLst>
+      <p:ext uri="{BB962C8B-B14F-4D97-AF65-F5344CB8AC3E}">
+        <p14:creationId xmlns:p14="http://schemas.microsoft.com/office/powerpoint/2010/main" val="308482155"/>
+      </p:ext>
+    </p:extLst>
+  </p:cSld>
+  <p:clrMapOvr>
+    <a:masterClrMapping/>
+  </p:clrMapOvr>
+</p:notes>
+</file>
+
+<file path=ppt/notesSlides/notesSlide25.xml><?xml version="1.0" encoding="utf-8"?>
+<p:notes xmlns:a="http://schemas.openxmlformats.org/drawingml/2006/main" xmlns:r="http://schemas.openxmlformats.org/officeDocument/2006/relationships" xmlns:p="http://schemas.openxmlformats.org/presentationml/2006/main">
+  <p:cSld>
+    <p:spTree>
+      <p:nvGrpSpPr>
+        <p:cNvPr id="1" name=""/>
+        <p:cNvGrpSpPr/>
+        <p:nvPr/>
+      </p:nvGrpSpPr>
+      <p:grpSpPr>
+        <a:xfrm>
+          <a:off x="0" y="0"/>
+          <a:ext cx="0" cy="0"/>
+          <a:chOff x="0" y="0"/>
+          <a:chExt cx="0" cy="0"/>
+        </a:xfrm>
+      </p:grpSpPr>
+      <p:sp>
+        <p:nvSpPr>
+          <p:cNvPr id="2" name="Folienbildplatzhalter 1"/>
+          <p:cNvSpPr>
+            <a:spLocks noGrp="1" noRot="1" noChangeAspect="1"/>
+          </p:cNvSpPr>
+          <p:nvPr>
+            <p:ph type="sldImg"/>
+          </p:nvPr>
+        </p:nvSpPr>
+        <p:spPr/>
+      </p:sp>
+      <p:sp>
+        <p:nvSpPr>
+          <p:cNvPr id="3" name="Notizenplatzhalter 2"/>
+          <p:cNvSpPr>
+            <a:spLocks noGrp="1"/>
+          </p:cNvSpPr>
+          <p:nvPr>
+            <p:ph type="body" idx="1"/>
+          </p:nvPr>
+        </p:nvSpPr>
+        <p:spPr/>
+        <p:txBody>
+          <a:bodyPr/>
+          <a:lstStyle/>
+          <a:p>
+            <a:r>
+              <a:rPr lang="de-CH" dirty="0" err="1"/>
+              <a:t>Cost</a:t>
+            </a:r>
+            <a:r>
+              <a:rPr lang="de-CH" baseline="0" dirty="0"/>
+              <a:t> </a:t>
+            </a:r>
+            <a:r>
+              <a:rPr lang="de-CH" baseline="0" dirty="0" err="1"/>
+              <a:t>Structure</a:t>
+            </a:r>
+            <a:r>
+              <a:rPr lang="de-CH" baseline="0" dirty="0"/>
+              <a:t> – Variable </a:t>
+            </a:r>
+            <a:r>
+              <a:rPr lang="de-CH" baseline="0" dirty="0" err="1"/>
+              <a:t>Costs</a:t>
+            </a:r>
+            <a:endParaRPr lang="de-CH" dirty="0"/>
+          </a:p>
+        </p:txBody>
+      </p:sp>
+      <p:sp>
+        <p:nvSpPr>
+          <p:cNvPr id="4" name="Foliennummernplatzhalter 3"/>
+          <p:cNvSpPr>
+            <a:spLocks noGrp="1"/>
+          </p:cNvSpPr>
+          <p:nvPr>
+            <p:ph type="sldNum" sz="quarter" idx="10"/>
+          </p:nvPr>
+        </p:nvSpPr>
+        <p:spPr/>
+        <p:txBody>
+          <a:bodyPr/>
+          <a:lstStyle/>
+          <a:p>
+            <a:fld id="{4881369C-B37E-416F-A200-175D84A25902}" type="slidenum">
+              <a:rPr lang="de-CH" smtClean="0"/>
+              <a:t>25</a:t>
+            </a:fld>
+            <a:endParaRPr lang="de-CH"/>
+          </a:p>
+        </p:txBody>
+      </p:sp>
+    </p:spTree>
+    <p:extLst>
+      <p:ext uri="{BB962C8B-B14F-4D97-AF65-F5344CB8AC3E}">
+        <p14:creationId xmlns:p14="http://schemas.microsoft.com/office/powerpoint/2010/main" val="3385933860"/>
       </p:ext>
     </p:extLst>
   </p:cSld>
@@ -915,27 +2324,15 @@
           <a:bodyPr/>
           <a:lstStyle/>
           <a:p>
-            <a:pPr marL="0" marR="0" lvl="0" indent="0" algn="l" defTabSz="914400" rtl="0" eaLnBrk="1" fontAlgn="auto" latinLnBrk="0" hangingPunct="1">
-              <a:lnSpc>
-                <a:spcPct val="100000"/>
-              </a:lnSpc>
-              <a:spcBef>
-                <a:spcPts val="0"/>
-              </a:spcBef>
-              <a:spcAft>
-                <a:spcPts val="0"/>
-              </a:spcAft>
-              <a:buClrTx/>
-              <a:buSzTx/>
-              <a:buFontTx/>
-              <a:buNone/>
-              <a:tabLst/>
-              <a:defRPr/>
-            </a:pPr>
-            <a:r>
-              <a:rPr lang="de-CH" dirty="0" smtClean="0"/>
-              <a:t>Customer Segments</a:t>
-            </a:r>
+            <a:r>
+              <a:rPr lang="de-CH" dirty="0"/>
+              <a:t>BMC-name, date, </a:t>
+            </a:r>
+            <a:r>
+              <a:rPr lang="de-CH" dirty="0" err="1"/>
+              <a:t>creator</a:t>
+            </a:r>
+            <a:endParaRPr lang="de-CH" dirty="0"/>
           </a:p>
         </p:txBody>
       </p:sp>
@@ -965,7 +2362,7 @@
     </p:spTree>
     <p:extLst>
       <p:ext uri="{BB962C8B-B14F-4D97-AF65-F5344CB8AC3E}">
-        <p14:creationId xmlns:p14="http://schemas.microsoft.com/office/powerpoint/2010/main" val="1352097196"/>
+        <p14:creationId xmlns:p14="http://schemas.microsoft.com/office/powerpoint/2010/main" val="206521059"/>
       </p:ext>
     </p:extLst>
   </p:cSld>
@@ -1020,12 +2417,12 @@
           <a:lstStyle/>
           <a:p>
             <a:r>
-              <a:rPr lang="de-CH" dirty="0" smtClean="0"/>
-              <a:t>Customer </a:t>
-            </a:r>
-            <a:r>
-              <a:rPr lang="de-CH" dirty="0" err="1" smtClean="0"/>
-              <a:t>Relationships</a:t>
+              <a:rPr lang="de-CH" dirty="0"/>
+              <a:t>BMC-name, date, </a:t>
+            </a:r>
+            <a:r>
+              <a:rPr lang="de-CH" dirty="0" err="1"/>
+              <a:t>creator</a:t>
             </a:r>
             <a:endParaRPr lang="de-CH" dirty="0"/>
           </a:p>
@@ -1057,7 +2454,7 @@
     </p:spTree>
     <p:extLst>
       <p:ext uri="{BB962C8B-B14F-4D97-AF65-F5344CB8AC3E}">
-        <p14:creationId xmlns:p14="http://schemas.microsoft.com/office/powerpoint/2010/main" val="3261446840"/>
+        <p14:creationId xmlns:p14="http://schemas.microsoft.com/office/powerpoint/2010/main" val="4276277158"/>
       </p:ext>
     </p:extLst>
   </p:cSld>
@@ -1112,8 +2509,12 @@
           <a:lstStyle/>
           <a:p>
             <a:r>
-              <a:rPr lang="de-CH" dirty="0" smtClean="0"/>
-              <a:t>Channels</a:t>
+              <a:rPr lang="de-CH" dirty="0"/>
+              <a:t>BMC-name, date, </a:t>
+            </a:r>
+            <a:r>
+              <a:rPr lang="de-CH" dirty="0" err="1"/>
+              <a:t>creator</a:t>
             </a:r>
             <a:endParaRPr lang="de-CH" dirty="0"/>
           </a:p>
@@ -1145,7 +2546,7 @@
     </p:spTree>
     <p:extLst>
       <p:ext uri="{BB962C8B-B14F-4D97-AF65-F5344CB8AC3E}">
-        <p14:creationId xmlns:p14="http://schemas.microsoft.com/office/powerpoint/2010/main" val="1501992440"/>
+        <p14:creationId xmlns:p14="http://schemas.microsoft.com/office/powerpoint/2010/main" val="2824337414"/>
       </p:ext>
     </p:extLst>
   </p:cSld>
@@ -1200,12 +2601,12 @@
           <a:lstStyle/>
           <a:p>
             <a:r>
-              <a:rPr lang="de-CH" dirty="0" smtClean="0"/>
-              <a:t>Key </a:t>
-            </a:r>
-            <a:r>
-              <a:rPr lang="de-CH" dirty="0" err="1" smtClean="0"/>
-              <a:t>Partnerships</a:t>
+              <a:rPr lang="de-CH" dirty="0"/>
+              <a:t>BMC-name, date, </a:t>
+            </a:r>
+            <a:r>
+              <a:rPr lang="de-CH" dirty="0" err="1"/>
+              <a:t>creator</a:t>
             </a:r>
             <a:endParaRPr lang="de-CH" dirty="0"/>
           </a:p>
@@ -1237,7 +2638,7 @@
     </p:spTree>
     <p:extLst>
       <p:ext uri="{BB962C8B-B14F-4D97-AF65-F5344CB8AC3E}">
-        <p14:creationId xmlns:p14="http://schemas.microsoft.com/office/powerpoint/2010/main" val="1513846329"/>
+        <p14:creationId xmlns:p14="http://schemas.microsoft.com/office/powerpoint/2010/main" val="4146386383"/>
       </p:ext>
     </p:extLst>
   </p:cSld>
@@ -1292,12 +2693,12 @@
           <a:lstStyle/>
           <a:p>
             <a:r>
-              <a:rPr lang="de-CH" dirty="0" smtClean="0"/>
-              <a:t>Key </a:t>
-            </a:r>
-            <a:r>
-              <a:rPr lang="de-CH" dirty="0" err="1" smtClean="0"/>
-              <a:t>Activities</a:t>
+              <a:rPr lang="de-CH" dirty="0"/>
+              <a:t>BMC-name, date, </a:t>
+            </a:r>
+            <a:r>
+              <a:rPr lang="de-CH" dirty="0" err="1"/>
+              <a:t>creator</a:t>
             </a:r>
             <a:endParaRPr lang="de-CH" dirty="0"/>
           </a:p>
@@ -1329,7 +2730,7 @@
     </p:spTree>
     <p:extLst>
       <p:ext uri="{BB962C8B-B14F-4D97-AF65-F5344CB8AC3E}">
-        <p14:creationId xmlns:p14="http://schemas.microsoft.com/office/powerpoint/2010/main" val="2799724258"/>
+        <p14:creationId xmlns:p14="http://schemas.microsoft.com/office/powerpoint/2010/main" val="1843380755"/>
       </p:ext>
     </p:extLst>
   </p:cSld>
@@ -1384,12 +2785,8 @@
           <a:lstStyle/>
           <a:p>
             <a:r>
-              <a:rPr lang="de-CH" dirty="0" smtClean="0"/>
-              <a:t>Key </a:t>
-            </a:r>
-            <a:r>
-              <a:rPr lang="de-CH" dirty="0" err="1" smtClean="0"/>
-              <a:t>Ressources</a:t>
+              <a:rPr lang="de-CH" dirty="0" err="1"/>
+              <a:t>Offering</a:t>
             </a:r>
             <a:endParaRPr lang="de-CH" dirty="0"/>
           </a:p>
@@ -1421,7 +2818,7 @@
     </p:spTree>
     <p:extLst>
       <p:ext uri="{BB962C8B-B14F-4D97-AF65-F5344CB8AC3E}">
-        <p14:creationId xmlns:p14="http://schemas.microsoft.com/office/powerpoint/2010/main" val="2653983063"/>
+        <p14:creationId xmlns:p14="http://schemas.microsoft.com/office/powerpoint/2010/main" val="676400779"/>
       </p:ext>
     </p:extLst>
   </p:cSld>
@@ -1493,8 +2890,8 @@
               <a:defRPr/>
             </a:pPr>
             <a:r>
-              <a:rPr lang="de-CH" dirty="0" smtClean="0"/>
-              <a:t>Revenue Streams</a:t>
+              <a:rPr lang="de-CH" dirty="0"/>
+              <a:t>Customer Segments</a:t>
             </a:r>
           </a:p>
         </p:txBody>
@@ -1525,7 +2922,7 @@
     </p:spTree>
     <p:extLst>
       <p:ext uri="{BB962C8B-B14F-4D97-AF65-F5344CB8AC3E}">
-        <p14:creationId xmlns:p14="http://schemas.microsoft.com/office/powerpoint/2010/main" val="1227994906"/>
+        <p14:creationId xmlns:p14="http://schemas.microsoft.com/office/powerpoint/2010/main" val="1352097196"/>
       </p:ext>
     </p:extLst>
   </p:cSld>
@@ -1577,7 +2974,7 @@
           </a:lstStyle>
           <a:p>
             <a:r>
-              <a:rPr lang="de-DE" smtClean="0"/>
+              <a:rPr lang="de-DE"/>
               <a:t>Titelmasterformat durch Klicken bearbeiten</a:t>
             </a:r>
             <a:endParaRPr lang="de-CH"/>
@@ -1642,7 +3039,7 @@
           </a:lstStyle>
           <a:p>
             <a:r>
-              <a:rPr lang="de-DE" smtClean="0"/>
+              <a:rPr lang="de-DE"/>
               <a:t>Formatvorlage des Untertitelmasters durch Klicken bearbeiten</a:t>
             </a:r>
             <a:endParaRPr lang="de-CH"/>
@@ -1666,7 +3063,7 @@
           <a:p>
             <a:fld id="{80A92051-9F01-459E-BB84-2389E6066350}" type="datetimeFigureOut">
               <a:rPr lang="de-CH" smtClean="0"/>
-              <a:t>19.12.2019</a:t>
+              <a:t>21.02.2020</a:t>
             </a:fld>
             <a:endParaRPr lang="de-CH"/>
           </a:p>
@@ -1760,7 +3157,7 @@
           <a:lstStyle/>
           <a:p>
             <a:r>
-              <a:rPr lang="de-DE" smtClean="0"/>
+              <a:rPr lang="de-DE"/>
               <a:t>Titelmasterformat durch Klicken bearbeiten</a:t>
             </a:r>
             <a:endParaRPr lang="de-CH"/>
@@ -1784,35 +3181,35 @@
           <a:p>
             <a:pPr lvl="0"/>
             <a:r>
-              <a:rPr lang="de-DE" smtClean="0"/>
+              <a:rPr lang="de-DE"/>
               <a:t>Formatvorlagen des Textmasters bearbeiten</a:t>
             </a:r>
           </a:p>
           <a:p>
             <a:pPr lvl="1"/>
             <a:r>
-              <a:rPr lang="de-DE" smtClean="0"/>
+              <a:rPr lang="de-DE"/>
               <a:t>Zweite Ebene</a:t>
             </a:r>
           </a:p>
           <a:p>
             <a:pPr lvl="2"/>
             <a:r>
-              <a:rPr lang="de-DE" smtClean="0"/>
+              <a:rPr lang="de-DE"/>
               <a:t>Dritte Ebene</a:t>
             </a:r>
           </a:p>
           <a:p>
             <a:pPr lvl="3"/>
             <a:r>
-              <a:rPr lang="de-DE" smtClean="0"/>
+              <a:rPr lang="de-DE"/>
               <a:t>Vierte Ebene</a:t>
             </a:r>
           </a:p>
           <a:p>
             <a:pPr lvl="4"/>
             <a:r>
-              <a:rPr lang="de-DE" smtClean="0"/>
+              <a:rPr lang="de-DE"/>
               <a:t>Fünfte Ebene</a:t>
             </a:r>
             <a:endParaRPr lang="de-CH"/>
@@ -1836,7 +3233,7 @@
           <a:p>
             <a:fld id="{80A92051-9F01-459E-BB84-2389E6066350}" type="datetimeFigureOut">
               <a:rPr lang="de-CH" smtClean="0"/>
-              <a:t>19.12.2019</a:t>
+              <a:t>21.02.2020</a:t>
             </a:fld>
             <a:endParaRPr lang="de-CH"/>
           </a:p>
@@ -1935,7 +3332,7 @@
           <a:lstStyle/>
           <a:p>
             <a:r>
-              <a:rPr lang="de-DE" smtClean="0"/>
+              <a:rPr lang="de-DE"/>
               <a:t>Titelmasterformat durch Klicken bearbeiten</a:t>
             </a:r>
             <a:endParaRPr lang="de-CH"/>
@@ -1964,35 +3361,35 @@
           <a:p>
             <a:pPr lvl="0"/>
             <a:r>
-              <a:rPr lang="de-DE" smtClean="0"/>
+              <a:rPr lang="de-DE"/>
               <a:t>Formatvorlagen des Textmasters bearbeiten</a:t>
             </a:r>
           </a:p>
           <a:p>
             <a:pPr lvl="1"/>
             <a:r>
-              <a:rPr lang="de-DE" smtClean="0"/>
+              <a:rPr lang="de-DE"/>
               <a:t>Zweite Ebene</a:t>
             </a:r>
           </a:p>
           <a:p>
             <a:pPr lvl="2"/>
             <a:r>
-              <a:rPr lang="de-DE" smtClean="0"/>
+              <a:rPr lang="de-DE"/>
               <a:t>Dritte Ebene</a:t>
             </a:r>
           </a:p>
           <a:p>
             <a:pPr lvl="3"/>
             <a:r>
-              <a:rPr lang="de-DE" smtClean="0"/>
+              <a:rPr lang="de-DE"/>
               <a:t>Vierte Ebene</a:t>
             </a:r>
           </a:p>
           <a:p>
             <a:pPr lvl="4"/>
             <a:r>
-              <a:rPr lang="de-DE" smtClean="0"/>
+              <a:rPr lang="de-DE"/>
               <a:t>Fünfte Ebene</a:t>
             </a:r>
             <a:endParaRPr lang="de-CH"/>
@@ -2016,7 +3413,7 @@
           <a:p>
             <a:fld id="{80A92051-9F01-459E-BB84-2389E6066350}" type="datetimeFigureOut">
               <a:rPr lang="de-CH" smtClean="0"/>
-              <a:t>19.12.2019</a:t>
+              <a:t>21.02.2020</a:t>
             </a:fld>
             <a:endParaRPr lang="de-CH"/>
           </a:p>
@@ -2110,7 +3507,7 @@
           <a:lstStyle/>
           <a:p>
             <a:r>
-              <a:rPr lang="de-DE" smtClean="0"/>
+              <a:rPr lang="de-DE"/>
               <a:t>Titelmasterformat durch Klicken bearbeiten</a:t>
             </a:r>
             <a:endParaRPr lang="de-CH"/>
@@ -2134,35 +3531,35 @@
           <a:p>
             <a:pPr lvl="0"/>
             <a:r>
-              <a:rPr lang="de-DE" smtClean="0"/>
+              <a:rPr lang="de-DE"/>
               <a:t>Formatvorlagen des Textmasters bearbeiten</a:t>
             </a:r>
           </a:p>
           <a:p>
             <a:pPr lvl="1"/>
             <a:r>
-              <a:rPr lang="de-DE" smtClean="0"/>
+              <a:rPr lang="de-DE"/>
               <a:t>Zweite Ebene</a:t>
             </a:r>
           </a:p>
           <a:p>
             <a:pPr lvl="2"/>
             <a:r>
-              <a:rPr lang="de-DE" smtClean="0"/>
+              <a:rPr lang="de-DE"/>
               <a:t>Dritte Ebene</a:t>
             </a:r>
           </a:p>
           <a:p>
             <a:pPr lvl="3"/>
             <a:r>
-              <a:rPr lang="de-DE" smtClean="0"/>
+              <a:rPr lang="de-DE"/>
               <a:t>Vierte Ebene</a:t>
             </a:r>
           </a:p>
           <a:p>
             <a:pPr lvl="4"/>
             <a:r>
-              <a:rPr lang="de-DE" smtClean="0"/>
+              <a:rPr lang="de-DE"/>
               <a:t>Fünfte Ebene</a:t>
             </a:r>
             <a:endParaRPr lang="de-CH"/>
@@ -2186,7 +3583,7 @@
           <a:p>
             <a:fld id="{80A92051-9F01-459E-BB84-2389E6066350}" type="datetimeFigureOut">
               <a:rPr lang="de-CH" smtClean="0"/>
-              <a:t>19.12.2019</a:t>
+              <a:t>21.02.2020</a:t>
             </a:fld>
             <a:endParaRPr lang="de-CH"/>
           </a:p>
@@ -2289,7 +3686,7 @@
           </a:lstStyle>
           <a:p>
             <a:r>
-              <a:rPr lang="de-DE" smtClean="0"/>
+              <a:rPr lang="de-DE"/>
               <a:t>Titelmasterformat durch Klicken bearbeiten</a:t>
             </a:r>
             <a:endParaRPr lang="de-CH"/>
@@ -2409,7 +3806,7 @@
           <a:p>
             <a:pPr lvl="0"/>
             <a:r>
-              <a:rPr lang="de-DE" smtClean="0"/>
+              <a:rPr lang="de-DE"/>
               <a:t>Formatvorlagen des Textmasters bearbeiten</a:t>
             </a:r>
           </a:p>
@@ -2432,7 +3829,7 @@
           <a:p>
             <a:fld id="{80A92051-9F01-459E-BB84-2389E6066350}" type="datetimeFigureOut">
               <a:rPr lang="de-CH" smtClean="0"/>
-              <a:t>19.12.2019</a:t>
+              <a:t>21.02.2020</a:t>
             </a:fld>
             <a:endParaRPr lang="de-CH"/>
           </a:p>
@@ -2526,7 +3923,7 @@
           <a:lstStyle/>
           <a:p>
             <a:r>
-              <a:rPr lang="de-DE" smtClean="0"/>
+              <a:rPr lang="de-DE"/>
               <a:t>Titelmasterformat durch Klicken bearbeiten</a:t>
             </a:r>
             <a:endParaRPr lang="de-CH"/>
@@ -2555,35 +3952,35 @@
           <a:p>
             <a:pPr lvl="0"/>
             <a:r>
-              <a:rPr lang="de-DE" smtClean="0"/>
+              <a:rPr lang="de-DE"/>
               <a:t>Formatvorlagen des Textmasters bearbeiten</a:t>
             </a:r>
           </a:p>
           <a:p>
             <a:pPr lvl="1"/>
             <a:r>
-              <a:rPr lang="de-DE" smtClean="0"/>
+              <a:rPr lang="de-DE"/>
               <a:t>Zweite Ebene</a:t>
             </a:r>
           </a:p>
           <a:p>
             <a:pPr lvl="2"/>
             <a:r>
-              <a:rPr lang="de-DE" smtClean="0"/>
+              <a:rPr lang="de-DE"/>
               <a:t>Dritte Ebene</a:t>
             </a:r>
           </a:p>
           <a:p>
             <a:pPr lvl="3"/>
             <a:r>
-              <a:rPr lang="de-DE" smtClean="0"/>
+              <a:rPr lang="de-DE"/>
               <a:t>Vierte Ebene</a:t>
             </a:r>
           </a:p>
           <a:p>
             <a:pPr lvl="4"/>
             <a:r>
-              <a:rPr lang="de-DE" smtClean="0"/>
+              <a:rPr lang="de-DE"/>
               <a:t>Fünfte Ebene</a:t>
             </a:r>
             <a:endParaRPr lang="de-CH"/>
@@ -2612,35 +4009,35 @@
           <a:p>
             <a:pPr lvl="0"/>
             <a:r>
-              <a:rPr lang="de-DE" smtClean="0"/>
+              <a:rPr lang="de-DE"/>
               <a:t>Formatvorlagen des Textmasters bearbeiten</a:t>
             </a:r>
           </a:p>
           <a:p>
             <a:pPr lvl="1"/>
             <a:r>
-              <a:rPr lang="de-DE" smtClean="0"/>
+              <a:rPr lang="de-DE"/>
               <a:t>Zweite Ebene</a:t>
             </a:r>
           </a:p>
           <a:p>
             <a:pPr lvl="2"/>
             <a:r>
-              <a:rPr lang="de-DE" smtClean="0"/>
+              <a:rPr lang="de-DE"/>
               <a:t>Dritte Ebene</a:t>
             </a:r>
           </a:p>
           <a:p>
             <a:pPr lvl="3"/>
             <a:r>
-              <a:rPr lang="de-DE" smtClean="0"/>
+              <a:rPr lang="de-DE"/>
               <a:t>Vierte Ebene</a:t>
             </a:r>
           </a:p>
           <a:p>
             <a:pPr lvl="4"/>
             <a:r>
-              <a:rPr lang="de-DE" smtClean="0"/>
+              <a:rPr lang="de-DE"/>
               <a:t>Fünfte Ebene</a:t>
             </a:r>
             <a:endParaRPr lang="de-CH"/>
@@ -2664,7 +4061,7 @@
           <a:p>
             <a:fld id="{80A92051-9F01-459E-BB84-2389E6066350}" type="datetimeFigureOut">
               <a:rPr lang="de-CH" smtClean="0"/>
-              <a:t>19.12.2019</a:t>
+              <a:t>21.02.2020</a:t>
             </a:fld>
             <a:endParaRPr lang="de-CH"/>
           </a:p>
@@ -2763,7 +4160,7 @@
           <a:lstStyle/>
           <a:p>
             <a:r>
-              <a:rPr lang="de-DE" smtClean="0"/>
+              <a:rPr lang="de-DE"/>
               <a:t>Titelmasterformat durch Klicken bearbeiten</a:t>
             </a:r>
             <a:endParaRPr lang="de-CH"/>
@@ -2829,7 +4226,7 @@
           <a:p>
             <a:pPr lvl="0"/>
             <a:r>
-              <a:rPr lang="de-DE" smtClean="0"/>
+              <a:rPr lang="de-DE"/>
               <a:t>Formatvorlagen des Textmasters bearbeiten</a:t>
             </a:r>
           </a:p>
@@ -2857,35 +4254,35 @@
           <a:p>
             <a:pPr lvl="0"/>
             <a:r>
-              <a:rPr lang="de-DE" smtClean="0"/>
+              <a:rPr lang="de-DE"/>
               <a:t>Formatvorlagen des Textmasters bearbeiten</a:t>
             </a:r>
           </a:p>
           <a:p>
             <a:pPr lvl="1"/>
             <a:r>
-              <a:rPr lang="de-DE" smtClean="0"/>
+              <a:rPr lang="de-DE"/>
               <a:t>Zweite Ebene</a:t>
             </a:r>
           </a:p>
           <a:p>
             <a:pPr lvl="2"/>
             <a:r>
-              <a:rPr lang="de-DE" smtClean="0"/>
+              <a:rPr lang="de-DE"/>
               <a:t>Dritte Ebene</a:t>
             </a:r>
           </a:p>
           <a:p>
             <a:pPr lvl="3"/>
             <a:r>
-              <a:rPr lang="de-DE" smtClean="0"/>
+              <a:rPr lang="de-DE"/>
               <a:t>Vierte Ebene</a:t>
             </a:r>
           </a:p>
           <a:p>
             <a:pPr lvl="4"/>
             <a:r>
-              <a:rPr lang="de-DE" smtClean="0"/>
+              <a:rPr lang="de-DE"/>
               <a:t>Fünfte Ebene</a:t>
             </a:r>
             <a:endParaRPr lang="de-CH"/>
@@ -2951,7 +4348,7 @@
           <a:p>
             <a:pPr lvl="0"/>
             <a:r>
-              <a:rPr lang="de-DE" smtClean="0"/>
+              <a:rPr lang="de-DE"/>
               <a:t>Formatvorlagen des Textmasters bearbeiten</a:t>
             </a:r>
           </a:p>
@@ -2979,35 +4376,35 @@
           <a:p>
             <a:pPr lvl="0"/>
             <a:r>
-              <a:rPr lang="de-DE" smtClean="0"/>
+              <a:rPr lang="de-DE"/>
               <a:t>Formatvorlagen des Textmasters bearbeiten</a:t>
             </a:r>
           </a:p>
           <a:p>
             <a:pPr lvl="1"/>
             <a:r>
-              <a:rPr lang="de-DE" smtClean="0"/>
+              <a:rPr lang="de-DE"/>
               <a:t>Zweite Ebene</a:t>
             </a:r>
           </a:p>
           <a:p>
             <a:pPr lvl="2"/>
             <a:r>
-              <a:rPr lang="de-DE" smtClean="0"/>
+              <a:rPr lang="de-DE"/>
               <a:t>Dritte Ebene</a:t>
             </a:r>
           </a:p>
           <a:p>
             <a:pPr lvl="3"/>
             <a:r>
-              <a:rPr lang="de-DE" smtClean="0"/>
+              <a:rPr lang="de-DE"/>
               <a:t>Vierte Ebene</a:t>
             </a:r>
           </a:p>
           <a:p>
             <a:pPr lvl="4"/>
             <a:r>
-              <a:rPr lang="de-DE" smtClean="0"/>
+              <a:rPr lang="de-DE"/>
               <a:t>Fünfte Ebene</a:t>
             </a:r>
             <a:endParaRPr lang="de-CH"/>
@@ -3031,7 +4428,7 @@
           <a:p>
             <a:fld id="{80A92051-9F01-459E-BB84-2389E6066350}" type="datetimeFigureOut">
               <a:rPr lang="de-CH" smtClean="0"/>
-              <a:t>19.12.2019</a:t>
+              <a:t>21.02.2020</a:t>
             </a:fld>
             <a:endParaRPr lang="de-CH"/>
           </a:p>
@@ -3125,7 +4522,7 @@
           <a:lstStyle/>
           <a:p>
             <a:r>
-              <a:rPr lang="de-DE" smtClean="0"/>
+              <a:rPr lang="de-DE"/>
               <a:t>Titelmasterformat durch Klicken bearbeiten</a:t>
             </a:r>
             <a:endParaRPr lang="de-CH"/>
@@ -3149,7 +4546,7 @@
           <a:p>
             <a:fld id="{80A92051-9F01-459E-BB84-2389E6066350}" type="datetimeFigureOut">
               <a:rPr lang="de-CH" smtClean="0"/>
-              <a:t>19.12.2019</a:t>
+              <a:t>21.02.2020</a:t>
             </a:fld>
             <a:endParaRPr lang="de-CH"/>
           </a:p>
@@ -3244,7 +4641,7 @@
           <a:p>
             <a:fld id="{80A92051-9F01-459E-BB84-2389E6066350}" type="datetimeFigureOut">
               <a:rPr lang="de-CH" smtClean="0"/>
-              <a:t>19.12.2019</a:t>
+              <a:t>21.02.2020</a:t>
             </a:fld>
             <a:endParaRPr lang="de-CH"/>
           </a:p>
@@ -3347,7 +4744,7 @@
           </a:lstStyle>
           <a:p>
             <a:r>
-              <a:rPr lang="de-DE" smtClean="0"/>
+              <a:rPr lang="de-DE"/>
               <a:t>Titelmasterformat durch Klicken bearbeiten</a:t>
             </a:r>
             <a:endParaRPr lang="de-CH"/>
@@ -3404,35 +4801,35 @@
           <a:p>
             <a:pPr lvl="0"/>
             <a:r>
-              <a:rPr lang="de-DE" smtClean="0"/>
+              <a:rPr lang="de-DE"/>
               <a:t>Formatvorlagen des Textmasters bearbeiten</a:t>
             </a:r>
           </a:p>
           <a:p>
             <a:pPr lvl="1"/>
             <a:r>
-              <a:rPr lang="de-DE" smtClean="0"/>
+              <a:rPr lang="de-DE"/>
               <a:t>Zweite Ebene</a:t>
             </a:r>
           </a:p>
           <a:p>
             <a:pPr lvl="2"/>
             <a:r>
-              <a:rPr lang="de-DE" smtClean="0"/>
+              <a:rPr lang="de-DE"/>
               <a:t>Dritte Ebene</a:t>
             </a:r>
           </a:p>
           <a:p>
             <a:pPr lvl="3"/>
             <a:r>
-              <a:rPr lang="de-DE" smtClean="0"/>
+              <a:rPr lang="de-DE"/>
               <a:t>Vierte Ebene</a:t>
             </a:r>
           </a:p>
           <a:p>
             <a:pPr lvl="4"/>
             <a:r>
-              <a:rPr lang="de-DE" smtClean="0"/>
+              <a:rPr lang="de-DE"/>
               <a:t>Fünfte Ebene</a:t>
             </a:r>
             <a:endParaRPr lang="de-CH"/>
@@ -3498,7 +4895,7 @@
           <a:p>
             <a:pPr lvl="0"/>
             <a:r>
-              <a:rPr lang="de-DE" smtClean="0"/>
+              <a:rPr lang="de-DE"/>
               <a:t>Formatvorlagen des Textmasters bearbeiten</a:t>
             </a:r>
           </a:p>
@@ -3521,7 +4918,7 @@
           <a:p>
             <a:fld id="{80A92051-9F01-459E-BB84-2389E6066350}" type="datetimeFigureOut">
               <a:rPr lang="de-CH" smtClean="0"/>
-              <a:t>19.12.2019</a:t>
+              <a:t>21.02.2020</a:t>
             </a:fld>
             <a:endParaRPr lang="de-CH"/>
           </a:p>
@@ -3624,7 +5021,7 @@
           </a:lstStyle>
           <a:p>
             <a:r>
-              <a:rPr lang="de-DE" smtClean="0"/>
+              <a:rPr lang="de-DE"/>
               <a:t>Titelmasterformat durch Klicken bearbeiten</a:t>
             </a:r>
             <a:endParaRPr lang="de-CH"/>
@@ -3751,7 +5148,7 @@
           <a:p>
             <a:pPr lvl="0"/>
             <a:r>
-              <a:rPr lang="de-DE" smtClean="0"/>
+              <a:rPr lang="de-DE"/>
               <a:t>Formatvorlagen des Textmasters bearbeiten</a:t>
             </a:r>
           </a:p>
@@ -3774,7 +5171,7 @@
           <a:p>
             <a:fld id="{80A92051-9F01-459E-BB84-2389E6066350}" type="datetimeFigureOut">
               <a:rPr lang="de-CH" smtClean="0"/>
-              <a:t>19.12.2019</a:t>
+              <a:t>21.02.2020</a:t>
             </a:fld>
             <a:endParaRPr lang="de-CH"/>
           </a:p>
@@ -3883,7 +5280,7 @@
           <a:lstStyle/>
           <a:p>
             <a:r>
-              <a:rPr lang="de-DE" smtClean="0"/>
+              <a:rPr lang="de-DE"/>
               <a:t>Titelmasterformat durch Klicken bearbeiten</a:t>
             </a:r>
             <a:endParaRPr lang="de-CH"/>
@@ -3917,35 +5314,35 @@
           <a:p>
             <a:pPr lvl="0"/>
             <a:r>
-              <a:rPr lang="de-DE" smtClean="0"/>
+              <a:rPr lang="de-DE"/>
               <a:t>Formatvorlagen des Textmasters bearbeiten</a:t>
             </a:r>
           </a:p>
           <a:p>
             <a:pPr lvl="1"/>
             <a:r>
-              <a:rPr lang="de-DE" smtClean="0"/>
+              <a:rPr lang="de-DE"/>
               <a:t>Zweite Ebene</a:t>
             </a:r>
           </a:p>
           <a:p>
             <a:pPr lvl="2"/>
             <a:r>
-              <a:rPr lang="de-DE" smtClean="0"/>
+              <a:rPr lang="de-DE"/>
               <a:t>Dritte Ebene</a:t>
             </a:r>
           </a:p>
           <a:p>
             <a:pPr lvl="3"/>
             <a:r>
-              <a:rPr lang="de-DE" smtClean="0"/>
+              <a:rPr lang="de-DE"/>
               <a:t>Vierte Ebene</a:t>
             </a:r>
           </a:p>
           <a:p>
             <a:pPr lvl="4"/>
             <a:r>
-              <a:rPr lang="de-DE" smtClean="0"/>
+              <a:rPr lang="de-DE"/>
               <a:t>Fünfte Ebene</a:t>
             </a:r>
             <a:endParaRPr lang="de-CH"/>
@@ -3987,7 +5384,7 @@
           <a:p>
             <a:fld id="{80A92051-9F01-459E-BB84-2389E6066350}" type="datetimeFigureOut">
               <a:rPr lang="de-CH" smtClean="0"/>
-              <a:t>19.12.2019</a:t>
+              <a:t>21.02.2020</a:t>
             </a:fld>
             <a:endParaRPr lang="de-CH"/>
           </a:p>
@@ -4464,7 +5861,7 @@
           <a:p>
             <a:pPr algn="ctr"/>
             <a:r>
-              <a:rPr lang="de-CH" sz="600" dirty="0" smtClean="0">
+              <a:rPr lang="de-CH" sz="600" dirty="0">
                 <a:solidFill>
                   <a:schemeClr val="tx1">
                     <a:lumMod val="50000"/>
@@ -4474,14 +5871,6 @@
               </a:rPr>
               <a:t>Business Model Design</a:t>
             </a:r>
-            <a:endParaRPr lang="de-CH" sz="600" dirty="0">
-              <a:solidFill>
-                <a:schemeClr val="tx1">
-                  <a:lumMod val="50000"/>
-                  <a:lumOff val="50000"/>
-                </a:schemeClr>
-              </a:solidFill>
-            </a:endParaRPr>
           </a:p>
         </p:txBody>
       </p:sp>
@@ -4528,7 +5917,7 @@
           <a:p>
             <a:pPr algn="ctr"/>
             <a:r>
-              <a:rPr lang="de-CH" sz="600" dirty="0" smtClean="0">
+              <a:rPr lang="de-CH" sz="600" dirty="0">
                 <a:solidFill>
                   <a:schemeClr val="tx1">
                     <a:lumMod val="50000"/>
@@ -4539,7 +5928,7 @@
               <a:t>Business Model </a:t>
             </a:r>
             <a:r>
-              <a:rPr lang="de-CH" sz="600" dirty="0" err="1" smtClean="0">
+              <a:rPr lang="de-CH" sz="600" dirty="0" err="1">
                 <a:solidFill>
                   <a:schemeClr val="tx1">
                     <a:lumMod val="50000"/>
@@ -4651,7 +6040,7 @@
             <a:p>
               <a:pPr algn="ctr"/>
               <a:r>
-                <a:rPr lang="de-CH" sz="1200" dirty="0" err="1" smtClean="0"/>
+                <a:rPr lang="de-CH" sz="1200" dirty="0" err="1"/>
                 <a:t>Salaries</a:t>
               </a:r>
               <a:endParaRPr lang="de-CH" dirty="0"/>
@@ -4706,7 +6095,7 @@
           <a:p>
             <a:pPr algn="ctr"/>
             <a:r>
-              <a:rPr lang="de-CH" sz="800" dirty="0" err="1" smtClean="0">
+              <a:rPr lang="de-CH" sz="800" dirty="0" err="1">
                 <a:solidFill>
                   <a:schemeClr val="tx1">
                     <a:lumMod val="50000"/>
@@ -4717,7 +6106,7 @@
               <a:t>Cost</a:t>
             </a:r>
             <a:r>
-              <a:rPr lang="de-CH" sz="800" dirty="0" smtClean="0">
+              <a:rPr lang="de-CH" sz="800" dirty="0">
                 <a:solidFill>
                   <a:schemeClr val="tx1">
                     <a:lumMod val="50000"/>
@@ -4728,7 +6117,7 @@
               <a:t> </a:t>
             </a:r>
             <a:r>
-              <a:rPr lang="de-CH" sz="800" dirty="0" err="1" smtClean="0">
+              <a:rPr lang="de-CH" sz="800" dirty="0" err="1">
                 <a:solidFill>
                   <a:schemeClr val="tx1">
                     <a:lumMod val="50000"/>
@@ -4772,7 +6161,7 @@
             <p:nvPr/>
           </p:nvPicPr>
           <p:blipFill>
-            <a:blip r:embed="rId5" cstate="print">
+            <a:blip r:embed="rId6" cstate="print">
               <a:extLst>
                 <a:ext uri="{28A0092B-C50C-407E-A947-70E740481C1C}">
                   <a14:useLocalDpi xmlns:a14="http://schemas.microsoft.com/office/drawing/2010/main" val="0"/>
@@ -4817,11 +6206,11 @@
             <a:p>
               <a:pPr algn="ctr"/>
               <a:r>
-                <a:rPr lang="de-CH" sz="700" dirty="0" smtClean="0"/>
+                <a:rPr lang="de-CH" sz="700" dirty="0"/>
                 <a:t>Fixed </a:t>
               </a:r>
               <a:r>
-                <a:rPr lang="de-CH" sz="700" dirty="0" err="1" smtClean="0"/>
+                <a:rPr lang="de-CH" sz="700" dirty="0" err="1"/>
                 <a:t>Costs</a:t>
               </a:r>
               <a:endParaRPr lang="de-CH" sz="900" dirty="0"/>
@@ -4852,7 +6241,7 @@
             <p:nvPr/>
           </p:nvPicPr>
           <p:blipFill>
-            <a:blip r:embed="rId6" cstate="print">
+            <a:blip r:embed="rId7" cstate="print">
               <a:extLst>
                 <a:ext uri="{28A0092B-C50C-407E-A947-70E740481C1C}">
                   <a14:useLocalDpi xmlns:a14="http://schemas.microsoft.com/office/drawing/2010/main" val="0"/>
@@ -4897,11 +6286,11 @@
             <a:p>
               <a:pPr algn="ctr"/>
               <a:r>
-                <a:rPr lang="de-CH" sz="700" dirty="0" smtClean="0"/>
+                <a:rPr lang="de-CH" sz="700" dirty="0"/>
                 <a:t>Variable </a:t>
               </a:r>
               <a:r>
-                <a:rPr lang="de-CH" sz="700" dirty="0" err="1" smtClean="0"/>
+                <a:rPr lang="de-CH" sz="700" dirty="0" err="1"/>
                 <a:t>Costs</a:t>
               </a:r>
               <a:endParaRPr lang="de-CH" sz="900" dirty="0"/>
@@ -4919,526 +6308,10 @@
   <p:clrMapOvr>
     <a:masterClrMapping/>
   </p:clrMapOvr>
-  <p:timing>
-    <p:tnLst>
-      <p:par>
-        <p:cTn id="1" dur="indefinite" restart="never" nodeType="tmRoot"/>
-      </p:par>
-    </p:tnLst>
-  </p:timing>
 </p:sld>
 </file>
 
 <file path=ppt/slides/slide10.xml><?xml version="1.0" encoding="utf-8"?>
-<p:sld xmlns:a="http://schemas.openxmlformats.org/drawingml/2006/main" xmlns:r="http://schemas.openxmlformats.org/officeDocument/2006/relationships" xmlns:p="http://schemas.openxmlformats.org/presentationml/2006/main">
-  <p:cSld>
-    <p:spTree>
-      <p:nvGrpSpPr>
-        <p:cNvPr id="1" name=""/>
-        <p:cNvGrpSpPr/>
-        <p:nvPr/>
-      </p:nvGrpSpPr>
-      <p:grpSpPr>
-        <a:xfrm>
-          <a:off x="0" y="0"/>
-          <a:ext cx="0" cy="0"/>
-          <a:chOff x="0" y="0"/>
-          <a:chExt cx="0" cy="0"/>
-        </a:xfrm>
-      </p:grpSpPr>
-      <p:sp>
-        <p:nvSpPr>
-          <p:cNvPr id="4" name="Rechteck 3"/>
-          <p:cNvSpPr/>
-          <p:nvPr/>
-        </p:nvSpPr>
-        <p:spPr>
-          <a:xfrm>
-            <a:off x="57664" y="57665"/>
-            <a:ext cx="12068433" cy="6738552"/>
-          </a:xfrm>
-          <a:prstGeom prst="rect">
-            <a:avLst/>
-          </a:prstGeom>
-          <a:solidFill>
-            <a:schemeClr val="bg1">
-              <a:lumMod val="95000"/>
-            </a:schemeClr>
-          </a:solidFill>
-          <a:ln w="76200">
-            <a:solidFill>
-              <a:srgbClr val="FF0000"/>
-            </a:solidFill>
-          </a:ln>
-        </p:spPr>
-        <p:style>
-          <a:lnRef idx="2">
-            <a:schemeClr val="accent1">
-              <a:shade val="50000"/>
-            </a:schemeClr>
-          </a:lnRef>
-          <a:fillRef idx="1">
-            <a:schemeClr val="accent1"/>
-          </a:fillRef>
-          <a:effectRef idx="0">
-            <a:schemeClr val="accent1"/>
-          </a:effectRef>
-          <a:fontRef idx="minor">
-            <a:schemeClr val="lt1"/>
-          </a:fontRef>
-        </p:style>
-        <p:txBody>
-          <a:bodyPr rtlCol="0" anchor="ctr"/>
-          <a:lstStyle/>
-          <a:p>
-            <a:pPr algn="ctr"/>
-            <a:endParaRPr lang="de-CH"/>
-          </a:p>
-        </p:txBody>
-      </p:sp>
-      <p:pic>
-        <p:nvPicPr>
-          <p:cNvPr id="2" name="Grafik 1"/>
-          <p:cNvPicPr>
-            <a:picLocks noChangeAspect="1"/>
-          </p:cNvPicPr>
-          <p:nvPr/>
-        </p:nvPicPr>
-        <p:blipFill>
-          <a:blip r:embed="rId3">
-            <a:duotone>
-              <a:schemeClr val="accent1">
-                <a:shade val="45000"/>
-                <a:satMod val="135000"/>
-              </a:schemeClr>
-              <a:prstClr val="white"/>
-            </a:duotone>
-            <a:extLst>
-              <a:ext uri="{28A0092B-C50C-407E-A947-70E740481C1C}">
-                <a14:useLocalDpi xmlns:a14="http://schemas.microsoft.com/office/drawing/2010/main" val="0"/>
-              </a:ext>
-            </a:extLst>
-          </a:blip>
-          <a:stretch>
-            <a:fillRect/>
-          </a:stretch>
-        </p:blipFill>
-        <p:spPr>
-          <a:xfrm>
-            <a:off x="3657905" y="990905"/>
-            <a:ext cx="4876190" cy="4876190"/>
-          </a:xfrm>
-          <a:prstGeom prst="rect">
-            <a:avLst/>
-          </a:prstGeom>
-        </p:spPr>
-      </p:pic>
-      <p:sp>
-        <p:nvSpPr>
-          <p:cNvPr id="6" name="Rechteck 5"/>
-          <p:cNvSpPr/>
-          <p:nvPr/>
-        </p:nvSpPr>
-        <p:spPr>
-          <a:xfrm>
-            <a:off x="2224334" y="944415"/>
-            <a:ext cx="7199870" cy="4965052"/>
-          </a:xfrm>
-          <a:prstGeom prst="rect">
-            <a:avLst/>
-          </a:prstGeom>
-          <a:solidFill>
-            <a:srgbClr val="F2F2F2">
-              <a:alpha val="60000"/>
-            </a:srgbClr>
-          </a:solidFill>
-          <a:ln w="76200">
-            <a:noFill/>
-          </a:ln>
-        </p:spPr>
-        <p:style>
-          <a:lnRef idx="2">
-            <a:schemeClr val="accent1">
-              <a:shade val="50000"/>
-            </a:schemeClr>
-          </a:lnRef>
-          <a:fillRef idx="1">
-            <a:schemeClr val="accent1"/>
-          </a:fillRef>
-          <a:effectRef idx="0">
-            <a:schemeClr val="accent1"/>
-          </a:effectRef>
-          <a:fontRef idx="minor">
-            <a:schemeClr val="lt1"/>
-          </a:fontRef>
-        </p:style>
-        <p:txBody>
-          <a:bodyPr rtlCol="0" anchor="ctr"/>
-          <a:lstStyle/>
-          <a:p>
-            <a:pPr algn="ctr"/>
-            <a:endParaRPr lang="de-CH"/>
-          </a:p>
-        </p:txBody>
-      </p:sp>
-    </p:spTree>
-    <p:extLst>
-      <p:ext uri="{BB962C8B-B14F-4D97-AF65-F5344CB8AC3E}">
-        <p14:creationId xmlns:p14="http://schemas.microsoft.com/office/powerpoint/2010/main" val="1653183672"/>
-      </p:ext>
-    </p:extLst>
-  </p:cSld>
-  <p:clrMapOvr>
-    <a:masterClrMapping/>
-  </p:clrMapOvr>
-  <p:timing>
-    <p:tnLst>
-      <p:par>
-        <p:cTn id="1" dur="indefinite" restart="never" nodeType="tmRoot"/>
-      </p:par>
-    </p:tnLst>
-  </p:timing>
-</p:sld>
-</file>
-
-<file path=ppt/slides/slide11.xml><?xml version="1.0" encoding="utf-8"?>
-<p:sld xmlns:a="http://schemas.openxmlformats.org/drawingml/2006/main" xmlns:r="http://schemas.openxmlformats.org/officeDocument/2006/relationships" xmlns:p="http://schemas.openxmlformats.org/presentationml/2006/main">
-  <p:cSld>
-    <p:spTree>
-      <p:nvGrpSpPr>
-        <p:cNvPr id="1" name=""/>
-        <p:cNvGrpSpPr/>
-        <p:nvPr/>
-      </p:nvGrpSpPr>
-      <p:grpSpPr>
-        <a:xfrm>
-          <a:off x="0" y="0"/>
-          <a:ext cx="0" cy="0"/>
-          <a:chOff x="0" y="0"/>
-          <a:chExt cx="0" cy="0"/>
-        </a:xfrm>
-      </p:grpSpPr>
-      <p:sp>
-        <p:nvSpPr>
-          <p:cNvPr id="4" name="Rechteck 3"/>
-          <p:cNvSpPr/>
-          <p:nvPr/>
-        </p:nvSpPr>
-        <p:spPr>
-          <a:xfrm>
-            <a:off x="57664" y="57665"/>
-            <a:ext cx="12068433" cy="6738552"/>
-          </a:xfrm>
-          <a:prstGeom prst="rect">
-            <a:avLst/>
-          </a:prstGeom>
-          <a:solidFill>
-            <a:schemeClr val="bg1">
-              <a:lumMod val="95000"/>
-            </a:schemeClr>
-          </a:solidFill>
-          <a:ln w="76200">
-            <a:solidFill>
-              <a:srgbClr val="FF0000"/>
-            </a:solidFill>
-          </a:ln>
-        </p:spPr>
-        <p:style>
-          <a:lnRef idx="2">
-            <a:schemeClr val="accent1">
-              <a:shade val="50000"/>
-            </a:schemeClr>
-          </a:lnRef>
-          <a:fillRef idx="1">
-            <a:schemeClr val="accent1"/>
-          </a:fillRef>
-          <a:effectRef idx="0">
-            <a:schemeClr val="accent1"/>
-          </a:effectRef>
-          <a:fontRef idx="minor">
-            <a:schemeClr val="lt1"/>
-          </a:fontRef>
-        </p:style>
-        <p:txBody>
-          <a:bodyPr rtlCol="0" anchor="ctr"/>
-          <a:lstStyle/>
-          <a:p>
-            <a:pPr algn="ctr"/>
-            <a:endParaRPr lang="de-CH"/>
-          </a:p>
-        </p:txBody>
-      </p:sp>
-      <p:pic>
-        <p:nvPicPr>
-          <p:cNvPr id="2" name="Grafik 1"/>
-          <p:cNvPicPr>
-            <a:picLocks noChangeAspect="1"/>
-          </p:cNvPicPr>
-          <p:nvPr/>
-        </p:nvPicPr>
-        <p:blipFill>
-          <a:blip r:embed="rId3">
-            <a:duotone>
-              <a:schemeClr val="accent4">
-                <a:shade val="45000"/>
-                <a:satMod val="135000"/>
-              </a:schemeClr>
-              <a:prstClr val="white"/>
-            </a:duotone>
-            <a:extLst>
-              <a:ext uri="{28A0092B-C50C-407E-A947-70E740481C1C}">
-                <a14:useLocalDpi xmlns:a14="http://schemas.microsoft.com/office/drawing/2010/main" val="0"/>
-              </a:ext>
-            </a:extLst>
-          </a:blip>
-          <a:stretch>
-            <a:fillRect/>
-          </a:stretch>
-        </p:blipFill>
-        <p:spPr>
-          <a:xfrm>
-            <a:off x="3657905" y="990905"/>
-            <a:ext cx="4876190" cy="4876190"/>
-          </a:xfrm>
-          <a:prstGeom prst="rect">
-            <a:avLst/>
-          </a:prstGeom>
-        </p:spPr>
-      </p:pic>
-      <p:sp>
-        <p:nvSpPr>
-          <p:cNvPr id="6" name="Rechteck 5"/>
-          <p:cNvSpPr/>
-          <p:nvPr/>
-        </p:nvSpPr>
-        <p:spPr>
-          <a:xfrm>
-            <a:off x="2290119" y="990906"/>
-            <a:ext cx="7199870" cy="4965052"/>
-          </a:xfrm>
-          <a:prstGeom prst="rect">
-            <a:avLst/>
-          </a:prstGeom>
-          <a:solidFill>
-            <a:srgbClr val="F2F2F2">
-              <a:alpha val="60000"/>
-            </a:srgbClr>
-          </a:solidFill>
-          <a:ln w="76200">
-            <a:noFill/>
-          </a:ln>
-        </p:spPr>
-        <p:style>
-          <a:lnRef idx="2">
-            <a:schemeClr val="accent1">
-              <a:shade val="50000"/>
-            </a:schemeClr>
-          </a:lnRef>
-          <a:fillRef idx="1">
-            <a:schemeClr val="accent1"/>
-          </a:fillRef>
-          <a:effectRef idx="0">
-            <a:schemeClr val="accent1"/>
-          </a:effectRef>
-          <a:fontRef idx="minor">
-            <a:schemeClr val="lt1"/>
-          </a:fontRef>
-        </p:style>
-        <p:txBody>
-          <a:bodyPr rtlCol="0" anchor="ctr"/>
-          <a:lstStyle/>
-          <a:p>
-            <a:pPr algn="ctr"/>
-            <a:endParaRPr lang="de-CH"/>
-          </a:p>
-        </p:txBody>
-      </p:sp>
-    </p:spTree>
-    <p:extLst>
-      <p:ext uri="{BB962C8B-B14F-4D97-AF65-F5344CB8AC3E}">
-        <p14:creationId xmlns:p14="http://schemas.microsoft.com/office/powerpoint/2010/main" val="3130156935"/>
-      </p:ext>
-    </p:extLst>
-  </p:cSld>
-  <p:clrMapOvr>
-    <a:masterClrMapping/>
-  </p:clrMapOvr>
-  <p:timing>
-    <p:tnLst>
-      <p:par>
-        <p:cTn id="1" dur="indefinite" restart="never" nodeType="tmRoot"/>
-      </p:par>
-    </p:tnLst>
-  </p:timing>
-</p:sld>
-</file>
-
-<file path=ppt/slides/slide2.xml><?xml version="1.0" encoding="utf-8"?>
-<p:sld xmlns:a="http://schemas.openxmlformats.org/drawingml/2006/main" xmlns:r="http://schemas.openxmlformats.org/officeDocument/2006/relationships" xmlns:p="http://schemas.openxmlformats.org/presentationml/2006/main">
-  <p:cSld>
-    <p:spTree>
-      <p:nvGrpSpPr>
-        <p:cNvPr id="1" name=""/>
-        <p:cNvGrpSpPr/>
-        <p:nvPr/>
-      </p:nvGrpSpPr>
-      <p:grpSpPr>
-        <a:xfrm>
-          <a:off x="0" y="0"/>
-          <a:ext cx="0" cy="0"/>
-          <a:chOff x="0" y="0"/>
-          <a:chExt cx="0" cy="0"/>
-        </a:xfrm>
-      </p:grpSpPr>
-      <p:sp>
-        <p:nvSpPr>
-          <p:cNvPr id="4" name="Rechteck 3"/>
-          <p:cNvSpPr/>
-          <p:nvPr/>
-        </p:nvSpPr>
-        <p:spPr>
-          <a:xfrm>
-            <a:off x="57664" y="57665"/>
-            <a:ext cx="12068433" cy="6738552"/>
-          </a:xfrm>
-          <a:prstGeom prst="rect">
-            <a:avLst/>
-          </a:prstGeom>
-          <a:solidFill>
-            <a:schemeClr val="bg1">
-              <a:lumMod val="95000"/>
-            </a:schemeClr>
-          </a:solidFill>
-          <a:ln w="76200">
-            <a:solidFill>
-              <a:schemeClr val="accent4"/>
-            </a:solidFill>
-          </a:ln>
-        </p:spPr>
-        <p:style>
-          <a:lnRef idx="2">
-            <a:schemeClr val="accent1">
-              <a:shade val="50000"/>
-            </a:schemeClr>
-          </a:lnRef>
-          <a:fillRef idx="1">
-            <a:schemeClr val="accent1"/>
-          </a:fillRef>
-          <a:effectRef idx="0">
-            <a:schemeClr val="accent1"/>
-          </a:effectRef>
-          <a:fontRef idx="minor">
-            <a:schemeClr val="lt1"/>
-          </a:fontRef>
-        </p:style>
-        <p:txBody>
-          <a:bodyPr rtlCol="0" anchor="ctr"/>
-          <a:lstStyle/>
-          <a:p>
-            <a:pPr algn="ctr"/>
-            <a:endParaRPr lang="de-CH"/>
-          </a:p>
-        </p:txBody>
-      </p:sp>
-      <p:pic>
-        <p:nvPicPr>
-          <p:cNvPr id="2" name="Grafik 1"/>
-          <p:cNvPicPr>
-            <a:picLocks noChangeAspect="1"/>
-          </p:cNvPicPr>
-          <p:nvPr/>
-        </p:nvPicPr>
-        <p:blipFill>
-          <a:blip r:embed="rId3">
-            <a:extLst>
-              <a:ext uri="{28A0092B-C50C-407E-A947-70E740481C1C}">
-                <a14:useLocalDpi xmlns:a14="http://schemas.microsoft.com/office/drawing/2010/main" val="0"/>
-              </a:ext>
-            </a:extLst>
-          </a:blip>
-          <a:stretch>
-            <a:fillRect/>
-          </a:stretch>
-        </p:blipFill>
-        <p:spPr>
-          <a:xfrm>
-            <a:off x="3657905" y="990905"/>
-            <a:ext cx="4876190" cy="4876190"/>
-          </a:xfrm>
-          <a:prstGeom prst="rect">
-            <a:avLst/>
-          </a:prstGeom>
-        </p:spPr>
-      </p:pic>
-      <p:sp>
-        <p:nvSpPr>
-          <p:cNvPr id="5" name="Rechteck 4"/>
-          <p:cNvSpPr/>
-          <p:nvPr/>
-        </p:nvSpPr>
-        <p:spPr>
-          <a:xfrm>
-            <a:off x="2355904" y="894664"/>
-            <a:ext cx="7199870" cy="5183793"/>
-          </a:xfrm>
-          <a:prstGeom prst="rect">
-            <a:avLst/>
-          </a:prstGeom>
-          <a:solidFill>
-            <a:srgbClr val="F2F2F2">
-              <a:alpha val="60000"/>
-            </a:srgbClr>
-          </a:solidFill>
-          <a:ln w="76200">
-            <a:noFill/>
-          </a:ln>
-        </p:spPr>
-        <p:style>
-          <a:lnRef idx="2">
-            <a:schemeClr val="accent1">
-              <a:shade val="50000"/>
-            </a:schemeClr>
-          </a:lnRef>
-          <a:fillRef idx="1">
-            <a:schemeClr val="accent1"/>
-          </a:fillRef>
-          <a:effectRef idx="0">
-            <a:schemeClr val="accent1"/>
-          </a:effectRef>
-          <a:fontRef idx="minor">
-            <a:schemeClr val="lt1"/>
-          </a:fontRef>
-        </p:style>
-        <p:txBody>
-          <a:bodyPr rtlCol="0" anchor="ctr"/>
-          <a:lstStyle/>
-          <a:p>
-            <a:pPr algn="ctr"/>
-            <a:endParaRPr lang="de-CH"/>
-          </a:p>
-        </p:txBody>
-      </p:sp>
-    </p:spTree>
-    <p:extLst>
-      <p:ext uri="{BB962C8B-B14F-4D97-AF65-F5344CB8AC3E}">
-        <p14:creationId xmlns:p14="http://schemas.microsoft.com/office/powerpoint/2010/main" val="3300122313"/>
-      </p:ext>
-    </p:extLst>
-  </p:cSld>
-  <p:clrMapOvr>
-    <a:masterClrMapping/>
-  </p:clrMapOvr>
-  <p:timing>
-    <p:tnLst>
-      <p:par>
-        <p:cTn id="1" dur="indefinite" restart="never" nodeType="tmRoot"/>
-      </p:par>
-    </p:tnLst>
-  </p:timing>
-</p:sld>
-</file>
-
-<file path=ppt/slides/slide3.xml><?xml version="1.0" encoding="utf-8"?>
 <p:sld xmlns:a="http://schemas.openxmlformats.org/drawingml/2006/main" xmlns:r="http://schemas.openxmlformats.org/officeDocument/2006/relationships" xmlns:p="http://schemas.openxmlformats.org/presentationml/2006/main">
   <p:cSld>
     <p:spTree>
@@ -5504,6 +6377,1472 @@
           <a:lstStyle/>
           <a:p>
             <a:pPr algn="ctr"/>
+            <a:endParaRPr lang="de-CH" sz="8000" dirty="0">
+              <a:solidFill>
+                <a:schemeClr val="tx1"/>
+              </a:solidFill>
+              <a:latin typeface="Montserrat Medium" panose="00000600000000000000" pitchFamily="2" charset="0"/>
+            </a:endParaRPr>
+          </a:p>
+        </p:txBody>
+      </p:sp>
+      <p:pic>
+        <p:nvPicPr>
+          <p:cNvPr id="2" name="Grafik 1"/>
+          <p:cNvPicPr>
+            <a:picLocks noChangeAspect="1"/>
+          </p:cNvPicPr>
+          <p:nvPr/>
+        </p:nvPicPr>
+        <p:blipFill>
+          <a:blip r:embed="rId3" cstate="print">
+            <a:extLst>
+              <a:ext uri="{28A0092B-C50C-407E-A947-70E740481C1C}">
+                <a14:useLocalDpi xmlns:a14="http://schemas.microsoft.com/office/drawing/2010/main" val="0"/>
+              </a:ext>
+            </a:extLst>
+          </a:blip>
+          <a:stretch>
+            <a:fillRect/>
+          </a:stretch>
+        </p:blipFill>
+        <p:spPr>
+          <a:xfrm>
+            <a:off x="9124122" y="195521"/>
+            <a:ext cx="2819578" cy="2372162"/>
+          </a:xfrm>
+          <a:prstGeom prst="rect">
+            <a:avLst/>
+          </a:prstGeom>
+        </p:spPr>
+      </p:pic>
+      <p:sp>
+        <p:nvSpPr>
+          <p:cNvPr id="5" name="Rechteck 4"/>
+          <p:cNvSpPr/>
+          <p:nvPr/>
+        </p:nvSpPr>
+        <p:spPr>
+          <a:xfrm>
+            <a:off x="152401" y="112644"/>
+            <a:ext cx="11880574" cy="2902226"/>
+          </a:xfrm>
+          <a:prstGeom prst="rect">
+            <a:avLst/>
+          </a:prstGeom>
+          <a:solidFill>
+            <a:srgbClr val="F2F2F2">
+              <a:alpha val="0"/>
+            </a:srgbClr>
+          </a:solidFill>
+          <a:ln w="76200">
+            <a:noFill/>
+          </a:ln>
+        </p:spPr>
+        <p:style>
+          <a:lnRef idx="2">
+            <a:schemeClr val="accent1">
+              <a:shade val="50000"/>
+            </a:schemeClr>
+          </a:lnRef>
+          <a:fillRef idx="1">
+            <a:schemeClr val="accent1"/>
+          </a:fillRef>
+          <a:effectRef idx="0">
+            <a:schemeClr val="accent1"/>
+          </a:effectRef>
+          <a:fontRef idx="minor">
+            <a:schemeClr val="lt1"/>
+          </a:fontRef>
+        </p:style>
+        <p:txBody>
+          <a:bodyPr rtlCol="0" anchor="t"/>
+          <a:lstStyle/>
+          <a:p>
+            <a:r>
+              <a:rPr lang="de-CH" sz="8800" dirty="0">
+                <a:solidFill>
+                  <a:schemeClr val="tx1"/>
+                </a:solidFill>
+                <a:latin typeface="Montserrat Medium" panose="00000600000000000000" pitchFamily="2" charset="0"/>
+              </a:rPr>
+              <a:t>Micro Market</a:t>
+            </a:r>
+          </a:p>
+        </p:txBody>
+      </p:sp>
+      <p:sp>
+        <p:nvSpPr>
+          <p:cNvPr id="6" name="Rechteck 5">
+            <a:extLst>
+              <a:ext uri="{FF2B5EF4-FFF2-40B4-BE49-F238E27FC236}">
+                <a16:creationId xmlns:a16="http://schemas.microsoft.com/office/drawing/2014/main" id="{22170DA6-8CB9-4C1D-B2D0-10C0A0CEC10F}"/>
+              </a:ext>
+            </a:extLst>
+          </p:cNvPr>
+          <p:cNvSpPr/>
+          <p:nvPr/>
+        </p:nvSpPr>
+        <p:spPr>
+          <a:xfrm>
+            <a:off x="304800" y="132523"/>
+            <a:ext cx="11728175" cy="3233530"/>
+          </a:xfrm>
+          <a:prstGeom prst="rect">
+            <a:avLst/>
+          </a:prstGeom>
+          <a:solidFill>
+            <a:srgbClr val="F2F2F2">
+              <a:alpha val="80000"/>
+            </a:srgbClr>
+          </a:solidFill>
+          <a:ln w="76200">
+            <a:noFill/>
+          </a:ln>
+        </p:spPr>
+        <p:style>
+          <a:lnRef idx="2">
+            <a:schemeClr val="accent1">
+              <a:shade val="50000"/>
+            </a:schemeClr>
+          </a:lnRef>
+          <a:fillRef idx="1">
+            <a:schemeClr val="accent1"/>
+          </a:fillRef>
+          <a:effectRef idx="0">
+            <a:schemeClr val="accent1"/>
+          </a:effectRef>
+          <a:fontRef idx="minor">
+            <a:schemeClr val="lt1"/>
+          </a:fontRef>
+        </p:style>
+        <p:txBody>
+          <a:bodyPr rtlCol="0" anchor="ctr"/>
+          <a:lstStyle/>
+          <a:p>
+            <a:pPr algn="ctr"/>
+            <a:endParaRPr lang="de-CH" dirty="0"/>
+          </a:p>
+        </p:txBody>
+      </p:sp>
+    </p:spTree>
+    <p:extLst>
+      <p:ext uri="{BB962C8B-B14F-4D97-AF65-F5344CB8AC3E}">
+        <p14:creationId xmlns:p14="http://schemas.microsoft.com/office/powerpoint/2010/main" val="1816013674"/>
+      </p:ext>
+    </p:extLst>
+  </p:cSld>
+  <p:clrMapOvr>
+    <a:masterClrMapping/>
+  </p:clrMapOvr>
+</p:sld>
+</file>
+
+<file path=ppt/slides/slide11.xml><?xml version="1.0" encoding="utf-8"?>
+<p:sld xmlns:a="http://schemas.openxmlformats.org/drawingml/2006/main" xmlns:r="http://schemas.openxmlformats.org/officeDocument/2006/relationships" xmlns:p="http://schemas.openxmlformats.org/presentationml/2006/main">
+  <p:cSld>
+    <p:spTree>
+      <p:nvGrpSpPr>
+        <p:cNvPr id="1" name=""/>
+        <p:cNvGrpSpPr/>
+        <p:nvPr/>
+      </p:nvGrpSpPr>
+      <p:grpSpPr>
+        <a:xfrm>
+          <a:off x="0" y="0"/>
+          <a:ext cx="0" cy="0"/>
+          <a:chOff x="0" y="0"/>
+          <a:chExt cx="0" cy="0"/>
+        </a:xfrm>
+      </p:grpSpPr>
+      <p:sp>
+        <p:nvSpPr>
+          <p:cNvPr id="4" name="Rechteck 3"/>
+          <p:cNvSpPr/>
+          <p:nvPr/>
+        </p:nvSpPr>
+        <p:spPr>
+          <a:xfrm>
+            <a:off x="57664" y="57665"/>
+            <a:ext cx="12068433" cy="6738552"/>
+          </a:xfrm>
+          <a:prstGeom prst="rect">
+            <a:avLst/>
+          </a:prstGeom>
+          <a:solidFill>
+            <a:schemeClr val="bg1">
+              <a:lumMod val="95000"/>
+            </a:schemeClr>
+          </a:solidFill>
+          <a:ln w="76200">
+            <a:solidFill>
+              <a:schemeClr val="accent6">
+                <a:lumMod val="60000"/>
+                <a:lumOff val="40000"/>
+              </a:schemeClr>
+            </a:solidFill>
+          </a:ln>
+        </p:spPr>
+        <p:style>
+          <a:lnRef idx="2">
+            <a:schemeClr val="accent1">
+              <a:shade val="50000"/>
+            </a:schemeClr>
+          </a:lnRef>
+          <a:fillRef idx="1">
+            <a:schemeClr val="accent1"/>
+          </a:fillRef>
+          <a:effectRef idx="0">
+            <a:schemeClr val="accent1"/>
+          </a:effectRef>
+          <a:fontRef idx="minor">
+            <a:schemeClr val="lt1"/>
+          </a:fontRef>
+        </p:style>
+        <p:txBody>
+          <a:bodyPr rtlCol="0" anchor="ctr"/>
+          <a:lstStyle/>
+          <a:p>
+            <a:pPr algn="ctr"/>
+            <a:endParaRPr lang="de-CH" sz="9600" dirty="0">
+              <a:solidFill>
+                <a:schemeClr val="tx1"/>
+              </a:solidFill>
+              <a:latin typeface="Montserrat Medium" panose="00000600000000000000" pitchFamily="2" charset="0"/>
+            </a:endParaRPr>
+          </a:p>
+        </p:txBody>
+      </p:sp>
+      <p:pic>
+        <p:nvPicPr>
+          <p:cNvPr id="2" name="Grafik 1"/>
+          <p:cNvPicPr>
+            <a:picLocks noChangeAspect="1"/>
+          </p:cNvPicPr>
+          <p:nvPr/>
+        </p:nvPicPr>
+        <p:blipFill>
+          <a:blip r:embed="rId3" cstate="print">
+            <a:extLst>
+              <a:ext uri="{28A0092B-C50C-407E-A947-70E740481C1C}">
+                <a14:useLocalDpi xmlns:a14="http://schemas.microsoft.com/office/drawing/2010/main" val="0"/>
+              </a:ext>
+            </a:extLst>
+          </a:blip>
+          <a:stretch>
+            <a:fillRect/>
+          </a:stretch>
+        </p:blipFill>
+        <p:spPr>
+          <a:xfrm>
+            <a:off x="3490525" y="2037574"/>
+            <a:ext cx="4878000" cy="4103950"/>
+          </a:xfrm>
+          <a:prstGeom prst="rect">
+            <a:avLst/>
+          </a:prstGeom>
+        </p:spPr>
+      </p:pic>
+      <p:sp>
+        <p:nvSpPr>
+          <p:cNvPr id="5" name="Rechteck 4"/>
+          <p:cNvSpPr/>
+          <p:nvPr/>
+        </p:nvSpPr>
+        <p:spPr>
+          <a:xfrm>
+            <a:off x="152401" y="112644"/>
+            <a:ext cx="11880574" cy="6407426"/>
+          </a:xfrm>
+          <a:prstGeom prst="rect">
+            <a:avLst/>
+          </a:prstGeom>
+          <a:solidFill>
+            <a:srgbClr val="F2F2F2">
+              <a:alpha val="60000"/>
+            </a:srgbClr>
+          </a:solidFill>
+          <a:ln w="76200">
+            <a:noFill/>
+          </a:ln>
+        </p:spPr>
+        <p:style>
+          <a:lnRef idx="2">
+            <a:schemeClr val="accent1">
+              <a:shade val="50000"/>
+            </a:schemeClr>
+          </a:lnRef>
+          <a:fillRef idx="1">
+            <a:schemeClr val="accent1"/>
+          </a:fillRef>
+          <a:effectRef idx="0">
+            <a:schemeClr val="accent1"/>
+          </a:effectRef>
+          <a:fontRef idx="minor">
+            <a:schemeClr val="lt1"/>
+          </a:fontRef>
+        </p:style>
+        <p:txBody>
+          <a:bodyPr rtlCol="0" anchor="t"/>
+          <a:lstStyle/>
+          <a:p>
+            <a:pPr algn="ctr"/>
+            <a:r>
+              <a:rPr lang="de-CH" sz="11000" dirty="0" err="1">
+                <a:solidFill>
+                  <a:schemeClr val="tx1"/>
+                </a:solidFill>
+                <a:latin typeface="Montserrat Medium" panose="00000600000000000000" pitchFamily="2" charset="0"/>
+              </a:rPr>
+              <a:t>Niche</a:t>
+            </a:r>
+            <a:r>
+              <a:rPr lang="de-CH" sz="11000" dirty="0">
+                <a:solidFill>
+                  <a:schemeClr val="tx1"/>
+                </a:solidFill>
+                <a:latin typeface="Montserrat Medium" panose="00000600000000000000" pitchFamily="2" charset="0"/>
+              </a:rPr>
+              <a:t> Market</a:t>
+            </a:r>
+          </a:p>
+        </p:txBody>
+      </p:sp>
+    </p:spTree>
+    <p:extLst>
+      <p:ext uri="{BB962C8B-B14F-4D97-AF65-F5344CB8AC3E}">
+        <p14:creationId xmlns:p14="http://schemas.microsoft.com/office/powerpoint/2010/main" val="126234984"/>
+      </p:ext>
+    </p:extLst>
+  </p:cSld>
+  <p:clrMapOvr>
+    <a:masterClrMapping/>
+  </p:clrMapOvr>
+</p:sld>
+</file>
+
+<file path=ppt/slides/slide12.xml><?xml version="1.0" encoding="utf-8"?>
+<p:sld xmlns:a="http://schemas.openxmlformats.org/drawingml/2006/main" xmlns:r="http://schemas.openxmlformats.org/officeDocument/2006/relationships" xmlns:p="http://schemas.openxmlformats.org/presentationml/2006/main">
+  <p:cSld>
+    <p:spTree>
+      <p:nvGrpSpPr>
+        <p:cNvPr id="1" name=""/>
+        <p:cNvGrpSpPr/>
+        <p:nvPr/>
+      </p:nvGrpSpPr>
+      <p:grpSpPr>
+        <a:xfrm>
+          <a:off x="0" y="0"/>
+          <a:ext cx="0" cy="0"/>
+          <a:chOff x="0" y="0"/>
+          <a:chExt cx="0" cy="0"/>
+        </a:xfrm>
+      </p:grpSpPr>
+      <p:sp>
+        <p:nvSpPr>
+          <p:cNvPr id="4" name="Rechteck 3"/>
+          <p:cNvSpPr/>
+          <p:nvPr/>
+        </p:nvSpPr>
+        <p:spPr>
+          <a:xfrm>
+            <a:off x="57664" y="57665"/>
+            <a:ext cx="12068433" cy="6738552"/>
+          </a:xfrm>
+          <a:prstGeom prst="rect">
+            <a:avLst/>
+          </a:prstGeom>
+          <a:solidFill>
+            <a:schemeClr val="bg1">
+              <a:lumMod val="95000"/>
+            </a:schemeClr>
+          </a:solidFill>
+          <a:ln w="76200">
+            <a:solidFill>
+              <a:schemeClr val="accent6">
+                <a:lumMod val="60000"/>
+                <a:lumOff val="40000"/>
+              </a:schemeClr>
+            </a:solidFill>
+          </a:ln>
+        </p:spPr>
+        <p:style>
+          <a:lnRef idx="2">
+            <a:schemeClr val="accent1">
+              <a:shade val="50000"/>
+            </a:schemeClr>
+          </a:lnRef>
+          <a:fillRef idx="1">
+            <a:schemeClr val="accent1"/>
+          </a:fillRef>
+          <a:effectRef idx="0">
+            <a:schemeClr val="accent1"/>
+          </a:effectRef>
+          <a:fontRef idx="minor">
+            <a:schemeClr val="lt1"/>
+          </a:fontRef>
+        </p:style>
+        <p:txBody>
+          <a:bodyPr rtlCol="0" anchor="ctr"/>
+          <a:lstStyle/>
+          <a:p>
+            <a:pPr algn="ctr"/>
+            <a:endParaRPr lang="de-CH" sz="8000" dirty="0">
+              <a:solidFill>
+                <a:schemeClr val="tx1"/>
+              </a:solidFill>
+              <a:latin typeface="Montserrat Medium" panose="00000600000000000000" pitchFamily="2" charset="0"/>
+            </a:endParaRPr>
+          </a:p>
+        </p:txBody>
+      </p:sp>
+      <p:pic>
+        <p:nvPicPr>
+          <p:cNvPr id="2" name="Grafik 1"/>
+          <p:cNvPicPr>
+            <a:picLocks noChangeAspect="1"/>
+          </p:cNvPicPr>
+          <p:nvPr/>
+        </p:nvPicPr>
+        <p:blipFill>
+          <a:blip r:embed="rId3" cstate="print">
+            <a:extLst>
+              <a:ext uri="{28A0092B-C50C-407E-A947-70E740481C1C}">
+                <a14:useLocalDpi xmlns:a14="http://schemas.microsoft.com/office/drawing/2010/main" val="0"/>
+              </a:ext>
+            </a:extLst>
+          </a:blip>
+          <a:stretch>
+            <a:fillRect/>
+          </a:stretch>
+        </p:blipFill>
+        <p:spPr>
+          <a:xfrm>
+            <a:off x="9124122" y="195521"/>
+            <a:ext cx="2819578" cy="2372162"/>
+          </a:xfrm>
+          <a:prstGeom prst="rect">
+            <a:avLst/>
+          </a:prstGeom>
+        </p:spPr>
+      </p:pic>
+      <p:sp>
+        <p:nvSpPr>
+          <p:cNvPr id="5" name="Rechteck 4"/>
+          <p:cNvSpPr/>
+          <p:nvPr/>
+        </p:nvSpPr>
+        <p:spPr>
+          <a:xfrm>
+            <a:off x="152401" y="112644"/>
+            <a:ext cx="11880574" cy="2902226"/>
+          </a:xfrm>
+          <a:prstGeom prst="rect">
+            <a:avLst/>
+          </a:prstGeom>
+          <a:solidFill>
+            <a:srgbClr val="F2F2F2">
+              <a:alpha val="0"/>
+            </a:srgbClr>
+          </a:solidFill>
+          <a:ln w="76200">
+            <a:noFill/>
+          </a:ln>
+        </p:spPr>
+        <p:style>
+          <a:lnRef idx="2">
+            <a:schemeClr val="accent1">
+              <a:shade val="50000"/>
+            </a:schemeClr>
+          </a:lnRef>
+          <a:fillRef idx="1">
+            <a:schemeClr val="accent1"/>
+          </a:fillRef>
+          <a:effectRef idx="0">
+            <a:schemeClr val="accent1"/>
+          </a:effectRef>
+          <a:fontRef idx="minor">
+            <a:schemeClr val="lt1"/>
+          </a:fontRef>
+        </p:style>
+        <p:txBody>
+          <a:bodyPr rtlCol="0" anchor="t"/>
+          <a:lstStyle/>
+          <a:p>
+            <a:r>
+              <a:rPr lang="de-CH" sz="8800" dirty="0" err="1">
+                <a:solidFill>
+                  <a:schemeClr val="tx1"/>
+                </a:solidFill>
+                <a:latin typeface="Montserrat Medium" panose="00000600000000000000" pitchFamily="2" charset="0"/>
+              </a:rPr>
+              <a:t>Niche</a:t>
+            </a:r>
+            <a:r>
+              <a:rPr lang="de-CH" sz="8800" dirty="0">
+                <a:solidFill>
+                  <a:schemeClr val="tx1"/>
+                </a:solidFill>
+                <a:latin typeface="Montserrat Medium" panose="00000600000000000000" pitchFamily="2" charset="0"/>
+              </a:rPr>
+              <a:t> Market</a:t>
+            </a:r>
+          </a:p>
+        </p:txBody>
+      </p:sp>
+      <p:sp>
+        <p:nvSpPr>
+          <p:cNvPr id="6" name="Rechteck 5">
+            <a:extLst>
+              <a:ext uri="{FF2B5EF4-FFF2-40B4-BE49-F238E27FC236}">
+                <a16:creationId xmlns:a16="http://schemas.microsoft.com/office/drawing/2014/main" id="{22170DA6-8CB9-4C1D-B2D0-10C0A0CEC10F}"/>
+              </a:ext>
+            </a:extLst>
+          </p:cNvPr>
+          <p:cNvSpPr/>
+          <p:nvPr/>
+        </p:nvSpPr>
+        <p:spPr>
+          <a:xfrm>
+            <a:off x="304800" y="132523"/>
+            <a:ext cx="11728175" cy="2683564"/>
+          </a:xfrm>
+          <a:prstGeom prst="rect">
+            <a:avLst/>
+          </a:prstGeom>
+          <a:solidFill>
+            <a:srgbClr val="F2F2F2">
+              <a:alpha val="80000"/>
+            </a:srgbClr>
+          </a:solidFill>
+          <a:ln w="76200">
+            <a:noFill/>
+          </a:ln>
+        </p:spPr>
+        <p:style>
+          <a:lnRef idx="2">
+            <a:schemeClr val="accent1">
+              <a:shade val="50000"/>
+            </a:schemeClr>
+          </a:lnRef>
+          <a:fillRef idx="1">
+            <a:schemeClr val="accent1"/>
+          </a:fillRef>
+          <a:effectRef idx="0">
+            <a:schemeClr val="accent1"/>
+          </a:effectRef>
+          <a:fontRef idx="minor">
+            <a:schemeClr val="lt1"/>
+          </a:fontRef>
+        </p:style>
+        <p:txBody>
+          <a:bodyPr rtlCol="0" anchor="ctr"/>
+          <a:lstStyle/>
+          <a:p>
+            <a:pPr algn="ctr"/>
+            <a:endParaRPr lang="de-CH" dirty="0"/>
+          </a:p>
+        </p:txBody>
+      </p:sp>
+    </p:spTree>
+    <p:extLst>
+      <p:ext uri="{BB962C8B-B14F-4D97-AF65-F5344CB8AC3E}">
+        <p14:creationId xmlns:p14="http://schemas.microsoft.com/office/powerpoint/2010/main" val="345334861"/>
+      </p:ext>
+    </p:extLst>
+  </p:cSld>
+  <p:clrMapOvr>
+    <a:masterClrMapping/>
+  </p:clrMapOvr>
+</p:sld>
+</file>
+
+<file path=ppt/slides/slide13.xml><?xml version="1.0" encoding="utf-8"?>
+<p:sld xmlns:a="http://schemas.openxmlformats.org/drawingml/2006/main" xmlns:r="http://schemas.openxmlformats.org/officeDocument/2006/relationships" xmlns:p="http://schemas.openxmlformats.org/presentationml/2006/main">
+  <p:cSld>
+    <p:spTree>
+      <p:nvGrpSpPr>
+        <p:cNvPr id="1" name=""/>
+        <p:cNvGrpSpPr/>
+        <p:nvPr/>
+      </p:nvGrpSpPr>
+      <p:grpSpPr>
+        <a:xfrm>
+          <a:off x="0" y="0"/>
+          <a:ext cx="0" cy="0"/>
+          <a:chOff x="0" y="0"/>
+          <a:chExt cx="0" cy="0"/>
+        </a:xfrm>
+      </p:grpSpPr>
+      <p:sp>
+        <p:nvSpPr>
+          <p:cNvPr id="4" name="Rechteck 3"/>
+          <p:cNvSpPr/>
+          <p:nvPr/>
+        </p:nvSpPr>
+        <p:spPr>
+          <a:xfrm>
+            <a:off x="57664" y="57665"/>
+            <a:ext cx="12068433" cy="6738552"/>
+          </a:xfrm>
+          <a:prstGeom prst="rect">
+            <a:avLst/>
+          </a:prstGeom>
+          <a:solidFill>
+            <a:schemeClr val="bg1">
+              <a:lumMod val="95000"/>
+            </a:schemeClr>
+          </a:solidFill>
+          <a:ln w="76200">
+            <a:solidFill>
+              <a:schemeClr val="accent6">
+                <a:lumMod val="60000"/>
+                <a:lumOff val="40000"/>
+              </a:schemeClr>
+            </a:solidFill>
+          </a:ln>
+        </p:spPr>
+        <p:style>
+          <a:lnRef idx="2">
+            <a:schemeClr val="accent1">
+              <a:shade val="50000"/>
+            </a:schemeClr>
+          </a:lnRef>
+          <a:fillRef idx="1">
+            <a:schemeClr val="accent1"/>
+          </a:fillRef>
+          <a:effectRef idx="0">
+            <a:schemeClr val="accent1"/>
+          </a:effectRef>
+          <a:fontRef idx="minor">
+            <a:schemeClr val="lt1"/>
+          </a:fontRef>
+        </p:style>
+        <p:txBody>
+          <a:bodyPr rtlCol="0" anchor="ctr"/>
+          <a:lstStyle/>
+          <a:p>
+            <a:pPr algn="ctr"/>
+            <a:endParaRPr lang="de-CH" sz="9600" dirty="0">
+              <a:solidFill>
+                <a:schemeClr val="tx1"/>
+              </a:solidFill>
+              <a:latin typeface="Montserrat Medium" panose="00000600000000000000" pitchFamily="2" charset="0"/>
+            </a:endParaRPr>
+          </a:p>
+        </p:txBody>
+      </p:sp>
+      <p:pic>
+        <p:nvPicPr>
+          <p:cNvPr id="2" name="Grafik 1"/>
+          <p:cNvPicPr>
+            <a:picLocks noChangeAspect="1"/>
+          </p:cNvPicPr>
+          <p:nvPr/>
+        </p:nvPicPr>
+        <p:blipFill>
+          <a:blip r:embed="rId3" cstate="print">
+            <a:extLst>
+              <a:ext uri="{28A0092B-C50C-407E-A947-70E740481C1C}">
+                <a14:useLocalDpi xmlns:a14="http://schemas.microsoft.com/office/drawing/2010/main" val="0"/>
+              </a:ext>
+            </a:extLst>
+          </a:blip>
+          <a:stretch>
+            <a:fillRect/>
+          </a:stretch>
+        </p:blipFill>
+        <p:spPr>
+          <a:xfrm>
+            <a:off x="3490525" y="2037574"/>
+            <a:ext cx="4878000" cy="4103950"/>
+          </a:xfrm>
+          <a:prstGeom prst="rect">
+            <a:avLst/>
+          </a:prstGeom>
+        </p:spPr>
+      </p:pic>
+      <p:sp>
+        <p:nvSpPr>
+          <p:cNvPr id="5" name="Rechteck 4"/>
+          <p:cNvSpPr/>
+          <p:nvPr/>
+        </p:nvSpPr>
+        <p:spPr>
+          <a:xfrm>
+            <a:off x="152401" y="112644"/>
+            <a:ext cx="11880574" cy="6407426"/>
+          </a:xfrm>
+          <a:prstGeom prst="rect">
+            <a:avLst/>
+          </a:prstGeom>
+          <a:solidFill>
+            <a:srgbClr val="F2F2F2">
+              <a:alpha val="60000"/>
+            </a:srgbClr>
+          </a:solidFill>
+          <a:ln w="76200">
+            <a:noFill/>
+          </a:ln>
+        </p:spPr>
+        <p:style>
+          <a:lnRef idx="2">
+            <a:schemeClr val="accent1">
+              <a:shade val="50000"/>
+            </a:schemeClr>
+          </a:lnRef>
+          <a:fillRef idx="1">
+            <a:schemeClr val="accent1"/>
+          </a:fillRef>
+          <a:effectRef idx="0">
+            <a:schemeClr val="accent1"/>
+          </a:effectRef>
+          <a:fontRef idx="minor">
+            <a:schemeClr val="lt1"/>
+          </a:fontRef>
+        </p:style>
+        <p:txBody>
+          <a:bodyPr rtlCol="0" anchor="t"/>
+          <a:lstStyle/>
+          <a:p>
+            <a:pPr algn="ctr"/>
+            <a:r>
+              <a:rPr lang="de-CH" sz="11000" dirty="0">
+                <a:solidFill>
+                  <a:schemeClr val="tx1"/>
+                </a:solidFill>
+                <a:latin typeface="Montserrat Medium" panose="00000600000000000000" pitchFamily="2" charset="0"/>
+              </a:rPr>
+              <a:t>Mass Market</a:t>
+            </a:r>
+          </a:p>
+        </p:txBody>
+      </p:sp>
+    </p:spTree>
+    <p:extLst>
+      <p:ext uri="{BB962C8B-B14F-4D97-AF65-F5344CB8AC3E}">
+        <p14:creationId xmlns:p14="http://schemas.microsoft.com/office/powerpoint/2010/main" val="275204378"/>
+      </p:ext>
+    </p:extLst>
+  </p:cSld>
+  <p:clrMapOvr>
+    <a:masterClrMapping/>
+  </p:clrMapOvr>
+</p:sld>
+</file>
+
+<file path=ppt/slides/slide14.xml><?xml version="1.0" encoding="utf-8"?>
+<p:sld xmlns:a="http://schemas.openxmlformats.org/drawingml/2006/main" xmlns:r="http://schemas.openxmlformats.org/officeDocument/2006/relationships" xmlns:p="http://schemas.openxmlformats.org/presentationml/2006/main">
+  <p:cSld>
+    <p:spTree>
+      <p:nvGrpSpPr>
+        <p:cNvPr id="1" name=""/>
+        <p:cNvGrpSpPr/>
+        <p:nvPr/>
+      </p:nvGrpSpPr>
+      <p:grpSpPr>
+        <a:xfrm>
+          <a:off x="0" y="0"/>
+          <a:ext cx="0" cy="0"/>
+          <a:chOff x="0" y="0"/>
+          <a:chExt cx="0" cy="0"/>
+        </a:xfrm>
+      </p:grpSpPr>
+      <p:sp>
+        <p:nvSpPr>
+          <p:cNvPr id="4" name="Rechteck 3"/>
+          <p:cNvSpPr/>
+          <p:nvPr/>
+        </p:nvSpPr>
+        <p:spPr>
+          <a:xfrm>
+            <a:off x="57664" y="57665"/>
+            <a:ext cx="12068433" cy="6738552"/>
+          </a:xfrm>
+          <a:prstGeom prst="rect">
+            <a:avLst/>
+          </a:prstGeom>
+          <a:solidFill>
+            <a:schemeClr val="bg1">
+              <a:lumMod val="95000"/>
+            </a:schemeClr>
+          </a:solidFill>
+          <a:ln w="76200">
+            <a:solidFill>
+              <a:schemeClr val="accent6">
+                <a:lumMod val="60000"/>
+                <a:lumOff val="40000"/>
+              </a:schemeClr>
+            </a:solidFill>
+          </a:ln>
+        </p:spPr>
+        <p:style>
+          <a:lnRef idx="2">
+            <a:schemeClr val="accent1">
+              <a:shade val="50000"/>
+            </a:schemeClr>
+          </a:lnRef>
+          <a:fillRef idx="1">
+            <a:schemeClr val="accent1"/>
+          </a:fillRef>
+          <a:effectRef idx="0">
+            <a:schemeClr val="accent1"/>
+          </a:effectRef>
+          <a:fontRef idx="minor">
+            <a:schemeClr val="lt1"/>
+          </a:fontRef>
+        </p:style>
+        <p:txBody>
+          <a:bodyPr rtlCol="0" anchor="ctr"/>
+          <a:lstStyle/>
+          <a:p>
+            <a:pPr algn="ctr"/>
+            <a:endParaRPr lang="de-CH" sz="8000" dirty="0">
+              <a:solidFill>
+                <a:schemeClr val="tx1"/>
+              </a:solidFill>
+              <a:latin typeface="Montserrat Medium" panose="00000600000000000000" pitchFamily="2" charset="0"/>
+            </a:endParaRPr>
+          </a:p>
+        </p:txBody>
+      </p:sp>
+      <p:pic>
+        <p:nvPicPr>
+          <p:cNvPr id="2" name="Grafik 1"/>
+          <p:cNvPicPr>
+            <a:picLocks noChangeAspect="1"/>
+          </p:cNvPicPr>
+          <p:nvPr/>
+        </p:nvPicPr>
+        <p:blipFill>
+          <a:blip r:embed="rId3" cstate="print">
+            <a:extLst>
+              <a:ext uri="{28A0092B-C50C-407E-A947-70E740481C1C}">
+                <a14:useLocalDpi xmlns:a14="http://schemas.microsoft.com/office/drawing/2010/main" val="0"/>
+              </a:ext>
+            </a:extLst>
+          </a:blip>
+          <a:stretch>
+            <a:fillRect/>
+          </a:stretch>
+        </p:blipFill>
+        <p:spPr>
+          <a:xfrm>
+            <a:off x="9124122" y="195521"/>
+            <a:ext cx="2819578" cy="2372162"/>
+          </a:xfrm>
+          <a:prstGeom prst="rect">
+            <a:avLst/>
+          </a:prstGeom>
+        </p:spPr>
+      </p:pic>
+      <p:sp>
+        <p:nvSpPr>
+          <p:cNvPr id="5" name="Rechteck 4"/>
+          <p:cNvSpPr/>
+          <p:nvPr/>
+        </p:nvSpPr>
+        <p:spPr>
+          <a:xfrm>
+            <a:off x="152401" y="112644"/>
+            <a:ext cx="11880574" cy="2902226"/>
+          </a:xfrm>
+          <a:prstGeom prst="rect">
+            <a:avLst/>
+          </a:prstGeom>
+          <a:solidFill>
+            <a:srgbClr val="F2F2F2">
+              <a:alpha val="0"/>
+            </a:srgbClr>
+          </a:solidFill>
+          <a:ln w="76200">
+            <a:noFill/>
+          </a:ln>
+        </p:spPr>
+        <p:style>
+          <a:lnRef idx="2">
+            <a:schemeClr val="accent1">
+              <a:shade val="50000"/>
+            </a:schemeClr>
+          </a:lnRef>
+          <a:fillRef idx="1">
+            <a:schemeClr val="accent1"/>
+          </a:fillRef>
+          <a:effectRef idx="0">
+            <a:schemeClr val="accent1"/>
+          </a:effectRef>
+          <a:fontRef idx="minor">
+            <a:schemeClr val="lt1"/>
+          </a:fontRef>
+        </p:style>
+        <p:txBody>
+          <a:bodyPr rtlCol="0" anchor="t"/>
+          <a:lstStyle/>
+          <a:p>
+            <a:r>
+              <a:rPr lang="de-CH" sz="8800" dirty="0">
+                <a:solidFill>
+                  <a:schemeClr val="tx1"/>
+                </a:solidFill>
+                <a:latin typeface="Montserrat Medium" panose="00000600000000000000" pitchFamily="2" charset="0"/>
+              </a:rPr>
+              <a:t>Mass Market</a:t>
+            </a:r>
+          </a:p>
+        </p:txBody>
+      </p:sp>
+      <p:sp>
+        <p:nvSpPr>
+          <p:cNvPr id="6" name="Rechteck 5">
+            <a:extLst>
+              <a:ext uri="{FF2B5EF4-FFF2-40B4-BE49-F238E27FC236}">
+                <a16:creationId xmlns:a16="http://schemas.microsoft.com/office/drawing/2014/main" id="{22170DA6-8CB9-4C1D-B2D0-10C0A0CEC10F}"/>
+              </a:ext>
+            </a:extLst>
+          </p:cNvPr>
+          <p:cNvSpPr/>
+          <p:nvPr/>
+        </p:nvSpPr>
+        <p:spPr>
+          <a:xfrm>
+            <a:off x="304800" y="132523"/>
+            <a:ext cx="11728175" cy="2902226"/>
+          </a:xfrm>
+          <a:prstGeom prst="rect">
+            <a:avLst/>
+          </a:prstGeom>
+          <a:solidFill>
+            <a:srgbClr val="F2F2F2">
+              <a:alpha val="80000"/>
+            </a:srgbClr>
+          </a:solidFill>
+          <a:ln w="76200">
+            <a:noFill/>
+          </a:ln>
+        </p:spPr>
+        <p:style>
+          <a:lnRef idx="2">
+            <a:schemeClr val="accent1">
+              <a:shade val="50000"/>
+            </a:schemeClr>
+          </a:lnRef>
+          <a:fillRef idx="1">
+            <a:schemeClr val="accent1"/>
+          </a:fillRef>
+          <a:effectRef idx="0">
+            <a:schemeClr val="accent1"/>
+          </a:effectRef>
+          <a:fontRef idx="minor">
+            <a:schemeClr val="lt1"/>
+          </a:fontRef>
+        </p:style>
+        <p:txBody>
+          <a:bodyPr rtlCol="0" anchor="ctr"/>
+          <a:lstStyle/>
+          <a:p>
+            <a:pPr algn="ctr"/>
+            <a:endParaRPr lang="de-CH" dirty="0"/>
+          </a:p>
+        </p:txBody>
+      </p:sp>
+    </p:spTree>
+    <p:extLst>
+      <p:ext uri="{BB962C8B-B14F-4D97-AF65-F5344CB8AC3E}">
+        <p14:creationId xmlns:p14="http://schemas.microsoft.com/office/powerpoint/2010/main" val="1831307514"/>
+      </p:ext>
+    </p:extLst>
+  </p:cSld>
+  <p:clrMapOvr>
+    <a:masterClrMapping/>
+  </p:clrMapOvr>
+</p:sld>
+</file>
+
+<file path=ppt/slides/slide15.xml><?xml version="1.0" encoding="utf-8"?>
+<p:sld xmlns:a="http://schemas.openxmlformats.org/drawingml/2006/main" xmlns:r="http://schemas.openxmlformats.org/officeDocument/2006/relationships" xmlns:p="http://schemas.openxmlformats.org/presentationml/2006/main">
+  <p:cSld>
+    <p:spTree>
+      <p:nvGrpSpPr>
+        <p:cNvPr id="1" name=""/>
+        <p:cNvGrpSpPr/>
+        <p:nvPr/>
+      </p:nvGrpSpPr>
+      <p:grpSpPr>
+        <a:xfrm>
+          <a:off x="0" y="0"/>
+          <a:ext cx="0" cy="0"/>
+          <a:chOff x="0" y="0"/>
+          <a:chExt cx="0" cy="0"/>
+        </a:xfrm>
+      </p:grpSpPr>
+      <p:sp>
+        <p:nvSpPr>
+          <p:cNvPr id="4" name="Rechteck 3"/>
+          <p:cNvSpPr/>
+          <p:nvPr/>
+        </p:nvSpPr>
+        <p:spPr>
+          <a:xfrm>
+            <a:off x="57664" y="57665"/>
+            <a:ext cx="12068433" cy="6738552"/>
+          </a:xfrm>
+          <a:prstGeom prst="rect">
+            <a:avLst/>
+          </a:prstGeom>
+          <a:solidFill>
+            <a:schemeClr val="bg1">
+              <a:lumMod val="95000"/>
+            </a:schemeClr>
+          </a:solidFill>
+          <a:ln w="76200">
+            <a:solidFill>
+              <a:schemeClr val="accent6">
+                <a:lumMod val="60000"/>
+                <a:lumOff val="40000"/>
+              </a:schemeClr>
+            </a:solidFill>
+          </a:ln>
+        </p:spPr>
+        <p:style>
+          <a:lnRef idx="2">
+            <a:schemeClr val="accent1">
+              <a:shade val="50000"/>
+            </a:schemeClr>
+          </a:lnRef>
+          <a:fillRef idx="1">
+            <a:schemeClr val="accent1"/>
+          </a:fillRef>
+          <a:effectRef idx="0">
+            <a:schemeClr val="accent1"/>
+          </a:effectRef>
+          <a:fontRef idx="minor">
+            <a:schemeClr val="lt1"/>
+          </a:fontRef>
+        </p:style>
+        <p:txBody>
+          <a:bodyPr rtlCol="0" anchor="ctr"/>
+          <a:lstStyle/>
+          <a:p>
+            <a:pPr algn="ctr"/>
+            <a:endParaRPr lang="de-CH" sz="9600" dirty="0">
+              <a:solidFill>
+                <a:schemeClr val="tx1"/>
+              </a:solidFill>
+              <a:latin typeface="Montserrat Medium" panose="00000600000000000000" pitchFamily="2" charset="0"/>
+            </a:endParaRPr>
+          </a:p>
+        </p:txBody>
+      </p:sp>
+      <p:pic>
+        <p:nvPicPr>
+          <p:cNvPr id="2" name="Grafik 1"/>
+          <p:cNvPicPr>
+            <a:picLocks noChangeAspect="1"/>
+          </p:cNvPicPr>
+          <p:nvPr/>
+        </p:nvPicPr>
+        <p:blipFill>
+          <a:blip r:embed="rId3" cstate="print">
+            <a:extLst>
+              <a:ext uri="{28A0092B-C50C-407E-A947-70E740481C1C}">
+                <a14:useLocalDpi xmlns:a14="http://schemas.microsoft.com/office/drawing/2010/main" val="0"/>
+              </a:ext>
+            </a:extLst>
+          </a:blip>
+          <a:stretch>
+            <a:fillRect/>
+          </a:stretch>
+        </p:blipFill>
+        <p:spPr>
+          <a:xfrm>
+            <a:off x="3490525" y="2037574"/>
+            <a:ext cx="4878000" cy="4103950"/>
+          </a:xfrm>
+          <a:prstGeom prst="rect">
+            <a:avLst/>
+          </a:prstGeom>
+        </p:spPr>
+      </p:pic>
+      <p:sp>
+        <p:nvSpPr>
+          <p:cNvPr id="5" name="Rechteck 4"/>
+          <p:cNvSpPr/>
+          <p:nvPr/>
+        </p:nvSpPr>
+        <p:spPr>
+          <a:xfrm>
+            <a:off x="152401" y="112644"/>
+            <a:ext cx="11880574" cy="6407426"/>
+          </a:xfrm>
+          <a:prstGeom prst="rect">
+            <a:avLst/>
+          </a:prstGeom>
+          <a:solidFill>
+            <a:srgbClr val="F2F2F2">
+              <a:alpha val="60000"/>
+            </a:srgbClr>
+          </a:solidFill>
+          <a:ln w="76200">
+            <a:noFill/>
+          </a:ln>
+        </p:spPr>
+        <p:style>
+          <a:lnRef idx="2">
+            <a:schemeClr val="accent1">
+              <a:shade val="50000"/>
+            </a:schemeClr>
+          </a:lnRef>
+          <a:fillRef idx="1">
+            <a:schemeClr val="accent1"/>
+          </a:fillRef>
+          <a:effectRef idx="0">
+            <a:schemeClr val="accent1"/>
+          </a:effectRef>
+          <a:fontRef idx="minor">
+            <a:schemeClr val="lt1"/>
+          </a:fontRef>
+        </p:style>
+        <p:txBody>
+          <a:bodyPr rtlCol="0" anchor="t"/>
+          <a:lstStyle/>
+          <a:p>
+            <a:pPr algn="ctr"/>
+            <a:r>
+              <a:rPr lang="de-CH" sz="8800" dirty="0" err="1">
+                <a:solidFill>
+                  <a:schemeClr val="tx1"/>
+                </a:solidFill>
+                <a:latin typeface="Montserrat Medium" panose="00000600000000000000" pitchFamily="2" charset="0"/>
+              </a:rPr>
+              <a:t>Segmented</a:t>
+            </a:r>
+            <a:r>
+              <a:rPr lang="de-CH" sz="8800" dirty="0">
+                <a:solidFill>
+                  <a:schemeClr val="tx1"/>
+                </a:solidFill>
+                <a:latin typeface="Montserrat Medium" panose="00000600000000000000" pitchFamily="2" charset="0"/>
+              </a:rPr>
+              <a:t> Market</a:t>
+            </a:r>
+          </a:p>
+        </p:txBody>
+      </p:sp>
+    </p:spTree>
+    <p:extLst>
+      <p:ext uri="{BB962C8B-B14F-4D97-AF65-F5344CB8AC3E}">
+        <p14:creationId xmlns:p14="http://schemas.microsoft.com/office/powerpoint/2010/main" val="1154302336"/>
+      </p:ext>
+    </p:extLst>
+  </p:cSld>
+  <p:clrMapOvr>
+    <a:masterClrMapping/>
+  </p:clrMapOvr>
+</p:sld>
+</file>
+
+<file path=ppt/slides/slide16.xml><?xml version="1.0" encoding="utf-8"?>
+<p:sld xmlns:a="http://schemas.openxmlformats.org/drawingml/2006/main" xmlns:r="http://schemas.openxmlformats.org/officeDocument/2006/relationships" xmlns:p="http://schemas.openxmlformats.org/presentationml/2006/main">
+  <p:cSld>
+    <p:spTree>
+      <p:nvGrpSpPr>
+        <p:cNvPr id="1" name=""/>
+        <p:cNvGrpSpPr/>
+        <p:nvPr/>
+      </p:nvGrpSpPr>
+      <p:grpSpPr>
+        <a:xfrm>
+          <a:off x="0" y="0"/>
+          <a:ext cx="0" cy="0"/>
+          <a:chOff x="0" y="0"/>
+          <a:chExt cx="0" cy="0"/>
+        </a:xfrm>
+      </p:grpSpPr>
+      <p:sp>
+        <p:nvSpPr>
+          <p:cNvPr id="4" name="Rechteck 3"/>
+          <p:cNvSpPr/>
+          <p:nvPr/>
+        </p:nvSpPr>
+        <p:spPr>
+          <a:xfrm>
+            <a:off x="57664" y="57665"/>
+            <a:ext cx="12068433" cy="6738552"/>
+          </a:xfrm>
+          <a:prstGeom prst="rect">
+            <a:avLst/>
+          </a:prstGeom>
+          <a:solidFill>
+            <a:schemeClr val="bg1">
+              <a:lumMod val="95000"/>
+            </a:schemeClr>
+          </a:solidFill>
+          <a:ln w="76200">
+            <a:solidFill>
+              <a:schemeClr val="accent6">
+                <a:lumMod val="60000"/>
+                <a:lumOff val="40000"/>
+              </a:schemeClr>
+            </a:solidFill>
+          </a:ln>
+        </p:spPr>
+        <p:style>
+          <a:lnRef idx="2">
+            <a:schemeClr val="accent1">
+              <a:shade val="50000"/>
+            </a:schemeClr>
+          </a:lnRef>
+          <a:fillRef idx="1">
+            <a:schemeClr val="accent1"/>
+          </a:fillRef>
+          <a:effectRef idx="0">
+            <a:schemeClr val="accent1"/>
+          </a:effectRef>
+          <a:fontRef idx="minor">
+            <a:schemeClr val="lt1"/>
+          </a:fontRef>
+        </p:style>
+        <p:txBody>
+          <a:bodyPr rtlCol="0" anchor="ctr"/>
+          <a:lstStyle/>
+          <a:p>
+            <a:pPr algn="ctr"/>
+            <a:endParaRPr lang="de-CH" sz="8000" dirty="0">
+              <a:solidFill>
+                <a:schemeClr val="tx1"/>
+              </a:solidFill>
+              <a:latin typeface="Montserrat Medium" panose="00000600000000000000" pitchFamily="2" charset="0"/>
+            </a:endParaRPr>
+          </a:p>
+        </p:txBody>
+      </p:sp>
+      <p:pic>
+        <p:nvPicPr>
+          <p:cNvPr id="2" name="Grafik 1"/>
+          <p:cNvPicPr>
+            <a:picLocks noChangeAspect="1"/>
+          </p:cNvPicPr>
+          <p:nvPr/>
+        </p:nvPicPr>
+        <p:blipFill>
+          <a:blip r:embed="rId3" cstate="print">
+            <a:extLst>
+              <a:ext uri="{28A0092B-C50C-407E-A947-70E740481C1C}">
+                <a14:useLocalDpi xmlns:a14="http://schemas.microsoft.com/office/drawing/2010/main" val="0"/>
+              </a:ext>
+            </a:extLst>
+          </a:blip>
+          <a:stretch>
+            <a:fillRect/>
+          </a:stretch>
+        </p:blipFill>
+        <p:spPr>
+          <a:xfrm>
+            <a:off x="9124122" y="195521"/>
+            <a:ext cx="2819578" cy="2372162"/>
+          </a:xfrm>
+          <a:prstGeom prst="rect">
+            <a:avLst/>
+          </a:prstGeom>
+        </p:spPr>
+      </p:pic>
+      <p:sp>
+        <p:nvSpPr>
+          <p:cNvPr id="5" name="Rechteck 4"/>
+          <p:cNvSpPr/>
+          <p:nvPr/>
+        </p:nvSpPr>
+        <p:spPr>
+          <a:xfrm>
+            <a:off x="152401" y="112644"/>
+            <a:ext cx="11880574" cy="2902226"/>
+          </a:xfrm>
+          <a:prstGeom prst="rect">
+            <a:avLst/>
+          </a:prstGeom>
+          <a:solidFill>
+            <a:srgbClr val="F2F2F2">
+              <a:alpha val="0"/>
+            </a:srgbClr>
+          </a:solidFill>
+          <a:ln w="76200">
+            <a:noFill/>
+          </a:ln>
+        </p:spPr>
+        <p:style>
+          <a:lnRef idx="2">
+            <a:schemeClr val="accent1">
+              <a:shade val="50000"/>
+            </a:schemeClr>
+          </a:lnRef>
+          <a:fillRef idx="1">
+            <a:schemeClr val="accent1"/>
+          </a:fillRef>
+          <a:effectRef idx="0">
+            <a:schemeClr val="accent1"/>
+          </a:effectRef>
+          <a:fontRef idx="minor">
+            <a:schemeClr val="lt1"/>
+          </a:fontRef>
+        </p:style>
+        <p:txBody>
+          <a:bodyPr rtlCol="0" anchor="t"/>
+          <a:lstStyle/>
+          <a:p>
+            <a:r>
+              <a:rPr lang="de-CH" sz="7200" dirty="0" err="1">
+                <a:solidFill>
+                  <a:schemeClr val="tx1"/>
+                </a:solidFill>
+                <a:latin typeface="Montserrat Medium" panose="00000600000000000000" pitchFamily="2" charset="0"/>
+              </a:rPr>
+              <a:t>Segmented</a:t>
+            </a:r>
+            <a:r>
+              <a:rPr lang="de-CH" sz="7200" dirty="0">
+                <a:solidFill>
+                  <a:schemeClr val="tx1"/>
+                </a:solidFill>
+                <a:latin typeface="Montserrat Medium" panose="00000600000000000000" pitchFamily="2" charset="0"/>
+              </a:rPr>
+              <a:t> Market</a:t>
+            </a:r>
+          </a:p>
+        </p:txBody>
+      </p:sp>
+      <p:sp>
+        <p:nvSpPr>
+          <p:cNvPr id="6" name="Rechteck 5">
+            <a:extLst>
+              <a:ext uri="{FF2B5EF4-FFF2-40B4-BE49-F238E27FC236}">
+                <a16:creationId xmlns:a16="http://schemas.microsoft.com/office/drawing/2014/main" id="{22170DA6-8CB9-4C1D-B2D0-10C0A0CEC10F}"/>
+              </a:ext>
+            </a:extLst>
+          </p:cNvPr>
+          <p:cNvSpPr/>
+          <p:nvPr/>
+        </p:nvSpPr>
+        <p:spPr>
+          <a:xfrm>
+            <a:off x="248300" y="132523"/>
+            <a:ext cx="11784675" cy="2716694"/>
+          </a:xfrm>
+          <a:prstGeom prst="rect">
+            <a:avLst/>
+          </a:prstGeom>
+          <a:solidFill>
+            <a:srgbClr val="F2F2F2">
+              <a:alpha val="80000"/>
+            </a:srgbClr>
+          </a:solidFill>
+          <a:ln w="76200">
+            <a:noFill/>
+          </a:ln>
+        </p:spPr>
+        <p:style>
+          <a:lnRef idx="2">
+            <a:schemeClr val="accent1">
+              <a:shade val="50000"/>
+            </a:schemeClr>
+          </a:lnRef>
+          <a:fillRef idx="1">
+            <a:schemeClr val="accent1"/>
+          </a:fillRef>
+          <a:effectRef idx="0">
+            <a:schemeClr val="accent1"/>
+          </a:effectRef>
+          <a:fontRef idx="minor">
+            <a:schemeClr val="lt1"/>
+          </a:fontRef>
+        </p:style>
+        <p:txBody>
+          <a:bodyPr rtlCol="0" anchor="ctr"/>
+          <a:lstStyle/>
+          <a:p>
+            <a:pPr algn="ctr"/>
+            <a:endParaRPr lang="de-CH" dirty="0"/>
+          </a:p>
+        </p:txBody>
+      </p:sp>
+    </p:spTree>
+    <p:extLst>
+      <p:ext uri="{BB962C8B-B14F-4D97-AF65-F5344CB8AC3E}">
+        <p14:creationId xmlns:p14="http://schemas.microsoft.com/office/powerpoint/2010/main" val="2346384671"/>
+      </p:ext>
+    </p:extLst>
+  </p:cSld>
+  <p:clrMapOvr>
+    <a:masterClrMapping/>
+  </p:clrMapOvr>
+</p:sld>
+</file>
+
+<file path=ppt/slides/slide17.xml><?xml version="1.0" encoding="utf-8"?>
+<p:sld xmlns:a="http://schemas.openxmlformats.org/drawingml/2006/main" xmlns:r="http://schemas.openxmlformats.org/officeDocument/2006/relationships" xmlns:p="http://schemas.openxmlformats.org/presentationml/2006/main">
+  <p:cSld>
+    <p:spTree>
+      <p:nvGrpSpPr>
+        <p:cNvPr id="1" name=""/>
+        <p:cNvGrpSpPr/>
+        <p:nvPr/>
+      </p:nvGrpSpPr>
+      <p:grpSpPr>
+        <a:xfrm>
+          <a:off x="0" y="0"/>
+          <a:ext cx="0" cy="0"/>
+          <a:chOff x="0" y="0"/>
+          <a:chExt cx="0" cy="0"/>
+        </a:xfrm>
+      </p:grpSpPr>
+      <p:sp>
+        <p:nvSpPr>
+          <p:cNvPr id="4" name="Rechteck 3"/>
+          <p:cNvSpPr/>
+          <p:nvPr/>
+        </p:nvSpPr>
+        <p:spPr>
+          <a:xfrm>
+            <a:off x="57664" y="57665"/>
+            <a:ext cx="12068433" cy="6738552"/>
+          </a:xfrm>
+          <a:prstGeom prst="rect">
+            <a:avLst/>
+          </a:prstGeom>
+          <a:solidFill>
+            <a:schemeClr val="bg1">
+              <a:lumMod val="95000"/>
+            </a:schemeClr>
+          </a:solidFill>
+          <a:ln w="76200">
+            <a:solidFill>
+              <a:schemeClr val="accent6">
+                <a:lumMod val="60000"/>
+                <a:lumOff val="40000"/>
+              </a:schemeClr>
+            </a:solidFill>
+          </a:ln>
+        </p:spPr>
+        <p:style>
+          <a:lnRef idx="2">
+            <a:schemeClr val="accent1">
+              <a:shade val="50000"/>
+            </a:schemeClr>
+          </a:lnRef>
+          <a:fillRef idx="1">
+            <a:schemeClr val="accent1"/>
+          </a:fillRef>
+          <a:effectRef idx="0">
+            <a:schemeClr val="accent1"/>
+          </a:effectRef>
+          <a:fontRef idx="minor">
+            <a:schemeClr val="lt1"/>
+          </a:fontRef>
+        </p:style>
+        <p:txBody>
+          <a:bodyPr rtlCol="0" anchor="ctr"/>
+          <a:lstStyle/>
+          <a:p>
+            <a:pPr algn="ctr"/>
             <a:endParaRPr lang="de-CH"/>
           </a:p>
         </p:txBody>
@@ -5589,7 +7928,7 @@
     </p:spTree>
     <p:extLst>
       <p:ext uri="{BB962C8B-B14F-4D97-AF65-F5344CB8AC3E}">
-        <p14:creationId xmlns:p14="http://schemas.microsoft.com/office/powerpoint/2010/main" val="1238770038"/>
+        <p14:creationId xmlns:p14="http://schemas.microsoft.com/office/powerpoint/2010/main" val="2989326646"/>
       </p:ext>
     </p:extLst>
   </p:cSld>
@@ -5599,7 +7938,7 @@
 </p:sld>
 </file>
 
-<file path=ppt/slides/slide4.xml><?xml version="1.0" encoding="utf-8"?>
+<file path=ppt/slides/slide18.xml><?xml version="1.0" encoding="utf-8"?>
 <p:sld xmlns:a="http://schemas.openxmlformats.org/drawingml/2006/main" xmlns:r="http://schemas.openxmlformats.org/officeDocument/2006/relationships" xmlns:p="http://schemas.openxmlformats.org/presentationml/2006/main">
   <p:cSld>
     <p:spTree>
@@ -5757,7 +8096,7 @@
 </p:sld>
 </file>
 
-<file path=ppt/slides/slide5.xml><?xml version="1.0" encoding="utf-8"?>
+<file path=ppt/slides/slide19.xml><?xml version="1.0" encoding="utf-8"?>
 <p:sld xmlns:a="http://schemas.openxmlformats.org/drawingml/2006/main" xmlns:r="http://schemas.openxmlformats.org/officeDocument/2006/relationships" xmlns:p="http://schemas.openxmlformats.org/presentationml/2006/main">
   <p:cSld>
     <p:spTree>
@@ -5917,7 +8256,121 @@
 </p:sld>
 </file>
 
-<file path=ppt/slides/slide6.xml><?xml version="1.0" encoding="utf-8"?>
+<file path=ppt/slides/slide2.xml><?xml version="1.0" encoding="utf-8"?>
+<p:sld xmlns:a="http://schemas.openxmlformats.org/drawingml/2006/main" xmlns:r="http://schemas.openxmlformats.org/officeDocument/2006/relationships" xmlns:p="http://schemas.openxmlformats.org/presentationml/2006/main">
+  <p:cSld>
+    <p:spTree>
+      <p:nvGrpSpPr>
+        <p:cNvPr id="1" name=""/>
+        <p:cNvGrpSpPr/>
+        <p:nvPr/>
+      </p:nvGrpSpPr>
+      <p:grpSpPr>
+        <a:xfrm>
+          <a:off x="0" y="0"/>
+          <a:ext cx="0" cy="0"/>
+          <a:chOff x="0" y="0"/>
+          <a:chExt cx="0" cy="0"/>
+        </a:xfrm>
+      </p:grpSpPr>
+      <p:sp>
+        <p:nvSpPr>
+          <p:cNvPr id="4" name="Rechteck 3"/>
+          <p:cNvSpPr/>
+          <p:nvPr/>
+        </p:nvSpPr>
+        <p:spPr>
+          <a:xfrm>
+            <a:off x="57664" y="57665"/>
+            <a:ext cx="12068433" cy="6738552"/>
+          </a:xfrm>
+          <a:prstGeom prst="rect">
+            <a:avLst/>
+          </a:prstGeom>
+          <a:solidFill>
+            <a:schemeClr val="bg1">
+              <a:lumMod val="95000"/>
+            </a:schemeClr>
+          </a:solidFill>
+          <a:ln w="76200">
+            <a:solidFill>
+              <a:schemeClr val="bg2">
+                <a:lumMod val="90000"/>
+              </a:schemeClr>
+            </a:solidFill>
+          </a:ln>
+        </p:spPr>
+        <p:style>
+          <a:lnRef idx="2">
+            <a:schemeClr val="accent1">
+              <a:shade val="50000"/>
+            </a:schemeClr>
+          </a:lnRef>
+          <a:fillRef idx="1">
+            <a:schemeClr val="accent1"/>
+          </a:fillRef>
+          <a:effectRef idx="0">
+            <a:schemeClr val="accent1"/>
+          </a:effectRef>
+          <a:fontRef idx="minor">
+            <a:schemeClr val="lt1"/>
+          </a:fontRef>
+        </p:style>
+        <p:txBody>
+          <a:bodyPr rtlCol="0" anchor="ctr"/>
+          <a:lstStyle/>
+          <a:p>
+            <a:pPr algn="ctr"/>
+            <a:r>
+              <a:rPr lang="de-CH" sz="12000" dirty="0" err="1">
+                <a:solidFill>
+                  <a:schemeClr val="tx1"/>
+                </a:solidFill>
+                <a:latin typeface="Montserrat Medium" panose="00000600000000000000" pitchFamily="2" charset="0"/>
+              </a:rPr>
+              <a:t>Designed</a:t>
+            </a:r>
+            <a:r>
+              <a:rPr lang="de-CH" sz="12000" dirty="0">
+                <a:solidFill>
+                  <a:schemeClr val="tx1"/>
+                </a:solidFill>
+                <a:latin typeface="Montserrat Medium" panose="00000600000000000000" pitchFamily="2" charset="0"/>
+              </a:rPr>
+              <a:t> </a:t>
+            </a:r>
+            <a:r>
+              <a:rPr lang="de-CH" sz="12000" dirty="0" err="1">
+                <a:solidFill>
+                  <a:schemeClr val="tx1"/>
+                </a:solidFill>
+                <a:latin typeface="Montserrat Medium" panose="00000600000000000000" pitchFamily="2" charset="0"/>
+              </a:rPr>
+              <a:t>for</a:t>
+            </a:r>
+            <a:endParaRPr lang="de-CH" sz="12000" dirty="0">
+              <a:solidFill>
+                <a:schemeClr val="tx1"/>
+              </a:solidFill>
+              <a:latin typeface="Montserrat Medium" panose="00000600000000000000" pitchFamily="2" charset="0"/>
+            </a:endParaRPr>
+          </a:p>
+        </p:txBody>
+      </p:sp>
+    </p:spTree>
+    <p:extLst>
+      <p:ext uri="{BB962C8B-B14F-4D97-AF65-F5344CB8AC3E}">
+        <p14:creationId xmlns:p14="http://schemas.microsoft.com/office/powerpoint/2010/main" val="2079586390"/>
+      </p:ext>
+    </p:extLst>
+  </p:cSld>
+  <p:clrMapOvr>
+    <a:masterClrMapping/>
+  </p:clrMapOvr>
+</p:sld>
+</file>
+
+<file path=ppt/slides/slide20.xml><?xml version="1.0" encoding="utf-8"?>
 <p:sld xmlns:a="http://schemas.openxmlformats.org/drawingml/2006/main" xmlns:r="http://schemas.openxmlformats.org/officeDocument/2006/relationships" xmlns:p="http://schemas.openxmlformats.org/presentationml/2006/main">
   <p:cSld>
     <p:spTree>
@@ -6078,7 +8531,7 @@
 </p:sld>
 </file>
 
-<file path=ppt/slides/slide7.xml><?xml version="1.0" encoding="utf-8"?>
+<file path=ppt/slides/slide21.xml><?xml version="1.0" encoding="utf-8"?>
 <p:sld xmlns:a="http://schemas.openxmlformats.org/drawingml/2006/main" xmlns:r="http://schemas.openxmlformats.org/officeDocument/2006/relationships" xmlns:p="http://schemas.openxmlformats.org/presentationml/2006/main">
   <p:cSld>
     <p:spTree>
@@ -6236,7 +8689,7 @@
 </p:sld>
 </file>
 
-<file path=ppt/slides/slide8.xml><?xml version="1.0" encoding="utf-8"?>
+<file path=ppt/slides/slide22.xml><?xml version="1.0" encoding="utf-8"?>
 <p:sld xmlns:a="http://schemas.openxmlformats.org/drawingml/2006/main" xmlns:r="http://schemas.openxmlformats.org/officeDocument/2006/relationships" xmlns:p="http://schemas.openxmlformats.org/presentationml/2006/main">
   <p:cSld>
     <p:spTree>
@@ -6396,7 +8849,7 @@
 </p:sld>
 </file>
 
-<file path=ppt/slides/slide9.xml><?xml version="1.0" encoding="utf-8"?>
+<file path=ppt/slides/slide23.xml><?xml version="1.0" encoding="utf-8"?>
 <p:sld xmlns:a="http://schemas.openxmlformats.org/drawingml/2006/main" xmlns:r="http://schemas.openxmlformats.org/officeDocument/2006/relationships" xmlns:p="http://schemas.openxmlformats.org/presentationml/2006/main">
   <p:cSld>
     <p:spTree>
@@ -6545,6 +8998,1418 @@
     <p:extLst>
       <p:ext uri="{BB962C8B-B14F-4D97-AF65-F5344CB8AC3E}">
         <p14:creationId xmlns:p14="http://schemas.microsoft.com/office/powerpoint/2010/main" val="1448590011"/>
+      </p:ext>
+    </p:extLst>
+  </p:cSld>
+  <p:clrMapOvr>
+    <a:masterClrMapping/>
+  </p:clrMapOvr>
+</p:sld>
+</file>
+
+<file path=ppt/slides/slide24.xml><?xml version="1.0" encoding="utf-8"?>
+<p:sld xmlns:a="http://schemas.openxmlformats.org/drawingml/2006/main" xmlns:r="http://schemas.openxmlformats.org/officeDocument/2006/relationships" xmlns:p="http://schemas.openxmlformats.org/presentationml/2006/main">
+  <p:cSld>
+    <p:spTree>
+      <p:nvGrpSpPr>
+        <p:cNvPr id="1" name=""/>
+        <p:cNvGrpSpPr/>
+        <p:nvPr/>
+      </p:nvGrpSpPr>
+      <p:grpSpPr>
+        <a:xfrm>
+          <a:off x="0" y="0"/>
+          <a:ext cx="0" cy="0"/>
+          <a:chOff x="0" y="0"/>
+          <a:chExt cx="0" cy="0"/>
+        </a:xfrm>
+      </p:grpSpPr>
+      <p:sp>
+        <p:nvSpPr>
+          <p:cNvPr id="4" name="Rechteck 3"/>
+          <p:cNvSpPr/>
+          <p:nvPr/>
+        </p:nvSpPr>
+        <p:spPr>
+          <a:xfrm>
+            <a:off x="57664" y="57665"/>
+            <a:ext cx="12068433" cy="6738552"/>
+          </a:xfrm>
+          <a:prstGeom prst="rect">
+            <a:avLst/>
+          </a:prstGeom>
+          <a:solidFill>
+            <a:schemeClr val="bg1">
+              <a:lumMod val="95000"/>
+            </a:schemeClr>
+          </a:solidFill>
+          <a:ln w="76200">
+            <a:solidFill>
+              <a:srgbClr val="FF0000"/>
+            </a:solidFill>
+          </a:ln>
+        </p:spPr>
+        <p:style>
+          <a:lnRef idx="2">
+            <a:schemeClr val="accent1">
+              <a:shade val="50000"/>
+            </a:schemeClr>
+          </a:lnRef>
+          <a:fillRef idx="1">
+            <a:schemeClr val="accent1"/>
+          </a:fillRef>
+          <a:effectRef idx="0">
+            <a:schemeClr val="accent1"/>
+          </a:effectRef>
+          <a:fontRef idx="minor">
+            <a:schemeClr val="lt1"/>
+          </a:fontRef>
+        </p:style>
+        <p:txBody>
+          <a:bodyPr rtlCol="0" anchor="ctr"/>
+          <a:lstStyle/>
+          <a:p>
+            <a:pPr algn="ctr"/>
+            <a:endParaRPr lang="de-CH"/>
+          </a:p>
+        </p:txBody>
+      </p:sp>
+      <p:pic>
+        <p:nvPicPr>
+          <p:cNvPr id="2" name="Grafik 1"/>
+          <p:cNvPicPr>
+            <a:picLocks noChangeAspect="1"/>
+          </p:cNvPicPr>
+          <p:nvPr/>
+        </p:nvPicPr>
+        <p:blipFill>
+          <a:blip r:embed="rId3">
+            <a:duotone>
+              <a:schemeClr val="accent1">
+                <a:shade val="45000"/>
+                <a:satMod val="135000"/>
+              </a:schemeClr>
+              <a:prstClr val="white"/>
+            </a:duotone>
+            <a:extLst>
+              <a:ext uri="{28A0092B-C50C-407E-A947-70E740481C1C}">
+                <a14:useLocalDpi xmlns:a14="http://schemas.microsoft.com/office/drawing/2010/main" val="0"/>
+              </a:ext>
+            </a:extLst>
+          </a:blip>
+          <a:stretch>
+            <a:fillRect/>
+          </a:stretch>
+        </p:blipFill>
+        <p:spPr>
+          <a:xfrm>
+            <a:off x="3657905" y="990905"/>
+            <a:ext cx="4876190" cy="4876190"/>
+          </a:xfrm>
+          <a:prstGeom prst="rect">
+            <a:avLst/>
+          </a:prstGeom>
+        </p:spPr>
+      </p:pic>
+      <p:sp>
+        <p:nvSpPr>
+          <p:cNvPr id="6" name="Rechteck 5"/>
+          <p:cNvSpPr/>
+          <p:nvPr/>
+        </p:nvSpPr>
+        <p:spPr>
+          <a:xfrm>
+            <a:off x="2224334" y="944415"/>
+            <a:ext cx="7199870" cy="4965052"/>
+          </a:xfrm>
+          <a:prstGeom prst="rect">
+            <a:avLst/>
+          </a:prstGeom>
+          <a:solidFill>
+            <a:srgbClr val="F2F2F2">
+              <a:alpha val="60000"/>
+            </a:srgbClr>
+          </a:solidFill>
+          <a:ln w="76200">
+            <a:noFill/>
+          </a:ln>
+        </p:spPr>
+        <p:style>
+          <a:lnRef idx="2">
+            <a:schemeClr val="accent1">
+              <a:shade val="50000"/>
+            </a:schemeClr>
+          </a:lnRef>
+          <a:fillRef idx="1">
+            <a:schemeClr val="accent1"/>
+          </a:fillRef>
+          <a:effectRef idx="0">
+            <a:schemeClr val="accent1"/>
+          </a:effectRef>
+          <a:fontRef idx="minor">
+            <a:schemeClr val="lt1"/>
+          </a:fontRef>
+        </p:style>
+        <p:txBody>
+          <a:bodyPr rtlCol="0" anchor="ctr"/>
+          <a:lstStyle/>
+          <a:p>
+            <a:pPr algn="ctr"/>
+            <a:endParaRPr lang="de-CH"/>
+          </a:p>
+        </p:txBody>
+      </p:sp>
+    </p:spTree>
+    <p:extLst>
+      <p:ext uri="{BB962C8B-B14F-4D97-AF65-F5344CB8AC3E}">
+        <p14:creationId xmlns:p14="http://schemas.microsoft.com/office/powerpoint/2010/main" val="1653183672"/>
+      </p:ext>
+    </p:extLst>
+  </p:cSld>
+  <p:clrMapOvr>
+    <a:masterClrMapping/>
+  </p:clrMapOvr>
+</p:sld>
+</file>
+
+<file path=ppt/slides/slide25.xml><?xml version="1.0" encoding="utf-8"?>
+<p:sld xmlns:a="http://schemas.openxmlformats.org/drawingml/2006/main" xmlns:r="http://schemas.openxmlformats.org/officeDocument/2006/relationships" xmlns:p="http://schemas.openxmlformats.org/presentationml/2006/main">
+  <p:cSld>
+    <p:spTree>
+      <p:nvGrpSpPr>
+        <p:cNvPr id="1" name=""/>
+        <p:cNvGrpSpPr/>
+        <p:nvPr/>
+      </p:nvGrpSpPr>
+      <p:grpSpPr>
+        <a:xfrm>
+          <a:off x="0" y="0"/>
+          <a:ext cx="0" cy="0"/>
+          <a:chOff x="0" y="0"/>
+          <a:chExt cx="0" cy="0"/>
+        </a:xfrm>
+      </p:grpSpPr>
+      <p:sp>
+        <p:nvSpPr>
+          <p:cNvPr id="4" name="Rechteck 3"/>
+          <p:cNvSpPr/>
+          <p:nvPr/>
+        </p:nvSpPr>
+        <p:spPr>
+          <a:xfrm>
+            <a:off x="57664" y="57665"/>
+            <a:ext cx="12068433" cy="6738552"/>
+          </a:xfrm>
+          <a:prstGeom prst="rect">
+            <a:avLst/>
+          </a:prstGeom>
+          <a:solidFill>
+            <a:schemeClr val="bg1">
+              <a:lumMod val="95000"/>
+            </a:schemeClr>
+          </a:solidFill>
+          <a:ln w="76200">
+            <a:solidFill>
+              <a:srgbClr val="FF0000"/>
+            </a:solidFill>
+          </a:ln>
+        </p:spPr>
+        <p:style>
+          <a:lnRef idx="2">
+            <a:schemeClr val="accent1">
+              <a:shade val="50000"/>
+            </a:schemeClr>
+          </a:lnRef>
+          <a:fillRef idx="1">
+            <a:schemeClr val="accent1"/>
+          </a:fillRef>
+          <a:effectRef idx="0">
+            <a:schemeClr val="accent1"/>
+          </a:effectRef>
+          <a:fontRef idx="minor">
+            <a:schemeClr val="lt1"/>
+          </a:fontRef>
+        </p:style>
+        <p:txBody>
+          <a:bodyPr rtlCol="0" anchor="ctr"/>
+          <a:lstStyle/>
+          <a:p>
+            <a:pPr algn="ctr"/>
+            <a:endParaRPr lang="de-CH"/>
+          </a:p>
+        </p:txBody>
+      </p:sp>
+      <p:pic>
+        <p:nvPicPr>
+          <p:cNvPr id="2" name="Grafik 1"/>
+          <p:cNvPicPr>
+            <a:picLocks noChangeAspect="1"/>
+          </p:cNvPicPr>
+          <p:nvPr/>
+        </p:nvPicPr>
+        <p:blipFill>
+          <a:blip r:embed="rId3">
+            <a:duotone>
+              <a:schemeClr val="accent4">
+                <a:shade val="45000"/>
+                <a:satMod val="135000"/>
+              </a:schemeClr>
+              <a:prstClr val="white"/>
+            </a:duotone>
+            <a:extLst>
+              <a:ext uri="{28A0092B-C50C-407E-A947-70E740481C1C}">
+                <a14:useLocalDpi xmlns:a14="http://schemas.microsoft.com/office/drawing/2010/main" val="0"/>
+              </a:ext>
+            </a:extLst>
+          </a:blip>
+          <a:stretch>
+            <a:fillRect/>
+          </a:stretch>
+        </p:blipFill>
+        <p:spPr>
+          <a:xfrm>
+            <a:off x="3657905" y="990905"/>
+            <a:ext cx="4876190" cy="4876190"/>
+          </a:xfrm>
+          <a:prstGeom prst="rect">
+            <a:avLst/>
+          </a:prstGeom>
+        </p:spPr>
+      </p:pic>
+      <p:sp>
+        <p:nvSpPr>
+          <p:cNvPr id="6" name="Rechteck 5"/>
+          <p:cNvSpPr/>
+          <p:nvPr/>
+        </p:nvSpPr>
+        <p:spPr>
+          <a:xfrm>
+            <a:off x="2290119" y="990906"/>
+            <a:ext cx="7199870" cy="4965052"/>
+          </a:xfrm>
+          <a:prstGeom prst="rect">
+            <a:avLst/>
+          </a:prstGeom>
+          <a:solidFill>
+            <a:srgbClr val="F2F2F2">
+              <a:alpha val="60000"/>
+            </a:srgbClr>
+          </a:solidFill>
+          <a:ln w="76200">
+            <a:noFill/>
+          </a:ln>
+        </p:spPr>
+        <p:style>
+          <a:lnRef idx="2">
+            <a:schemeClr val="accent1">
+              <a:shade val="50000"/>
+            </a:schemeClr>
+          </a:lnRef>
+          <a:fillRef idx="1">
+            <a:schemeClr val="accent1"/>
+          </a:fillRef>
+          <a:effectRef idx="0">
+            <a:schemeClr val="accent1"/>
+          </a:effectRef>
+          <a:fontRef idx="minor">
+            <a:schemeClr val="lt1"/>
+          </a:fontRef>
+        </p:style>
+        <p:txBody>
+          <a:bodyPr rtlCol="0" anchor="ctr"/>
+          <a:lstStyle/>
+          <a:p>
+            <a:pPr algn="ctr"/>
+            <a:endParaRPr lang="de-CH"/>
+          </a:p>
+        </p:txBody>
+      </p:sp>
+    </p:spTree>
+    <p:extLst>
+      <p:ext uri="{BB962C8B-B14F-4D97-AF65-F5344CB8AC3E}">
+        <p14:creationId xmlns:p14="http://schemas.microsoft.com/office/powerpoint/2010/main" val="3130156935"/>
+      </p:ext>
+    </p:extLst>
+  </p:cSld>
+  <p:clrMapOvr>
+    <a:masterClrMapping/>
+  </p:clrMapOvr>
+</p:sld>
+</file>
+
+<file path=ppt/slides/slide3.xml><?xml version="1.0" encoding="utf-8"?>
+<p:sld xmlns:a="http://schemas.openxmlformats.org/drawingml/2006/main" xmlns:r="http://schemas.openxmlformats.org/officeDocument/2006/relationships" xmlns:p="http://schemas.openxmlformats.org/presentationml/2006/main">
+  <p:cSld>
+    <p:spTree>
+      <p:nvGrpSpPr>
+        <p:cNvPr id="1" name=""/>
+        <p:cNvGrpSpPr/>
+        <p:nvPr/>
+      </p:nvGrpSpPr>
+      <p:grpSpPr>
+        <a:xfrm>
+          <a:off x="0" y="0"/>
+          <a:ext cx="0" cy="0"/>
+          <a:chOff x="0" y="0"/>
+          <a:chExt cx="0" cy="0"/>
+        </a:xfrm>
+      </p:grpSpPr>
+      <p:sp>
+        <p:nvSpPr>
+          <p:cNvPr id="4" name="Rechteck 3"/>
+          <p:cNvSpPr/>
+          <p:nvPr/>
+        </p:nvSpPr>
+        <p:spPr>
+          <a:xfrm>
+            <a:off x="57664" y="57665"/>
+            <a:ext cx="12068433" cy="3500544"/>
+          </a:xfrm>
+          <a:prstGeom prst="rect">
+            <a:avLst/>
+          </a:prstGeom>
+          <a:solidFill>
+            <a:schemeClr val="bg1">
+              <a:lumMod val="95000"/>
+            </a:schemeClr>
+          </a:solidFill>
+          <a:ln w="76200">
+            <a:solidFill>
+              <a:schemeClr val="bg2">
+                <a:lumMod val="90000"/>
+              </a:schemeClr>
+            </a:solidFill>
+          </a:ln>
+        </p:spPr>
+        <p:style>
+          <a:lnRef idx="2">
+            <a:schemeClr val="accent1">
+              <a:shade val="50000"/>
+            </a:schemeClr>
+          </a:lnRef>
+          <a:fillRef idx="1">
+            <a:schemeClr val="accent1"/>
+          </a:fillRef>
+          <a:effectRef idx="0">
+            <a:schemeClr val="accent1"/>
+          </a:effectRef>
+          <a:fontRef idx="minor">
+            <a:schemeClr val="lt1"/>
+          </a:fontRef>
+        </p:style>
+        <p:txBody>
+          <a:bodyPr rtlCol="0" anchor="t"/>
+          <a:lstStyle/>
+          <a:p>
+            <a:pPr algn="ctr"/>
+            <a:r>
+              <a:rPr lang="de-CH" sz="9600" dirty="0" err="1">
+                <a:solidFill>
+                  <a:schemeClr val="tx1"/>
+                </a:solidFill>
+                <a:latin typeface="Montserrat Medium" panose="00000600000000000000" pitchFamily="2" charset="0"/>
+              </a:rPr>
+              <a:t>Designed</a:t>
+            </a:r>
+            <a:r>
+              <a:rPr lang="de-CH" sz="9600" dirty="0">
+                <a:solidFill>
+                  <a:schemeClr val="tx1"/>
+                </a:solidFill>
+                <a:latin typeface="Montserrat Medium" panose="00000600000000000000" pitchFamily="2" charset="0"/>
+              </a:rPr>
+              <a:t> </a:t>
+            </a:r>
+            <a:r>
+              <a:rPr lang="de-CH" sz="9600" dirty="0" err="1">
+                <a:solidFill>
+                  <a:schemeClr val="tx1"/>
+                </a:solidFill>
+                <a:latin typeface="Montserrat Medium" panose="00000600000000000000" pitchFamily="2" charset="0"/>
+              </a:rPr>
+              <a:t>for</a:t>
+            </a:r>
+            <a:endParaRPr lang="de-CH" sz="9600" dirty="0">
+              <a:solidFill>
+                <a:schemeClr val="tx1"/>
+              </a:solidFill>
+              <a:latin typeface="Montserrat Medium" panose="00000600000000000000" pitchFamily="2" charset="0"/>
+            </a:endParaRPr>
+          </a:p>
+        </p:txBody>
+      </p:sp>
+      <p:sp>
+        <p:nvSpPr>
+          <p:cNvPr id="3" name="Rechteck 2">
+            <a:extLst>
+              <a:ext uri="{FF2B5EF4-FFF2-40B4-BE49-F238E27FC236}">
+                <a16:creationId xmlns:a16="http://schemas.microsoft.com/office/drawing/2014/main" id="{42893957-68FA-4D67-BAB0-8AD0A58F1CD8}"/>
+              </a:ext>
+            </a:extLst>
+          </p:cNvPr>
+          <p:cNvSpPr/>
+          <p:nvPr/>
+        </p:nvSpPr>
+        <p:spPr>
+          <a:xfrm>
+            <a:off x="987287" y="172278"/>
+            <a:ext cx="10263809" cy="3114261"/>
+          </a:xfrm>
+          <a:prstGeom prst="rect">
+            <a:avLst/>
+          </a:prstGeom>
+          <a:solidFill>
+            <a:srgbClr val="F2F2F2">
+              <a:alpha val="80000"/>
+            </a:srgbClr>
+          </a:solidFill>
+          <a:ln w="76200">
+            <a:noFill/>
+          </a:ln>
+        </p:spPr>
+        <p:style>
+          <a:lnRef idx="2">
+            <a:schemeClr val="accent1">
+              <a:shade val="50000"/>
+            </a:schemeClr>
+          </a:lnRef>
+          <a:fillRef idx="1">
+            <a:schemeClr val="accent1"/>
+          </a:fillRef>
+          <a:effectRef idx="0">
+            <a:schemeClr val="accent1"/>
+          </a:effectRef>
+          <a:fontRef idx="minor">
+            <a:schemeClr val="lt1"/>
+          </a:fontRef>
+        </p:style>
+        <p:txBody>
+          <a:bodyPr rtlCol="0" anchor="ctr"/>
+          <a:lstStyle/>
+          <a:p>
+            <a:pPr algn="ctr"/>
+            <a:endParaRPr lang="de-CH"/>
+          </a:p>
+        </p:txBody>
+      </p:sp>
+    </p:spTree>
+    <p:extLst>
+      <p:ext uri="{BB962C8B-B14F-4D97-AF65-F5344CB8AC3E}">
+        <p14:creationId xmlns:p14="http://schemas.microsoft.com/office/powerpoint/2010/main" val="234481577"/>
+      </p:ext>
+    </p:extLst>
+  </p:cSld>
+  <p:clrMapOvr>
+    <a:masterClrMapping/>
+  </p:clrMapOvr>
+</p:sld>
+</file>
+
+<file path=ppt/slides/slide4.xml><?xml version="1.0" encoding="utf-8"?>
+<p:sld xmlns:a="http://schemas.openxmlformats.org/drawingml/2006/main" xmlns:r="http://schemas.openxmlformats.org/officeDocument/2006/relationships" xmlns:p="http://schemas.openxmlformats.org/presentationml/2006/main">
+  <p:cSld>
+    <p:spTree>
+      <p:nvGrpSpPr>
+        <p:cNvPr id="1" name=""/>
+        <p:cNvGrpSpPr/>
+        <p:nvPr/>
+      </p:nvGrpSpPr>
+      <p:grpSpPr>
+        <a:xfrm>
+          <a:off x="0" y="0"/>
+          <a:ext cx="0" cy="0"/>
+          <a:chOff x="0" y="0"/>
+          <a:chExt cx="0" cy="0"/>
+        </a:xfrm>
+      </p:grpSpPr>
+      <p:sp>
+        <p:nvSpPr>
+          <p:cNvPr id="4" name="Rechteck 3"/>
+          <p:cNvSpPr/>
+          <p:nvPr/>
+        </p:nvSpPr>
+        <p:spPr>
+          <a:xfrm>
+            <a:off x="57664" y="57665"/>
+            <a:ext cx="12068433" cy="6738552"/>
+          </a:xfrm>
+          <a:prstGeom prst="rect">
+            <a:avLst/>
+          </a:prstGeom>
+          <a:solidFill>
+            <a:schemeClr val="bg1">
+              <a:lumMod val="95000"/>
+            </a:schemeClr>
+          </a:solidFill>
+          <a:ln w="76200">
+            <a:solidFill>
+              <a:schemeClr val="bg2">
+                <a:lumMod val="90000"/>
+              </a:schemeClr>
+            </a:solidFill>
+          </a:ln>
+        </p:spPr>
+        <p:style>
+          <a:lnRef idx="2">
+            <a:schemeClr val="accent1">
+              <a:shade val="50000"/>
+            </a:schemeClr>
+          </a:lnRef>
+          <a:fillRef idx="1">
+            <a:schemeClr val="accent1"/>
+          </a:fillRef>
+          <a:effectRef idx="0">
+            <a:schemeClr val="accent1"/>
+          </a:effectRef>
+          <a:fontRef idx="minor">
+            <a:schemeClr val="lt1"/>
+          </a:fontRef>
+        </p:style>
+        <p:txBody>
+          <a:bodyPr rtlCol="0" anchor="ctr"/>
+          <a:lstStyle/>
+          <a:p>
+            <a:pPr algn="ctr"/>
+            <a:r>
+              <a:rPr lang="de-CH" sz="12000" dirty="0" err="1">
+                <a:solidFill>
+                  <a:schemeClr val="tx1"/>
+                </a:solidFill>
+                <a:latin typeface="Montserrat Medium" panose="00000600000000000000" pitchFamily="2" charset="0"/>
+              </a:rPr>
+              <a:t>Designed</a:t>
+            </a:r>
+            <a:r>
+              <a:rPr lang="de-CH" sz="12000" dirty="0">
+                <a:solidFill>
+                  <a:schemeClr val="tx1"/>
+                </a:solidFill>
+                <a:latin typeface="Montserrat Medium" panose="00000600000000000000" pitchFamily="2" charset="0"/>
+              </a:rPr>
+              <a:t> </a:t>
+            </a:r>
+            <a:r>
+              <a:rPr lang="de-CH" sz="12000" dirty="0" err="1">
+                <a:solidFill>
+                  <a:schemeClr val="tx1"/>
+                </a:solidFill>
+                <a:latin typeface="Montserrat Medium" panose="00000600000000000000" pitchFamily="2" charset="0"/>
+              </a:rPr>
+              <a:t>by</a:t>
+            </a:r>
+            <a:endParaRPr lang="de-CH" sz="12000" dirty="0">
+              <a:solidFill>
+                <a:schemeClr val="tx1"/>
+              </a:solidFill>
+              <a:latin typeface="Montserrat Medium" panose="00000600000000000000" pitchFamily="2" charset="0"/>
+            </a:endParaRPr>
+          </a:p>
+        </p:txBody>
+      </p:sp>
+    </p:spTree>
+    <p:extLst>
+      <p:ext uri="{BB962C8B-B14F-4D97-AF65-F5344CB8AC3E}">
+        <p14:creationId xmlns:p14="http://schemas.microsoft.com/office/powerpoint/2010/main" val="3931272343"/>
+      </p:ext>
+    </p:extLst>
+  </p:cSld>
+  <p:clrMapOvr>
+    <a:masterClrMapping/>
+  </p:clrMapOvr>
+</p:sld>
+</file>
+
+<file path=ppt/slides/slide5.xml><?xml version="1.0" encoding="utf-8"?>
+<p:sld xmlns:a="http://schemas.openxmlformats.org/drawingml/2006/main" xmlns:r="http://schemas.openxmlformats.org/officeDocument/2006/relationships" xmlns:p="http://schemas.openxmlformats.org/presentationml/2006/main">
+  <p:cSld>
+    <p:spTree>
+      <p:nvGrpSpPr>
+        <p:cNvPr id="1" name=""/>
+        <p:cNvGrpSpPr/>
+        <p:nvPr/>
+      </p:nvGrpSpPr>
+      <p:grpSpPr>
+        <a:xfrm>
+          <a:off x="0" y="0"/>
+          <a:ext cx="0" cy="0"/>
+          <a:chOff x="0" y="0"/>
+          <a:chExt cx="0" cy="0"/>
+        </a:xfrm>
+      </p:grpSpPr>
+      <p:sp>
+        <p:nvSpPr>
+          <p:cNvPr id="4" name="Rechteck 3"/>
+          <p:cNvSpPr/>
+          <p:nvPr/>
+        </p:nvSpPr>
+        <p:spPr>
+          <a:xfrm>
+            <a:off x="57664" y="57665"/>
+            <a:ext cx="12068433" cy="3499200"/>
+          </a:xfrm>
+          <a:prstGeom prst="rect">
+            <a:avLst/>
+          </a:prstGeom>
+          <a:solidFill>
+            <a:schemeClr val="bg1">
+              <a:lumMod val="95000"/>
+            </a:schemeClr>
+          </a:solidFill>
+          <a:ln w="76200">
+            <a:solidFill>
+              <a:schemeClr val="bg2">
+                <a:lumMod val="90000"/>
+              </a:schemeClr>
+            </a:solidFill>
+          </a:ln>
+        </p:spPr>
+        <p:style>
+          <a:lnRef idx="2">
+            <a:schemeClr val="accent1">
+              <a:shade val="50000"/>
+            </a:schemeClr>
+          </a:lnRef>
+          <a:fillRef idx="1">
+            <a:schemeClr val="accent1"/>
+          </a:fillRef>
+          <a:effectRef idx="0">
+            <a:schemeClr val="accent1"/>
+          </a:effectRef>
+          <a:fontRef idx="minor">
+            <a:schemeClr val="lt1"/>
+          </a:fontRef>
+        </p:style>
+        <p:txBody>
+          <a:bodyPr rtlCol="0" anchor="t"/>
+          <a:lstStyle/>
+          <a:p>
+            <a:pPr algn="ctr"/>
+            <a:r>
+              <a:rPr lang="de-CH" sz="9600" dirty="0" err="1">
+                <a:solidFill>
+                  <a:schemeClr val="tx1"/>
+                </a:solidFill>
+                <a:latin typeface="Montserrat Medium" panose="00000600000000000000" pitchFamily="2" charset="0"/>
+              </a:rPr>
+              <a:t>Designed</a:t>
+            </a:r>
+            <a:r>
+              <a:rPr lang="de-CH" sz="9600" dirty="0">
+                <a:solidFill>
+                  <a:schemeClr val="tx1"/>
+                </a:solidFill>
+                <a:latin typeface="Montserrat Medium" panose="00000600000000000000" pitchFamily="2" charset="0"/>
+              </a:rPr>
+              <a:t> </a:t>
+            </a:r>
+            <a:r>
+              <a:rPr lang="de-CH" sz="9600" dirty="0" err="1">
+                <a:solidFill>
+                  <a:schemeClr val="tx1"/>
+                </a:solidFill>
+                <a:latin typeface="Montserrat Medium" panose="00000600000000000000" pitchFamily="2" charset="0"/>
+              </a:rPr>
+              <a:t>by</a:t>
+            </a:r>
+            <a:endParaRPr lang="de-CH" sz="9600" dirty="0">
+              <a:solidFill>
+                <a:schemeClr val="tx1"/>
+              </a:solidFill>
+              <a:latin typeface="Montserrat Medium" panose="00000600000000000000" pitchFamily="2" charset="0"/>
+            </a:endParaRPr>
+          </a:p>
+        </p:txBody>
+      </p:sp>
+      <p:sp>
+        <p:nvSpPr>
+          <p:cNvPr id="3" name="Rechteck 2">
+            <a:extLst>
+              <a:ext uri="{FF2B5EF4-FFF2-40B4-BE49-F238E27FC236}">
+                <a16:creationId xmlns:a16="http://schemas.microsoft.com/office/drawing/2014/main" id="{42893957-68FA-4D67-BAB0-8AD0A58F1CD8}"/>
+              </a:ext>
+            </a:extLst>
+          </p:cNvPr>
+          <p:cNvSpPr/>
+          <p:nvPr/>
+        </p:nvSpPr>
+        <p:spPr>
+          <a:xfrm>
+            <a:off x="987287" y="258417"/>
+            <a:ext cx="10263809" cy="3074505"/>
+          </a:xfrm>
+          <a:prstGeom prst="rect">
+            <a:avLst/>
+          </a:prstGeom>
+          <a:solidFill>
+            <a:srgbClr val="F2F2F2">
+              <a:alpha val="80000"/>
+            </a:srgbClr>
+          </a:solidFill>
+          <a:ln w="76200">
+            <a:noFill/>
+          </a:ln>
+        </p:spPr>
+        <p:style>
+          <a:lnRef idx="2">
+            <a:schemeClr val="accent1">
+              <a:shade val="50000"/>
+            </a:schemeClr>
+          </a:lnRef>
+          <a:fillRef idx="1">
+            <a:schemeClr val="accent1"/>
+          </a:fillRef>
+          <a:effectRef idx="0">
+            <a:schemeClr val="accent1"/>
+          </a:effectRef>
+          <a:fontRef idx="minor">
+            <a:schemeClr val="lt1"/>
+          </a:fontRef>
+        </p:style>
+        <p:txBody>
+          <a:bodyPr rtlCol="0" anchor="ctr"/>
+          <a:lstStyle/>
+          <a:p>
+            <a:pPr algn="ctr"/>
+            <a:endParaRPr lang="de-CH"/>
+          </a:p>
+        </p:txBody>
+      </p:sp>
+    </p:spTree>
+    <p:extLst>
+      <p:ext uri="{BB962C8B-B14F-4D97-AF65-F5344CB8AC3E}">
+        <p14:creationId xmlns:p14="http://schemas.microsoft.com/office/powerpoint/2010/main" val="2293222566"/>
+      </p:ext>
+    </p:extLst>
+  </p:cSld>
+  <p:clrMapOvr>
+    <a:masterClrMapping/>
+  </p:clrMapOvr>
+</p:sld>
+</file>
+
+<file path=ppt/slides/slide6.xml><?xml version="1.0" encoding="utf-8"?>
+<p:sld xmlns:a="http://schemas.openxmlformats.org/drawingml/2006/main" xmlns:r="http://schemas.openxmlformats.org/officeDocument/2006/relationships" xmlns:p="http://schemas.openxmlformats.org/presentationml/2006/main">
+  <p:cSld>
+    <p:spTree>
+      <p:nvGrpSpPr>
+        <p:cNvPr id="1" name=""/>
+        <p:cNvGrpSpPr/>
+        <p:nvPr/>
+      </p:nvGrpSpPr>
+      <p:grpSpPr>
+        <a:xfrm>
+          <a:off x="0" y="0"/>
+          <a:ext cx="0" cy="0"/>
+          <a:chOff x="0" y="0"/>
+          <a:chExt cx="0" cy="0"/>
+        </a:xfrm>
+      </p:grpSpPr>
+      <p:sp>
+        <p:nvSpPr>
+          <p:cNvPr id="4" name="Rechteck 3"/>
+          <p:cNvSpPr/>
+          <p:nvPr/>
+        </p:nvSpPr>
+        <p:spPr>
+          <a:xfrm>
+            <a:off x="57664" y="57665"/>
+            <a:ext cx="12068433" cy="6738552"/>
+          </a:xfrm>
+          <a:prstGeom prst="rect">
+            <a:avLst/>
+          </a:prstGeom>
+          <a:solidFill>
+            <a:schemeClr val="bg1">
+              <a:lumMod val="95000"/>
+            </a:schemeClr>
+          </a:solidFill>
+          <a:ln w="76200">
+            <a:solidFill>
+              <a:schemeClr val="bg2">
+                <a:lumMod val="90000"/>
+              </a:schemeClr>
+            </a:solidFill>
+          </a:ln>
+        </p:spPr>
+        <p:style>
+          <a:lnRef idx="2">
+            <a:schemeClr val="accent1">
+              <a:shade val="50000"/>
+            </a:schemeClr>
+          </a:lnRef>
+          <a:fillRef idx="1">
+            <a:schemeClr val="accent1"/>
+          </a:fillRef>
+          <a:effectRef idx="0">
+            <a:schemeClr val="accent1"/>
+          </a:effectRef>
+          <a:fontRef idx="minor">
+            <a:schemeClr val="lt1"/>
+          </a:fontRef>
+        </p:style>
+        <p:txBody>
+          <a:bodyPr rtlCol="0" anchor="ctr"/>
+          <a:lstStyle/>
+          <a:p>
+            <a:pPr algn="ctr"/>
+            <a:r>
+              <a:rPr lang="de-CH" sz="11000" dirty="0">
+                <a:solidFill>
+                  <a:schemeClr val="tx1"/>
+                </a:solidFill>
+                <a:latin typeface="Montserrat Medium" panose="00000600000000000000" pitchFamily="2" charset="0"/>
+              </a:rPr>
+              <a:t>Date </a:t>
+            </a:r>
+            <a:r>
+              <a:rPr lang="de-CH" sz="11000" dirty="0" err="1">
+                <a:solidFill>
+                  <a:schemeClr val="tx1"/>
+                </a:solidFill>
+                <a:latin typeface="Montserrat Medium" panose="00000600000000000000" pitchFamily="2" charset="0"/>
+              </a:rPr>
+              <a:t>of</a:t>
+            </a:r>
+            <a:r>
+              <a:rPr lang="de-CH" sz="11000" dirty="0">
+                <a:solidFill>
+                  <a:schemeClr val="tx1"/>
+                </a:solidFill>
+                <a:latin typeface="Montserrat Medium" panose="00000600000000000000" pitchFamily="2" charset="0"/>
+              </a:rPr>
+              <a:t> </a:t>
+            </a:r>
+            <a:r>
+              <a:rPr lang="de-CH" sz="11000" dirty="0" err="1">
+                <a:solidFill>
+                  <a:schemeClr val="tx1"/>
+                </a:solidFill>
+                <a:latin typeface="Montserrat Medium" panose="00000600000000000000" pitchFamily="2" charset="0"/>
+              </a:rPr>
+              <a:t>creation</a:t>
+            </a:r>
+            <a:endParaRPr lang="de-CH" sz="11000" dirty="0">
+              <a:solidFill>
+                <a:schemeClr val="tx1"/>
+              </a:solidFill>
+              <a:latin typeface="Montserrat Medium" panose="00000600000000000000" pitchFamily="2" charset="0"/>
+            </a:endParaRPr>
+          </a:p>
+        </p:txBody>
+      </p:sp>
+    </p:spTree>
+    <p:extLst>
+      <p:ext uri="{BB962C8B-B14F-4D97-AF65-F5344CB8AC3E}">
+        <p14:creationId xmlns:p14="http://schemas.microsoft.com/office/powerpoint/2010/main" val="406475180"/>
+      </p:ext>
+    </p:extLst>
+  </p:cSld>
+  <p:clrMapOvr>
+    <a:masterClrMapping/>
+  </p:clrMapOvr>
+</p:sld>
+</file>
+
+<file path=ppt/slides/slide7.xml><?xml version="1.0" encoding="utf-8"?>
+<p:sld xmlns:a="http://schemas.openxmlformats.org/drawingml/2006/main" xmlns:r="http://schemas.openxmlformats.org/officeDocument/2006/relationships" xmlns:p="http://schemas.openxmlformats.org/presentationml/2006/main">
+  <p:cSld>
+    <p:spTree>
+      <p:nvGrpSpPr>
+        <p:cNvPr id="1" name=""/>
+        <p:cNvGrpSpPr/>
+        <p:nvPr/>
+      </p:nvGrpSpPr>
+      <p:grpSpPr>
+        <a:xfrm>
+          <a:off x="0" y="0"/>
+          <a:ext cx="0" cy="0"/>
+          <a:chOff x="0" y="0"/>
+          <a:chExt cx="0" cy="0"/>
+        </a:xfrm>
+      </p:grpSpPr>
+      <p:sp>
+        <p:nvSpPr>
+          <p:cNvPr id="4" name="Rechteck 3"/>
+          <p:cNvSpPr/>
+          <p:nvPr/>
+        </p:nvSpPr>
+        <p:spPr>
+          <a:xfrm>
+            <a:off x="57664" y="57665"/>
+            <a:ext cx="12068433" cy="3499200"/>
+          </a:xfrm>
+          <a:prstGeom prst="rect">
+            <a:avLst/>
+          </a:prstGeom>
+          <a:solidFill>
+            <a:schemeClr val="bg1">
+              <a:lumMod val="95000"/>
+            </a:schemeClr>
+          </a:solidFill>
+          <a:ln w="76200">
+            <a:solidFill>
+              <a:schemeClr val="bg2">
+                <a:lumMod val="90000"/>
+              </a:schemeClr>
+            </a:solidFill>
+          </a:ln>
+        </p:spPr>
+        <p:style>
+          <a:lnRef idx="2">
+            <a:schemeClr val="accent1">
+              <a:shade val="50000"/>
+            </a:schemeClr>
+          </a:lnRef>
+          <a:fillRef idx="1">
+            <a:schemeClr val="accent1"/>
+          </a:fillRef>
+          <a:effectRef idx="0">
+            <a:schemeClr val="accent1"/>
+          </a:effectRef>
+          <a:fontRef idx="minor">
+            <a:schemeClr val="lt1"/>
+          </a:fontRef>
+        </p:style>
+        <p:txBody>
+          <a:bodyPr rtlCol="0" anchor="t"/>
+          <a:lstStyle/>
+          <a:p>
+            <a:pPr algn="ctr"/>
+            <a:r>
+              <a:rPr lang="de-CH" sz="9600" dirty="0">
+                <a:solidFill>
+                  <a:schemeClr val="tx1"/>
+                </a:solidFill>
+                <a:latin typeface="Montserrat Medium" panose="00000600000000000000" pitchFamily="2" charset="0"/>
+              </a:rPr>
+              <a:t>Date </a:t>
+            </a:r>
+            <a:r>
+              <a:rPr lang="de-CH" sz="9600" dirty="0" err="1">
+                <a:solidFill>
+                  <a:schemeClr val="tx1"/>
+                </a:solidFill>
+                <a:latin typeface="Montserrat Medium" panose="00000600000000000000" pitchFamily="2" charset="0"/>
+              </a:rPr>
+              <a:t>of</a:t>
+            </a:r>
+            <a:r>
+              <a:rPr lang="de-CH" sz="9600" dirty="0">
+                <a:solidFill>
+                  <a:schemeClr val="tx1"/>
+                </a:solidFill>
+                <a:latin typeface="Montserrat Medium" panose="00000600000000000000" pitchFamily="2" charset="0"/>
+              </a:rPr>
+              <a:t> </a:t>
+            </a:r>
+            <a:r>
+              <a:rPr lang="de-CH" sz="9600" dirty="0" err="1">
+                <a:solidFill>
+                  <a:schemeClr val="tx1"/>
+                </a:solidFill>
+                <a:latin typeface="Montserrat Medium" panose="00000600000000000000" pitchFamily="2" charset="0"/>
+              </a:rPr>
+              <a:t>creation</a:t>
+            </a:r>
+            <a:endParaRPr lang="de-CH" sz="9600" dirty="0">
+              <a:solidFill>
+                <a:schemeClr val="tx1"/>
+              </a:solidFill>
+              <a:latin typeface="Montserrat Medium" panose="00000600000000000000" pitchFamily="2" charset="0"/>
+            </a:endParaRPr>
+          </a:p>
+        </p:txBody>
+      </p:sp>
+      <p:sp>
+        <p:nvSpPr>
+          <p:cNvPr id="3" name="Rechteck 2">
+            <a:extLst>
+              <a:ext uri="{FF2B5EF4-FFF2-40B4-BE49-F238E27FC236}">
+                <a16:creationId xmlns:a16="http://schemas.microsoft.com/office/drawing/2014/main" id="{42893957-68FA-4D67-BAB0-8AD0A58F1CD8}"/>
+              </a:ext>
+            </a:extLst>
+          </p:cNvPr>
+          <p:cNvSpPr/>
+          <p:nvPr/>
+        </p:nvSpPr>
+        <p:spPr>
+          <a:xfrm>
+            <a:off x="304800" y="245165"/>
+            <a:ext cx="11456503" cy="3101009"/>
+          </a:xfrm>
+          <a:prstGeom prst="rect">
+            <a:avLst/>
+          </a:prstGeom>
+          <a:solidFill>
+            <a:srgbClr val="F2F2F2">
+              <a:alpha val="80000"/>
+            </a:srgbClr>
+          </a:solidFill>
+          <a:ln w="76200">
+            <a:noFill/>
+          </a:ln>
+        </p:spPr>
+        <p:style>
+          <a:lnRef idx="2">
+            <a:schemeClr val="accent1">
+              <a:shade val="50000"/>
+            </a:schemeClr>
+          </a:lnRef>
+          <a:fillRef idx="1">
+            <a:schemeClr val="accent1"/>
+          </a:fillRef>
+          <a:effectRef idx="0">
+            <a:schemeClr val="accent1"/>
+          </a:effectRef>
+          <a:fontRef idx="minor">
+            <a:schemeClr val="lt1"/>
+          </a:fontRef>
+        </p:style>
+        <p:txBody>
+          <a:bodyPr rtlCol="0" anchor="ctr"/>
+          <a:lstStyle/>
+          <a:p>
+            <a:pPr algn="ctr"/>
+            <a:endParaRPr lang="de-CH"/>
+          </a:p>
+        </p:txBody>
+      </p:sp>
+    </p:spTree>
+    <p:extLst>
+      <p:ext uri="{BB962C8B-B14F-4D97-AF65-F5344CB8AC3E}">
+        <p14:creationId xmlns:p14="http://schemas.microsoft.com/office/powerpoint/2010/main" val="409498448"/>
+      </p:ext>
+    </p:extLst>
+  </p:cSld>
+  <p:clrMapOvr>
+    <a:masterClrMapping/>
+  </p:clrMapOvr>
+</p:sld>
+</file>
+
+<file path=ppt/slides/slide8.xml><?xml version="1.0" encoding="utf-8"?>
+<p:sld xmlns:a="http://schemas.openxmlformats.org/drawingml/2006/main" xmlns:r="http://schemas.openxmlformats.org/officeDocument/2006/relationships" xmlns:p="http://schemas.openxmlformats.org/presentationml/2006/main">
+  <p:cSld>
+    <p:spTree>
+      <p:nvGrpSpPr>
+        <p:cNvPr id="1" name=""/>
+        <p:cNvGrpSpPr/>
+        <p:nvPr/>
+      </p:nvGrpSpPr>
+      <p:grpSpPr>
+        <a:xfrm>
+          <a:off x="0" y="0"/>
+          <a:ext cx="0" cy="0"/>
+          <a:chOff x="0" y="0"/>
+          <a:chExt cx="0" cy="0"/>
+        </a:xfrm>
+      </p:grpSpPr>
+      <p:sp>
+        <p:nvSpPr>
+          <p:cNvPr id="4" name="Rechteck 3"/>
+          <p:cNvSpPr/>
+          <p:nvPr/>
+        </p:nvSpPr>
+        <p:spPr>
+          <a:xfrm>
+            <a:off x="57664" y="57665"/>
+            <a:ext cx="12068433" cy="6738552"/>
+          </a:xfrm>
+          <a:prstGeom prst="rect">
+            <a:avLst/>
+          </a:prstGeom>
+          <a:solidFill>
+            <a:schemeClr val="bg1">
+              <a:lumMod val="95000"/>
+            </a:schemeClr>
+          </a:solidFill>
+          <a:ln w="76200">
+            <a:solidFill>
+              <a:schemeClr val="accent4"/>
+            </a:solidFill>
+          </a:ln>
+        </p:spPr>
+        <p:style>
+          <a:lnRef idx="2">
+            <a:schemeClr val="accent1">
+              <a:shade val="50000"/>
+            </a:schemeClr>
+          </a:lnRef>
+          <a:fillRef idx="1">
+            <a:schemeClr val="accent1"/>
+          </a:fillRef>
+          <a:effectRef idx="0">
+            <a:schemeClr val="accent1"/>
+          </a:effectRef>
+          <a:fontRef idx="minor">
+            <a:schemeClr val="lt1"/>
+          </a:fontRef>
+        </p:style>
+        <p:txBody>
+          <a:bodyPr rtlCol="0" anchor="ctr"/>
+          <a:lstStyle/>
+          <a:p>
+            <a:pPr algn="ctr"/>
+            <a:endParaRPr lang="de-CH"/>
+          </a:p>
+        </p:txBody>
+      </p:sp>
+      <p:pic>
+        <p:nvPicPr>
+          <p:cNvPr id="2" name="Grafik 1"/>
+          <p:cNvPicPr>
+            <a:picLocks noChangeAspect="1"/>
+          </p:cNvPicPr>
+          <p:nvPr/>
+        </p:nvPicPr>
+        <p:blipFill>
+          <a:blip r:embed="rId3">
+            <a:extLst>
+              <a:ext uri="{28A0092B-C50C-407E-A947-70E740481C1C}">
+                <a14:useLocalDpi xmlns:a14="http://schemas.microsoft.com/office/drawing/2010/main" val="0"/>
+              </a:ext>
+            </a:extLst>
+          </a:blip>
+          <a:stretch>
+            <a:fillRect/>
+          </a:stretch>
+        </p:blipFill>
+        <p:spPr>
+          <a:xfrm>
+            <a:off x="3657905" y="990905"/>
+            <a:ext cx="4876190" cy="4876190"/>
+          </a:xfrm>
+          <a:prstGeom prst="rect">
+            <a:avLst/>
+          </a:prstGeom>
+        </p:spPr>
+      </p:pic>
+      <p:sp>
+        <p:nvSpPr>
+          <p:cNvPr id="5" name="Rechteck 4"/>
+          <p:cNvSpPr/>
+          <p:nvPr/>
+        </p:nvSpPr>
+        <p:spPr>
+          <a:xfrm>
+            <a:off x="2355904" y="894664"/>
+            <a:ext cx="7199870" cy="5183793"/>
+          </a:xfrm>
+          <a:prstGeom prst="rect">
+            <a:avLst/>
+          </a:prstGeom>
+          <a:solidFill>
+            <a:srgbClr val="F2F2F2">
+              <a:alpha val="60000"/>
+            </a:srgbClr>
+          </a:solidFill>
+          <a:ln w="76200">
+            <a:noFill/>
+          </a:ln>
+        </p:spPr>
+        <p:style>
+          <a:lnRef idx="2">
+            <a:schemeClr val="accent1">
+              <a:shade val="50000"/>
+            </a:schemeClr>
+          </a:lnRef>
+          <a:fillRef idx="1">
+            <a:schemeClr val="accent1"/>
+          </a:fillRef>
+          <a:effectRef idx="0">
+            <a:schemeClr val="accent1"/>
+          </a:effectRef>
+          <a:fontRef idx="minor">
+            <a:schemeClr val="lt1"/>
+          </a:fontRef>
+        </p:style>
+        <p:txBody>
+          <a:bodyPr rtlCol="0" anchor="ctr"/>
+          <a:lstStyle/>
+          <a:p>
+            <a:pPr algn="ctr"/>
+            <a:endParaRPr lang="de-CH"/>
+          </a:p>
+        </p:txBody>
+      </p:sp>
+    </p:spTree>
+    <p:extLst>
+      <p:ext uri="{BB962C8B-B14F-4D97-AF65-F5344CB8AC3E}">
+        <p14:creationId xmlns:p14="http://schemas.microsoft.com/office/powerpoint/2010/main" val="3300122313"/>
+      </p:ext>
+    </p:extLst>
+  </p:cSld>
+  <p:clrMapOvr>
+    <a:masterClrMapping/>
+  </p:clrMapOvr>
+</p:sld>
+</file>
+
+<file path=ppt/slides/slide9.xml><?xml version="1.0" encoding="utf-8"?>
+<p:sld xmlns:a="http://schemas.openxmlformats.org/drawingml/2006/main" xmlns:r="http://schemas.openxmlformats.org/officeDocument/2006/relationships" xmlns:p="http://schemas.openxmlformats.org/presentationml/2006/main">
+  <p:cSld>
+    <p:spTree>
+      <p:nvGrpSpPr>
+        <p:cNvPr id="1" name=""/>
+        <p:cNvGrpSpPr/>
+        <p:nvPr/>
+      </p:nvGrpSpPr>
+      <p:grpSpPr>
+        <a:xfrm>
+          <a:off x="0" y="0"/>
+          <a:ext cx="0" cy="0"/>
+          <a:chOff x="0" y="0"/>
+          <a:chExt cx="0" cy="0"/>
+        </a:xfrm>
+      </p:grpSpPr>
+      <p:sp>
+        <p:nvSpPr>
+          <p:cNvPr id="4" name="Rechteck 3"/>
+          <p:cNvSpPr/>
+          <p:nvPr/>
+        </p:nvSpPr>
+        <p:spPr>
+          <a:xfrm>
+            <a:off x="57664" y="57665"/>
+            <a:ext cx="12068433" cy="6738552"/>
+          </a:xfrm>
+          <a:prstGeom prst="rect">
+            <a:avLst/>
+          </a:prstGeom>
+          <a:solidFill>
+            <a:schemeClr val="bg1">
+              <a:lumMod val="95000"/>
+            </a:schemeClr>
+          </a:solidFill>
+          <a:ln w="76200">
+            <a:solidFill>
+              <a:schemeClr val="accent6">
+                <a:lumMod val="60000"/>
+                <a:lumOff val="40000"/>
+              </a:schemeClr>
+            </a:solidFill>
+          </a:ln>
+        </p:spPr>
+        <p:style>
+          <a:lnRef idx="2">
+            <a:schemeClr val="accent1">
+              <a:shade val="50000"/>
+            </a:schemeClr>
+          </a:lnRef>
+          <a:fillRef idx="1">
+            <a:schemeClr val="accent1"/>
+          </a:fillRef>
+          <a:effectRef idx="0">
+            <a:schemeClr val="accent1"/>
+          </a:effectRef>
+          <a:fontRef idx="minor">
+            <a:schemeClr val="lt1"/>
+          </a:fontRef>
+        </p:style>
+        <p:txBody>
+          <a:bodyPr rtlCol="0" anchor="ctr"/>
+          <a:lstStyle/>
+          <a:p>
+            <a:pPr algn="ctr"/>
+            <a:endParaRPr lang="de-CH" sz="9600" dirty="0">
+              <a:solidFill>
+                <a:schemeClr val="tx1"/>
+              </a:solidFill>
+              <a:latin typeface="Montserrat Medium" panose="00000600000000000000" pitchFamily="2" charset="0"/>
+            </a:endParaRPr>
+          </a:p>
+        </p:txBody>
+      </p:sp>
+      <p:pic>
+        <p:nvPicPr>
+          <p:cNvPr id="2" name="Grafik 1"/>
+          <p:cNvPicPr>
+            <a:picLocks noChangeAspect="1"/>
+          </p:cNvPicPr>
+          <p:nvPr/>
+        </p:nvPicPr>
+        <p:blipFill>
+          <a:blip r:embed="rId3" cstate="print">
+            <a:extLst>
+              <a:ext uri="{28A0092B-C50C-407E-A947-70E740481C1C}">
+                <a14:useLocalDpi xmlns:a14="http://schemas.microsoft.com/office/drawing/2010/main" val="0"/>
+              </a:ext>
+            </a:extLst>
+          </a:blip>
+          <a:stretch>
+            <a:fillRect/>
+          </a:stretch>
+        </p:blipFill>
+        <p:spPr>
+          <a:xfrm>
+            <a:off x="3490525" y="2037574"/>
+            <a:ext cx="4878000" cy="4103950"/>
+          </a:xfrm>
+          <a:prstGeom prst="rect">
+            <a:avLst/>
+          </a:prstGeom>
+        </p:spPr>
+      </p:pic>
+      <p:sp>
+        <p:nvSpPr>
+          <p:cNvPr id="5" name="Rechteck 4"/>
+          <p:cNvSpPr/>
+          <p:nvPr/>
+        </p:nvSpPr>
+        <p:spPr>
+          <a:xfrm>
+            <a:off x="152401" y="112644"/>
+            <a:ext cx="11880574" cy="6407426"/>
+          </a:xfrm>
+          <a:prstGeom prst="rect">
+            <a:avLst/>
+          </a:prstGeom>
+          <a:solidFill>
+            <a:srgbClr val="F2F2F2">
+              <a:alpha val="60000"/>
+            </a:srgbClr>
+          </a:solidFill>
+          <a:ln w="76200">
+            <a:noFill/>
+          </a:ln>
+        </p:spPr>
+        <p:style>
+          <a:lnRef idx="2">
+            <a:schemeClr val="accent1">
+              <a:shade val="50000"/>
+            </a:schemeClr>
+          </a:lnRef>
+          <a:fillRef idx="1">
+            <a:schemeClr val="accent1"/>
+          </a:fillRef>
+          <a:effectRef idx="0">
+            <a:schemeClr val="accent1"/>
+          </a:effectRef>
+          <a:fontRef idx="minor">
+            <a:schemeClr val="lt1"/>
+          </a:fontRef>
+        </p:style>
+        <p:txBody>
+          <a:bodyPr rtlCol="0" anchor="t"/>
+          <a:lstStyle/>
+          <a:p>
+            <a:pPr algn="ctr"/>
+            <a:r>
+              <a:rPr lang="de-CH" sz="11000" dirty="0">
+                <a:solidFill>
+                  <a:schemeClr val="tx1"/>
+                </a:solidFill>
+                <a:latin typeface="Montserrat Medium" panose="00000600000000000000" pitchFamily="2" charset="0"/>
+              </a:rPr>
+              <a:t>Micro Market</a:t>
+            </a:r>
+          </a:p>
+        </p:txBody>
+      </p:sp>
+    </p:spTree>
+    <p:extLst>
+      <p:ext uri="{BB962C8B-B14F-4D97-AF65-F5344CB8AC3E}">
+        <p14:creationId xmlns:p14="http://schemas.microsoft.com/office/powerpoint/2010/main" val="1238770038"/>
       </p:ext>
     </p:extLst>
   </p:cSld>

--- a/images/stickyNotes.pptx
+++ b/images/stickyNotes.pptx
@@ -5,7 +5,7 @@
     <p:sldMasterId id="2147483648" r:id="rId1"/>
   </p:sldMasterIdLst>
   <p:notesMasterIdLst>
-    <p:notesMasterId r:id="rId114"/>
+    <p:notesMasterId r:id="rId139"/>
   </p:notesMasterIdLst>
   <p:sldIdLst>
     <p:sldId id="267" r:id="rId2"/>
@@ -116,10 +116,35 @@
     <p:sldId id="369" r:id="rId107"/>
     <p:sldId id="260" r:id="rId108"/>
     <p:sldId id="370" r:id="rId109"/>
-    <p:sldId id="371" r:id="rId110"/>
-    <p:sldId id="372" r:id="rId111"/>
-    <p:sldId id="265" r:id="rId112"/>
-    <p:sldId id="266" r:id="rId113"/>
+    <p:sldId id="373" r:id="rId110"/>
+    <p:sldId id="374" r:id="rId111"/>
+    <p:sldId id="375" r:id="rId112"/>
+    <p:sldId id="376" r:id="rId113"/>
+    <p:sldId id="377" r:id="rId114"/>
+    <p:sldId id="378" r:id="rId115"/>
+    <p:sldId id="379" r:id="rId116"/>
+    <p:sldId id="380" r:id="rId117"/>
+    <p:sldId id="381" r:id="rId118"/>
+    <p:sldId id="382" r:id="rId119"/>
+    <p:sldId id="383" r:id="rId120"/>
+    <p:sldId id="384" r:id="rId121"/>
+    <p:sldId id="385" r:id="rId122"/>
+    <p:sldId id="371" r:id="rId123"/>
+    <p:sldId id="372" r:id="rId124"/>
+    <p:sldId id="265" r:id="rId125"/>
+    <p:sldId id="399" r:id="rId126"/>
+    <p:sldId id="400" r:id="rId127"/>
+    <p:sldId id="401" r:id="rId128"/>
+    <p:sldId id="387" r:id="rId129"/>
+    <p:sldId id="388" r:id="rId130"/>
+    <p:sldId id="389" r:id="rId131"/>
+    <p:sldId id="390" r:id="rId132"/>
+    <p:sldId id="391" r:id="rId133"/>
+    <p:sldId id="392" r:id="rId134"/>
+    <p:sldId id="393" r:id="rId135"/>
+    <p:sldId id="394" r:id="rId136"/>
+    <p:sldId id="397" r:id="rId137"/>
+    <p:sldId id="398" r:id="rId138"/>
   </p:sldIdLst>
   <p:sldSz cx="12192000" cy="6858000"/>
   <p:notesSz cx="6858000" cy="9144000"/>
@@ -219,6 +244,191 @@
     </a:lvl9pPr>
   </p:defaultTextStyle>
   <p:extLst>
+    <p:ext uri="{521415D9-36F7-43E2-AB2F-B90AF26B5E84}">
+      <p14:sectionLst xmlns:p14="http://schemas.microsoft.com/office/powerpoint/2010/main">
+        <p14:section name="Set-up Information" id="{08E5CE50-1127-4230-A5FD-DBDB7AAE19A9}">
+          <p14:sldIdLst>
+            <p14:sldId id="267"/>
+            <p14:sldId id="268"/>
+            <p14:sldId id="270"/>
+            <p14:sldId id="271"/>
+            <p14:sldId id="272"/>
+            <p14:sldId id="273"/>
+            <p14:sldId id="274"/>
+            <p14:sldId id="286"/>
+            <p14:sldId id="287"/>
+          </p14:sldIdLst>
+        </p14:section>
+        <p14:section name="Value Propositions" id="{94221680-93A4-4949-B0ED-708DB00FF143}">
+          <p14:sldIdLst>
+            <p14:sldId id="257"/>
+            <p14:sldId id="288"/>
+            <p14:sldId id="291"/>
+            <p14:sldId id="304"/>
+            <p14:sldId id="305"/>
+            <p14:sldId id="306"/>
+            <p14:sldId id="307"/>
+            <p14:sldId id="308"/>
+            <p14:sldId id="309"/>
+            <p14:sldId id="310"/>
+            <p14:sldId id="311"/>
+            <p14:sldId id="312"/>
+            <p14:sldId id="313"/>
+            <p14:sldId id="314"/>
+            <p14:sldId id="315"/>
+            <p14:sldId id="316"/>
+            <p14:sldId id="317"/>
+            <p14:sldId id="289"/>
+            <p14:sldId id="290"/>
+            <p14:sldId id="292"/>
+            <p14:sldId id="293"/>
+            <p14:sldId id="294"/>
+            <p14:sldId id="295"/>
+            <p14:sldId id="296"/>
+            <p14:sldId id="297"/>
+            <p14:sldId id="298"/>
+            <p14:sldId id="299"/>
+            <p14:sldId id="300"/>
+            <p14:sldId id="301"/>
+            <p14:sldId id="302"/>
+            <p14:sldId id="303"/>
+          </p14:sldIdLst>
+        </p14:section>
+        <p14:section name="Customer Segments" id="{68289076-40F9-4712-92BD-150D8E4AB6B9}">
+          <p14:sldIdLst>
+            <p14:sldId id="261"/>
+            <p14:sldId id="278"/>
+            <p14:sldId id="279"/>
+            <p14:sldId id="280"/>
+            <p14:sldId id="281"/>
+            <p14:sldId id="282"/>
+            <p14:sldId id="283"/>
+            <p14:sldId id="285"/>
+            <p14:sldId id="275"/>
+          </p14:sldIdLst>
+        </p14:section>
+        <p14:section name="Customer Relationships" id="{B94530E6-9B9A-4C48-ACA3-76014774FB2A}">
+          <p14:sldIdLst>
+            <p14:sldId id="258"/>
+            <p14:sldId id="332"/>
+            <p14:sldId id="335"/>
+            <p14:sldId id="336"/>
+            <p14:sldId id="337"/>
+            <p14:sldId id="338"/>
+            <p14:sldId id="339"/>
+            <p14:sldId id="340"/>
+            <p14:sldId id="341"/>
+            <p14:sldId id="342"/>
+            <p14:sldId id="343"/>
+            <p14:sldId id="333"/>
+            <p14:sldId id="334"/>
+            <p14:sldId id="344"/>
+            <p14:sldId id="345"/>
+            <p14:sldId id="346"/>
+            <p14:sldId id="347"/>
+            <p14:sldId id="348"/>
+            <p14:sldId id="349"/>
+          </p14:sldIdLst>
+        </p14:section>
+        <p14:section name="Channels" id="{B6D00715-07C1-4358-A417-B283E7121397}">
+          <p14:sldIdLst>
+            <p14:sldId id="262"/>
+            <p14:sldId id="318"/>
+            <p14:sldId id="320"/>
+            <p14:sldId id="322"/>
+            <p14:sldId id="323"/>
+            <p14:sldId id="324"/>
+            <p14:sldId id="325"/>
+            <p14:sldId id="326"/>
+            <p14:sldId id="327"/>
+            <p14:sldId id="319"/>
+            <p14:sldId id="321"/>
+            <p14:sldId id="328"/>
+            <p14:sldId id="329"/>
+            <p14:sldId id="330"/>
+            <p14:sldId id="331"/>
+          </p14:sldIdLst>
+        </p14:section>
+        <p14:section name="Key Partners" id="{5EF2589D-654E-4C12-9EB4-78661382FBAA}">
+          <p14:sldIdLst>
+            <p14:sldId id="256"/>
+            <p14:sldId id="350"/>
+            <p14:sldId id="354"/>
+            <p14:sldId id="351"/>
+            <p14:sldId id="355"/>
+            <p14:sldId id="352"/>
+            <p14:sldId id="356"/>
+            <p14:sldId id="353"/>
+            <p14:sldId id="357"/>
+          </p14:sldIdLst>
+        </p14:section>
+        <p14:section name="Key Activities" id="{789E029B-966F-4CEB-A89D-8A41A3E04D7B}">
+          <p14:sldIdLst>
+            <p14:sldId id="264"/>
+            <p14:sldId id="358"/>
+            <p14:sldId id="360"/>
+            <p14:sldId id="359"/>
+            <p14:sldId id="361"/>
+          </p14:sldIdLst>
+        </p14:section>
+        <p14:section name="Key Resources" id="{B64C75E1-F6F1-4C13-8756-5870C657A00F}">
+          <p14:sldIdLst>
+            <p14:sldId id="263"/>
+            <p14:sldId id="362"/>
+            <p14:sldId id="366"/>
+            <p14:sldId id="363"/>
+            <p14:sldId id="367"/>
+            <p14:sldId id="364"/>
+            <p14:sldId id="368"/>
+            <p14:sldId id="365"/>
+            <p14:sldId id="369"/>
+          </p14:sldIdLst>
+        </p14:section>
+        <p14:section name="Revenue Streams" id="{5532E301-5009-44CE-9903-3F91710E4D55}">
+          <p14:sldIdLst>
+            <p14:sldId id="260"/>
+            <p14:sldId id="370"/>
+            <p14:sldId id="373"/>
+            <p14:sldId id="374"/>
+            <p14:sldId id="375"/>
+            <p14:sldId id="376"/>
+            <p14:sldId id="377"/>
+            <p14:sldId id="378"/>
+            <p14:sldId id="379"/>
+            <p14:sldId id="380"/>
+            <p14:sldId id="381"/>
+            <p14:sldId id="382"/>
+            <p14:sldId id="383"/>
+            <p14:sldId id="384"/>
+            <p14:sldId id="385"/>
+            <p14:sldId id="371"/>
+            <p14:sldId id="372"/>
+          </p14:sldIdLst>
+        </p14:section>
+        <p14:section name="Cost Structure" id="{F7CB7C03-8896-455C-B303-DF1B3E15A186}">
+          <p14:sldIdLst>
+            <p14:sldId id="265"/>
+            <p14:sldId id="399"/>
+            <p14:sldId id="400"/>
+            <p14:sldId id="401"/>
+          </p14:sldIdLst>
+        </p14:section>
+        <p14:section name="Old" id="{4C31B813-D443-48AF-975A-6CC1F76CFF46}">
+          <p14:sldIdLst>
+            <p14:sldId id="387"/>
+            <p14:sldId id="388"/>
+            <p14:sldId id="389"/>
+            <p14:sldId id="390"/>
+            <p14:sldId id="391"/>
+            <p14:sldId id="392"/>
+            <p14:sldId id="393"/>
+            <p14:sldId id="394"/>
+            <p14:sldId id="397"/>
+            <p14:sldId id="398"/>
+          </p14:sldIdLst>
+        </p14:section>
+      </p14:sectionLst>
+    </p:ext>
     <p:ext uri="{EFAFB233-063F-42B5-8137-9DF3F51BA10A}">
       <p15:sldGuideLst xmlns:p15="http://schemas.microsoft.com/office/powerpoint/2012/main"/>
     </p:ext>
@@ -308,7 +518,7 @@
           <a:p>
             <a:fld id="{EC75A01B-47F4-4A72-B313-CDCBEB24B9AA}" type="datetimeFigureOut">
               <a:rPr lang="de-CH" smtClean="0"/>
-              <a:t>25.02.2020</a:t>
+              <a:t>26.02.2020</a:t>
             </a:fld>
             <a:endParaRPr lang="de-CH"/>
           </a:p>
@@ -1702,7 +1912,7 @@
     </p:spTree>
     <p:extLst>
       <p:ext uri="{BB962C8B-B14F-4D97-AF65-F5344CB8AC3E}">
-        <p14:creationId xmlns:p14="http://schemas.microsoft.com/office/powerpoint/2010/main" val="3601589275"/>
+        <p14:creationId xmlns:p14="http://schemas.microsoft.com/office/powerpoint/2010/main" val="1613936032"/>
       </p:ext>
     </p:extLst>
   </p:cSld>
@@ -1894,7 +2104,7 @@
     </p:spTree>
     <p:extLst>
       <p:ext uri="{BB962C8B-B14F-4D97-AF65-F5344CB8AC3E}">
-        <p14:creationId xmlns:p14="http://schemas.microsoft.com/office/powerpoint/2010/main" val="381151137"/>
+        <p14:creationId xmlns:p14="http://schemas.microsoft.com/office/powerpoint/2010/main" val="1504687167"/>
       </p:ext>
     </p:extLst>
   </p:cSld>
@@ -1948,35 +2158,27 @@
           <a:bodyPr/>
           <a:lstStyle/>
           <a:p>
-            <a:r>
-              <a:rPr lang="de-CH" dirty="0" err="1"/>
-              <a:t>Cost</a:t>
-            </a:r>
-            <a:r>
-              <a:rPr lang="de-CH" baseline="0" dirty="0"/>
-              <a:t> </a:t>
-            </a:r>
-            <a:r>
-              <a:rPr lang="de-CH" baseline="0" dirty="0" err="1"/>
-              <a:t>Structure</a:t>
-            </a:r>
-            <a:r>
-              <a:rPr lang="de-CH" baseline="0" dirty="0"/>
-              <a:t> – </a:t>
-            </a:r>
-            <a:r>
-              <a:rPr lang="de-CH" baseline="0" dirty="0" err="1"/>
-              <a:t>fixed</a:t>
-            </a:r>
-            <a:r>
-              <a:rPr lang="de-CH" baseline="0" dirty="0"/>
-              <a:t> </a:t>
-            </a:r>
-            <a:r>
-              <a:rPr lang="de-CH" baseline="0" dirty="0" err="1"/>
-              <a:t>Costs</a:t>
-            </a:r>
-            <a:endParaRPr lang="de-CH" dirty="0"/>
+            <a:pPr marL="0" marR="0" lvl="0" indent="0" algn="l" defTabSz="914400" rtl="0" eaLnBrk="1" fontAlgn="auto" latinLnBrk="0" hangingPunct="1">
+              <a:lnSpc>
+                <a:spcPct val="100000"/>
+              </a:lnSpc>
+              <a:spcBef>
+                <a:spcPts val="0"/>
+              </a:spcBef>
+              <a:spcAft>
+                <a:spcPts val="0"/>
+              </a:spcAft>
+              <a:buClrTx/>
+              <a:buSzTx/>
+              <a:buFontTx/>
+              <a:buNone/>
+              <a:tabLst/>
+              <a:defRPr/>
+            </a:pPr>
+            <a:r>
+              <a:rPr lang="de-CH" dirty="0"/>
+              <a:t>Revenue Streams</a:t>
+            </a:r>
           </a:p>
         </p:txBody>
       </p:sp>
@@ -2006,7 +2208,7 @@
     </p:spTree>
     <p:extLst>
       <p:ext uri="{BB962C8B-B14F-4D97-AF65-F5344CB8AC3E}">
-        <p14:creationId xmlns:p14="http://schemas.microsoft.com/office/powerpoint/2010/main" val="308482155"/>
+        <p14:creationId xmlns:p14="http://schemas.microsoft.com/office/powerpoint/2010/main" val="1530866364"/>
       </p:ext>
     </p:extLst>
   </p:cSld>
@@ -2060,27 +2262,27 @@
           <a:bodyPr/>
           <a:lstStyle/>
           <a:p>
-            <a:r>
-              <a:rPr lang="de-CH" dirty="0" err="1"/>
-              <a:t>Cost</a:t>
-            </a:r>
-            <a:r>
-              <a:rPr lang="de-CH" baseline="0" dirty="0"/>
-              <a:t> </a:t>
-            </a:r>
-            <a:r>
-              <a:rPr lang="de-CH" baseline="0" dirty="0" err="1"/>
-              <a:t>Structure</a:t>
-            </a:r>
-            <a:r>
-              <a:rPr lang="de-CH" baseline="0" dirty="0"/>
-              <a:t> – Variable </a:t>
-            </a:r>
-            <a:r>
-              <a:rPr lang="de-CH" baseline="0" dirty="0" err="1"/>
-              <a:t>Costs</a:t>
-            </a:r>
-            <a:endParaRPr lang="de-CH" dirty="0"/>
+            <a:pPr marL="0" marR="0" lvl="0" indent="0" algn="l" defTabSz="914400" rtl="0" eaLnBrk="1" fontAlgn="auto" latinLnBrk="0" hangingPunct="1">
+              <a:lnSpc>
+                <a:spcPct val="100000"/>
+              </a:lnSpc>
+              <a:spcBef>
+                <a:spcPts val="0"/>
+              </a:spcBef>
+              <a:spcAft>
+                <a:spcPts val="0"/>
+              </a:spcAft>
+              <a:buClrTx/>
+              <a:buSzTx/>
+              <a:buFontTx/>
+              <a:buNone/>
+              <a:tabLst/>
+              <a:defRPr/>
+            </a:pPr>
+            <a:r>
+              <a:rPr lang="de-CH" dirty="0"/>
+              <a:t>Revenue Streams</a:t>
+            </a:r>
           </a:p>
         </p:txBody>
       </p:sp>
@@ -2110,7 +2312,735 @@
     </p:spTree>
     <p:extLst>
       <p:ext uri="{BB962C8B-B14F-4D97-AF65-F5344CB8AC3E}">
-        <p14:creationId xmlns:p14="http://schemas.microsoft.com/office/powerpoint/2010/main" val="3385933860"/>
+        <p14:creationId xmlns:p14="http://schemas.microsoft.com/office/powerpoint/2010/main" val="4281942822"/>
+      </p:ext>
+    </p:extLst>
+  </p:cSld>
+  <p:clrMapOvr>
+    <a:masterClrMapping/>
+  </p:clrMapOvr>
+</p:notes>
+</file>
+
+<file path=ppt/notesSlides/notesSlide113.xml><?xml version="1.0" encoding="utf-8"?>
+<p:notes xmlns:a="http://schemas.openxmlformats.org/drawingml/2006/main" xmlns:r="http://schemas.openxmlformats.org/officeDocument/2006/relationships" xmlns:p="http://schemas.openxmlformats.org/presentationml/2006/main">
+  <p:cSld>
+    <p:spTree>
+      <p:nvGrpSpPr>
+        <p:cNvPr id="1" name=""/>
+        <p:cNvGrpSpPr/>
+        <p:nvPr/>
+      </p:nvGrpSpPr>
+      <p:grpSpPr>
+        <a:xfrm>
+          <a:off x="0" y="0"/>
+          <a:ext cx="0" cy="0"/>
+          <a:chOff x="0" y="0"/>
+          <a:chExt cx="0" cy="0"/>
+        </a:xfrm>
+      </p:grpSpPr>
+      <p:sp>
+        <p:nvSpPr>
+          <p:cNvPr id="2" name="Folienbildplatzhalter 1"/>
+          <p:cNvSpPr>
+            <a:spLocks noGrp="1" noRot="1" noChangeAspect="1"/>
+          </p:cNvSpPr>
+          <p:nvPr>
+            <p:ph type="sldImg"/>
+          </p:nvPr>
+        </p:nvSpPr>
+        <p:spPr/>
+      </p:sp>
+      <p:sp>
+        <p:nvSpPr>
+          <p:cNvPr id="3" name="Notizenplatzhalter 2"/>
+          <p:cNvSpPr>
+            <a:spLocks noGrp="1"/>
+          </p:cNvSpPr>
+          <p:nvPr>
+            <p:ph type="body" idx="1"/>
+          </p:nvPr>
+        </p:nvSpPr>
+        <p:spPr/>
+        <p:txBody>
+          <a:bodyPr/>
+          <a:lstStyle/>
+          <a:p>
+            <a:pPr marL="0" marR="0" lvl="0" indent="0" algn="l" defTabSz="914400" rtl="0" eaLnBrk="1" fontAlgn="auto" latinLnBrk="0" hangingPunct="1">
+              <a:lnSpc>
+                <a:spcPct val="100000"/>
+              </a:lnSpc>
+              <a:spcBef>
+                <a:spcPts val="0"/>
+              </a:spcBef>
+              <a:spcAft>
+                <a:spcPts val="0"/>
+              </a:spcAft>
+              <a:buClrTx/>
+              <a:buSzTx/>
+              <a:buFontTx/>
+              <a:buNone/>
+              <a:tabLst/>
+              <a:defRPr/>
+            </a:pPr>
+            <a:r>
+              <a:rPr lang="de-CH" dirty="0"/>
+              <a:t>Revenue Streams</a:t>
+            </a:r>
+          </a:p>
+        </p:txBody>
+      </p:sp>
+      <p:sp>
+        <p:nvSpPr>
+          <p:cNvPr id="4" name="Foliennummernplatzhalter 3"/>
+          <p:cNvSpPr>
+            <a:spLocks noGrp="1"/>
+          </p:cNvSpPr>
+          <p:nvPr>
+            <p:ph type="sldNum" sz="quarter" idx="10"/>
+          </p:nvPr>
+        </p:nvSpPr>
+        <p:spPr/>
+        <p:txBody>
+          <a:bodyPr/>
+          <a:lstStyle/>
+          <a:p>
+            <a:fld id="{4881369C-B37E-416F-A200-175D84A25902}" type="slidenum">
+              <a:rPr lang="de-CH" smtClean="0"/>
+              <a:t>113</a:t>
+            </a:fld>
+            <a:endParaRPr lang="de-CH"/>
+          </a:p>
+        </p:txBody>
+      </p:sp>
+    </p:spTree>
+    <p:extLst>
+      <p:ext uri="{BB962C8B-B14F-4D97-AF65-F5344CB8AC3E}">
+        <p14:creationId xmlns:p14="http://schemas.microsoft.com/office/powerpoint/2010/main" val="3870126321"/>
+      </p:ext>
+    </p:extLst>
+  </p:cSld>
+  <p:clrMapOvr>
+    <a:masterClrMapping/>
+  </p:clrMapOvr>
+</p:notes>
+</file>
+
+<file path=ppt/notesSlides/notesSlide114.xml><?xml version="1.0" encoding="utf-8"?>
+<p:notes xmlns:a="http://schemas.openxmlformats.org/drawingml/2006/main" xmlns:r="http://schemas.openxmlformats.org/officeDocument/2006/relationships" xmlns:p="http://schemas.openxmlformats.org/presentationml/2006/main">
+  <p:cSld>
+    <p:spTree>
+      <p:nvGrpSpPr>
+        <p:cNvPr id="1" name=""/>
+        <p:cNvGrpSpPr/>
+        <p:nvPr/>
+      </p:nvGrpSpPr>
+      <p:grpSpPr>
+        <a:xfrm>
+          <a:off x="0" y="0"/>
+          <a:ext cx="0" cy="0"/>
+          <a:chOff x="0" y="0"/>
+          <a:chExt cx="0" cy="0"/>
+        </a:xfrm>
+      </p:grpSpPr>
+      <p:sp>
+        <p:nvSpPr>
+          <p:cNvPr id="2" name="Folienbildplatzhalter 1"/>
+          <p:cNvSpPr>
+            <a:spLocks noGrp="1" noRot="1" noChangeAspect="1"/>
+          </p:cNvSpPr>
+          <p:nvPr>
+            <p:ph type="sldImg"/>
+          </p:nvPr>
+        </p:nvSpPr>
+        <p:spPr/>
+      </p:sp>
+      <p:sp>
+        <p:nvSpPr>
+          <p:cNvPr id="3" name="Notizenplatzhalter 2"/>
+          <p:cNvSpPr>
+            <a:spLocks noGrp="1"/>
+          </p:cNvSpPr>
+          <p:nvPr>
+            <p:ph type="body" idx="1"/>
+          </p:nvPr>
+        </p:nvSpPr>
+        <p:spPr/>
+        <p:txBody>
+          <a:bodyPr/>
+          <a:lstStyle/>
+          <a:p>
+            <a:pPr marL="0" marR="0" lvl="0" indent="0" algn="l" defTabSz="914400" rtl="0" eaLnBrk="1" fontAlgn="auto" latinLnBrk="0" hangingPunct="1">
+              <a:lnSpc>
+                <a:spcPct val="100000"/>
+              </a:lnSpc>
+              <a:spcBef>
+                <a:spcPts val="0"/>
+              </a:spcBef>
+              <a:spcAft>
+                <a:spcPts val="0"/>
+              </a:spcAft>
+              <a:buClrTx/>
+              <a:buSzTx/>
+              <a:buFontTx/>
+              <a:buNone/>
+              <a:tabLst/>
+              <a:defRPr/>
+            </a:pPr>
+            <a:r>
+              <a:rPr lang="de-CH" dirty="0"/>
+              <a:t>Revenue Streams</a:t>
+            </a:r>
+          </a:p>
+        </p:txBody>
+      </p:sp>
+      <p:sp>
+        <p:nvSpPr>
+          <p:cNvPr id="4" name="Foliennummernplatzhalter 3"/>
+          <p:cNvSpPr>
+            <a:spLocks noGrp="1"/>
+          </p:cNvSpPr>
+          <p:nvPr>
+            <p:ph type="sldNum" sz="quarter" idx="10"/>
+          </p:nvPr>
+        </p:nvSpPr>
+        <p:spPr/>
+        <p:txBody>
+          <a:bodyPr/>
+          <a:lstStyle/>
+          <a:p>
+            <a:fld id="{4881369C-B37E-416F-A200-175D84A25902}" type="slidenum">
+              <a:rPr lang="de-CH" smtClean="0"/>
+              <a:t>114</a:t>
+            </a:fld>
+            <a:endParaRPr lang="de-CH"/>
+          </a:p>
+        </p:txBody>
+      </p:sp>
+    </p:spTree>
+    <p:extLst>
+      <p:ext uri="{BB962C8B-B14F-4D97-AF65-F5344CB8AC3E}">
+        <p14:creationId xmlns:p14="http://schemas.microsoft.com/office/powerpoint/2010/main" val="2597961932"/>
+      </p:ext>
+    </p:extLst>
+  </p:cSld>
+  <p:clrMapOvr>
+    <a:masterClrMapping/>
+  </p:clrMapOvr>
+</p:notes>
+</file>
+
+<file path=ppt/notesSlides/notesSlide115.xml><?xml version="1.0" encoding="utf-8"?>
+<p:notes xmlns:a="http://schemas.openxmlformats.org/drawingml/2006/main" xmlns:r="http://schemas.openxmlformats.org/officeDocument/2006/relationships" xmlns:p="http://schemas.openxmlformats.org/presentationml/2006/main">
+  <p:cSld>
+    <p:spTree>
+      <p:nvGrpSpPr>
+        <p:cNvPr id="1" name=""/>
+        <p:cNvGrpSpPr/>
+        <p:nvPr/>
+      </p:nvGrpSpPr>
+      <p:grpSpPr>
+        <a:xfrm>
+          <a:off x="0" y="0"/>
+          <a:ext cx="0" cy="0"/>
+          <a:chOff x="0" y="0"/>
+          <a:chExt cx="0" cy="0"/>
+        </a:xfrm>
+      </p:grpSpPr>
+      <p:sp>
+        <p:nvSpPr>
+          <p:cNvPr id="2" name="Folienbildplatzhalter 1"/>
+          <p:cNvSpPr>
+            <a:spLocks noGrp="1" noRot="1" noChangeAspect="1"/>
+          </p:cNvSpPr>
+          <p:nvPr>
+            <p:ph type="sldImg"/>
+          </p:nvPr>
+        </p:nvSpPr>
+        <p:spPr/>
+      </p:sp>
+      <p:sp>
+        <p:nvSpPr>
+          <p:cNvPr id="3" name="Notizenplatzhalter 2"/>
+          <p:cNvSpPr>
+            <a:spLocks noGrp="1"/>
+          </p:cNvSpPr>
+          <p:nvPr>
+            <p:ph type="body" idx="1"/>
+          </p:nvPr>
+        </p:nvSpPr>
+        <p:spPr/>
+        <p:txBody>
+          <a:bodyPr/>
+          <a:lstStyle/>
+          <a:p>
+            <a:pPr marL="0" marR="0" lvl="0" indent="0" algn="l" defTabSz="914400" rtl="0" eaLnBrk="1" fontAlgn="auto" latinLnBrk="0" hangingPunct="1">
+              <a:lnSpc>
+                <a:spcPct val="100000"/>
+              </a:lnSpc>
+              <a:spcBef>
+                <a:spcPts val="0"/>
+              </a:spcBef>
+              <a:spcAft>
+                <a:spcPts val="0"/>
+              </a:spcAft>
+              <a:buClrTx/>
+              <a:buSzTx/>
+              <a:buFontTx/>
+              <a:buNone/>
+              <a:tabLst/>
+              <a:defRPr/>
+            </a:pPr>
+            <a:r>
+              <a:rPr lang="de-CH" dirty="0"/>
+              <a:t>Revenue Streams</a:t>
+            </a:r>
+          </a:p>
+        </p:txBody>
+      </p:sp>
+      <p:sp>
+        <p:nvSpPr>
+          <p:cNvPr id="4" name="Foliennummernplatzhalter 3"/>
+          <p:cNvSpPr>
+            <a:spLocks noGrp="1"/>
+          </p:cNvSpPr>
+          <p:nvPr>
+            <p:ph type="sldNum" sz="quarter" idx="10"/>
+          </p:nvPr>
+        </p:nvSpPr>
+        <p:spPr/>
+        <p:txBody>
+          <a:bodyPr/>
+          <a:lstStyle/>
+          <a:p>
+            <a:fld id="{4881369C-B37E-416F-A200-175D84A25902}" type="slidenum">
+              <a:rPr lang="de-CH" smtClean="0"/>
+              <a:t>115</a:t>
+            </a:fld>
+            <a:endParaRPr lang="de-CH"/>
+          </a:p>
+        </p:txBody>
+      </p:sp>
+    </p:spTree>
+    <p:extLst>
+      <p:ext uri="{BB962C8B-B14F-4D97-AF65-F5344CB8AC3E}">
+        <p14:creationId xmlns:p14="http://schemas.microsoft.com/office/powerpoint/2010/main" val="1949987833"/>
+      </p:ext>
+    </p:extLst>
+  </p:cSld>
+  <p:clrMapOvr>
+    <a:masterClrMapping/>
+  </p:clrMapOvr>
+</p:notes>
+</file>
+
+<file path=ppt/notesSlides/notesSlide116.xml><?xml version="1.0" encoding="utf-8"?>
+<p:notes xmlns:a="http://schemas.openxmlformats.org/drawingml/2006/main" xmlns:r="http://schemas.openxmlformats.org/officeDocument/2006/relationships" xmlns:p="http://schemas.openxmlformats.org/presentationml/2006/main">
+  <p:cSld>
+    <p:spTree>
+      <p:nvGrpSpPr>
+        <p:cNvPr id="1" name=""/>
+        <p:cNvGrpSpPr/>
+        <p:nvPr/>
+      </p:nvGrpSpPr>
+      <p:grpSpPr>
+        <a:xfrm>
+          <a:off x="0" y="0"/>
+          <a:ext cx="0" cy="0"/>
+          <a:chOff x="0" y="0"/>
+          <a:chExt cx="0" cy="0"/>
+        </a:xfrm>
+      </p:grpSpPr>
+      <p:sp>
+        <p:nvSpPr>
+          <p:cNvPr id="2" name="Folienbildplatzhalter 1"/>
+          <p:cNvSpPr>
+            <a:spLocks noGrp="1" noRot="1" noChangeAspect="1"/>
+          </p:cNvSpPr>
+          <p:nvPr>
+            <p:ph type="sldImg"/>
+          </p:nvPr>
+        </p:nvSpPr>
+        <p:spPr/>
+      </p:sp>
+      <p:sp>
+        <p:nvSpPr>
+          <p:cNvPr id="3" name="Notizenplatzhalter 2"/>
+          <p:cNvSpPr>
+            <a:spLocks noGrp="1"/>
+          </p:cNvSpPr>
+          <p:nvPr>
+            <p:ph type="body" idx="1"/>
+          </p:nvPr>
+        </p:nvSpPr>
+        <p:spPr/>
+        <p:txBody>
+          <a:bodyPr/>
+          <a:lstStyle/>
+          <a:p>
+            <a:pPr marL="0" marR="0" lvl="0" indent="0" algn="l" defTabSz="914400" rtl="0" eaLnBrk="1" fontAlgn="auto" latinLnBrk="0" hangingPunct="1">
+              <a:lnSpc>
+                <a:spcPct val="100000"/>
+              </a:lnSpc>
+              <a:spcBef>
+                <a:spcPts val="0"/>
+              </a:spcBef>
+              <a:spcAft>
+                <a:spcPts val="0"/>
+              </a:spcAft>
+              <a:buClrTx/>
+              <a:buSzTx/>
+              <a:buFontTx/>
+              <a:buNone/>
+              <a:tabLst/>
+              <a:defRPr/>
+            </a:pPr>
+            <a:r>
+              <a:rPr lang="de-CH" dirty="0"/>
+              <a:t>Revenue Streams</a:t>
+            </a:r>
+          </a:p>
+        </p:txBody>
+      </p:sp>
+      <p:sp>
+        <p:nvSpPr>
+          <p:cNvPr id="4" name="Foliennummernplatzhalter 3"/>
+          <p:cNvSpPr>
+            <a:spLocks noGrp="1"/>
+          </p:cNvSpPr>
+          <p:nvPr>
+            <p:ph type="sldNum" sz="quarter" idx="10"/>
+          </p:nvPr>
+        </p:nvSpPr>
+        <p:spPr/>
+        <p:txBody>
+          <a:bodyPr/>
+          <a:lstStyle/>
+          <a:p>
+            <a:fld id="{4881369C-B37E-416F-A200-175D84A25902}" type="slidenum">
+              <a:rPr lang="de-CH" smtClean="0"/>
+              <a:t>116</a:t>
+            </a:fld>
+            <a:endParaRPr lang="de-CH"/>
+          </a:p>
+        </p:txBody>
+      </p:sp>
+    </p:spTree>
+    <p:extLst>
+      <p:ext uri="{BB962C8B-B14F-4D97-AF65-F5344CB8AC3E}">
+        <p14:creationId xmlns:p14="http://schemas.microsoft.com/office/powerpoint/2010/main" val="764574119"/>
+      </p:ext>
+    </p:extLst>
+  </p:cSld>
+  <p:clrMapOvr>
+    <a:masterClrMapping/>
+  </p:clrMapOvr>
+</p:notes>
+</file>
+
+<file path=ppt/notesSlides/notesSlide117.xml><?xml version="1.0" encoding="utf-8"?>
+<p:notes xmlns:a="http://schemas.openxmlformats.org/drawingml/2006/main" xmlns:r="http://schemas.openxmlformats.org/officeDocument/2006/relationships" xmlns:p="http://schemas.openxmlformats.org/presentationml/2006/main">
+  <p:cSld>
+    <p:spTree>
+      <p:nvGrpSpPr>
+        <p:cNvPr id="1" name=""/>
+        <p:cNvGrpSpPr/>
+        <p:nvPr/>
+      </p:nvGrpSpPr>
+      <p:grpSpPr>
+        <a:xfrm>
+          <a:off x="0" y="0"/>
+          <a:ext cx="0" cy="0"/>
+          <a:chOff x="0" y="0"/>
+          <a:chExt cx="0" cy="0"/>
+        </a:xfrm>
+      </p:grpSpPr>
+      <p:sp>
+        <p:nvSpPr>
+          <p:cNvPr id="2" name="Folienbildplatzhalter 1"/>
+          <p:cNvSpPr>
+            <a:spLocks noGrp="1" noRot="1" noChangeAspect="1"/>
+          </p:cNvSpPr>
+          <p:nvPr>
+            <p:ph type="sldImg"/>
+          </p:nvPr>
+        </p:nvSpPr>
+        <p:spPr/>
+      </p:sp>
+      <p:sp>
+        <p:nvSpPr>
+          <p:cNvPr id="3" name="Notizenplatzhalter 2"/>
+          <p:cNvSpPr>
+            <a:spLocks noGrp="1"/>
+          </p:cNvSpPr>
+          <p:nvPr>
+            <p:ph type="body" idx="1"/>
+          </p:nvPr>
+        </p:nvSpPr>
+        <p:spPr/>
+        <p:txBody>
+          <a:bodyPr/>
+          <a:lstStyle/>
+          <a:p>
+            <a:pPr marL="0" marR="0" lvl="0" indent="0" algn="l" defTabSz="914400" rtl="0" eaLnBrk="1" fontAlgn="auto" latinLnBrk="0" hangingPunct="1">
+              <a:lnSpc>
+                <a:spcPct val="100000"/>
+              </a:lnSpc>
+              <a:spcBef>
+                <a:spcPts val="0"/>
+              </a:spcBef>
+              <a:spcAft>
+                <a:spcPts val="0"/>
+              </a:spcAft>
+              <a:buClrTx/>
+              <a:buSzTx/>
+              <a:buFontTx/>
+              <a:buNone/>
+              <a:tabLst/>
+              <a:defRPr/>
+            </a:pPr>
+            <a:r>
+              <a:rPr lang="de-CH" dirty="0"/>
+              <a:t>Revenue Streams</a:t>
+            </a:r>
+          </a:p>
+        </p:txBody>
+      </p:sp>
+      <p:sp>
+        <p:nvSpPr>
+          <p:cNvPr id="4" name="Foliennummernplatzhalter 3"/>
+          <p:cNvSpPr>
+            <a:spLocks noGrp="1"/>
+          </p:cNvSpPr>
+          <p:nvPr>
+            <p:ph type="sldNum" sz="quarter" idx="10"/>
+          </p:nvPr>
+        </p:nvSpPr>
+        <p:spPr/>
+        <p:txBody>
+          <a:bodyPr/>
+          <a:lstStyle/>
+          <a:p>
+            <a:fld id="{4881369C-B37E-416F-A200-175D84A25902}" type="slidenum">
+              <a:rPr lang="de-CH" smtClean="0"/>
+              <a:t>117</a:t>
+            </a:fld>
+            <a:endParaRPr lang="de-CH"/>
+          </a:p>
+        </p:txBody>
+      </p:sp>
+    </p:spTree>
+    <p:extLst>
+      <p:ext uri="{BB962C8B-B14F-4D97-AF65-F5344CB8AC3E}">
+        <p14:creationId xmlns:p14="http://schemas.microsoft.com/office/powerpoint/2010/main" val="747481603"/>
+      </p:ext>
+    </p:extLst>
+  </p:cSld>
+  <p:clrMapOvr>
+    <a:masterClrMapping/>
+  </p:clrMapOvr>
+</p:notes>
+</file>
+
+<file path=ppt/notesSlides/notesSlide118.xml><?xml version="1.0" encoding="utf-8"?>
+<p:notes xmlns:a="http://schemas.openxmlformats.org/drawingml/2006/main" xmlns:r="http://schemas.openxmlformats.org/officeDocument/2006/relationships" xmlns:p="http://schemas.openxmlformats.org/presentationml/2006/main">
+  <p:cSld>
+    <p:spTree>
+      <p:nvGrpSpPr>
+        <p:cNvPr id="1" name=""/>
+        <p:cNvGrpSpPr/>
+        <p:nvPr/>
+      </p:nvGrpSpPr>
+      <p:grpSpPr>
+        <a:xfrm>
+          <a:off x="0" y="0"/>
+          <a:ext cx="0" cy="0"/>
+          <a:chOff x="0" y="0"/>
+          <a:chExt cx="0" cy="0"/>
+        </a:xfrm>
+      </p:grpSpPr>
+      <p:sp>
+        <p:nvSpPr>
+          <p:cNvPr id="2" name="Folienbildplatzhalter 1"/>
+          <p:cNvSpPr>
+            <a:spLocks noGrp="1" noRot="1" noChangeAspect="1"/>
+          </p:cNvSpPr>
+          <p:nvPr>
+            <p:ph type="sldImg"/>
+          </p:nvPr>
+        </p:nvSpPr>
+        <p:spPr/>
+      </p:sp>
+      <p:sp>
+        <p:nvSpPr>
+          <p:cNvPr id="3" name="Notizenplatzhalter 2"/>
+          <p:cNvSpPr>
+            <a:spLocks noGrp="1"/>
+          </p:cNvSpPr>
+          <p:nvPr>
+            <p:ph type="body" idx="1"/>
+          </p:nvPr>
+        </p:nvSpPr>
+        <p:spPr/>
+        <p:txBody>
+          <a:bodyPr/>
+          <a:lstStyle/>
+          <a:p>
+            <a:pPr marL="0" marR="0" lvl="0" indent="0" algn="l" defTabSz="914400" rtl="0" eaLnBrk="1" fontAlgn="auto" latinLnBrk="0" hangingPunct="1">
+              <a:lnSpc>
+                <a:spcPct val="100000"/>
+              </a:lnSpc>
+              <a:spcBef>
+                <a:spcPts val="0"/>
+              </a:spcBef>
+              <a:spcAft>
+                <a:spcPts val="0"/>
+              </a:spcAft>
+              <a:buClrTx/>
+              <a:buSzTx/>
+              <a:buFontTx/>
+              <a:buNone/>
+              <a:tabLst/>
+              <a:defRPr/>
+            </a:pPr>
+            <a:r>
+              <a:rPr lang="de-CH" dirty="0"/>
+              <a:t>Revenue Streams</a:t>
+            </a:r>
+          </a:p>
+        </p:txBody>
+      </p:sp>
+      <p:sp>
+        <p:nvSpPr>
+          <p:cNvPr id="4" name="Foliennummernplatzhalter 3"/>
+          <p:cNvSpPr>
+            <a:spLocks noGrp="1"/>
+          </p:cNvSpPr>
+          <p:nvPr>
+            <p:ph type="sldNum" sz="quarter" idx="10"/>
+          </p:nvPr>
+        </p:nvSpPr>
+        <p:spPr/>
+        <p:txBody>
+          <a:bodyPr/>
+          <a:lstStyle/>
+          <a:p>
+            <a:fld id="{4881369C-B37E-416F-A200-175D84A25902}" type="slidenum">
+              <a:rPr lang="de-CH" smtClean="0"/>
+              <a:t>118</a:t>
+            </a:fld>
+            <a:endParaRPr lang="de-CH"/>
+          </a:p>
+        </p:txBody>
+      </p:sp>
+    </p:spTree>
+    <p:extLst>
+      <p:ext uri="{BB962C8B-B14F-4D97-AF65-F5344CB8AC3E}">
+        <p14:creationId xmlns:p14="http://schemas.microsoft.com/office/powerpoint/2010/main" val="625744172"/>
+      </p:ext>
+    </p:extLst>
+  </p:cSld>
+  <p:clrMapOvr>
+    <a:masterClrMapping/>
+  </p:clrMapOvr>
+</p:notes>
+</file>
+
+<file path=ppt/notesSlides/notesSlide119.xml><?xml version="1.0" encoding="utf-8"?>
+<p:notes xmlns:a="http://schemas.openxmlformats.org/drawingml/2006/main" xmlns:r="http://schemas.openxmlformats.org/officeDocument/2006/relationships" xmlns:p="http://schemas.openxmlformats.org/presentationml/2006/main">
+  <p:cSld>
+    <p:spTree>
+      <p:nvGrpSpPr>
+        <p:cNvPr id="1" name=""/>
+        <p:cNvGrpSpPr/>
+        <p:nvPr/>
+      </p:nvGrpSpPr>
+      <p:grpSpPr>
+        <a:xfrm>
+          <a:off x="0" y="0"/>
+          <a:ext cx="0" cy="0"/>
+          <a:chOff x="0" y="0"/>
+          <a:chExt cx="0" cy="0"/>
+        </a:xfrm>
+      </p:grpSpPr>
+      <p:sp>
+        <p:nvSpPr>
+          <p:cNvPr id="2" name="Folienbildplatzhalter 1"/>
+          <p:cNvSpPr>
+            <a:spLocks noGrp="1" noRot="1" noChangeAspect="1"/>
+          </p:cNvSpPr>
+          <p:nvPr>
+            <p:ph type="sldImg"/>
+          </p:nvPr>
+        </p:nvSpPr>
+        <p:spPr/>
+      </p:sp>
+      <p:sp>
+        <p:nvSpPr>
+          <p:cNvPr id="3" name="Notizenplatzhalter 2"/>
+          <p:cNvSpPr>
+            <a:spLocks noGrp="1"/>
+          </p:cNvSpPr>
+          <p:nvPr>
+            <p:ph type="body" idx="1"/>
+          </p:nvPr>
+        </p:nvSpPr>
+        <p:spPr/>
+        <p:txBody>
+          <a:bodyPr/>
+          <a:lstStyle/>
+          <a:p>
+            <a:pPr marL="0" marR="0" lvl="0" indent="0" algn="l" defTabSz="914400" rtl="0" eaLnBrk="1" fontAlgn="auto" latinLnBrk="0" hangingPunct="1">
+              <a:lnSpc>
+                <a:spcPct val="100000"/>
+              </a:lnSpc>
+              <a:spcBef>
+                <a:spcPts val="0"/>
+              </a:spcBef>
+              <a:spcAft>
+                <a:spcPts val="0"/>
+              </a:spcAft>
+              <a:buClrTx/>
+              <a:buSzTx/>
+              <a:buFontTx/>
+              <a:buNone/>
+              <a:tabLst/>
+              <a:defRPr/>
+            </a:pPr>
+            <a:r>
+              <a:rPr lang="de-CH" dirty="0"/>
+              <a:t>Revenue Streams</a:t>
+            </a:r>
+          </a:p>
+        </p:txBody>
+      </p:sp>
+      <p:sp>
+        <p:nvSpPr>
+          <p:cNvPr id="4" name="Foliennummernplatzhalter 3"/>
+          <p:cNvSpPr>
+            <a:spLocks noGrp="1"/>
+          </p:cNvSpPr>
+          <p:nvPr>
+            <p:ph type="sldNum" sz="quarter" idx="10"/>
+          </p:nvPr>
+        </p:nvSpPr>
+        <p:spPr/>
+        <p:txBody>
+          <a:bodyPr/>
+          <a:lstStyle/>
+          <a:p>
+            <a:fld id="{4881369C-B37E-416F-A200-175D84A25902}" type="slidenum">
+              <a:rPr lang="de-CH" smtClean="0"/>
+              <a:t>119</a:t>
+            </a:fld>
+            <a:endParaRPr lang="de-CH"/>
+          </a:p>
+        </p:txBody>
+      </p:sp>
+    </p:spTree>
+    <p:extLst>
+      <p:ext uri="{BB962C8B-B14F-4D97-AF65-F5344CB8AC3E}">
+        <p14:creationId xmlns:p14="http://schemas.microsoft.com/office/powerpoint/2010/main" val="1019948339"/>
       </p:ext>
     </p:extLst>
   </p:cSld>
@@ -2208,6 +3138,1078 @@
 </p:notes>
 </file>
 
+<file path=ppt/notesSlides/notesSlide120.xml><?xml version="1.0" encoding="utf-8"?>
+<p:notes xmlns:a="http://schemas.openxmlformats.org/drawingml/2006/main" xmlns:r="http://schemas.openxmlformats.org/officeDocument/2006/relationships" xmlns:p="http://schemas.openxmlformats.org/presentationml/2006/main">
+  <p:cSld>
+    <p:spTree>
+      <p:nvGrpSpPr>
+        <p:cNvPr id="1" name=""/>
+        <p:cNvGrpSpPr/>
+        <p:nvPr/>
+      </p:nvGrpSpPr>
+      <p:grpSpPr>
+        <a:xfrm>
+          <a:off x="0" y="0"/>
+          <a:ext cx="0" cy="0"/>
+          <a:chOff x="0" y="0"/>
+          <a:chExt cx="0" cy="0"/>
+        </a:xfrm>
+      </p:grpSpPr>
+      <p:sp>
+        <p:nvSpPr>
+          <p:cNvPr id="2" name="Folienbildplatzhalter 1"/>
+          <p:cNvSpPr>
+            <a:spLocks noGrp="1" noRot="1" noChangeAspect="1"/>
+          </p:cNvSpPr>
+          <p:nvPr>
+            <p:ph type="sldImg"/>
+          </p:nvPr>
+        </p:nvSpPr>
+        <p:spPr/>
+      </p:sp>
+      <p:sp>
+        <p:nvSpPr>
+          <p:cNvPr id="3" name="Notizenplatzhalter 2"/>
+          <p:cNvSpPr>
+            <a:spLocks noGrp="1"/>
+          </p:cNvSpPr>
+          <p:nvPr>
+            <p:ph type="body" idx="1"/>
+          </p:nvPr>
+        </p:nvSpPr>
+        <p:spPr/>
+        <p:txBody>
+          <a:bodyPr/>
+          <a:lstStyle/>
+          <a:p>
+            <a:pPr marL="0" marR="0" lvl="0" indent="0" algn="l" defTabSz="914400" rtl="0" eaLnBrk="1" fontAlgn="auto" latinLnBrk="0" hangingPunct="1">
+              <a:lnSpc>
+                <a:spcPct val="100000"/>
+              </a:lnSpc>
+              <a:spcBef>
+                <a:spcPts val="0"/>
+              </a:spcBef>
+              <a:spcAft>
+                <a:spcPts val="0"/>
+              </a:spcAft>
+              <a:buClrTx/>
+              <a:buSzTx/>
+              <a:buFontTx/>
+              <a:buNone/>
+              <a:tabLst/>
+              <a:defRPr/>
+            </a:pPr>
+            <a:r>
+              <a:rPr lang="de-CH" dirty="0"/>
+              <a:t>Revenue Streams</a:t>
+            </a:r>
+          </a:p>
+        </p:txBody>
+      </p:sp>
+      <p:sp>
+        <p:nvSpPr>
+          <p:cNvPr id="4" name="Foliennummernplatzhalter 3"/>
+          <p:cNvSpPr>
+            <a:spLocks noGrp="1"/>
+          </p:cNvSpPr>
+          <p:nvPr>
+            <p:ph type="sldNum" sz="quarter" idx="10"/>
+          </p:nvPr>
+        </p:nvSpPr>
+        <p:spPr/>
+        <p:txBody>
+          <a:bodyPr/>
+          <a:lstStyle/>
+          <a:p>
+            <a:fld id="{4881369C-B37E-416F-A200-175D84A25902}" type="slidenum">
+              <a:rPr lang="de-CH" smtClean="0"/>
+              <a:t>120</a:t>
+            </a:fld>
+            <a:endParaRPr lang="de-CH"/>
+          </a:p>
+        </p:txBody>
+      </p:sp>
+    </p:spTree>
+    <p:extLst>
+      <p:ext uri="{BB962C8B-B14F-4D97-AF65-F5344CB8AC3E}">
+        <p14:creationId xmlns:p14="http://schemas.microsoft.com/office/powerpoint/2010/main" val="2774869211"/>
+      </p:ext>
+    </p:extLst>
+  </p:cSld>
+  <p:clrMapOvr>
+    <a:masterClrMapping/>
+  </p:clrMapOvr>
+</p:notes>
+</file>
+
+<file path=ppt/notesSlides/notesSlide121.xml><?xml version="1.0" encoding="utf-8"?>
+<p:notes xmlns:a="http://schemas.openxmlformats.org/drawingml/2006/main" xmlns:r="http://schemas.openxmlformats.org/officeDocument/2006/relationships" xmlns:p="http://schemas.openxmlformats.org/presentationml/2006/main">
+  <p:cSld>
+    <p:spTree>
+      <p:nvGrpSpPr>
+        <p:cNvPr id="1" name=""/>
+        <p:cNvGrpSpPr/>
+        <p:nvPr/>
+      </p:nvGrpSpPr>
+      <p:grpSpPr>
+        <a:xfrm>
+          <a:off x="0" y="0"/>
+          <a:ext cx="0" cy="0"/>
+          <a:chOff x="0" y="0"/>
+          <a:chExt cx="0" cy="0"/>
+        </a:xfrm>
+      </p:grpSpPr>
+      <p:sp>
+        <p:nvSpPr>
+          <p:cNvPr id="2" name="Folienbildplatzhalter 1"/>
+          <p:cNvSpPr>
+            <a:spLocks noGrp="1" noRot="1" noChangeAspect="1"/>
+          </p:cNvSpPr>
+          <p:nvPr>
+            <p:ph type="sldImg"/>
+          </p:nvPr>
+        </p:nvSpPr>
+        <p:spPr/>
+      </p:sp>
+      <p:sp>
+        <p:nvSpPr>
+          <p:cNvPr id="3" name="Notizenplatzhalter 2"/>
+          <p:cNvSpPr>
+            <a:spLocks noGrp="1"/>
+          </p:cNvSpPr>
+          <p:nvPr>
+            <p:ph type="body" idx="1"/>
+          </p:nvPr>
+        </p:nvSpPr>
+        <p:spPr/>
+        <p:txBody>
+          <a:bodyPr/>
+          <a:lstStyle/>
+          <a:p>
+            <a:pPr marL="0" marR="0" lvl="0" indent="0" algn="l" defTabSz="914400" rtl="0" eaLnBrk="1" fontAlgn="auto" latinLnBrk="0" hangingPunct="1">
+              <a:lnSpc>
+                <a:spcPct val="100000"/>
+              </a:lnSpc>
+              <a:spcBef>
+                <a:spcPts val="0"/>
+              </a:spcBef>
+              <a:spcAft>
+                <a:spcPts val="0"/>
+              </a:spcAft>
+              <a:buClrTx/>
+              <a:buSzTx/>
+              <a:buFontTx/>
+              <a:buNone/>
+              <a:tabLst/>
+              <a:defRPr/>
+            </a:pPr>
+            <a:r>
+              <a:rPr lang="de-CH" dirty="0"/>
+              <a:t>Revenue Streams</a:t>
+            </a:r>
+          </a:p>
+        </p:txBody>
+      </p:sp>
+      <p:sp>
+        <p:nvSpPr>
+          <p:cNvPr id="4" name="Foliennummernplatzhalter 3"/>
+          <p:cNvSpPr>
+            <a:spLocks noGrp="1"/>
+          </p:cNvSpPr>
+          <p:nvPr>
+            <p:ph type="sldNum" sz="quarter" idx="10"/>
+          </p:nvPr>
+        </p:nvSpPr>
+        <p:spPr/>
+        <p:txBody>
+          <a:bodyPr/>
+          <a:lstStyle/>
+          <a:p>
+            <a:fld id="{4881369C-B37E-416F-A200-175D84A25902}" type="slidenum">
+              <a:rPr lang="de-CH" smtClean="0"/>
+              <a:t>121</a:t>
+            </a:fld>
+            <a:endParaRPr lang="de-CH"/>
+          </a:p>
+        </p:txBody>
+      </p:sp>
+    </p:spTree>
+    <p:extLst>
+      <p:ext uri="{BB962C8B-B14F-4D97-AF65-F5344CB8AC3E}">
+        <p14:creationId xmlns:p14="http://schemas.microsoft.com/office/powerpoint/2010/main" val="280395962"/>
+      </p:ext>
+    </p:extLst>
+  </p:cSld>
+  <p:clrMapOvr>
+    <a:masterClrMapping/>
+  </p:clrMapOvr>
+</p:notes>
+</file>
+
+<file path=ppt/notesSlides/notesSlide122.xml><?xml version="1.0" encoding="utf-8"?>
+<p:notes xmlns:a="http://schemas.openxmlformats.org/drawingml/2006/main" xmlns:r="http://schemas.openxmlformats.org/officeDocument/2006/relationships" xmlns:p="http://schemas.openxmlformats.org/presentationml/2006/main">
+  <p:cSld>
+    <p:spTree>
+      <p:nvGrpSpPr>
+        <p:cNvPr id="1" name=""/>
+        <p:cNvGrpSpPr/>
+        <p:nvPr/>
+      </p:nvGrpSpPr>
+      <p:grpSpPr>
+        <a:xfrm>
+          <a:off x="0" y="0"/>
+          <a:ext cx="0" cy="0"/>
+          <a:chOff x="0" y="0"/>
+          <a:chExt cx="0" cy="0"/>
+        </a:xfrm>
+      </p:grpSpPr>
+      <p:sp>
+        <p:nvSpPr>
+          <p:cNvPr id="2" name="Folienbildplatzhalter 1"/>
+          <p:cNvSpPr>
+            <a:spLocks noGrp="1" noRot="1" noChangeAspect="1"/>
+          </p:cNvSpPr>
+          <p:nvPr>
+            <p:ph type="sldImg"/>
+          </p:nvPr>
+        </p:nvSpPr>
+        <p:spPr/>
+      </p:sp>
+      <p:sp>
+        <p:nvSpPr>
+          <p:cNvPr id="3" name="Notizenplatzhalter 2"/>
+          <p:cNvSpPr>
+            <a:spLocks noGrp="1"/>
+          </p:cNvSpPr>
+          <p:nvPr>
+            <p:ph type="body" idx="1"/>
+          </p:nvPr>
+        </p:nvSpPr>
+        <p:spPr/>
+        <p:txBody>
+          <a:bodyPr/>
+          <a:lstStyle/>
+          <a:p>
+            <a:pPr marL="0" marR="0" lvl="0" indent="0" algn="l" defTabSz="914400" rtl="0" eaLnBrk="1" fontAlgn="auto" latinLnBrk="0" hangingPunct="1">
+              <a:lnSpc>
+                <a:spcPct val="100000"/>
+              </a:lnSpc>
+              <a:spcBef>
+                <a:spcPts val="0"/>
+              </a:spcBef>
+              <a:spcAft>
+                <a:spcPts val="0"/>
+              </a:spcAft>
+              <a:buClrTx/>
+              <a:buSzTx/>
+              <a:buFontTx/>
+              <a:buNone/>
+              <a:tabLst/>
+              <a:defRPr/>
+            </a:pPr>
+            <a:r>
+              <a:rPr lang="de-CH" dirty="0"/>
+              <a:t>Revenue Streams</a:t>
+            </a:r>
+          </a:p>
+        </p:txBody>
+      </p:sp>
+      <p:sp>
+        <p:nvSpPr>
+          <p:cNvPr id="4" name="Foliennummernplatzhalter 3"/>
+          <p:cNvSpPr>
+            <a:spLocks noGrp="1"/>
+          </p:cNvSpPr>
+          <p:nvPr>
+            <p:ph type="sldNum" sz="quarter" idx="10"/>
+          </p:nvPr>
+        </p:nvSpPr>
+        <p:spPr/>
+        <p:txBody>
+          <a:bodyPr/>
+          <a:lstStyle/>
+          <a:p>
+            <a:fld id="{4881369C-B37E-416F-A200-175D84A25902}" type="slidenum">
+              <a:rPr lang="de-CH" smtClean="0"/>
+              <a:t>122</a:t>
+            </a:fld>
+            <a:endParaRPr lang="de-CH"/>
+          </a:p>
+        </p:txBody>
+      </p:sp>
+    </p:spTree>
+    <p:extLst>
+      <p:ext uri="{BB962C8B-B14F-4D97-AF65-F5344CB8AC3E}">
+        <p14:creationId xmlns:p14="http://schemas.microsoft.com/office/powerpoint/2010/main" val="3601589275"/>
+      </p:ext>
+    </p:extLst>
+  </p:cSld>
+  <p:clrMapOvr>
+    <a:masterClrMapping/>
+  </p:clrMapOvr>
+</p:notes>
+</file>
+
+<file path=ppt/notesSlides/notesSlide123.xml><?xml version="1.0" encoding="utf-8"?>
+<p:notes xmlns:a="http://schemas.openxmlformats.org/drawingml/2006/main" xmlns:r="http://schemas.openxmlformats.org/officeDocument/2006/relationships" xmlns:p="http://schemas.openxmlformats.org/presentationml/2006/main">
+  <p:cSld>
+    <p:spTree>
+      <p:nvGrpSpPr>
+        <p:cNvPr id="1" name=""/>
+        <p:cNvGrpSpPr/>
+        <p:nvPr/>
+      </p:nvGrpSpPr>
+      <p:grpSpPr>
+        <a:xfrm>
+          <a:off x="0" y="0"/>
+          <a:ext cx="0" cy="0"/>
+          <a:chOff x="0" y="0"/>
+          <a:chExt cx="0" cy="0"/>
+        </a:xfrm>
+      </p:grpSpPr>
+      <p:sp>
+        <p:nvSpPr>
+          <p:cNvPr id="2" name="Folienbildplatzhalter 1"/>
+          <p:cNvSpPr>
+            <a:spLocks noGrp="1" noRot="1" noChangeAspect="1"/>
+          </p:cNvSpPr>
+          <p:nvPr>
+            <p:ph type="sldImg"/>
+          </p:nvPr>
+        </p:nvSpPr>
+        <p:spPr/>
+      </p:sp>
+      <p:sp>
+        <p:nvSpPr>
+          <p:cNvPr id="3" name="Notizenplatzhalter 2"/>
+          <p:cNvSpPr>
+            <a:spLocks noGrp="1"/>
+          </p:cNvSpPr>
+          <p:nvPr>
+            <p:ph type="body" idx="1"/>
+          </p:nvPr>
+        </p:nvSpPr>
+        <p:spPr/>
+        <p:txBody>
+          <a:bodyPr/>
+          <a:lstStyle/>
+          <a:p>
+            <a:pPr marL="0" marR="0" lvl="0" indent="0" algn="l" defTabSz="914400" rtl="0" eaLnBrk="1" fontAlgn="auto" latinLnBrk="0" hangingPunct="1">
+              <a:lnSpc>
+                <a:spcPct val="100000"/>
+              </a:lnSpc>
+              <a:spcBef>
+                <a:spcPts val="0"/>
+              </a:spcBef>
+              <a:spcAft>
+                <a:spcPts val="0"/>
+              </a:spcAft>
+              <a:buClrTx/>
+              <a:buSzTx/>
+              <a:buFontTx/>
+              <a:buNone/>
+              <a:tabLst/>
+              <a:defRPr/>
+            </a:pPr>
+            <a:r>
+              <a:rPr lang="de-CH" dirty="0"/>
+              <a:t>Revenue Streams</a:t>
+            </a:r>
+          </a:p>
+        </p:txBody>
+      </p:sp>
+      <p:sp>
+        <p:nvSpPr>
+          <p:cNvPr id="4" name="Foliennummernplatzhalter 3"/>
+          <p:cNvSpPr>
+            <a:spLocks noGrp="1"/>
+          </p:cNvSpPr>
+          <p:nvPr>
+            <p:ph type="sldNum" sz="quarter" idx="10"/>
+          </p:nvPr>
+        </p:nvSpPr>
+        <p:spPr/>
+        <p:txBody>
+          <a:bodyPr/>
+          <a:lstStyle/>
+          <a:p>
+            <a:fld id="{4881369C-B37E-416F-A200-175D84A25902}" type="slidenum">
+              <a:rPr lang="de-CH" smtClean="0"/>
+              <a:t>123</a:t>
+            </a:fld>
+            <a:endParaRPr lang="de-CH"/>
+          </a:p>
+        </p:txBody>
+      </p:sp>
+    </p:spTree>
+    <p:extLst>
+      <p:ext uri="{BB962C8B-B14F-4D97-AF65-F5344CB8AC3E}">
+        <p14:creationId xmlns:p14="http://schemas.microsoft.com/office/powerpoint/2010/main" val="381151137"/>
+      </p:ext>
+    </p:extLst>
+  </p:cSld>
+  <p:clrMapOvr>
+    <a:masterClrMapping/>
+  </p:clrMapOvr>
+</p:notes>
+</file>
+
+<file path=ppt/notesSlides/notesSlide124.xml><?xml version="1.0" encoding="utf-8"?>
+<p:notes xmlns:a="http://schemas.openxmlformats.org/drawingml/2006/main" xmlns:r="http://schemas.openxmlformats.org/officeDocument/2006/relationships" xmlns:p="http://schemas.openxmlformats.org/presentationml/2006/main">
+  <p:cSld>
+    <p:spTree>
+      <p:nvGrpSpPr>
+        <p:cNvPr id="1" name=""/>
+        <p:cNvGrpSpPr/>
+        <p:nvPr/>
+      </p:nvGrpSpPr>
+      <p:grpSpPr>
+        <a:xfrm>
+          <a:off x="0" y="0"/>
+          <a:ext cx="0" cy="0"/>
+          <a:chOff x="0" y="0"/>
+          <a:chExt cx="0" cy="0"/>
+        </a:xfrm>
+      </p:grpSpPr>
+      <p:sp>
+        <p:nvSpPr>
+          <p:cNvPr id="2" name="Folienbildplatzhalter 1"/>
+          <p:cNvSpPr>
+            <a:spLocks noGrp="1" noRot="1" noChangeAspect="1"/>
+          </p:cNvSpPr>
+          <p:nvPr>
+            <p:ph type="sldImg"/>
+          </p:nvPr>
+        </p:nvSpPr>
+        <p:spPr/>
+      </p:sp>
+      <p:sp>
+        <p:nvSpPr>
+          <p:cNvPr id="3" name="Notizenplatzhalter 2"/>
+          <p:cNvSpPr>
+            <a:spLocks noGrp="1"/>
+          </p:cNvSpPr>
+          <p:nvPr>
+            <p:ph type="body" idx="1"/>
+          </p:nvPr>
+        </p:nvSpPr>
+        <p:spPr/>
+        <p:txBody>
+          <a:bodyPr/>
+          <a:lstStyle/>
+          <a:p>
+            <a:r>
+              <a:rPr lang="de-CH" dirty="0" err="1"/>
+              <a:t>Cost</a:t>
+            </a:r>
+            <a:r>
+              <a:rPr lang="de-CH" baseline="0" dirty="0"/>
+              <a:t> </a:t>
+            </a:r>
+            <a:r>
+              <a:rPr lang="de-CH" baseline="0" dirty="0" err="1"/>
+              <a:t>Structure</a:t>
+            </a:r>
+            <a:r>
+              <a:rPr lang="de-CH" baseline="0" dirty="0"/>
+              <a:t> – </a:t>
+            </a:r>
+            <a:r>
+              <a:rPr lang="de-CH" baseline="0" dirty="0" err="1"/>
+              <a:t>fixed</a:t>
+            </a:r>
+            <a:r>
+              <a:rPr lang="de-CH" baseline="0" dirty="0"/>
+              <a:t> </a:t>
+            </a:r>
+            <a:r>
+              <a:rPr lang="de-CH" baseline="0" dirty="0" err="1"/>
+              <a:t>Costs</a:t>
+            </a:r>
+            <a:endParaRPr lang="de-CH" dirty="0"/>
+          </a:p>
+        </p:txBody>
+      </p:sp>
+      <p:sp>
+        <p:nvSpPr>
+          <p:cNvPr id="4" name="Foliennummernplatzhalter 3"/>
+          <p:cNvSpPr>
+            <a:spLocks noGrp="1"/>
+          </p:cNvSpPr>
+          <p:nvPr>
+            <p:ph type="sldNum" sz="quarter" idx="10"/>
+          </p:nvPr>
+        </p:nvSpPr>
+        <p:spPr/>
+        <p:txBody>
+          <a:bodyPr/>
+          <a:lstStyle/>
+          <a:p>
+            <a:fld id="{4881369C-B37E-416F-A200-175D84A25902}" type="slidenum">
+              <a:rPr lang="de-CH" smtClean="0"/>
+              <a:t>124</a:t>
+            </a:fld>
+            <a:endParaRPr lang="de-CH"/>
+          </a:p>
+        </p:txBody>
+      </p:sp>
+    </p:spTree>
+    <p:extLst>
+      <p:ext uri="{BB962C8B-B14F-4D97-AF65-F5344CB8AC3E}">
+        <p14:creationId xmlns:p14="http://schemas.microsoft.com/office/powerpoint/2010/main" val="308482155"/>
+      </p:ext>
+    </p:extLst>
+  </p:cSld>
+  <p:clrMapOvr>
+    <a:masterClrMapping/>
+  </p:clrMapOvr>
+</p:notes>
+</file>
+
+<file path=ppt/notesSlides/notesSlide125.xml><?xml version="1.0" encoding="utf-8"?>
+<p:notes xmlns:a="http://schemas.openxmlformats.org/drawingml/2006/main" xmlns:r="http://schemas.openxmlformats.org/officeDocument/2006/relationships" xmlns:p="http://schemas.openxmlformats.org/presentationml/2006/main">
+  <p:cSld>
+    <p:spTree>
+      <p:nvGrpSpPr>
+        <p:cNvPr id="1" name=""/>
+        <p:cNvGrpSpPr/>
+        <p:nvPr/>
+      </p:nvGrpSpPr>
+      <p:grpSpPr>
+        <a:xfrm>
+          <a:off x="0" y="0"/>
+          <a:ext cx="0" cy="0"/>
+          <a:chOff x="0" y="0"/>
+          <a:chExt cx="0" cy="0"/>
+        </a:xfrm>
+      </p:grpSpPr>
+      <p:sp>
+        <p:nvSpPr>
+          <p:cNvPr id="2" name="Folienbildplatzhalter 1"/>
+          <p:cNvSpPr>
+            <a:spLocks noGrp="1" noRot="1" noChangeAspect="1"/>
+          </p:cNvSpPr>
+          <p:nvPr>
+            <p:ph type="sldImg"/>
+          </p:nvPr>
+        </p:nvSpPr>
+        <p:spPr/>
+      </p:sp>
+      <p:sp>
+        <p:nvSpPr>
+          <p:cNvPr id="3" name="Notizenplatzhalter 2"/>
+          <p:cNvSpPr>
+            <a:spLocks noGrp="1"/>
+          </p:cNvSpPr>
+          <p:nvPr>
+            <p:ph type="body" idx="1"/>
+          </p:nvPr>
+        </p:nvSpPr>
+        <p:spPr/>
+        <p:txBody>
+          <a:bodyPr/>
+          <a:lstStyle/>
+          <a:p>
+            <a:r>
+              <a:rPr lang="de-CH" dirty="0" err="1"/>
+              <a:t>Cost</a:t>
+            </a:r>
+            <a:r>
+              <a:rPr lang="de-CH" baseline="0" dirty="0"/>
+              <a:t> </a:t>
+            </a:r>
+            <a:r>
+              <a:rPr lang="de-CH" baseline="0" dirty="0" err="1"/>
+              <a:t>Structure</a:t>
+            </a:r>
+            <a:r>
+              <a:rPr lang="de-CH" baseline="0" dirty="0"/>
+              <a:t> – </a:t>
+            </a:r>
+            <a:r>
+              <a:rPr lang="de-CH" baseline="0" dirty="0" err="1"/>
+              <a:t>fixed</a:t>
+            </a:r>
+            <a:r>
+              <a:rPr lang="de-CH" baseline="0" dirty="0"/>
+              <a:t> </a:t>
+            </a:r>
+            <a:r>
+              <a:rPr lang="de-CH" baseline="0" dirty="0" err="1"/>
+              <a:t>Costs</a:t>
+            </a:r>
+            <a:endParaRPr lang="de-CH" dirty="0"/>
+          </a:p>
+        </p:txBody>
+      </p:sp>
+      <p:sp>
+        <p:nvSpPr>
+          <p:cNvPr id="4" name="Foliennummernplatzhalter 3"/>
+          <p:cNvSpPr>
+            <a:spLocks noGrp="1"/>
+          </p:cNvSpPr>
+          <p:nvPr>
+            <p:ph type="sldNum" sz="quarter" idx="10"/>
+          </p:nvPr>
+        </p:nvSpPr>
+        <p:spPr/>
+        <p:txBody>
+          <a:bodyPr/>
+          <a:lstStyle/>
+          <a:p>
+            <a:fld id="{4881369C-B37E-416F-A200-175D84A25902}" type="slidenum">
+              <a:rPr lang="de-CH" smtClean="0"/>
+              <a:t>125</a:t>
+            </a:fld>
+            <a:endParaRPr lang="de-CH"/>
+          </a:p>
+        </p:txBody>
+      </p:sp>
+    </p:spTree>
+    <p:extLst>
+      <p:ext uri="{BB962C8B-B14F-4D97-AF65-F5344CB8AC3E}">
+        <p14:creationId xmlns:p14="http://schemas.microsoft.com/office/powerpoint/2010/main" val="125893501"/>
+      </p:ext>
+    </p:extLst>
+  </p:cSld>
+  <p:clrMapOvr>
+    <a:masterClrMapping/>
+  </p:clrMapOvr>
+</p:notes>
+</file>
+
+<file path=ppt/notesSlides/notesSlide126.xml><?xml version="1.0" encoding="utf-8"?>
+<p:notes xmlns:a="http://schemas.openxmlformats.org/drawingml/2006/main" xmlns:r="http://schemas.openxmlformats.org/officeDocument/2006/relationships" xmlns:p="http://schemas.openxmlformats.org/presentationml/2006/main">
+  <p:cSld>
+    <p:spTree>
+      <p:nvGrpSpPr>
+        <p:cNvPr id="1" name=""/>
+        <p:cNvGrpSpPr/>
+        <p:nvPr/>
+      </p:nvGrpSpPr>
+      <p:grpSpPr>
+        <a:xfrm>
+          <a:off x="0" y="0"/>
+          <a:ext cx="0" cy="0"/>
+          <a:chOff x="0" y="0"/>
+          <a:chExt cx="0" cy="0"/>
+        </a:xfrm>
+      </p:grpSpPr>
+      <p:sp>
+        <p:nvSpPr>
+          <p:cNvPr id="2" name="Folienbildplatzhalter 1"/>
+          <p:cNvSpPr>
+            <a:spLocks noGrp="1" noRot="1" noChangeAspect="1"/>
+          </p:cNvSpPr>
+          <p:nvPr>
+            <p:ph type="sldImg"/>
+          </p:nvPr>
+        </p:nvSpPr>
+        <p:spPr/>
+      </p:sp>
+      <p:sp>
+        <p:nvSpPr>
+          <p:cNvPr id="3" name="Notizenplatzhalter 2"/>
+          <p:cNvSpPr>
+            <a:spLocks noGrp="1"/>
+          </p:cNvSpPr>
+          <p:nvPr>
+            <p:ph type="body" idx="1"/>
+          </p:nvPr>
+        </p:nvSpPr>
+        <p:spPr/>
+        <p:txBody>
+          <a:bodyPr/>
+          <a:lstStyle/>
+          <a:p>
+            <a:r>
+              <a:rPr lang="de-CH" dirty="0" err="1"/>
+              <a:t>Cost</a:t>
+            </a:r>
+            <a:r>
+              <a:rPr lang="de-CH" baseline="0" dirty="0"/>
+              <a:t> </a:t>
+            </a:r>
+            <a:r>
+              <a:rPr lang="de-CH" baseline="0" dirty="0" err="1"/>
+              <a:t>Structure</a:t>
+            </a:r>
+            <a:r>
+              <a:rPr lang="de-CH" baseline="0" dirty="0"/>
+              <a:t> – </a:t>
+            </a:r>
+            <a:r>
+              <a:rPr lang="de-CH" baseline="0" dirty="0" err="1"/>
+              <a:t>fixed</a:t>
+            </a:r>
+            <a:r>
+              <a:rPr lang="de-CH" baseline="0" dirty="0"/>
+              <a:t> </a:t>
+            </a:r>
+            <a:r>
+              <a:rPr lang="de-CH" baseline="0" dirty="0" err="1"/>
+              <a:t>Costs</a:t>
+            </a:r>
+            <a:endParaRPr lang="de-CH" dirty="0"/>
+          </a:p>
+        </p:txBody>
+      </p:sp>
+      <p:sp>
+        <p:nvSpPr>
+          <p:cNvPr id="4" name="Foliennummernplatzhalter 3"/>
+          <p:cNvSpPr>
+            <a:spLocks noGrp="1"/>
+          </p:cNvSpPr>
+          <p:nvPr>
+            <p:ph type="sldNum" sz="quarter" idx="10"/>
+          </p:nvPr>
+        </p:nvSpPr>
+        <p:spPr/>
+        <p:txBody>
+          <a:bodyPr/>
+          <a:lstStyle/>
+          <a:p>
+            <a:fld id="{4881369C-B37E-416F-A200-175D84A25902}" type="slidenum">
+              <a:rPr lang="de-CH" smtClean="0"/>
+              <a:t>126</a:t>
+            </a:fld>
+            <a:endParaRPr lang="de-CH"/>
+          </a:p>
+        </p:txBody>
+      </p:sp>
+    </p:spTree>
+    <p:extLst>
+      <p:ext uri="{BB962C8B-B14F-4D97-AF65-F5344CB8AC3E}">
+        <p14:creationId xmlns:p14="http://schemas.microsoft.com/office/powerpoint/2010/main" val="1235905251"/>
+      </p:ext>
+    </p:extLst>
+  </p:cSld>
+  <p:clrMapOvr>
+    <a:masterClrMapping/>
+  </p:clrMapOvr>
+</p:notes>
+</file>
+
+<file path=ppt/notesSlides/notesSlide127.xml><?xml version="1.0" encoding="utf-8"?>
+<p:notes xmlns:a="http://schemas.openxmlformats.org/drawingml/2006/main" xmlns:r="http://schemas.openxmlformats.org/officeDocument/2006/relationships" xmlns:p="http://schemas.openxmlformats.org/presentationml/2006/main">
+  <p:cSld>
+    <p:spTree>
+      <p:nvGrpSpPr>
+        <p:cNvPr id="1" name=""/>
+        <p:cNvGrpSpPr/>
+        <p:nvPr/>
+      </p:nvGrpSpPr>
+      <p:grpSpPr>
+        <a:xfrm>
+          <a:off x="0" y="0"/>
+          <a:ext cx="0" cy="0"/>
+          <a:chOff x="0" y="0"/>
+          <a:chExt cx="0" cy="0"/>
+        </a:xfrm>
+      </p:grpSpPr>
+      <p:sp>
+        <p:nvSpPr>
+          <p:cNvPr id="2" name="Folienbildplatzhalter 1"/>
+          <p:cNvSpPr>
+            <a:spLocks noGrp="1" noRot="1" noChangeAspect="1"/>
+          </p:cNvSpPr>
+          <p:nvPr>
+            <p:ph type="sldImg"/>
+          </p:nvPr>
+        </p:nvSpPr>
+        <p:spPr/>
+      </p:sp>
+      <p:sp>
+        <p:nvSpPr>
+          <p:cNvPr id="3" name="Notizenplatzhalter 2"/>
+          <p:cNvSpPr>
+            <a:spLocks noGrp="1"/>
+          </p:cNvSpPr>
+          <p:nvPr>
+            <p:ph type="body" idx="1"/>
+          </p:nvPr>
+        </p:nvSpPr>
+        <p:spPr/>
+        <p:txBody>
+          <a:bodyPr/>
+          <a:lstStyle/>
+          <a:p>
+            <a:r>
+              <a:rPr lang="de-CH" dirty="0" err="1"/>
+              <a:t>Cost</a:t>
+            </a:r>
+            <a:r>
+              <a:rPr lang="de-CH" baseline="0" dirty="0"/>
+              <a:t> </a:t>
+            </a:r>
+            <a:r>
+              <a:rPr lang="de-CH" baseline="0" dirty="0" err="1"/>
+              <a:t>Structure</a:t>
+            </a:r>
+            <a:r>
+              <a:rPr lang="de-CH" baseline="0" dirty="0"/>
+              <a:t> – </a:t>
+            </a:r>
+            <a:r>
+              <a:rPr lang="de-CH" baseline="0" dirty="0" err="1"/>
+              <a:t>fixed</a:t>
+            </a:r>
+            <a:r>
+              <a:rPr lang="de-CH" baseline="0" dirty="0"/>
+              <a:t> </a:t>
+            </a:r>
+            <a:r>
+              <a:rPr lang="de-CH" baseline="0" dirty="0" err="1"/>
+              <a:t>Costs</a:t>
+            </a:r>
+            <a:endParaRPr lang="de-CH" dirty="0"/>
+          </a:p>
+        </p:txBody>
+      </p:sp>
+      <p:sp>
+        <p:nvSpPr>
+          <p:cNvPr id="4" name="Foliennummernplatzhalter 3"/>
+          <p:cNvSpPr>
+            <a:spLocks noGrp="1"/>
+          </p:cNvSpPr>
+          <p:nvPr>
+            <p:ph type="sldNum" sz="quarter" idx="10"/>
+          </p:nvPr>
+        </p:nvSpPr>
+        <p:spPr/>
+        <p:txBody>
+          <a:bodyPr/>
+          <a:lstStyle/>
+          <a:p>
+            <a:fld id="{4881369C-B37E-416F-A200-175D84A25902}" type="slidenum">
+              <a:rPr lang="de-CH" smtClean="0"/>
+              <a:t>127</a:t>
+            </a:fld>
+            <a:endParaRPr lang="de-CH"/>
+          </a:p>
+        </p:txBody>
+      </p:sp>
+    </p:spTree>
+    <p:extLst>
+      <p:ext uri="{BB962C8B-B14F-4D97-AF65-F5344CB8AC3E}">
+        <p14:creationId xmlns:p14="http://schemas.microsoft.com/office/powerpoint/2010/main" val="1862304795"/>
+      </p:ext>
+    </p:extLst>
+  </p:cSld>
+  <p:clrMapOvr>
+    <a:masterClrMapping/>
+  </p:clrMapOvr>
+</p:notes>
+</file>
+
+<file path=ppt/notesSlides/notesSlide128.xml><?xml version="1.0" encoding="utf-8"?>
+<p:notes xmlns:a="http://schemas.openxmlformats.org/drawingml/2006/main" xmlns:r="http://schemas.openxmlformats.org/officeDocument/2006/relationships" xmlns:p="http://schemas.openxmlformats.org/presentationml/2006/main">
+  <p:cSld>
+    <p:spTree>
+      <p:nvGrpSpPr>
+        <p:cNvPr id="1" name=""/>
+        <p:cNvGrpSpPr/>
+        <p:nvPr/>
+      </p:nvGrpSpPr>
+      <p:grpSpPr>
+        <a:xfrm>
+          <a:off x="0" y="0"/>
+          <a:ext cx="0" cy="0"/>
+          <a:chOff x="0" y="0"/>
+          <a:chExt cx="0" cy="0"/>
+        </a:xfrm>
+      </p:grpSpPr>
+      <p:sp>
+        <p:nvSpPr>
+          <p:cNvPr id="2" name="Folienbildplatzhalter 1"/>
+          <p:cNvSpPr>
+            <a:spLocks noGrp="1" noRot="1" noChangeAspect="1"/>
+          </p:cNvSpPr>
+          <p:nvPr>
+            <p:ph type="sldImg"/>
+          </p:nvPr>
+        </p:nvSpPr>
+        <p:spPr/>
+      </p:sp>
+      <p:sp>
+        <p:nvSpPr>
+          <p:cNvPr id="3" name="Notizenplatzhalter 2"/>
+          <p:cNvSpPr>
+            <a:spLocks noGrp="1"/>
+          </p:cNvSpPr>
+          <p:nvPr>
+            <p:ph type="body" idx="1"/>
+          </p:nvPr>
+        </p:nvSpPr>
+        <p:spPr/>
+        <p:txBody>
+          <a:bodyPr/>
+          <a:lstStyle/>
+          <a:p>
+            <a:pPr marL="0" marR="0" lvl="0" indent="0" algn="l" defTabSz="914400" rtl="0" eaLnBrk="1" fontAlgn="auto" latinLnBrk="0" hangingPunct="1">
+              <a:lnSpc>
+                <a:spcPct val="100000"/>
+              </a:lnSpc>
+              <a:spcBef>
+                <a:spcPts val="0"/>
+              </a:spcBef>
+              <a:spcAft>
+                <a:spcPts val="0"/>
+              </a:spcAft>
+              <a:buClrTx/>
+              <a:buSzTx/>
+              <a:buFontTx/>
+              <a:buNone/>
+              <a:tabLst/>
+              <a:defRPr/>
+            </a:pPr>
+            <a:r>
+              <a:rPr lang="de-CH" dirty="0"/>
+              <a:t>Customer Segments</a:t>
+            </a:r>
+          </a:p>
+        </p:txBody>
+      </p:sp>
+      <p:sp>
+        <p:nvSpPr>
+          <p:cNvPr id="4" name="Foliennummernplatzhalter 3"/>
+          <p:cNvSpPr>
+            <a:spLocks noGrp="1"/>
+          </p:cNvSpPr>
+          <p:nvPr>
+            <p:ph type="sldNum" sz="quarter" idx="10"/>
+          </p:nvPr>
+        </p:nvSpPr>
+        <p:spPr/>
+        <p:txBody>
+          <a:bodyPr/>
+          <a:lstStyle/>
+          <a:p>
+            <a:fld id="{4881369C-B37E-416F-A200-175D84A25902}" type="slidenum">
+              <a:rPr lang="de-CH" smtClean="0"/>
+              <a:t>128</a:t>
+            </a:fld>
+            <a:endParaRPr lang="de-CH"/>
+          </a:p>
+        </p:txBody>
+      </p:sp>
+    </p:spTree>
+    <p:extLst>
+      <p:ext uri="{BB962C8B-B14F-4D97-AF65-F5344CB8AC3E}">
+        <p14:creationId xmlns:p14="http://schemas.microsoft.com/office/powerpoint/2010/main" val="793168994"/>
+      </p:ext>
+    </p:extLst>
+  </p:cSld>
+  <p:clrMapOvr>
+    <a:masterClrMapping/>
+  </p:clrMapOvr>
+</p:notes>
+</file>
+
+<file path=ppt/notesSlides/notesSlide129.xml><?xml version="1.0" encoding="utf-8"?>
+<p:notes xmlns:a="http://schemas.openxmlformats.org/drawingml/2006/main" xmlns:r="http://schemas.openxmlformats.org/officeDocument/2006/relationships" xmlns:p="http://schemas.openxmlformats.org/presentationml/2006/main">
+  <p:cSld>
+    <p:spTree>
+      <p:nvGrpSpPr>
+        <p:cNvPr id="1" name=""/>
+        <p:cNvGrpSpPr/>
+        <p:nvPr/>
+      </p:nvGrpSpPr>
+      <p:grpSpPr>
+        <a:xfrm>
+          <a:off x="0" y="0"/>
+          <a:ext cx="0" cy="0"/>
+          <a:chOff x="0" y="0"/>
+          <a:chExt cx="0" cy="0"/>
+        </a:xfrm>
+      </p:grpSpPr>
+      <p:sp>
+        <p:nvSpPr>
+          <p:cNvPr id="2" name="Folienbildplatzhalter 1"/>
+          <p:cNvSpPr>
+            <a:spLocks noGrp="1" noRot="1" noChangeAspect="1"/>
+          </p:cNvSpPr>
+          <p:nvPr>
+            <p:ph type="sldImg"/>
+          </p:nvPr>
+        </p:nvSpPr>
+        <p:spPr/>
+      </p:sp>
+      <p:sp>
+        <p:nvSpPr>
+          <p:cNvPr id="3" name="Notizenplatzhalter 2"/>
+          <p:cNvSpPr>
+            <a:spLocks noGrp="1"/>
+          </p:cNvSpPr>
+          <p:nvPr>
+            <p:ph type="body" idx="1"/>
+          </p:nvPr>
+        </p:nvSpPr>
+        <p:spPr/>
+        <p:txBody>
+          <a:bodyPr/>
+          <a:lstStyle/>
+          <a:p>
+            <a:pPr marL="0" marR="0" lvl="0" indent="0" algn="l" defTabSz="914400" rtl="0" eaLnBrk="1" fontAlgn="auto" latinLnBrk="0" hangingPunct="1">
+              <a:lnSpc>
+                <a:spcPct val="100000"/>
+              </a:lnSpc>
+              <a:spcBef>
+                <a:spcPts val="0"/>
+              </a:spcBef>
+              <a:spcAft>
+                <a:spcPts val="0"/>
+              </a:spcAft>
+              <a:buClrTx/>
+              <a:buSzTx/>
+              <a:buFontTx/>
+              <a:buNone/>
+              <a:tabLst/>
+              <a:defRPr/>
+            </a:pPr>
+            <a:r>
+              <a:rPr lang="de-CH" dirty="0"/>
+              <a:t>Customer Segments</a:t>
+            </a:r>
+          </a:p>
+        </p:txBody>
+      </p:sp>
+      <p:sp>
+        <p:nvSpPr>
+          <p:cNvPr id="4" name="Foliennummernplatzhalter 3"/>
+          <p:cNvSpPr>
+            <a:spLocks noGrp="1"/>
+          </p:cNvSpPr>
+          <p:nvPr>
+            <p:ph type="sldNum" sz="quarter" idx="10"/>
+          </p:nvPr>
+        </p:nvSpPr>
+        <p:spPr/>
+        <p:txBody>
+          <a:bodyPr/>
+          <a:lstStyle/>
+          <a:p>
+            <a:fld id="{4881369C-B37E-416F-A200-175D84A25902}" type="slidenum">
+              <a:rPr lang="de-CH" smtClean="0"/>
+              <a:t>129</a:t>
+            </a:fld>
+            <a:endParaRPr lang="de-CH"/>
+          </a:p>
+        </p:txBody>
+      </p:sp>
+    </p:spTree>
+    <p:extLst>
+      <p:ext uri="{BB962C8B-B14F-4D97-AF65-F5344CB8AC3E}">
+        <p14:creationId xmlns:p14="http://schemas.microsoft.com/office/powerpoint/2010/main" val="645615579"/>
+      </p:ext>
+    </p:extLst>
+  </p:cSld>
+  <p:clrMapOvr>
+    <a:masterClrMapping/>
+  </p:clrMapOvr>
+</p:notes>
+</file>
+
 <file path=ppt/notesSlides/notesSlide13.xml><?xml version="1.0" encoding="utf-8"?>
 <p:notes xmlns:a="http://schemas.openxmlformats.org/drawingml/2006/main" xmlns:r="http://schemas.openxmlformats.org/officeDocument/2006/relationships" xmlns:p="http://schemas.openxmlformats.org/presentationml/2006/main">
   <p:cSld>
@@ -2287,6 +4289,846 @@
     <p:extLst>
       <p:ext uri="{BB962C8B-B14F-4D97-AF65-F5344CB8AC3E}">
         <p14:creationId xmlns:p14="http://schemas.microsoft.com/office/powerpoint/2010/main" val="357983319"/>
+      </p:ext>
+    </p:extLst>
+  </p:cSld>
+  <p:clrMapOvr>
+    <a:masterClrMapping/>
+  </p:clrMapOvr>
+</p:notes>
+</file>
+
+<file path=ppt/notesSlides/notesSlide130.xml><?xml version="1.0" encoding="utf-8"?>
+<p:notes xmlns:a="http://schemas.openxmlformats.org/drawingml/2006/main" xmlns:r="http://schemas.openxmlformats.org/officeDocument/2006/relationships" xmlns:p="http://schemas.openxmlformats.org/presentationml/2006/main">
+  <p:cSld>
+    <p:spTree>
+      <p:nvGrpSpPr>
+        <p:cNvPr id="1" name=""/>
+        <p:cNvGrpSpPr/>
+        <p:nvPr/>
+      </p:nvGrpSpPr>
+      <p:grpSpPr>
+        <a:xfrm>
+          <a:off x="0" y="0"/>
+          <a:ext cx="0" cy="0"/>
+          <a:chOff x="0" y="0"/>
+          <a:chExt cx="0" cy="0"/>
+        </a:xfrm>
+      </p:grpSpPr>
+      <p:sp>
+        <p:nvSpPr>
+          <p:cNvPr id="2" name="Folienbildplatzhalter 1"/>
+          <p:cNvSpPr>
+            <a:spLocks noGrp="1" noRot="1" noChangeAspect="1"/>
+          </p:cNvSpPr>
+          <p:nvPr>
+            <p:ph type="sldImg"/>
+          </p:nvPr>
+        </p:nvSpPr>
+        <p:spPr/>
+      </p:sp>
+      <p:sp>
+        <p:nvSpPr>
+          <p:cNvPr id="3" name="Notizenplatzhalter 2"/>
+          <p:cNvSpPr>
+            <a:spLocks noGrp="1"/>
+          </p:cNvSpPr>
+          <p:nvPr>
+            <p:ph type="body" idx="1"/>
+          </p:nvPr>
+        </p:nvSpPr>
+        <p:spPr/>
+        <p:txBody>
+          <a:bodyPr/>
+          <a:lstStyle/>
+          <a:p>
+            <a:pPr marL="0" marR="0" lvl="0" indent="0" algn="l" defTabSz="914400" rtl="0" eaLnBrk="1" fontAlgn="auto" latinLnBrk="0" hangingPunct="1">
+              <a:lnSpc>
+                <a:spcPct val="100000"/>
+              </a:lnSpc>
+              <a:spcBef>
+                <a:spcPts val="0"/>
+              </a:spcBef>
+              <a:spcAft>
+                <a:spcPts val="0"/>
+              </a:spcAft>
+              <a:buClrTx/>
+              <a:buSzTx/>
+              <a:buFontTx/>
+              <a:buNone/>
+              <a:tabLst/>
+              <a:defRPr/>
+            </a:pPr>
+            <a:r>
+              <a:rPr lang="de-CH" dirty="0"/>
+              <a:t>Customer Segments</a:t>
+            </a:r>
+          </a:p>
+        </p:txBody>
+      </p:sp>
+      <p:sp>
+        <p:nvSpPr>
+          <p:cNvPr id="4" name="Foliennummernplatzhalter 3"/>
+          <p:cNvSpPr>
+            <a:spLocks noGrp="1"/>
+          </p:cNvSpPr>
+          <p:nvPr>
+            <p:ph type="sldNum" sz="quarter" idx="10"/>
+          </p:nvPr>
+        </p:nvSpPr>
+        <p:spPr/>
+        <p:txBody>
+          <a:bodyPr/>
+          <a:lstStyle/>
+          <a:p>
+            <a:fld id="{4881369C-B37E-416F-A200-175D84A25902}" type="slidenum">
+              <a:rPr lang="de-CH" smtClean="0"/>
+              <a:t>130</a:t>
+            </a:fld>
+            <a:endParaRPr lang="de-CH"/>
+          </a:p>
+        </p:txBody>
+      </p:sp>
+    </p:spTree>
+    <p:extLst>
+      <p:ext uri="{BB962C8B-B14F-4D97-AF65-F5344CB8AC3E}">
+        <p14:creationId xmlns:p14="http://schemas.microsoft.com/office/powerpoint/2010/main" val="1637938505"/>
+      </p:ext>
+    </p:extLst>
+  </p:cSld>
+  <p:clrMapOvr>
+    <a:masterClrMapping/>
+  </p:clrMapOvr>
+</p:notes>
+</file>
+
+<file path=ppt/notesSlides/notesSlide131.xml><?xml version="1.0" encoding="utf-8"?>
+<p:notes xmlns:a="http://schemas.openxmlformats.org/drawingml/2006/main" xmlns:r="http://schemas.openxmlformats.org/officeDocument/2006/relationships" xmlns:p="http://schemas.openxmlformats.org/presentationml/2006/main">
+  <p:cSld>
+    <p:spTree>
+      <p:nvGrpSpPr>
+        <p:cNvPr id="1" name=""/>
+        <p:cNvGrpSpPr/>
+        <p:nvPr/>
+      </p:nvGrpSpPr>
+      <p:grpSpPr>
+        <a:xfrm>
+          <a:off x="0" y="0"/>
+          <a:ext cx="0" cy="0"/>
+          <a:chOff x="0" y="0"/>
+          <a:chExt cx="0" cy="0"/>
+        </a:xfrm>
+      </p:grpSpPr>
+      <p:sp>
+        <p:nvSpPr>
+          <p:cNvPr id="2" name="Folienbildplatzhalter 1"/>
+          <p:cNvSpPr>
+            <a:spLocks noGrp="1" noRot="1" noChangeAspect="1"/>
+          </p:cNvSpPr>
+          <p:nvPr>
+            <p:ph type="sldImg"/>
+          </p:nvPr>
+        </p:nvSpPr>
+        <p:spPr/>
+      </p:sp>
+      <p:sp>
+        <p:nvSpPr>
+          <p:cNvPr id="3" name="Notizenplatzhalter 2"/>
+          <p:cNvSpPr>
+            <a:spLocks noGrp="1"/>
+          </p:cNvSpPr>
+          <p:nvPr>
+            <p:ph type="body" idx="1"/>
+          </p:nvPr>
+        </p:nvSpPr>
+        <p:spPr/>
+        <p:txBody>
+          <a:bodyPr/>
+          <a:lstStyle/>
+          <a:p>
+            <a:pPr marL="0" marR="0" lvl="0" indent="0" algn="l" defTabSz="914400" rtl="0" eaLnBrk="1" fontAlgn="auto" latinLnBrk="0" hangingPunct="1">
+              <a:lnSpc>
+                <a:spcPct val="100000"/>
+              </a:lnSpc>
+              <a:spcBef>
+                <a:spcPts val="0"/>
+              </a:spcBef>
+              <a:spcAft>
+                <a:spcPts val="0"/>
+              </a:spcAft>
+              <a:buClrTx/>
+              <a:buSzTx/>
+              <a:buFontTx/>
+              <a:buNone/>
+              <a:tabLst/>
+              <a:defRPr/>
+            </a:pPr>
+            <a:r>
+              <a:rPr lang="de-CH" dirty="0"/>
+              <a:t>Customer Segments</a:t>
+            </a:r>
+          </a:p>
+        </p:txBody>
+      </p:sp>
+      <p:sp>
+        <p:nvSpPr>
+          <p:cNvPr id="4" name="Foliennummernplatzhalter 3"/>
+          <p:cNvSpPr>
+            <a:spLocks noGrp="1"/>
+          </p:cNvSpPr>
+          <p:nvPr>
+            <p:ph type="sldNum" sz="quarter" idx="10"/>
+          </p:nvPr>
+        </p:nvSpPr>
+        <p:spPr/>
+        <p:txBody>
+          <a:bodyPr/>
+          <a:lstStyle/>
+          <a:p>
+            <a:fld id="{4881369C-B37E-416F-A200-175D84A25902}" type="slidenum">
+              <a:rPr lang="de-CH" smtClean="0"/>
+              <a:t>131</a:t>
+            </a:fld>
+            <a:endParaRPr lang="de-CH"/>
+          </a:p>
+        </p:txBody>
+      </p:sp>
+    </p:spTree>
+    <p:extLst>
+      <p:ext uri="{BB962C8B-B14F-4D97-AF65-F5344CB8AC3E}">
+        <p14:creationId xmlns:p14="http://schemas.microsoft.com/office/powerpoint/2010/main" val="2274712012"/>
+      </p:ext>
+    </p:extLst>
+  </p:cSld>
+  <p:clrMapOvr>
+    <a:masterClrMapping/>
+  </p:clrMapOvr>
+</p:notes>
+</file>
+
+<file path=ppt/notesSlides/notesSlide132.xml><?xml version="1.0" encoding="utf-8"?>
+<p:notes xmlns:a="http://schemas.openxmlformats.org/drawingml/2006/main" xmlns:r="http://schemas.openxmlformats.org/officeDocument/2006/relationships" xmlns:p="http://schemas.openxmlformats.org/presentationml/2006/main">
+  <p:cSld>
+    <p:spTree>
+      <p:nvGrpSpPr>
+        <p:cNvPr id="1" name=""/>
+        <p:cNvGrpSpPr/>
+        <p:nvPr/>
+      </p:nvGrpSpPr>
+      <p:grpSpPr>
+        <a:xfrm>
+          <a:off x="0" y="0"/>
+          <a:ext cx="0" cy="0"/>
+          <a:chOff x="0" y="0"/>
+          <a:chExt cx="0" cy="0"/>
+        </a:xfrm>
+      </p:grpSpPr>
+      <p:sp>
+        <p:nvSpPr>
+          <p:cNvPr id="2" name="Folienbildplatzhalter 1"/>
+          <p:cNvSpPr>
+            <a:spLocks noGrp="1" noRot="1" noChangeAspect="1"/>
+          </p:cNvSpPr>
+          <p:nvPr>
+            <p:ph type="sldImg"/>
+          </p:nvPr>
+        </p:nvSpPr>
+        <p:spPr/>
+      </p:sp>
+      <p:sp>
+        <p:nvSpPr>
+          <p:cNvPr id="3" name="Notizenplatzhalter 2"/>
+          <p:cNvSpPr>
+            <a:spLocks noGrp="1"/>
+          </p:cNvSpPr>
+          <p:nvPr>
+            <p:ph type="body" idx="1"/>
+          </p:nvPr>
+        </p:nvSpPr>
+        <p:spPr/>
+        <p:txBody>
+          <a:bodyPr/>
+          <a:lstStyle/>
+          <a:p>
+            <a:pPr marL="0" marR="0" lvl="0" indent="0" algn="l" defTabSz="914400" rtl="0" eaLnBrk="1" fontAlgn="auto" latinLnBrk="0" hangingPunct="1">
+              <a:lnSpc>
+                <a:spcPct val="100000"/>
+              </a:lnSpc>
+              <a:spcBef>
+                <a:spcPts val="0"/>
+              </a:spcBef>
+              <a:spcAft>
+                <a:spcPts val="0"/>
+              </a:spcAft>
+              <a:buClrTx/>
+              <a:buSzTx/>
+              <a:buFontTx/>
+              <a:buNone/>
+              <a:tabLst/>
+              <a:defRPr/>
+            </a:pPr>
+            <a:r>
+              <a:rPr lang="de-CH" dirty="0"/>
+              <a:t>Customer Segments</a:t>
+            </a:r>
+          </a:p>
+        </p:txBody>
+      </p:sp>
+      <p:sp>
+        <p:nvSpPr>
+          <p:cNvPr id="4" name="Foliennummernplatzhalter 3"/>
+          <p:cNvSpPr>
+            <a:spLocks noGrp="1"/>
+          </p:cNvSpPr>
+          <p:nvPr>
+            <p:ph type="sldNum" sz="quarter" idx="10"/>
+          </p:nvPr>
+        </p:nvSpPr>
+        <p:spPr/>
+        <p:txBody>
+          <a:bodyPr/>
+          <a:lstStyle/>
+          <a:p>
+            <a:fld id="{4881369C-B37E-416F-A200-175D84A25902}" type="slidenum">
+              <a:rPr lang="de-CH" smtClean="0"/>
+              <a:t>132</a:t>
+            </a:fld>
+            <a:endParaRPr lang="de-CH"/>
+          </a:p>
+        </p:txBody>
+      </p:sp>
+    </p:spTree>
+    <p:extLst>
+      <p:ext uri="{BB962C8B-B14F-4D97-AF65-F5344CB8AC3E}">
+        <p14:creationId xmlns:p14="http://schemas.microsoft.com/office/powerpoint/2010/main" val="1268948249"/>
+      </p:ext>
+    </p:extLst>
+  </p:cSld>
+  <p:clrMapOvr>
+    <a:masterClrMapping/>
+  </p:clrMapOvr>
+</p:notes>
+</file>
+
+<file path=ppt/notesSlides/notesSlide133.xml><?xml version="1.0" encoding="utf-8"?>
+<p:notes xmlns:a="http://schemas.openxmlformats.org/drawingml/2006/main" xmlns:r="http://schemas.openxmlformats.org/officeDocument/2006/relationships" xmlns:p="http://schemas.openxmlformats.org/presentationml/2006/main">
+  <p:cSld>
+    <p:spTree>
+      <p:nvGrpSpPr>
+        <p:cNvPr id="1" name=""/>
+        <p:cNvGrpSpPr/>
+        <p:nvPr/>
+      </p:nvGrpSpPr>
+      <p:grpSpPr>
+        <a:xfrm>
+          <a:off x="0" y="0"/>
+          <a:ext cx="0" cy="0"/>
+          <a:chOff x="0" y="0"/>
+          <a:chExt cx="0" cy="0"/>
+        </a:xfrm>
+      </p:grpSpPr>
+      <p:sp>
+        <p:nvSpPr>
+          <p:cNvPr id="2" name="Folienbildplatzhalter 1"/>
+          <p:cNvSpPr>
+            <a:spLocks noGrp="1" noRot="1" noChangeAspect="1"/>
+          </p:cNvSpPr>
+          <p:nvPr>
+            <p:ph type="sldImg"/>
+          </p:nvPr>
+        </p:nvSpPr>
+        <p:spPr/>
+      </p:sp>
+      <p:sp>
+        <p:nvSpPr>
+          <p:cNvPr id="3" name="Notizenplatzhalter 2"/>
+          <p:cNvSpPr>
+            <a:spLocks noGrp="1"/>
+          </p:cNvSpPr>
+          <p:nvPr>
+            <p:ph type="body" idx="1"/>
+          </p:nvPr>
+        </p:nvSpPr>
+        <p:spPr/>
+        <p:txBody>
+          <a:bodyPr/>
+          <a:lstStyle/>
+          <a:p>
+            <a:pPr marL="0" marR="0" lvl="0" indent="0" algn="l" defTabSz="914400" rtl="0" eaLnBrk="1" fontAlgn="auto" latinLnBrk="0" hangingPunct="1">
+              <a:lnSpc>
+                <a:spcPct val="100000"/>
+              </a:lnSpc>
+              <a:spcBef>
+                <a:spcPts val="0"/>
+              </a:spcBef>
+              <a:spcAft>
+                <a:spcPts val="0"/>
+              </a:spcAft>
+              <a:buClrTx/>
+              <a:buSzTx/>
+              <a:buFontTx/>
+              <a:buNone/>
+              <a:tabLst/>
+              <a:defRPr/>
+            </a:pPr>
+            <a:r>
+              <a:rPr lang="de-CH" dirty="0"/>
+              <a:t>Customer Segments</a:t>
+            </a:r>
+          </a:p>
+        </p:txBody>
+      </p:sp>
+      <p:sp>
+        <p:nvSpPr>
+          <p:cNvPr id="4" name="Foliennummernplatzhalter 3"/>
+          <p:cNvSpPr>
+            <a:spLocks noGrp="1"/>
+          </p:cNvSpPr>
+          <p:nvPr>
+            <p:ph type="sldNum" sz="quarter" idx="10"/>
+          </p:nvPr>
+        </p:nvSpPr>
+        <p:spPr/>
+        <p:txBody>
+          <a:bodyPr/>
+          <a:lstStyle/>
+          <a:p>
+            <a:fld id="{4881369C-B37E-416F-A200-175D84A25902}" type="slidenum">
+              <a:rPr lang="de-CH" smtClean="0"/>
+              <a:t>133</a:t>
+            </a:fld>
+            <a:endParaRPr lang="de-CH"/>
+          </a:p>
+        </p:txBody>
+      </p:sp>
+    </p:spTree>
+    <p:extLst>
+      <p:ext uri="{BB962C8B-B14F-4D97-AF65-F5344CB8AC3E}">
+        <p14:creationId xmlns:p14="http://schemas.microsoft.com/office/powerpoint/2010/main" val="2644712393"/>
+      </p:ext>
+    </p:extLst>
+  </p:cSld>
+  <p:clrMapOvr>
+    <a:masterClrMapping/>
+  </p:clrMapOvr>
+</p:notes>
+</file>
+
+<file path=ppt/notesSlides/notesSlide134.xml><?xml version="1.0" encoding="utf-8"?>
+<p:notes xmlns:a="http://schemas.openxmlformats.org/drawingml/2006/main" xmlns:r="http://schemas.openxmlformats.org/officeDocument/2006/relationships" xmlns:p="http://schemas.openxmlformats.org/presentationml/2006/main">
+  <p:cSld>
+    <p:spTree>
+      <p:nvGrpSpPr>
+        <p:cNvPr id="1" name=""/>
+        <p:cNvGrpSpPr/>
+        <p:nvPr/>
+      </p:nvGrpSpPr>
+      <p:grpSpPr>
+        <a:xfrm>
+          <a:off x="0" y="0"/>
+          <a:ext cx="0" cy="0"/>
+          <a:chOff x="0" y="0"/>
+          <a:chExt cx="0" cy="0"/>
+        </a:xfrm>
+      </p:grpSpPr>
+      <p:sp>
+        <p:nvSpPr>
+          <p:cNvPr id="2" name="Folienbildplatzhalter 1"/>
+          <p:cNvSpPr>
+            <a:spLocks noGrp="1" noRot="1" noChangeAspect="1"/>
+          </p:cNvSpPr>
+          <p:nvPr>
+            <p:ph type="sldImg"/>
+          </p:nvPr>
+        </p:nvSpPr>
+        <p:spPr/>
+      </p:sp>
+      <p:sp>
+        <p:nvSpPr>
+          <p:cNvPr id="3" name="Notizenplatzhalter 2"/>
+          <p:cNvSpPr>
+            <a:spLocks noGrp="1"/>
+          </p:cNvSpPr>
+          <p:nvPr>
+            <p:ph type="body" idx="1"/>
+          </p:nvPr>
+        </p:nvSpPr>
+        <p:spPr/>
+        <p:txBody>
+          <a:bodyPr/>
+          <a:lstStyle/>
+          <a:p>
+            <a:pPr marL="0" marR="0" lvl="0" indent="0" algn="l" defTabSz="914400" rtl="0" eaLnBrk="1" fontAlgn="auto" latinLnBrk="0" hangingPunct="1">
+              <a:lnSpc>
+                <a:spcPct val="100000"/>
+              </a:lnSpc>
+              <a:spcBef>
+                <a:spcPts val="0"/>
+              </a:spcBef>
+              <a:spcAft>
+                <a:spcPts val="0"/>
+              </a:spcAft>
+              <a:buClrTx/>
+              <a:buSzTx/>
+              <a:buFontTx/>
+              <a:buNone/>
+              <a:tabLst/>
+              <a:defRPr/>
+            </a:pPr>
+            <a:r>
+              <a:rPr lang="de-CH" dirty="0"/>
+              <a:t>Customer Segments</a:t>
+            </a:r>
+          </a:p>
+        </p:txBody>
+      </p:sp>
+      <p:sp>
+        <p:nvSpPr>
+          <p:cNvPr id="4" name="Foliennummernplatzhalter 3"/>
+          <p:cNvSpPr>
+            <a:spLocks noGrp="1"/>
+          </p:cNvSpPr>
+          <p:nvPr>
+            <p:ph type="sldNum" sz="quarter" idx="10"/>
+          </p:nvPr>
+        </p:nvSpPr>
+        <p:spPr/>
+        <p:txBody>
+          <a:bodyPr/>
+          <a:lstStyle/>
+          <a:p>
+            <a:fld id="{4881369C-B37E-416F-A200-175D84A25902}" type="slidenum">
+              <a:rPr lang="de-CH" smtClean="0"/>
+              <a:t>134</a:t>
+            </a:fld>
+            <a:endParaRPr lang="de-CH"/>
+          </a:p>
+        </p:txBody>
+      </p:sp>
+    </p:spTree>
+    <p:extLst>
+      <p:ext uri="{BB962C8B-B14F-4D97-AF65-F5344CB8AC3E}">
+        <p14:creationId xmlns:p14="http://schemas.microsoft.com/office/powerpoint/2010/main" val="3000788433"/>
+      </p:ext>
+    </p:extLst>
+  </p:cSld>
+  <p:clrMapOvr>
+    <a:masterClrMapping/>
+  </p:clrMapOvr>
+</p:notes>
+</file>
+
+<file path=ppt/notesSlides/notesSlide135.xml><?xml version="1.0" encoding="utf-8"?>
+<p:notes xmlns:a="http://schemas.openxmlformats.org/drawingml/2006/main" xmlns:r="http://schemas.openxmlformats.org/officeDocument/2006/relationships" xmlns:p="http://schemas.openxmlformats.org/presentationml/2006/main">
+  <p:cSld>
+    <p:spTree>
+      <p:nvGrpSpPr>
+        <p:cNvPr id="1" name=""/>
+        <p:cNvGrpSpPr/>
+        <p:nvPr/>
+      </p:nvGrpSpPr>
+      <p:grpSpPr>
+        <a:xfrm>
+          <a:off x="0" y="0"/>
+          <a:ext cx="0" cy="0"/>
+          <a:chOff x="0" y="0"/>
+          <a:chExt cx="0" cy="0"/>
+        </a:xfrm>
+      </p:grpSpPr>
+      <p:sp>
+        <p:nvSpPr>
+          <p:cNvPr id="2" name="Folienbildplatzhalter 1"/>
+          <p:cNvSpPr>
+            <a:spLocks noGrp="1" noRot="1" noChangeAspect="1"/>
+          </p:cNvSpPr>
+          <p:nvPr>
+            <p:ph type="sldImg"/>
+          </p:nvPr>
+        </p:nvSpPr>
+        <p:spPr/>
+      </p:sp>
+      <p:sp>
+        <p:nvSpPr>
+          <p:cNvPr id="3" name="Notizenplatzhalter 2"/>
+          <p:cNvSpPr>
+            <a:spLocks noGrp="1"/>
+          </p:cNvSpPr>
+          <p:nvPr>
+            <p:ph type="body" idx="1"/>
+          </p:nvPr>
+        </p:nvSpPr>
+        <p:spPr/>
+        <p:txBody>
+          <a:bodyPr/>
+          <a:lstStyle/>
+          <a:p>
+            <a:pPr marL="0" marR="0" lvl="0" indent="0" algn="l" defTabSz="914400" rtl="0" eaLnBrk="1" fontAlgn="auto" latinLnBrk="0" hangingPunct="1">
+              <a:lnSpc>
+                <a:spcPct val="100000"/>
+              </a:lnSpc>
+              <a:spcBef>
+                <a:spcPts val="0"/>
+              </a:spcBef>
+              <a:spcAft>
+                <a:spcPts val="0"/>
+              </a:spcAft>
+              <a:buClrTx/>
+              <a:buSzTx/>
+              <a:buFontTx/>
+              <a:buNone/>
+              <a:tabLst/>
+              <a:defRPr/>
+            </a:pPr>
+            <a:r>
+              <a:rPr lang="de-CH" dirty="0"/>
+              <a:t>Customer Segments</a:t>
+            </a:r>
+          </a:p>
+        </p:txBody>
+      </p:sp>
+      <p:sp>
+        <p:nvSpPr>
+          <p:cNvPr id="4" name="Foliennummernplatzhalter 3"/>
+          <p:cNvSpPr>
+            <a:spLocks noGrp="1"/>
+          </p:cNvSpPr>
+          <p:nvPr>
+            <p:ph type="sldNum" sz="quarter" idx="10"/>
+          </p:nvPr>
+        </p:nvSpPr>
+        <p:spPr/>
+        <p:txBody>
+          <a:bodyPr/>
+          <a:lstStyle/>
+          <a:p>
+            <a:fld id="{4881369C-B37E-416F-A200-175D84A25902}" type="slidenum">
+              <a:rPr lang="de-CH" smtClean="0"/>
+              <a:t>135</a:t>
+            </a:fld>
+            <a:endParaRPr lang="de-CH"/>
+          </a:p>
+        </p:txBody>
+      </p:sp>
+    </p:spTree>
+    <p:extLst>
+      <p:ext uri="{BB962C8B-B14F-4D97-AF65-F5344CB8AC3E}">
+        <p14:creationId xmlns:p14="http://schemas.microsoft.com/office/powerpoint/2010/main" val="1713024965"/>
+      </p:ext>
+    </p:extLst>
+  </p:cSld>
+  <p:clrMapOvr>
+    <a:masterClrMapping/>
+  </p:clrMapOvr>
+</p:notes>
+</file>
+
+<file path=ppt/notesSlides/notesSlide136.xml><?xml version="1.0" encoding="utf-8"?>
+<p:notes xmlns:a="http://schemas.openxmlformats.org/drawingml/2006/main" xmlns:r="http://schemas.openxmlformats.org/officeDocument/2006/relationships" xmlns:p="http://schemas.openxmlformats.org/presentationml/2006/main">
+  <p:cSld>
+    <p:spTree>
+      <p:nvGrpSpPr>
+        <p:cNvPr id="1" name=""/>
+        <p:cNvGrpSpPr/>
+        <p:nvPr/>
+      </p:nvGrpSpPr>
+      <p:grpSpPr>
+        <a:xfrm>
+          <a:off x="0" y="0"/>
+          <a:ext cx="0" cy="0"/>
+          <a:chOff x="0" y="0"/>
+          <a:chExt cx="0" cy="0"/>
+        </a:xfrm>
+      </p:grpSpPr>
+      <p:sp>
+        <p:nvSpPr>
+          <p:cNvPr id="2" name="Folienbildplatzhalter 1"/>
+          <p:cNvSpPr>
+            <a:spLocks noGrp="1" noRot="1" noChangeAspect="1"/>
+          </p:cNvSpPr>
+          <p:nvPr>
+            <p:ph type="sldImg"/>
+          </p:nvPr>
+        </p:nvSpPr>
+        <p:spPr/>
+      </p:sp>
+      <p:sp>
+        <p:nvSpPr>
+          <p:cNvPr id="3" name="Notizenplatzhalter 2"/>
+          <p:cNvSpPr>
+            <a:spLocks noGrp="1"/>
+          </p:cNvSpPr>
+          <p:nvPr>
+            <p:ph type="body" idx="1"/>
+          </p:nvPr>
+        </p:nvSpPr>
+        <p:spPr/>
+        <p:txBody>
+          <a:bodyPr/>
+          <a:lstStyle/>
+          <a:p>
+            <a:r>
+              <a:rPr lang="de-CH" dirty="0" err="1"/>
+              <a:t>Cost</a:t>
+            </a:r>
+            <a:r>
+              <a:rPr lang="de-CH" baseline="0" dirty="0"/>
+              <a:t> </a:t>
+            </a:r>
+            <a:r>
+              <a:rPr lang="de-CH" baseline="0" dirty="0" err="1"/>
+              <a:t>Structure</a:t>
+            </a:r>
+            <a:r>
+              <a:rPr lang="de-CH" baseline="0" dirty="0"/>
+              <a:t> – </a:t>
+            </a:r>
+            <a:r>
+              <a:rPr lang="de-CH" baseline="0" dirty="0" err="1"/>
+              <a:t>fixed</a:t>
+            </a:r>
+            <a:r>
+              <a:rPr lang="de-CH" baseline="0" dirty="0"/>
+              <a:t> </a:t>
+            </a:r>
+            <a:r>
+              <a:rPr lang="de-CH" baseline="0" dirty="0" err="1"/>
+              <a:t>Costs</a:t>
+            </a:r>
+            <a:endParaRPr lang="de-CH" dirty="0"/>
+          </a:p>
+        </p:txBody>
+      </p:sp>
+      <p:sp>
+        <p:nvSpPr>
+          <p:cNvPr id="4" name="Foliennummernplatzhalter 3"/>
+          <p:cNvSpPr>
+            <a:spLocks noGrp="1"/>
+          </p:cNvSpPr>
+          <p:nvPr>
+            <p:ph type="sldNum" sz="quarter" idx="10"/>
+          </p:nvPr>
+        </p:nvSpPr>
+        <p:spPr/>
+        <p:txBody>
+          <a:bodyPr/>
+          <a:lstStyle/>
+          <a:p>
+            <a:fld id="{4881369C-B37E-416F-A200-175D84A25902}" type="slidenum">
+              <a:rPr lang="de-CH" smtClean="0"/>
+              <a:t>136</a:t>
+            </a:fld>
+            <a:endParaRPr lang="de-CH"/>
+          </a:p>
+        </p:txBody>
+      </p:sp>
+    </p:spTree>
+    <p:extLst>
+      <p:ext uri="{BB962C8B-B14F-4D97-AF65-F5344CB8AC3E}">
+        <p14:creationId xmlns:p14="http://schemas.microsoft.com/office/powerpoint/2010/main" val="2047090171"/>
+      </p:ext>
+    </p:extLst>
+  </p:cSld>
+  <p:clrMapOvr>
+    <a:masterClrMapping/>
+  </p:clrMapOvr>
+</p:notes>
+</file>
+
+<file path=ppt/notesSlides/notesSlide137.xml><?xml version="1.0" encoding="utf-8"?>
+<p:notes xmlns:a="http://schemas.openxmlformats.org/drawingml/2006/main" xmlns:r="http://schemas.openxmlformats.org/officeDocument/2006/relationships" xmlns:p="http://schemas.openxmlformats.org/presentationml/2006/main">
+  <p:cSld>
+    <p:spTree>
+      <p:nvGrpSpPr>
+        <p:cNvPr id="1" name=""/>
+        <p:cNvGrpSpPr/>
+        <p:nvPr/>
+      </p:nvGrpSpPr>
+      <p:grpSpPr>
+        <a:xfrm>
+          <a:off x="0" y="0"/>
+          <a:ext cx="0" cy="0"/>
+          <a:chOff x="0" y="0"/>
+          <a:chExt cx="0" cy="0"/>
+        </a:xfrm>
+      </p:grpSpPr>
+      <p:sp>
+        <p:nvSpPr>
+          <p:cNvPr id="2" name="Folienbildplatzhalter 1"/>
+          <p:cNvSpPr>
+            <a:spLocks noGrp="1" noRot="1" noChangeAspect="1"/>
+          </p:cNvSpPr>
+          <p:nvPr>
+            <p:ph type="sldImg"/>
+          </p:nvPr>
+        </p:nvSpPr>
+        <p:spPr/>
+      </p:sp>
+      <p:sp>
+        <p:nvSpPr>
+          <p:cNvPr id="3" name="Notizenplatzhalter 2"/>
+          <p:cNvSpPr>
+            <a:spLocks noGrp="1"/>
+          </p:cNvSpPr>
+          <p:nvPr>
+            <p:ph type="body" idx="1"/>
+          </p:nvPr>
+        </p:nvSpPr>
+        <p:spPr/>
+        <p:txBody>
+          <a:bodyPr/>
+          <a:lstStyle/>
+          <a:p>
+            <a:r>
+              <a:rPr lang="de-CH" dirty="0" err="1"/>
+              <a:t>Cost</a:t>
+            </a:r>
+            <a:r>
+              <a:rPr lang="de-CH" baseline="0" dirty="0"/>
+              <a:t> </a:t>
+            </a:r>
+            <a:r>
+              <a:rPr lang="de-CH" baseline="0" dirty="0" err="1"/>
+              <a:t>Structure</a:t>
+            </a:r>
+            <a:r>
+              <a:rPr lang="de-CH" baseline="0" dirty="0"/>
+              <a:t> – Variable </a:t>
+            </a:r>
+            <a:r>
+              <a:rPr lang="de-CH" baseline="0" dirty="0" err="1"/>
+              <a:t>Costs</a:t>
+            </a:r>
+            <a:endParaRPr lang="de-CH" dirty="0"/>
+          </a:p>
+        </p:txBody>
+      </p:sp>
+      <p:sp>
+        <p:nvSpPr>
+          <p:cNvPr id="4" name="Foliennummernplatzhalter 3"/>
+          <p:cNvSpPr>
+            <a:spLocks noGrp="1"/>
+          </p:cNvSpPr>
+          <p:nvPr>
+            <p:ph type="sldNum" sz="quarter" idx="10"/>
+          </p:nvPr>
+        </p:nvSpPr>
+        <p:spPr/>
+        <p:txBody>
+          <a:bodyPr/>
+          <a:lstStyle/>
+          <a:p>
+            <a:fld id="{4881369C-B37E-416F-A200-175D84A25902}" type="slidenum">
+              <a:rPr lang="de-CH" smtClean="0"/>
+              <a:t>137</a:t>
+            </a:fld>
+            <a:endParaRPr lang="de-CH"/>
+          </a:p>
+        </p:txBody>
+      </p:sp>
+    </p:spTree>
+    <p:extLst>
+      <p:ext uri="{BB962C8B-B14F-4D97-AF65-F5344CB8AC3E}">
+        <p14:creationId xmlns:p14="http://schemas.microsoft.com/office/powerpoint/2010/main" val="2925468941"/>
       </p:ext>
     </p:extLst>
   </p:cSld>
@@ -11000,7 +13842,7 @@
           <a:p>
             <a:fld id="{80A92051-9F01-459E-BB84-2389E6066350}" type="datetimeFigureOut">
               <a:rPr lang="de-CH" smtClean="0"/>
-              <a:t>25.02.2020</a:t>
+              <a:t>26.02.2020</a:t>
             </a:fld>
             <a:endParaRPr lang="de-CH"/>
           </a:p>
@@ -11170,7 +14012,7 @@
           <a:p>
             <a:fld id="{80A92051-9F01-459E-BB84-2389E6066350}" type="datetimeFigureOut">
               <a:rPr lang="de-CH" smtClean="0"/>
-              <a:t>25.02.2020</a:t>
+              <a:t>26.02.2020</a:t>
             </a:fld>
             <a:endParaRPr lang="de-CH"/>
           </a:p>
@@ -11350,7 +14192,7 @@
           <a:p>
             <a:fld id="{80A92051-9F01-459E-BB84-2389E6066350}" type="datetimeFigureOut">
               <a:rPr lang="de-CH" smtClean="0"/>
-              <a:t>25.02.2020</a:t>
+              <a:t>26.02.2020</a:t>
             </a:fld>
             <a:endParaRPr lang="de-CH"/>
           </a:p>
@@ -11520,7 +14362,7 @@
           <a:p>
             <a:fld id="{80A92051-9F01-459E-BB84-2389E6066350}" type="datetimeFigureOut">
               <a:rPr lang="de-CH" smtClean="0"/>
-              <a:t>25.02.2020</a:t>
+              <a:t>26.02.2020</a:t>
             </a:fld>
             <a:endParaRPr lang="de-CH"/>
           </a:p>
@@ -11766,7 +14608,7 @@
           <a:p>
             <a:fld id="{80A92051-9F01-459E-BB84-2389E6066350}" type="datetimeFigureOut">
               <a:rPr lang="de-CH" smtClean="0"/>
-              <a:t>25.02.2020</a:t>
+              <a:t>26.02.2020</a:t>
             </a:fld>
             <a:endParaRPr lang="de-CH"/>
           </a:p>
@@ -11998,7 +14840,7 @@
           <a:p>
             <a:fld id="{80A92051-9F01-459E-BB84-2389E6066350}" type="datetimeFigureOut">
               <a:rPr lang="de-CH" smtClean="0"/>
-              <a:t>25.02.2020</a:t>
+              <a:t>26.02.2020</a:t>
             </a:fld>
             <a:endParaRPr lang="de-CH"/>
           </a:p>
@@ -12365,7 +15207,7 @@
           <a:p>
             <a:fld id="{80A92051-9F01-459E-BB84-2389E6066350}" type="datetimeFigureOut">
               <a:rPr lang="de-CH" smtClean="0"/>
-              <a:t>25.02.2020</a:t>
+              <a:t>26.02.2020</a:t>
             </a:fld>
             <a:endParaRPr lang="de-CH"/>
           </a:p>
@@ -12483,7 +15325,7 @@
           <a:p>
             <a:fld id="{80A92051-9F01-459E-BB84-2389E6066350}" type="datetimeFigureOut">
               <a:rPr lang="de-CH" smtClean="0"/>
-              <a:t>25.02.2020</a:t>
+              <a:t>26.02.2020</a:t>
             </a:fld>
             <a:endParaRPr lang="de-CH"/>
           </a:p>
@@ -12578,7 +15420,7 @@
           <a:p>
             <a:fld id="{80A92051-9F01-459E-BB84-2389E6066350}" type="datetimeFigureOut">
               <a:rPr lang="de-CH" smtClean="0"/>
-              <a:t>25.02.2020</a:t>
+              <a:t>26.02.2020</a:t>
             </a:fld>
             <a:endParaRPr lang="de-CH"/>
           </a:p>
@@ -12855,7 +15697,7 @@
           <a:p>
             <a:fld id="{80A92051-9F01-459E-BB84-2389E6066350}" type="datetimeFigureOut">
               <a:rPr lang="de-CH" smtClean="0"/>
-              <a:t>25.02.2020</a:t>
+              <a:t>26.02.2020</a:t>
             </a:fld>
             <a:endParaRPr lang="de-CH"/>
           </a:p>
@@ -13108,7 +15950,7 @@
           <a:p>
             <a:fld id="{80A92051-9F01-459E-BB84-2389E6066350}" type="datetimeFigureOut">
               <a:rPr lang="de-CH" smtClean="0"/>
-              <a:t>25.02.2020</a:t>
+              <a:t>26.02.2020</a:t>
             </a:fld>
             <a:endParaRPr lang="de-CH"/>
           </a:p>
@@ -13321,7 +16163,7 @@
           <a:p>
             <a:fld id="{80A92051-9F01-459E-BB84-2389E6066350}" type="datetimeFigureOut">
               <a:rPr lang="de-CH" smtClean="0"/>
-              <a:t>25.02.2020</a:t>
+              <a:t>26.02.2020</a:t>
             </a:fld>
             <a:endParaRPr lang="de-CH"/>
           </a:p>
@@ -16237,101 +19079,6 @@
           </a:p>
         </p:txBody>
       </p:sp>
-      <p:sp>
-        <p:nvSpPr>
-          <p:cNvPr id="6" name="Rechteck 5">
-            <a:extLst>
-              <a:ext uri="{FF2B5EF4-FFF2-40B4-BE49-F238E27FC236}">
-                <a16:creationId xmlns:a16="http://schemas.microsoft.com/office/drawing/2014/main" id="{9B7DAAAB-BB0C-4876-8E00-34CFB5322FD0}"/>
-              </a:ext>
-            </a:extLst>
-          </p:cNvPr>
-          <p:cNvSpPr/>
-          <p:nvPr/>
-        </p:nvSpPr>
-        <p:spPr>
-          <a:xfrm>
-            <a:off x="152401" y="159025"/>
-            <a:ext cx="11880574" cy="6182140"/>
-          </a:xfrm>
-          <a:prstGeom prst="rect">
-            <a:avLst/>
-          </a:prstGeom>
-          <a:solidFill>
-            <a:srgbClr val="F2F2F2">
-              <a:alpha val="60000"/>
-            </a:srgbClr>
-          </a:solidFill>
-          <a:ln w="76200">
-            <a:noFill/>
-          </a:ln>
-        </p:spPr>
-        <p:style>
-          <a:lnRef idx="2">
-            <a:schemeClr val="accent1">
-              <a:shade val="50000"/>
-            </a:schemeClr>
-          </a:lnRef>
-          <a:fillRef idx="1">
-            <a:schemeClr val="accent1"/>
-          </a:fillRef>
-          <a:effectRef idx="0">
-            <a:schemeClr val="accent1"/>
-          </a:effectRef>
-          <a:fontRef idx="minor">
-            <a:schemeClr val="lt1"/>
-          </a:fontRef>
-        </p:style>
-        <p:txBody>
-          <a:bodyPr rtlCol="0" anchor="t"/>
-          <a:lstStyle/>
-          <a:p>
-            <a:pPr algn="ctr"/>
-            <a:r>
-              <a:rPr lang="de-CH" sz="8600" dirty="0">
-                <a:solidFill>
-                  <a:schemeClr val="tx1"/>
-                </a:solidFill>
-                <a:latin typeface="Montserrat Medium" panose="00000600000000000000" pitchFamily="2" charset="0"/>
-              </a:rPr>
-              <a:t>Fee-</a:t>
-            </a:r>
-            <a:r>
-              <a:rPr lang="de-CH" sz="8600" dirty="0" err="1">
-                <a:solidFill>
-                  <a:schemeClr val="tx1"/>
-                </a:solidFill>
-                <a:latin typeface="Montserrat Medium" panose="00000600000000000000" pitchFamily="2" charset="0"/>
-              </a:rPr>
-              <a:t>based</a:t>
-            </a:r>
-            <a:r>
-              <a:rPr lang="de-CH" sz="8600" dirty="0">
-                <a:solidFill>
-                  <a:schemeClr val="tx1"/>
-                </a:solidFill>
-                <a:latin typeface="Montserrat Medium" panose="00000600000000000000" pitchFamily="2" charset="0"/>
-              </a:rPr>
-              <a:t> </a:t>
-            </a:r>
-            <a:r>
-              <a:rPr lang="de-CH" sz="8600" dirty="0" err="1">
-                <a:solidFill>
-                  <a:schemeClr val="tx1"/>
-                </a:solidFill>
-                <a:latin typeface="Montserrat Medium" panose="00000600000000000000" pitchFamily="2" charset="0"/>
-              </a:rPr>
-              <a:t>Revenues</a:t>
-            </a:r>
-            <a:endParaRPr lang="de-CH" sz="8600" dirty="0">
-              <a:solidFill>
-                <a:schemeClr val="tx1"/>
-              </a:solidFill>
-              <a:latin typeface="Montserrat Medium" panose="00000600000000000000" pitchFamily="2" charset="0"/>
-            </a:endParaRPr>
-          </a:p>
-        </p:txBody>
-      </p:sp>
       <p:pic>
         <p:nvPicPr>
           <p:cNvPr id="7" name="Grafik 6">
@@ -16367,6 +19114,101 @@
           </a:prstGeom>
         </p:spPr>
       </p:pic>
+      <p:sp>
+        <p:nvSpPr>
+          <p:cNvPr id="6" name="Rechteck 5">
+            <a:extLst>
+              <a:ext uri="{FF2B5EF4-FFF2-40B4-BE49-F238E27FC236}">
+                <a16:creationId xmlns:a16="http://schemas.microsoft.com/office/drawing/2014/main" id="{9B7DAAAB-BB0C-4876-8E00-34CFB5322FD0}"/>
+              </a:ext>
+            </a:extLst>
+          </p:cNvPr>
+          <p:cNvSpPr/>
+          <p:nvPr/>
+        </p:nvSpPr>
+        <p:spPr>
+          <a:xfrm>
+            <a:off x="152401" y="159025"/>
+            <a:ext cx="11880574" cy="6182140"/>
+          </a:xfrm>
+          <a:prstGeom prst="rect">
+            <a:avLst/>
+          </a:prstGeom>
+          <a:solidFill>
+            <a:srgbClr val="F2F2F2">
+              <a:alpha val="60000"/>
+            </a:srgbClr>
+          </a:solidFill>
+          <a:ln w="76200">
+            <a:noFill/>
+          </a:ln>
+        </p:spPr>
+        <p:style>
+          <a:lnRef idx="2">
+            <a:schemeClr val="accent1">
+              <a:shade val="50000"/>
+            </a:schemeClr>
+          </a:lnRef>
+          <a:fillRef idx="1">
+            <a:schemeClr val="accent1"/>
+          </a:fillRef>
+          <a:effectRef idx="0">
+            <a:schemeClr val="accent1"/>
+          </a:effectRef>
+          <a:fontRef idx="minor">
+            <a:schemeClr val="lt1"/>
+          </a:fontRef>
+        </p:style>
+        <p:txBody>
+          <a:bodyPr rtlCol="0" anchor="t"/>
+          <a:lstStyle/>
+          <a:p>
+            <a:pPr algn="ctr"/>
+            <a:r>
+              <a:rPr lang="de-CH" sz="8600" dirty="0">
+                <a:solidFill>
+                  <a:schemeClr val="tx1"/>
+                </a:solidFill>
+                <a:latin typeface="Montserrat Medium" panose="00000600000000000000" pitchFamily="2" charset="0"/>
+              </a:rPr>
+              <a:t>Fee-</a:t>
+            </a:r>
+            <a:r>
+              <a:rPr lang="de-CH" sz="8600" dirty="0" err="1">
+                <a:solidFill>
+                  <a:schemeClr val="tx1"/>
+                </a:solidFill>
+                <a:latin typeface="Montserrat Medium" panose="00000600000000000000" pitchFamily="2" charset="0"/>
+              </a:rPr>
+              <a:t>based</a:t>
+            </a:r>
+            <a:r>
+              <a:rPr lang="de-CH" sz="8600" dirty="0">
+                <a:solidFill>
+                  <a:schemeClr val="tx1"/>
+                </a:solidFill>
+                <a:latin typeface="Montserrat Medium" panose="00000600000000000000" pitchFamily="2" charset="0"/>
+              </a:rPr>
+              <a:t> </a:t>
+            </a:r>
+            <a:r>
+              <a:rPr lang="de-CH" sz="8600" dirty="0" err="1">
+                <a:solidFill>
+                  <a:schemeClr val="tx1"/>
+                </a:solidFill>
+                <a:latin typeface="Montserrat Medium" panose="00000600000000000000" pitchFamily="2" charset="0"/>
+              </a:rPr>
+              <a:t>Revenues</a:t>
+            </a:r>
+            <a:endParaRPr lang="de-CH" sz="8600" dirty="0">
+              <a:solidFill>
+                <a:schemeClr val="tx1"/>
+              </a:solidFill>
+              <a:latin typeface="Montserrat Medium" panose="00000600000000000000" pitchFamily="2" charset="0"/>
+            </a:endParaRPr>
+          </a:p>
+        </p:txBody>
+      </p:sp>
     </p:spTree>
     <p:extLst>
       <p:ext uri="{BB962C8B-B14F-4D97-AF65-F5344CB8AC3E}">
@@ -16449,10 +19291,10 @@
       </p:sp>
       <p:pic>
         <p:nvPicPr>
-          <p:cNvPr id="7" name="Grafik 6">
+          <p:cNvPr id="5" name="Grafik 4">
             <a:extLst>
               <a:ext uri="{FF2B5EF4-FFF2-40B4-BE49-F238E27FC236}">
-                <a16:creationId xmlns:a16="http://schemas.microsoft.com/office/drawing/2014/main" id="{16410759-2A9C-4C5D-8846-E02A24841B57}"/>
+                <a16:creationId xmlns:a16="http://schemas.microsoft.com/office/drawing/2014/main" id="{F2CDA023-A6D8-4C27-9F8F-7F042EE0B6E1}"/>
               </a:ext>
             </a:extLst>
           </p:cNvPr>
@@ -16474,8 +19316,8 @@
         </p:blipFill>
         <p:spPr>
           <a:xfrm>
-            <a:off x="3877550" y="2037574"/>
-            <a:ext cx="4103950" cy="4103950"/>
+            <a:off x="9347830" y="195521"/>
+            <a:ext cx="2372162" cy="2372162"/>
           </a:xfrm>
           <a:prstGeom prst="rect">
             <a:avLst/>
@@ -16484,10 +19326,10 @@
       </p:pic>
       <p:sp>
         <p:nvSpPr>
-          <p:cNvPr id="6" name="Rechteck 5">
+          <p:cNvPr id="8" name="Rechteck 7">
             <a:extLst>
               <a:ext uri="{FF2B5EF4-FFF2-40B4-BE49-F238E27FC236}">
-                <a16:creationId xmlns:a16="http://schemas.microsoft.com/office/drawing/2014/main" id="{9B7DAAAB-BB0C-4876-8E00-34CFB5322FD0}"/>
+                <a16:creationId xmlns:a16="http://schemas.microsoft.com/office/drawing/2014/main" id="{65A16251-256F-4D13-A307-0F06FBDDD39A}"/>
               </a:ext>
             </a:extLst>
           </p:cNvPr>
@@ -16496,15 +19338,15 @@
         </p:nvSpPr>
         <p:spPr>
           <a:xfrm>
-            <a:off x="152401" y="159025"/>
-            <a:ext cx="11880574" cy="6182140"/>
+            <a:off x="152401" y="112644"/>
+            <a:ext cx="9611031" cy="2902226"/>
           </a:xfrm>
           <a:prstGeom prst="rect">
             <a:avLst/>
           </a:prstGeom>
           <a:solidFill>
             <a:srgbClr val="F2F2F2">
-              <a:alpha val="60000"/>
+              <a:alpha val="0"/>
             </a:srgbClr>
           </a:solidFill>
           <a:ln w="76200">
@@ -16531,23 +19373,109 @@
           <a:bodyPr rtlCol="0" anchor="t"/>
           <a:lstStyle/>
           <a:p>
-            <a:pPr algn="ctr"/>
-            <a:r>
-              <a:rPr lang="de-CH" sz="11000" dirty="0">
+            <a:r>
+              <a:rPr lang="de-CH" sz="8800" dirty="0">
                 <a:solidFill>
                   <a:schemeClr val="tx1"/>
                 </a:solidFill>
                 <a:latin typeface="Montserrat Medium" panose="00000600000000000000" pitchFamily="2" charset="0"/>
               </a:rPr>
-              <a:t>Asset Sale</a:t>
-            </a:r>
+              <a:t>Fee-</a:t>
+            </a:r>
+            <a:r>
+              <a:rPr lang="de-CH" sz="8800" dirty="0" err="1">
+                <a:solidFill>
+                  <a:schemeClr val="tx1"/>
+                </a:solidFill>
+                <a:latin typeface="Montserrat Medium" panose="00000600000000000000" pitchFamily="2" charset="0"/>
+              </a:rPr>
+              <a:t>based</a:t>
+            </a:r>
+            <a:r>
+              <a:rPr lang="de-CH" sz="8800" dirty="0">
+                <a:solidFill>
+                  <a:schemeClr val="tx1"/>
+                </a:solidFill>
+                <a:latin typeface="Montserrat Medium" panose="00000600000000000000" pitchFamily="2" charset="0"/>
+              </a:rPr>
+              <a:t> </a:t>
+            </a:r>
+            <a:r>
+              <a:rPr lang="de-CH" sz="8800" dirty="0" err="1">
+                <a:solidFill>
+                  <a:schemeClr val="tx1"/>
+                </a:solidFill>
+                <a:latin typeface="Montserrat Medium" panose="00000600000000000000" pitchFamily="2" charset="0"/>
+              </a:rPr>
+              <a:t>Revenues</a:t>
+            </a:r>
+            <a:endParaRPr lang="de-CH" sz="8800" dirty="0">
+              <a:solidFill>
+                <a:schemeClr val="tx1"/>
+              </a:solidFill>
+              <a:latin typeface="Montserrat Medium" panose="00000600000000000000" pitchFamily="2" charset="0"/>
+            </a:endParaRPr>
+          </a:p>
+        </p:txBody>
+      </p:sp>
+      <p:sp>
+        <p:nvSpPr>
+          <p:cNvPr id="9" name="Rechteck 8">
+            <a:extLst>
+              <a:ext uri="{FF2B5EF4-FFF2-40B4-BE49-F238E27FC236}">
+                <a16:creationId xmlns:a16="http://schemas.microsoft.com/office/drawing/2014/main" id="{101A9D07-1CF6-4106-9706-780E90EEC934}"/>
+              </a:ext>
+            </a:extLst>
+          </p:cNvPr>
+          <p:cNvSpPr/>
+          <p:nvPr/>
+        </p:nvSpPr>
+        <p:spPr>
+          <a:xfrm>
+            <a:off x="284922" y="171851"/>
+            <a:ext cx="11483008" cy="2736573"/>
+          </a:xfrm>
+          <a:prstGeom prst="rect">
+            <a:avLst/>
+          </a:prstGeom>
+          <a:solidFill>
+            <a:srgbClr val="F2F2F2">
+              <a:alpha val="80000"/>
+            </a:srgbClr>
+          </a:solidFill>
+          <a:ln w="76200">
+            <a:noFill/>
+          </a:ln>
+        </p:spPr>
+        <p:style>
+          <a:lnRef idx="2">
+            <a:schemeClr val="accent1">
+              <a:shade val="50000"/>
+            </a:schemeClr>
+          </a:lnRef>
+          <a:fillRef idx="1">
+            <a:schemeClr val="accent1"/>
+          </a:fillRef>
+          <a:effectRef idx="0">
+            <a:schemeClr val="accent1"/>
+          </a:effectRef>
+          <a:fontRef idx="minor">
+            <a:schemeClr val="lt1"/>
+          </a:fontRef>
+        </p:style>
+        <p:txBody>
+          <a:bodyPr rtlCol="0" anchor="ctr"/>
+          <a:lstStyle/>
+          <a:p>
+            <a:pPr algn="ctr"/>
+            <a:endParaRPr lang="de-CH" dirty="0"/>
           </a:p>
         </p:txBody>
       </p:sp>
     </p:spTree>
     <p:extLst>
       <p:ext uri="{BB962C8B-B14F-4D97-AF65-F5344CB8AC3E}">
-        <p14:creationId xmlns:p14="http://schemas.microsoft.com/office/powerpoint/2010/main" val="405025953"/>
+        <p14:creationId xmlns:p14="http://schemas.microsoft.com/office/powerpoint/2010/main" val="3228637533"/>
       </p:ext>
     </p:extLst>
   </p:cSld>
@@ -16803,10 +19731,10 @@
       </p:sp>
       <p:pic>
         <p:nvPicPr>
-          <p:cNvPr id="5" name="Grafik 4">
+          <p:cNvPr id="7" name="Grafik 6">
             <a:extLst>
               <a:ext uri="{FF2B5EF4-FFF2-40B4-BE49-F238E27FC236}">
-                <a16:creationId xmlns:a16="http://schemas.microsoft.com/office/drawing/2014/main" id="{F2CDA023-A6D8-4C27-9F8F-7F042EE0B6E1}"/>
+                <a16:creationId xmlns:a16="http://schemas.microsoft.com/office/drawing/2014/main" id="{16410759-2A9C-4C5D-8846-E02A24841B57}"/>
               </a:ext>
             </a:extLst>
           </p:cNvPr>
@@ -16828,8 +19756,8 @@
         </p:blipFill>
         <p:spPr>
           <a:xfrm>
-            <a:off x="9347830" y="195521"/>
-            <a:ext cx="2372162" cy="2372162"/>
+            <a:off x="3877550" y="2037574"/>
+            <a:ext cx="4103950" cy="4103950"/>
           </a:xfrm>
           <a:prstGeom prst="rect">
             <a:avLst/>
@@ -16838,10 +19766,10 @@
       </p:pic>
       <p:sp>
         <p:nvSpPr>
-          <p:cNvPr id="8" name="Rechteck 7">
+          <p:cNvPr id="6" name="Rechteck 5">
             <a:extLst>
               <a:ext uri="{FF2B5EF4-FFF2-40B4-BE49-F238E27FC236}">
-                <a16:creationId xmlns:a16="http://schemas.microsoft.com/office/drawing/2014/main" id="{65A16251-256F-4D13-A307-0F06FBDDD39A}"/>
+                <a16:creationId xmlns:a16="http://schemas.microsoft.com/office/drawing/2014/main" id="{9B7DAAAB-BB0C-4876-8E00-34CFB5322FD0}"/>
               </a:ext>
             </a:extLst>
           </p:cNvPr>
@@ -16850,15 +19778,15 @@
         </p:nvSpPr>
         <p:spPr>
           <a:xfrm>
-            <a:off x="152401" y="112644"/>
-            <a:ext cx="9611031" cy="2902226"/>
+            <a:off x="152401" y="159025"/>
+            <a:ext cx="11880574" cy="6182140"/>
           </a:xfrm>
           <a:prstGeom prst="rect">
             <a:avLst/>
           </a:prstGeom>
           <a:solidFill>
             <a:srgbClr val="F2F2F2">
-              <a:alpha val="0"/>
+              <a:alpha val="60000"/>
             </a:srgbClr>
           </a:solidFill>
           <a:ln w="76200">
@@ -16885,76 +19813,32 @@
           <a:bodyPr rtlCol="0" anchor="t"/>
           <a:lstStyle/>
           <a:p>
-            <a:r>
-              <a:rPr lang="de-CH" sz="8800" dirty="0">
+            <a:pPr algn="ctr"/>
+            <a:r>
+              <a:rPr lang="de-CH" sz="11000" dirty="0" err="1">
                 <a:solidFill>
                   <a:schemeClr val="tx1"/>
                 </a:solidFill>
                 <a:latin typeface="Montserrat Medium" panose="00000600000000000000" pitchFamily="2" charset="0"/>
               </a:rPr>
-              <a:t>Asset Sale</a:t>
-            </a:r>
-          </a:p>
-        </p:txBody>
-      </p:sp>
-      <p:sp>
-        <p:nvSpPr>
-          <p:cNvPr id="9" name="Rechteck 8">
-            <a:extLst>
-              <a:ext uri="{FF2B5EF4-FFF2-40B4-BE49-F238E27FC236}">
-                <a16:creationId xmlns:a16="http://schemas.microsoft.com/office/drawing/2014/main" id="{101A9D07-1CF6-4106-9706-780E90EEC934}"/>
-              </a:ext>
-            </a:extLst>
-          </p:cNvPr>
-          <p:cNvSpPr/>
-          <p:nvPr/>
-        </p:nvSpPr>
-        <p:spPr>
-          <a:xfrm>
-            <a:off x="152401" y="171851"/>
-            <a:ext cx="11668538" cy="2736573"/>
-          </a:xfrm>
-          <a:prstGeom prst="rect">
-            <a:avLst/>
-          </a:prstGeom>
-          <a:solidFill>
-            <a:srgbClr val="F2F2F2">
-              <a:alpha val="80000"/>
-            </a:srgbClr>
-          </a:solidFill>
-          <a:ln w="76200">
-            <a:noFill/>
-          </a:ln>
-        </p:spPr>
-        <p:style>
-          <a:lnRef idx="2">
-            <a:schemeClr val="accent1">
-              <a:shade val="50000"/>
-            </a:schemeClr>
-          </a:lnRef>
-          <a:fillRef idx="1">
-            <a:schemeClr val="accent1"/>
-          </a:fillRef>
-          <a:effectRef idx="0">
-            <a:schemeClr val="accent1"/>
-          </a:effectRef>
-          <a:fontRef idx="minor">
-            <a:schemeClr val="lt1"/>
-          </a:fontRef>
-        </p:style>
-        <p:txBody>
-          <a:bodyPr rtlCol="0" anchor="ctr"/>
-          <a:lstStyle/>
-          <a:p>
-            <a:pPr algn="ctr"/>
-            <a:endParaRPr lang="de-CH" dirty="0"/>
+              <a:t>Usage</a:t>
+            </a:r>
+            <a:r>
+              <a:rPr lang="de-CH" sz="11000" dirty="0">
+                <a:solidFill>
+                  <a:schemeClr val="tx1"/>
+                </a:solidFill>
+                <a:latin typeface="Montserrat Medium" panose="00000600000000000000" pitchFamily="2" charset="0"/>
+              </a:rPr>
+              <a:t> Fee</a:t>
+            </a:r>
           </a:p>
         </p:txBody>
       </p:sp>
     </p:spTree>
     <p:extLst>
       <p:ext uri="{BB962C8B-B14F-4D97-AF65-F5344CB8AC3E}">
-        <p14:creationId xmlns:p14="http://schemas.microsoft.com/office/powerpoint/2010/main" val="1067396306"/>
+        <p14:creationId xmlns:p14="http://schemas.microsoft.com/office/powerpoint/2010/main" val="3336265529"/>
       </p:ext>
     </p:extLst>
   </p:cSld>
@@ -17000,9 +19884,9 @@
               <a:lumMod val="95000"/>
             </a:schemeClr>
           </a:solidFill>
-          <a:ln w="76200">
+          <a:ln w="152400">
             <a:solidFill>
-              <a:srgbClr val="FF0000"/>
+              <a:srgbClr val="F3850D"/>
             </a:solidFill>
           </a:ln>
         </p:spPr>
@@ -17033,7 +19917,13 @@
       </p:sp>
       <p:pic>
         <p:nvPicPr>
-          <p:cNvPr id="2" name="Grafik 1"/>
+          <p:cNvPr id="5" name="Grafik 4">
+            <a:extLst>
+              <a:ext uri="{FF2B5EF4-FFF2-40B4-BE49-F238E27FC236}">
+                <a16:creationId xmlns:a16="http://schemas.microsoft.com/office/drawing/2014/main" id="{F2CDA023-A6D8-4C27-9F8F-7F042EE0B6E1}"/>
+              </a:ext>
+            </a:extLst>
+          </p:cNvPr>
           <p:cNvPicPr>
             <a:picLocks noChangeAspect="1"/>
           </p:cNvPicPr>
@@ -17041,27 +19931,19 @@
         </p:nvPicPr>
         <p:blipFill>
           <a:blip r:embed="rId3">
-            <a:duotone>
-              <a:schemeClr val="accent1">
-                <a:shade val="45000"/>
-                <a:satMod val="135000"/>
-              </a:schemeClr>
-              <a:prstClr val="white"/>
-            </a:duotone>
             <a:extLst>
               <a:ext uri="{28A0092B-C50C-407E-A947-70E740481C1C}">
                 <a14:useLocalDpi xmlns:a14="http://schemas.microsoft.com/office/drawing/2010/main" val="0"/>
               </a:ext>
             </a:extLst>
           </a:blip>
-          <a:stretch>
-            <a:fillRect/>
-          </a:stretch>
+          <a:srcRect/>
+          <a:stretch/>
         </p:blipFill>
         <p:spPr>
           <a:xfrm>
-            <a:off x="3657905" y="990905"/>
-            <a:ext cx="4876190" cy="4876190"/>
+            <a:off x="9347830" y="195521"/>
+            <a:ext cx="2372162" cy="2372162"/>
           </a:xfrm>
           <a:prstGeom prst="rect">
             <a:avLst/>
@@ -17070,21 +19952,27 @@
       </p:pic>
       <p:sp>
         <p:nvSpPr>
-          <p:cNvPr id="6" name="Rechteck 5"/>
+          <p:cNvPr id="8" name="Rechteck 7">
+            <a:extLst>
+              <a:ext uri="{FF2B5EF4-FFF2-40B4-BE49-F238E27FC236}">
+                <a16:creationId xmlns:a16="http://schemas.microsoft.com/office/drawing/2014/main" id="{65A16251-256F-4D13-A307-0F06FBDDD39A}"/>
+              </a:ext>
+            </a:extLst>
+          </p:cNvPr>
           <p:cNvSpPr/>
           <p:nvPr/>
         </p:nvSpPr>
         <p:spPr>
           <a:xfrm>
-            <a:off x="2224334" y="944415"/>
-            <a:ext cx="7199870" cy="4965052"/>
+            <a:off x="152401" y="112644"/>
+            <a:ext cx="9611031" cy="2902226"/>
           </a:xfrm>
           <a:prstGeom prst="rect">
             <a:avLst/>
           </a:prstGeom>
           <a:solidFill>
             <a:srgbClr val="F2F2F2">
-              <a:alpha val="60000"/>
+              <a:alpha val="0"/>
             </a:srgbClr>
           </a:solidFill>
           <a:ln w="76200">
@@ -17108,18 +19996,88 @@
           </a:fontRef>
         </p:style>
         <p:txBody>
+          <a:bodyPr rtlCol="0" anchor="t"/>
+          <a:lstStyle/>
+          <a:p>
+            <a:r>
+              <a:rPr lang="de-CH" sz="8800" dirty="0" err="1">
+                <a:solidFill>
+                  <a:schemeClr val="tx1"/>
+                </a:solidFill>
+                <a:latin typeface="Montserrat Medium" panose="00000600000000000000" pitchFamily="2" charset="0"/>
+              </a:rPr>
+              <a:t>Usage</a:t>
+            </a:r>
+            <a:r>
+              <a:rPr lang="de-CH" sz="8800" dirty="0">
+                <a:solidFill>
+                  <a:schemeClr val="tx1"/>
+                </a:solidFill>
+                <a:latin typeface="Montserrat Medium" panose="00000600000000000000" pitchFamily="2" charset="0"/>
+              </a:rPr>
+              <a:t> Fee</a:t>
+            </a:r>
+          </a:p>
+        </p:txBody>
+      </p:sp>
+      <p:sp>
+        <p:nvSpPr>
+          <p:cNvPr id="9" name="Rechteck 8">
+            <a:extLst>
+              <a:ext uri="{FF2B5EF4-FFF2-40B4-BE49-F238E27FC236}">
+                <a16:creationId xmlns:a16="http://schemas.microsoft.com/office/drawing/2014/main" id="{101A9D07-1CF6-4106-9706-780E90EEC934}"/>
+              </a:ext>
+            </a:extLst>
+          </p:cNvPr>
+          <p:cNvSpPr/>
+          <p:nvPr/>
+        </p:nvSpPr>
+        <p:spPr>
+          <a:xfrm>
+            <a:off x="324678" y="171851"/>
+            <a:ext cx="11443252" cy="2736573"/>
+          </a:xfrm>
+          <a:prstGeom prst="rect">
+            <a:avLst/>
+          </a:prstGeom>
+          <a:solidFill>
+            <a:srgbClr val="F2F2F2">
+              <a:alpha val="80000"/>
+            </a:srgbClr>
+          </a:solidFill>
+          <a:ln w="76200">
+            <a:noFill/>
+          </a:ln>
+        </p:spPr>
+        <p:style>
+          <a:lnRef idx="2">
+            <a:schemeClr val="accent1">
+              <a:shade val="50000"/>
+            </a:schemeClr>
+          </a:lnRef>
+          <a:fillRef idx="1">
+            <a:schemeClr val="accent1"/>
+          </a:fillRef>
+          <a:effectRef idx="0">
+            <a:schemeClr val="accent1"/>
+          </a:effectRef>
+          <a:fontRef idx="minor">
+            <a:schemeClr val="lt1"/>
+          </a:fontRef>
+        </p:style>
+        <p:txBody>
           <a:bodyPr rtlCol="0" anchor="ctr"/>
           <a:lstStyle/>
           <a:p>
             <a:pPr algn="ctr"/>
-            <a:endParaRPr lang="de-CH"/>
+            <a:endParaRPr lang="de-CH" dirty="0"/>
           </a:p>
         </p:txBody>
       </p:sp>
     </p:spTree>
     <p:extLst>
       <p:ext uri="{BB962C8B-B14F-4D97-AF65-F5344CB8AC3E}">
-        <p14:creationId xmlns:p14="http://schemas.microsoft.com/office/powerpoint/2010/main" val="1653183672"/>
+        <p14:creationId xmlns:p14="http://schemas.microsoft.com/office/powerpoint/2010/main" val="555881330"/>
       </p:ext>
     </p:extLst>
   </p:cSld>
@@ -17165,9 +20123,9 @@
               <a:lumMod val="95000"/>
             </a:schemeClr>
           </a:solidFill>
-          <a:ln w="76200">
+          <a:ln w="152400">
             <a:solidFill>
-              <a:srgbClr val="FF0000"/>
+              <a:srgbClr val="F3850D"/>
             </a:solidFill>
           </a:ln>
         </p:spPr>
@@ -17198,7 +20156,13 @@
       </p:sp>
       <p:pic>
         <p:nvPicPr>
-          <p:cNvPr id="2" name="Grafik 1"/>
+          <p:cNvPr id="7" name="Grafik 6">
+            <a:extLst>
+              <a:ext uri="{FF2B5EF4-FFF2-40B4-BE49-F238E27FC236}">
+                <a16:creationId xmlns:a16="http://schemas.microsoft.com/office/drawing/2014/main" id="{16410759-2A9C-4C5D-8846-E02A24841B57}"/>
+              </a:ext>
+            </a:extLst>
+          </p:cNvPr>
           <p:cNvPicPr>
             <a:picLocks noChangeAspect="1"/>
           </p:cNvPicPr>
@@ -17206,27 +20170,19 @@
         </p:nvPicPr>
         <p:blipFill>
           <a:blip r:embed="rId3">
-            <a:duotone>
-              <a:schemeClr val="accent4">
-                <a:shade val="45000"/>
-                <a:satMod val="135000"/>
-              </a:schemeClr>
-              <a:prstClr val="white"/>
-            </a:duotone>
             <a:extLst>
               <a:ext uri="{28A0092B-C50C-407E-A947-70E740481C1C}">
                 <a14:useLocalDpi xmlns:a14="http://schemas.microsoft.com/office/drawing/2010/main" val="0"/>
               </a:ext>
             </a:extLst>
           </a:blip>
-          <a:stretch>
-            <a:fillRect/>
-          </a:stretch>
+          <a:srcRect/>
+          <a:stretch/>
         </p:blipFill>
         <p:spPr>
           <a:xfrm>
-            <a:off x="3657905" y="990905"/>
-            <a:ext cx="4876190" cy="4876190"/>
+            <a:off x="3877550" y="2037574"/>
+            <a:ext cx="4103950" cy="4103950"/>
           </a:xfrm>
           <a:prstGeom prst="rect">
             <a:avLst/>
@@ -17235,14 +20191,20 @@
       </p:pic>
       <p:sp>
         <p:nvSpPr>
-          <p:cNvPr id="6" name="Rechteck 5"/>
+          <p:cNvPr id="6" name="Rechteck 5">
+            <a:extLst>
+              <a:ext uri="{FF2B5EF4-FFF2-40B4-BE49-F238E27FC236}">
+                <a16:creationId xmlns:a16="http://schemas.microsoft.com/office/drawing/2014/main" id="{9B7DAAAB-BB0C-4876-8E00-34CFB5322FD0}"/>
+              </a:ext>
+            </a:extLst>
+          </p:cNvPr>
           <p:cNvSpPr/>
           <p:nvPr/>
         </p:nvSpPr>
         <p:spPr>
           <a:xfrm>
-            <a:off x="2290119" y="990906"/>
-            <a:ext cx="7199870" cy="4965052"/>
+            <a:off x="152401" y="159025"/>
+            <a:ext cx="11880574" cy="6182140"/>
           </a:xfrm>
           <a:prstGeom prst="rect">
             <a:avLst/>
@@ -17273,18 +20235,1531 @@
           </a:fontRef>
         </p:style>
         <p:txBody>
-          <a:bodyPr rtlCol="0" anchor="ctr"/>
+          <a:bodyPr rtlCol="0" anchor="t"/>
           <a:lstStyle/>
           <a:p>
             <a:pPr algn="ctr"/>
-            <a:endParaRPr lang="de-CH"/>
+            <a:r>
+              <a:rPr lang="de-CH" sz="10000" dirty="0" err="1">
+                <a:solidFill>
+                  <a:schemeClr val="tx1"/>
+                </a:solidFill>
+                <a:latin typeface="Montserrat Medium" panose="00000600000000000000" pitchFamily="2" charset="0"/>
+              </a:rPr>
+              <a:t>Subscription</a:t>
+            </a:r>
+            <a:r>
+              <a:rPr lang="de-CH" sz="10000" dirty="0">
+                <a:solidFill>
+                  <a:schemeClr val="tx1"/>
+                </a:solidFill>
+                <a:latin typeface="Montserrat Medium" panose="00000600000000000000" pitchFamily="2" charset="0"/>
+              </a:rPr>
+              <a:t> Fee</a:t>
+            </a:r>
           </a:p>
         </p:txBody>
       </p:sp>
     </p:spTree>
     <p:extLst>
       <p:ext uri="{BB962C8B-B14F-4D97-AF65-F5344CB8AC3E}">
-        <p14:creationId xmlns:p14="http://schemas.microsoft.com/office/powerpoint/2010/main" val="3130156935"/>
+        <p14:creationId xmlns:p14="http://schemas.microsoft.com/office/powerpoint/2010/main" val="1956590791"/>
+      </p:ext>
+    </p:extLst>
+  </p:cSld>
+  <p:clrMapOvr>
+    <a:masterClrMapping/>
+  </p:clrMapOvr>
+</p:sld>
+</file>
+
+<file path=ppt/slides/slide113.xml><?xml version="1.0" encoding="utf-8"?>
+<p:sld xmlns:a="http://schemas.openxmlformats.org/drawingml/2006/main" xmlns:r="http://schemas.openxmlformats.org/officeDocument/2006/relationships" xmlns:p="http://schemas.openxmlformats.org/presentationml/2006/main">
+  <p:cSld>
+    <p:spTree>
+      <p:nvGrpSpPr>
+        <p:cNvPr id="1" name=""/>
+        <p:cNvGrpSpPr/>
+        <p:nvPr/>
+      </p:nvGrpSpPr>
+      <p:grpSpPr>
+        <a:xfrm>
+          <a:off x="0" y="0"/>
+          <a:ext cx="0" cy="0"/>
+          <a:chOff x="0" y="0"/>
+          <a:chExt cx="0" cy="0"/>
+        </a:xfrm>
+      </p:grpSpPr>
+      <p:sp>
+        <p:nvSpPr>
+          <p:cNvPr id="4" name="Rechteck 3"/>
+          <p:cNvSpPr/>
+          <p:nvPr/>
+        </p:nvSpPr>
+        <p:spPr>
+          <a:xfrm>
+            <a:off x="57664" y="57665"/>
+            <a:ext cx="12068433" cy="6738552"/>
+          </a:xfrm>
+          <a:prstGeom prst="rect">
+            <a:avLst/>
+          </a:prstGeom>
+          <a:solidFill>
+            <a:schemeClr val="bg1">
+              <a:lumMod val="95000"/>
+            </a:schemeClr>
+          </a:solidFill>
+          <a:ln w="152400">
+            <a:solidFill>
+              <a:srgbClr val="F3850D"/>
+            </a:solidFill>
+          </a:ln>
+        </p:spPr>
+        <p:style>
+          <a:lnRef idx="2">
+            <a:schemeClr val="accent1">
+              <a:shade val="50000"/>
+            </a:schemeClr>
+          </a:lnRef>
+          <a:fillRef idx="1">
+            <a:schemeClr val="accent1"/>
+          </a:fillRef>
+          <a:effectRef idx="0">
+            <a:schemeClr val="accent1"/>
+          </a:effectRef>
+          <a:fontRef idx="minor">
+            <a:schemeClr val="lt1"/>
+          </a:fontRef>
+        </p:style>
+        <p:txBody>
+          <a:bodyPr rtlCol="0" anchor="ctr"/>
+          <a:lstStyle/>
+          <a:p>
+            <a:pPr algn="ctr"/>
+            <a:endParaRPr lang="de-CH"/>
+          </a:p>
+        </p:txBody>
+      </p:sp>
+      <p:pic>
+        <p:nvPicPr>
+          <p:cNvPr id="5" name="Grafik 4">
+            <a:extLst>
+              <a:ext uri="{FF2B5EF4-FFF2-40B4-BE49-F238E27FC236}">
+                <a16:creationId xmlns:a16="http://schemas.microsoft.com/office/drawing/2014/main" id="{F2CDA023-A6D8-4C27-9F8F-7F042EE0B6E1}"/>
+              </a:ext>
+            </a:extLst>
+          </p:cNvPr>
+          <p:cNvPicPr>
+            <a:picLocks noChangeAspect="1"/>
+          </p:cNvPicPr>
+          <p:nvPr/>
+        </p:nvPicPr>
+        <p:blipFill>
+          <a:blip r:embed="rId3">
+            <a:extLst>
+              <a:ext uri="{28A0092B-C50C-407E-A947-70E740481C1C}">
+                <a14:useLocalDpi xmlns:a14="http://schemas.microsoft.com/office/drawing/2010/main" val="0"/>
+              </a:ext>
+            </a:extLst>
+          </a:blip>
+          <a:srcRect/>
+          <a:stretch/>
+        </p:blipFill>
+        <p:spPr>
+          <a:xfrm>
+            <a:off x="9347830" y="195521"/>
+            <a:ext cx="2372162" cy="2372162"/>
+          </a:xfrm>
+          <a:prstGeom prst="rect">
+            <a:avLst/>
+          </a:prstGeom>
+        </p:spPr>
+      </p:pic>
+      <p:sp>
+        <p:nvSpPr>
+          <p:cNvPr id="8" name="Rechteck 7">
+            <a:extLst>
+              <a:ext uri="{FF2B5EF4-FFF2-40B4-BE49-F238E27FC236}">
+                <a16:creationId xmlns:a16="http://schemas.microsoft.com/office/drawing/2014/main" id="{65A16251-256F-4D13-A307-0F06FBDDD39A}"/>
+              </a:ext>
+            </a:extLst>
+          </p:cNvPr>
+          <p:cNvSpPr/>
+          <p:nvPr/>
+        </p:nvSpPr>
+        <p:spPr>
+          <a:xfrm>
+            <a:off x="152401" y="112644"/>
+            <a:ext cx="9611031" cy="2902226"/>
+          </a:xfrm>
+          <a:prstGeom prst="rect">
+            <a:avLst/>
+          </a:prstGeom>
+          <a:solidFill>
+            <a:srgbClr val="F2F2F2">
+              <a:alpha val="0"/>
+            </a:srgbClr>
+          </a:solidFill>
+          <a:ln w="76200">
+            <a:noFill/>
+          </a:ln>
+        </p:spPr>
+        <p:style>
+          <a:lnRef idx="2">
+            <a:schemeClr val="accent1">
+              <a:shade val="50000"/>
+            </a:schemeClr>
+          </a:lnRef>
+          <a:fillRef idx="1">
+            <a:schemeClr val="accent1"/>
+          </a:fillRef>
+          <a:effectRef idx="0">
+            <a:schemeClr val="accent1"/>
+          </a:effectRef>
+          <a:fontRef idx="minor">
+            <a:schemeClr val="lt1"/>
+          </a:fontRef>
+        </p:style>
+        <p:txBody>
+          <a:bodyPr rtlCol="0" anchor="t"/>
+          <a:lstStyle/>
+          <a:p>
+            <a:r>
+              <a:rPr lang="de-CH" sz="8800" dirty="0" err="1">
+                <a:solidFill>
+                  <a:schemeClr val="tx1"/>
+                </a:solidFill>
+                <a:latin typeface="Montserrat Medium" panose="00000600000000000000" pitchFamily="2" charset="0"/>
+              </a:rPr>
+              <a:t>Subscription</a:t>
+            </a:r>
+            <a:r>
+              <a:rPr lang="de-CH" sz="8800" dirty="0">
+                <a:solidFill>
+                  <a:schemeClr val="tx1"/>
+                </a:solidFill>
+                <a:latin typeface="Montserrat Medium" panose="00000600000000000000" pitchFamily="2" charset="0"/>
+              </a:rPr>
+              <a:t> Fee</a:t>
+            </a:r>
+          </a:p>
+        </p:txBody>
+      </p:sp>
+      <p:sp>
+        <p:nvSpPr>
+          <p:cNvPr id="9" name="Rechteck 8">
+            <a:extLst>
+              <a:ext uri="{FF2B5EF4-FFF2-40B4-BE49-F238E27FC236}">
+                <a16:creationId xmlns:a16="http://schemas.microsoft.com/office/drawing/2014/main" id="{101A9D07-1CF6-4106-9706-780E90EEC934}"/>
+              </a:ext>
+            </a:extLst>
+          </p:cNvPr>
+          <p:cNvSpPr/>
+          <p:nvPr/>
+        </p:nvSpPr>
+        <p:spPr>
+          <a:xfrm>
+            <a:off x="218661" y="171851"/>
+            <a:ext cx="11549269" cy="2736573"/>
+          </a:xfrm>
+          <a:prstGeom prst="rect">
+            <a:avLst/>
+          </a:prstGeom>
+          <a:solidFill>
+            <a:srgbClr val="F2F2F2">
+              <a:alpha val="80000"/>
+            </a:srgbClr>
+          </a:solidFill>
+          <a:ln w="76200">
+            <a:noFill/>
+          </a:ln>
+        </p:spPr>
+        <p:style>
+          <a:lnRef idx="2">
+            <a:schemeClr val="accent1">
+              <a:shade val="50000"/>
+            </a:schemeClr>
+          </a:lnRef>
+          <a:fillRef idx="1">
+            <a:schemeClr val="accent1"/>
+          </a:fillRef>
+          <a:effectRef idx="0">
+            <a:schemeClr val="accent1"/>
+          </a:effectRef>
+          <a:fontRef idx="minor">
+            <a:schemeClr val="lt1"/>
+          </a:fontRef>
+        </p:style>
+        <p:txBody>
+          <a:bodyPr rtlCol="0" anchor="ctr"/>
+          <a:lstStyle/>
+          <a:p>
+            <a:pPr algn="ctr"/>
+            <a:endParaRPr lang="de-CH" dirty="0"/>
+          </a:p>
+        </p:txBody>
+      </p:sp>
+    </p:spTree>
+    <p:extLst>
+      <p:ext uri="{BB962C8B-B14F-4D97-AF65-F5344CB8AC3E}">
+        <p14:creationId xmlns:p14="http://schemas.microsoft.com/office/powerpoint/2010/main" val="1409151586"/>
+      </p:ext>
+    </p:extLst>
+  </p:cSld>
+  <p:clrMapOvr>
+    <a:masterClrMapping/>
+  </p:clrMapOvr>
+</p:sld>
+</file>
+
+<file path=ppt/slides/slide114.xml><?xml version="1.0" encoding="utf-8"?>
+<p:sld xmlns:a="http://schemas.openxmlformats.org/drawingml/2006/main" xmlns:r="http://schemas.openxmlformats.org/officeDocument/2006/relationships" xmlns:p="http://schemas.openxmlformats.org/presentationml/2006/main">
+  <p:cSld>
+    <p:spTree>
+      <p:nvGrpSpPr>
+        <p:cNvPr id="1" name=""/>
+        <p:cNvGrpSpPr/>
+        <p:nvPr/>
+      </p:nvGrpSpPr>
+      <p:grpSpPr>
+        <a:xfrm>
+          <a:off x="0" y="0"/>
+          <a:ext cx="0" cy="0"/>
+          <a:chOff x="0" y="0"/>
+          <a:chExt cx="0" cy="0"/>
+        </a:xfrm>
+      </p:grpSpPr>
+      <p:sp>
+        <p:nvSpPr>
+          <p:cNvPr id="4" name="Rechteck 3"/>
+          <p:cNvSpPr/>
+          <p:nvPr/>
+        </p:nvSpPr>
+        <p:spPr>
+          <a:xfrm>
+            <a:off x="57664" y="57665"/>
+            <a:ext cx="12068433" cy="6738552"/>
+          </a:xfrm>
+          <a:prstGeom prst="rect">
+            <a:avLst/>
+          </a:prstGeom>
+          <a:solidFill>
+            <a:schemeClr val="bg1">
+              <a:lumMod val="95000"/>
+            </a:schemeClr>
+          </a:solidFill>
+          <a:ln w="152400">
+            <a:solidFill>
+              <a:srgbClr val="F3850D"/>
+            </a:solidFill>
+          </a:ln>
+        </p:spPr>
+        <p:style>
+          <a:lnRef idx="2">
+            <a:schemeClr val="accent1">
+              <a:shade val="50000"/>
+            </a:schemeClr>
+          </a:lnRef>
+          <a:fillRef idx="1">
+            <a:schemeClr val="accent1"/>
+          </a:fillRef>
+          <a:effectRef idx="0">
+            <a:schemeClr val="accent1"/>
+          </a:effectRef>
+          <a:fontRef idx="minor">
+            <a:schemeClr val="lt1"/>
+          </a:fontRef>
+        </p:style>
+        <p:txBody>
+          <a:bodyPr rtlCol="0" anchor="ctr"/>
+          <a:lstStyle/>
+          <a:p>
+            <a:pPr algn="ctr"/>
+            <a:endParaRPr lang="de-CH"/>
+          </a:p>
+        </p:txBody>
+      </p:sp>
+      <p:pic>
+        <p:nvPicPr>
+          <p:cNvPr id="7" name="Grafik 6">
+            <a:extLst>
+              <a:ext uri="{FF2B5EF4-FFF2-40B4-BE49-F238E27FC236}">
+                <a16:creationId xmlns:a16="http://schemas.microsoft.com/office/drawing/2014/main" id="{16410759-2A9C-4C5D-8846-E02A24841B57}"/>
+              </a:ext>
+            </a:extLst>
+          </p:cNvPr>
+          <p:cNvPicPr>
+            <a:picLocks noChangeAspect="1"/>
+          </p:cNvPicPr>
+          <p:nvPr/>
+        </p:nvPicPr>
+        <p:blipFill>
+          <a:blip r:embed="rId3">
+            <a:extLst>
+              <a:ext uri="{28A0092B-C50C-407E-A947-70E740481C1C}">
+                <a14:useLocalDpi xmlns:a14="http://schemas.microsoft.com/office/drawing/2010/main" val="0"/>
+              </a:ext>
+            </a:extLst>
+          </a:blip>
+          <a:srcRect/>
+          <a:stretch/>
+        </p:blipFill>
+        <p:spPr>
+          <a:xfrm>
+            <a:off x="3877550" y="2037574"/>
+            <a:ext cx="4103950" cy="4103950"/>
+          </a:xfrm>
+          <a:prstGeom prst="rect">
+            <a:avLst/>
+          </a:prstGeom>
+        </p:spPr>
+      </p:pic>
+      <p:sp>
+        <p:nvSpPr>
+          <p:cNvPr id="6" name="Rechteck 5">
+            <a:extLst>
+              <a:ext uri="{FF2B5EF4-FFF2-40B4-BE49-F238E27FC236}">
+                <a16:creationId xmlns:a16="http://schemas.microsoft.com/office/drawing/2014/main" id="{9B7DAAAB-BB0C-4876-8E00-34CFB5322FD0}"/>
+              </a:ext>
+            </a:extLst>
+          </p:cNvPr>
+          <p:cNvSpPr/>
+          <p:nvPr/>
+        </p:nvSpPr>
+        <p:spPr>
+          <a:xfrm>
+            <a:off x="152401" y="159025"/>
+            <a:ext cx="11880574" cy="6182140"/>
+          </a:xfrm>
+          <a:prstGeom prst="rect">
+            <a:avLst/>
+          </a:prstGeom>
+          <a:solidFill>
+            <a:srgbClr val="F2F2F2">
+              <a:alpha val="60000"/>
+            </a:srgbClr>
+          </a:solidFill>
+          <a:ln w="76200">
+            <a:noFill/>
+          </a:ln>
+        </p:spPr>
+        <p:style>
+          <a:lnRef idx="2">
+            <a:schemeClr val="accent1">
+              <a:shade val="50000"/>
+            </a:schemeClr>
+          </a:lnRef>
+          <a:fillRef idx="1">
+            <a:schemeClr val="accent1"/>
+          </a:fillRef>
+          <a:effectRef idx="0">
+            <a:schemeClr val="accent1"/>
+          </a:effectRef>
+          <a:fontRef idx="minor">
+            <a:schemeClr val="lt1"/>
+          </a:fontRef>
+        </p:style>
+        <p:txBody>
+          <a:bodyPr rtlCol="0" anchor="t"/>
+          <a:lstStyle/>
+          <a:p>
+            <a:pPr algn="ctr"/>
+            <a:r>
+              <a:rPr lang="de-CH" sz="11000" dirty="0">
+                <a:solidFill>
+                  <a:schemeClr val="tx1"/>
+                </a:solidFill>
+                <a:latin typeface="Montserrat Medium" panose="00000600000000000000" pitchFamily="2" charset="0"/>
+              </a:rPr>
+              <a:t>Brokerage Fee</a:t>
+            </a:r>
+          </a:p>
+        </p:txBody>
+      </p:sp>
+    </p:spTree>
+    <p:extLst>
+      <p:ext uri="{BB962C8B-B14F-4D97-AF65-F5344CB8AC3E}">
+        <p14:creationId xmlns:p14="http://schemas.microsoft.com/office/powerpoint/2010/main" val="2804537048"/>
+      </p:ext>
+    </p:extLst>
+  </p:cSld>
+  <p:clrMapOvr>
+    <a:masterClrMapping/>
+  </p:clrMapOvr>
+</p:sld>
+</file>
+
+<file path=ppt/slides/slide115.xml><?xml version="1.0" encoding="utf-8"?>
+<p:sld xmlns:a="http://schemas.openxmlformats.org/drawingml/2006/main" xmlns:r="http://schemas.openxmlformats.org/officeDocument/2006/relationships" xmlns:p="http://schemas.openxmlformats.org/presentationml/2006/main">
+  <p:cSld>
+    <p:spTree>
+      <p:nvGrpSpPr>
+        <p:cNvPr id="1" name=""/>
+        <p:cNvGrpSpPr/>
+        <p:nvPr/>
+      </p:nvGrpSpPr>
+      <p:grpSpPr>
+        <a:xfrm>
+          <a:off x="0" y="0"/>
+          <a:ext cx="0" cy="0"/>
+          <a:chOff x="0" y="0"/>
+          <a:chExt cx="0" cy="0"/>
+        </a:xfrm>
+      </p:grpSpPr>
+      <p:sp>
+        <p:nvSpPr>
+          <p:cNvPr id="4" name="Rechteck 3"/>
+          <p:cNvSpPr/>
+          <p:nvPr/>
+        </p:nvSpPr>
+        <p:spPr>
+          <a:xfrm>
+            <a:off x="57664" y="57665"/>
+            <a:ext cx="12068433" cy="6738552"/>
+          </a:xfrm>
+          <a:prstGeom prst="rect">
+            <a:avLst/>
+          </a:prstGeom>
+          <a:solidFill>
+            <a:schemeClr val="bg1">
+              <a:lumMod val="95000"/>
+            </a:schemeClr>
+          </a:solidFill>
+          <a:ln w="152400">
+            <a:solidFill>
+              <a:srgbClr val="F3850D"/>
+            </a:solidFill>
+          </a:ln>
+        </p:spPr>
+        <p:style>
+          <a:lnRef idx="2">
+            <a:schemeClr val="accent1">
+              <a:shade val="50000"/>
+            </a:schemeClr>
+          </a:lnRef>
+          <a:fillRef idx="1">
+            <a:schemeClr val="accent1"/>
+          </a:fillRef>
+          <a:effectRef idx="0">
+            <a:schemeClr val="accent1"/>
+          </a:effectRef>
+          <a:fontRef idx="minor">
+            <a:schemeClr val="lt1"/>
+          </a:fontRef>
+        </p:style>
+        <p:txBody>
+          <a:bodyPr rtlCol="0" anchor="ctr"/>
+          <a:lstStyle/>
+          <a:p>
+            <a:pPr algn="ctr"/>
+            <a:endParaRPr lang="de-CH"/>
+          </a:p>
+        </p:txBody>
+      </p:sp>
+      <p:pic>
+        <p:nvPicPr>
+          <p:cNvPr id="5" name="Grafik 4">
+            <a:extLst>
+              <a:ext uri="{FF2B5EF4-FFF2-40B4-BE49-F238E27FC236}">
+                <a16:creationId xmlns:a16="http://schemas.microsoft.com/office/drawing/2014/main" id="{F2CDA023-A6D8-4C27-9F8F-7F042EE0B6E1}"/>
+              </a:ext>
+            </a:extLst>
+          </p:cNvPr>
+          <p:cNvPicPr>
+            <a:picLocks noChangeAspect="1"/>
+          </p:cNvPicPr>
+          <p:nvPr/>
+        </p:nvPicPr>
+        <p:blipFill>
+          <a:blip r:embed="rId3">
+            <a:extLst>
+              <a:ext uri="{28A0092B-C50C-407E-A947-70E740481C1C}">
+                <a14:useLocalDpi xmlns:a14="http://schemas.microsoft.com/office/drawing/2010/main" val="0"/>
+              </a:ext>
+            </a:extLst>
+          </a:blip>
+          <a:srcRect/>
+          <a:stretch/>
+        </p:blipFill>
+        <p:spPr>
+          <a:xfrm>
+            <a:off x="9347830" y="195521"/>
+            <a:ext cx="2372162" cy="2372162"/>
+          </a:xfrm>
+          <a:prstGeom prst="rect">
+            <a:avLst/>
+          </a:prstGeom>
+        </p:spPr>
+      </p:pic>
+      <p:sp>
+        <p:nvSpPr>
+          <p:cNvPr id="8" name="Rechteck 7">
+            <a:extLst>
+              <a:ext uri="{FF2B5EF4-FFF2-40B4-BE49-F238E27FC236}">
+                <a16:creationId xmlns:a16="http://schemas.microsoft.com/office/drawing/2014/main" id="{65A16251-256F-4D13-A307-0F06FBDDD39A}"/>
+              </a:ext>
+            </a:extLst>
+          </p:cNvPr>
+          <p:cNvSpPr/>
+          <p:nvPr/>
+        </p:nvSpPr>
+        <p:spPr>
+          <a:xfrm>
+            <a:off x="152401" y="112644"/>
+            <a:ext cx="9611031" cy="2902226"/>
+          </a:xfrm>
+          <a:prstGeom prst="rect">
+            <a:avLst/>
+          </a:prstGeom>
+          <a:solidFill>
+            <a:srgbClr val="F2F2F2">
+              <a:alpha val="0"/>
+            </a:srgbClr>
+          </a:solidFill>
+          <a:ln w="76200">
+            <a:noFill/>
+          </a:ln>
+        </p:spPr>
+        <p:style>
+          <a:lnRef idx="2">
+            <a:schemeClr val="accent1">
+              <a:shade val="50000"/>
+            </a:schemeClr>
+          </a:lnRef>
+          <a:fillRef idx="1">
+            <a:schemeClr val="accent1"/>
+          </a:fillRef>
+          <a:effectRef idx="0">
+            <a:schemeClr val="accent1"/>
+          </a:effectRef>
+          <a:fontRef idx="minor">
+            <a:schemeClr val="lt1"/>
+          </a:fontRef>
+        </p:style>
+        <p:txBody>
+          <a:bodyPr rtlCol="0" anchor="t"/>
+          <a:lstStyle/>
+          <a:p>
+            <a:r>
+              <a:rPr lang="de-CH" sz="8800" dirty="0">
+                <a:solidFill>
+                  <a:schemeClr val="tx1"/>
+                </a:solidFill>
+                <a:latin typeface="Montserrat Medium" panose="00000600000000000000" pitchFamily="2" charset="0"/>
+              </a:rPr>
+              <a:t>Brokerage Fee</a:t>
+            </a:r>
+          </a:p>
+        </p:txBody>
+      </p:sp>
+      <p:sp>
+        <p:nvSpPr>
+          <p:cNvPr id="9" name="Rechteck 8">
+            <a:extLst>
+              <a:ext uri="{FF2B5EF4-FFF2-40B4-BE49-F238E27FC236}">
+                <a16:creationId xmlns:a16="http://schemas.microsoft.com/office/drawing/2014/main" id="{101A9D07-1CF6-4106-9706-780E90EEC934}"/>
+              </a:ext>
+            </a:extLst>
+          </p:cNvPr>
+          <p:cNvSpPr/>
+          <p:nvPr/>
+        </p:nvSpPr>
+        <p:spPr>
+          <a:xfrm>
+            <a:off x="231913" y="171851"/>
+            <a:ext cx="11536017" cy="2736573"/>
+          </a:xfrm>
+          <a:prstGeom prst="rect">
+            <a:avLst/>
+          </a:prstGeom>
+          <a:solidFill>
+            <a:srgbClr val="F2F2F2">
+              <a:alpha val="80000"/>
+            </a:srgbClr>
+          </a:solidFill>
+          <a:ln w="76200">
+            <a:noFill/>
+          </a:ln>
+        </p:spPr>
+        <p:style>
+          <a:lnRef idx="2">
+            <a:schemeClr val="accent1">
+              <a:shade val="50000"/>
+            </a:schemeClr>
+          </a:lnRef>
+          <a:fillRef idx="1">
+            <a:schemeClr val="accent1"/>
+          </a:fillRef>
+          <a:effectRef idx="0">
+            <a:schemeClr val="accent1"/>
+          </a:effectRef>
+          <a:fontRef idx="minor">
+            <a:schemeClr val="lt1"/>
+          </a:fontRef>
+        </p:style>
+        <p:txBody>
+          <a:bodyPr rtlCol="0" anchor="ctr"/>
+          <a:lstStyle/>
+          <a:p>
+            <a:pPr algn="ctr"/>
+            <a:endParaRPr lang="de-CH" dirty="0"/>
+          </a:p>
+        </p:txBody>
+      </p:sp>
+    </p:spTree>
+    <p:extLst>
+      <p:ext uri="{BB962C8B-B14F-4D97-AF65-F5344CB8AC3E}">
+        <p14:creationId xmlns:p14="http://schemas.microsoft.com/office/powerpoint/2010/main" val="1554135926"/>
+      </p:ext>
+    </p:extLst>
+  </p:cSld>
+  <p:clrMapOvr>
+    <a:masterClrMapping/>
+  </p:clrMapOvr>
+</p:sld>
+</file>
+
+<file path=ppt/slides/slide116.xml><?xml version="1.0" encoding="utf-8"?>
+<p:sld xmlns:a="http://schemas.openxmlformats.org/drawingml/2006/main" xmlns:r="http://schemas.openxmlformats.org/officeDocument/2006/relationships" xmlns:p="http://schemas.openxmlformats.org/presentationml/2006/main">
+  <p:cSld>
+    <p:spTree>
+      <p:nvGrpSpPr>
+        <p:cNvPr id="1" name=""/>
+        <p:cNvGrpSpPr/>
+        <p:nvPr/>
+      </p:nvGrpSpPr>
+      <p:grpSpPr>
+        <a:xfrm>
+          <a:off x="0" y="0"/>
+          <a:ext cx="0" cy="0"/>
+          <a:chOff x="0" y="0"/>
+          <a:chExt cx="0" cy="0"/>
+        </a:xfrm>
+      </p:grpSpPr>
+      <p:sp>
+        <p:nvSpPr>
+          <p:cNvPr id="4" name="Rechteck 3"/>
+          <p:cNvSpPr/>
+          <p:nvPr/>
+        </p:nvSpPr>
+        <p:spPr>
+          <a:xfrm>
+            <a:off x="57664" y="57665"/>
+            <a:ext cx="12068433" cy="6738552"/>
+          </a:xfrm>
+          <a:prstGeom prst="rect">
+            <a:avLst/>
+          </a:prstGeom>
+          <a:solidFill>
+            <a:schemeClr val="bg1">
+              <a:lumMod val="95000"/>
+            </a:schemeClr>
+          </a:solidFill>
+          <a:ln w="152400">
+            <a:solidFill>
+              <a:srgbClr val="F3850D"/>
+            </a:solidFill>
+          </a:ln>
+        </p:spPr>
+        <p:style>
+          <a:lnRef idx="2">
+            <a:schemeClr val="accent1">
+              <a:shade val="50000"/>
+            </a:schemeClr>
+          </a:lnRef>
+          <a:fillRef idx="1">
+            <a:schemeClr val="accent1"/>
+          </a:fillRef>
+          <a:effectRef idx="0">
+            <a:schemeClr val="accent1"/>
+          </a:effectRef>
+          <a:fontRef idx="minor">
+            <a:schemeClr val="lt1"/>
+          </a:fontRef>
+        </p:style>
+        <p:txBody>
+          <a:bodyPr rtlCol="0" anchor="ctr"/>
+          <a:lstStyle/>
+          <a:p>
+            <a:pPr algn="ctr"/>
+            <a:endParaRPr lang="de-CH"/>
+          </a:p>
+        </p:txBody>
+      </p:sp>
+      <p:pic>
+        <p:nvPicPr>
+          <p:cNvPr id="7" name="Grafik 6">
+            <a:extLst>
+              <a:ext uri="{FF2B5EF4-FFF2-40B4-BE49-F238E27FC236}">
+                <a16:creationId xmlns:a16="http://schemas.microsoft.com/office/drawing/2014/main" id="{16410759-2A9C-4C5D-8846-E02A24841B57}"/>
+              </a:ext>
+            </a:extLst>
+          </p:cNvPr>
+          <p:cNvPicPr>
+            <a:picLocks noChangeAspect="1"/>
+          </p:cNvPicPr>
+          <p:nvPr/>
+        </p:nvPicPr>
+        <p:blipFill>
+          <a:blip r:embed="rId3">
+            <a:extLst>
+              <a:ext uri="{28A0092B-C50C-407E-A947-70E740481C1C}">
+                <a14:useLocalDpi xmlns:a14="http://schemas.microsoft.com/office/drawing/2010/main" val="0"/>
+              </a:ext>
+            </a:extLst>
+          </a:blip>
+          <a:srcRect/>
+          <a:stretch/>
+        </p:blipFill>
+        <p:spPr>
+          <a:xfrm>
+            <a:off x="3877550" y="2037574"/>
+            <a:ext cx="4103950" cy="4103950"/>
+          </a:xfrm>
+          <a:prstGeom prst="rect">
+            <a:avLst/>
+          </a:prstGeom>
+        </p:spPr>
+      </p:pic>
+      <p:sp>
+        <p:nvSpPr>
+          <p:cNvPr id="6" name="Rechteck 5">
+            <a:extLst>
+              <a:ext uri="{FF2B5EF4-FFF2-40B4-BE49-F238E27FC236}">
+                <a16:creationId xmlns:a16="http://schemas.microsoft.com/office/drawing/2014/main" id="{9B7DAAAB-BB0C-4876-8E00-34CFB5322FD0}"/>
+              </a:ext>
+            </a:extLst>
+          </p:cNvPr>
+          <p:cNvSpPr/>
+          <p:nvPr/>
+        </p:nvSpPr>
+        <p:spPr>
+          <a:xfrm>
+            <a:off x="152401" y="159025"/>
+            <a:ext cx="11880574" cy="6182140"/>
+          </a:xfrm>
+          <a:prstGeom prst="rect">
+            <a:avLst/>
+          </a:prstGeom>
+          <a:solidFill>
+            <a:srgbClr val="F2F2F2">
+              <a:alpha val="60000"/>
+            </a:srgbClr>
+          </a:solidFill>
+          <a:ln w="76200">
+            <a:noFill/>
+          </a:ln>
+        </p:spPr>
+        <p:style>
+          <a:lnRef idx="2">
+            <a:schemeClr val="accent1">
+              <a:shade val="50000"/>
+            </a:schemeClr>
+          </a:lnRef>
+          <a:fillRef idx="1">
+            <a:schemeClr val="accent1"/>
+          </a:fillRef>
+          <a:effectRef idx="0">
+            <a:schemeClr val="accent1"/>
+          </a:effectRef>
+          <a:fontRef idx="minor">
+            <a:schemeClr val="lt1"/>
+          </a:fontRef>
+        </p:style>
+        <p:txBody>
+          <a:bodyPr rtlCol="0" anchor="t"/>
+          <a:lstStyle/>
+          <a:p>
+            <a:pPr algn="ctr"/>
+            <a:r>
+              <a:rPr lang="de-CH" sz="7000" dirty="0">
+                <a:solidFill>
+                  <a:schemeClr val="tx1"/>
+                </a:solidFill>
+                <a:latin typeface="Montserrat Medium" panose="00000600000000000000" pitchFamily="2" charset="0"/>
+              </a:rPr>
+              <a:t>Lending, </a:t>
+            </a:r>
+            <a:r>
+              <a:rPr lang="de-CH" sz="7000" dirty="0" err="1">
+                <a:solidFill>
+                  <a:schemeClr val="tx1"/>
+                </a:solidFill>
+                <a:latin typeface="Montserrat Medium" panose="00000600000000000000" pitchFamily="2" charset="0"/>
+              </a:rPr>
+              <a:t>Renting</a:t>
+            </a:r>
+            <a:r>
+              <a:rPr lang="de-CH" sz="7000" dirty="0">
+                <a:solidFill>
+                  <a:schemeClr val="tx1"/>
+                </a:solidFill>
+                <a:latin typeface="Montserrat Medium" panose="00000600000000000000" pitchFamily="2" charset="0"/>
+              </a:rPr>
+              <a:t>, Leasing</a:t>
+            </a:r>
+          </a:p>
+        </p:txBody>
+      </p:sp>
+    </p:spTree>
+    <p:extLst>
+      <p:ext uri="{BB962C8B-B14F-4D97-AF65-F5344CB8AC3E}">
+        <p14:creationId xmlns:p14="http://schemas.microsoft.com/office/powerpoint/2010/main" val="847628363"/>
+      </p:ext>
+    </p:extLst>
+  </p:cSld>
+  <p:clrMapOvr>
+    <a:masterClrMapping/>
+  </p:clrMapOvr>
+</p:sld>
+</file>
+
+<file path=ppt/slides/slide117.xml><?xml version="1.0" encoding="utf-8"?>
+<p:sld xmlns:a="http://schemas.openxmlformats.org/drawingml/2006/main" xmlns:r="http://schemas.openxmlformats.org/officeDocument/2006/relationships" xmlns:p="http://schemas.openxmlformats.org/presentationml/2006/main">
+  <p:cSld>
+    <p:spTree>
+      <p:nvGrpSpPr>
+        <p:cNvPr id="1" name=""/>
+        <p:cNvGrpSpPr/>
+        <p:nvPr/>
+      </p:nvGrpSpPr>
+      <p:grpSpPr>
+        <a:xfrm>
+          <a:off x="0" y="0"/>
+          <a:ext cx="0" cy="0"/>
+          <a:chOff x="0" y="0"/>
+          <a:chExt cx="0" cy="0"/>
+        </a:xfrm>
+      </p:grpSpPr>
+      <p:sp>
+        <p:nvSpPr>
+          <p:cNvPr id="4" name="Rechteck 3"/>
+          <p:cNvSpPr/>
+          <p:nvPr/>
+        </p:nvSpPr>
+        <p:spPr>
+          <a:xfrm>
+            <a:off x="57664" y="57665"/>
+            <a:ext cx="12068433" cy="6738552"/>
+          </a:xfrm>
+          <a:prstGeom prst="rect">
+            <a:avLst/>
+          </a:prstGeom>
+          <a:solidFill>
+            <a:schemeClr val="bg1">
+              <a:lumMod val="95000"/>
+            </a:schemeClr>
+          </a:solidFill>
+          <a:ln w="152400">
+            <a:solidFill>
+              <a:srgbClr val="F3850D"/>
+            </a:solidFill>
+          </a:ln>
+        </p:spPr>
+        <p:style>
+          <a:lnRef idx="2">
+            <a:schemeClr val="accent1">
+              <a:shade val="50000"/>
+            </a:schemeClr>
+          </a:lnRef>
+          <a:fillRef idx="1">
+            <a:schemeClr val="accent1"/>
+          </a:fillRef>
+          <a:effectRef idx="0">
+            <a:schemeClr val="accent1"/>
+          </a:effectRef>
+          <a:fontRef idx="minor">
+            <a:schemeClr val="lt1"/>
+          </a:fontRef>
+        </p:style>
+        <p:txBody>
+          <a:bodyPr rtlCol="0" anchor="ctr"/>
+          <a:lstStyle/>
+          <a:p>
+            <a:pPr algn="ctr"/>
+            <a:endParaRPr lang="de-CH"/>
+          </a:p>
+        </p:txBody>
+      </p:sp>
+      <p:pic>
+        <p:nvPicPr>
+          <p:cNvPr id="5" name="Grafik 4">
+            <a:extLst>
+              <a:ext uri="{FF2B5EF4-FFF2-40B4-BE49-F238E27FC236}">
+                <a16:creationId xmlns:a16="http://schemas.microsoft.com/office/drawing/2014/main" id="{F2CDA023-A6D8-4C27-9F8F-7F042EE0B6E1}"/>
+              </a:ext>
+            </a:extLst>
+          </p:cNvPr>
+          <p:cNvPicPr>
+            <a:picLocks noChangeAspect="1"/>
+          </p:cNvPicPr>
+          <p:nvPr/>
+        </p:nvPicPr>
+        <p:blipFill>
+          <a:blip r:embed="rId3">
+            <a:extLst>
+              <a:ext uri="{28A0092B-C50C-407E-A947-70E740481C1C}">
+                <a14:useLocalDpi xmlns:a14="http://schemas.microsoft.com/office/drawing/2010/main" val="0"/>
+              </a:ext>
+            </a:extLst>
+          </a:blip>
+          <a:srcRect/>
+          <a:stretch/>
+        </p:blipFill>
+        <p:spPr>
+          <a:xfrm>
+            <a:off x="9347830" y="195521"/>
+            <a:ext cx="2372162" cy="2372162"/>
+          </a:xfrm>
+          <a:prstGeom prst="rect">
+            <a:avLst/>
+          </a:prstGeom>
+        </p:spPr>
+      </p:pic>
+      <p:sp>
+        <p:nvSpPr>
+          <p:cNvPr id="8" name="Rechteck 7">
+            <a:extLst>
+              <a:ext uri="{FF2B5EF4-FFF2-40B4-BE49-F238E27FC236}">
+                <a16:creationId xmlns:a16="http://schemas.microsoft.com/office/drawing/2014/main" id="{65A16251-256F-4D13-A307-0F06FBDDD39A}"/>
+              </a:ext>
+            </a:extLst>
+          </p:cNvPr>
+          <p:cNvSpPr/>
+          <p:nvPr/>
+        </p:nvSpPr>
+        <p:spPr>
+          <a:xfrm>
+            <a:off x="152401" y="112644"/>
+            <a:ext cx="9611031" cy="2902226"/>
+          </a:xfrm>
+          <a:prstGeom prst="rect">
+            <a:avLst/>
+          </a:prstGeom>
+          <a:solidFill>
+            <a:srgbClr val="F2F2F2">
+              <a:alpha val="0"/>
+            </a:srgbClr>
+          </a:solidFill>
+          <a:ln w="76200">
+            <a:noFill/>
+          </a:ln>
+        </p:spPr>
+        <p:style>
+          <a:lnRef idx="2">
+            <a:schemeClr val="accent1">
+              <a:shade val="50000"/>
+            </a:schemeClr>
+          </a:lnRef>
+          <a:fillRef idx="1">
+            <a:schemeClr val="accent1"/>
+          </a:fillRef>
+          <a:effectRef idx="0">
+            <a:schemeClr val="accent1"/>
+          </a:effectRef>
+          <a:fontRef idx="minor">
+            <a:schemeClr val="lt1"/>
+          </a:fontRef>
+        </p:style>
+        <p:txBody>
+          <a:bodyPr rtlCol="0" anchor="t"/>
+          <a:lstStyle/>
+          <a:p>
+            <a:r>
+              <a:rPr lang="de-CH" sz="8000" dirty="0">
+                <a:solidFill>
+                  <a:schemeClr val="tx1"/>
+                </a:solidFill>
+                <a:latin typeface="Montserrat Medium" panose="00000600000000000000" pitchFamily="2" charset="0"/>
+              </a:rPr>
+              <a:t>Lending, </a:t>
+            </a:r>
+            <a:r>
+              <a:rPr lang="de-CH" sz="8000" dirty="0" err="1">
+                <a:solidFill>
+                  <a:schemeClr val="tx1"/>
+                </a:solidFill>
+                <a:latin typeface="Montserrat Medium" panose="00000600000000000000" pitchFamily="2" charset="0"/>
+              </a:rPr>
+              <a:t>Renting</a:t>
+            </a:r>
+            <a:r>
+              <a:rPr lang="de-CH" sz="8000" dirty="0">
+                <a:solidFill>
+                  <a:schemeClr val="tx1"/>
+                </a:solidFill>
+                <a:latin typeface="Montserrat Medium" panose="00000600000000000000" pitchFamily="2" charset="0"/>
+              </a:rPr>
+              <a:t>, Leasing</a:t>
+            </a:r>
+          </a:p>
+        </p:txBody>
+      </p:sp>
+      <p:sp>
+        <p:nvSpPr>
+          <p:cNvPr id="9" name="Rechteck 8">
+            <a:extLst>
+              <a:ext uri="{FF2B5EF4-FFF2-40B4-BE49-F238E27FC236}">
+                <a16:creationId xmlns:a16="http://schemas.microsoft.com/office/drawing/2014/main" id="{101A9D07-1CF6-4106-9706-780E90EEC934}"/>
+              </a:ext>
+            </a:extLst>
+          </p:cNvPr>
+          <p:cNvSpPr/>
+          <p:nvPr/>
+        </p:nvSpPr>
+        <p:spPr>
+          <a:xfrm>
+            <a:off x="278296" y="171851"/>
+            <a:ext cx="11489634" cy="2736573"/>
+          </a:xfrm>
+          <a:prstGeom prst="rect">
+            <a:avLst/>
+          </a:prstGeom>
+          <a:solidFill>
+            <a:srgbClr val="F2F2F2">
+              <a:alpha val="80000"/>
+            </a:srgbClr>
+          </a:solidFill>
+          <a:ln w="76200">
+            <a:noFill/>
+          </a:ln>
+        </p:spPr>
+        <p:style>
+          <a:lnRef idx="2">
+            <a:schemeClr val="accent1">
+              <a:shade val="50000"/>
+            </a:schemeClr>
+          </a:lnRef>
+          <a:fillRef idx="1">
+            <a:schemeClr val="accent1"/>
+          </a:fillRef>
+          <a:effectRef idx="0">
+            <a:schemeClr val="accent1"/>
+          </a:effectRef>
+          <a:fontRef idx="minor">
+            <a:schemeClr val="lt1"/>
+          </a:fontRef>
+        </p:style>
+        <p:txBody>
+          <a:bodyPr rtlCol="0" anchor="ctr"/>
+          <a:lstStyle/>
+          <a:p>
+            <a:pPr algn="ctr"/>
+            <a:endParaRPr lang="de-CH" dirty="0"/>
+          </a:p>
+        </p:txBody>
+      </p:sp>
+    </p:spTree>
+    <p:extLst>
+      <p:ext uri="{BB962C8B-B14F-4D97-AF65-F5344CB8AC3E}">
+        <p14:creationId xmlns:p14="http://schemas.microsoft.com/office/powerpoint/2010/main" val="3134277537"/>
+      </p:ext>
+    </p:extLst>
+  </p:cSld>
+  <p:clrMapOvr>
+    <a:masterClrMapping/>
+  </p:clrMapOvr>
+</p:sld>
+</file>
+
+<file path=ppt/slides/slide118.xml><?xml version="1.0" encoding="utf-8"?>
+<p:sld xmlns:a="http://schemas.openxmlformats.org/drawingml/2006/main" xmlns:r="http://schemas.openxmlformats.org/officeDocument/2006/relationships" xmlns:p="http://schemas.openxmlformats.org/presentationml/2006/main">
+  <p:cSld>
+    <p:spTree>
+      <p:nvGrpSpPr>
+        <p:cNvPr id="1" name=""/>
+        <p:cNvGrpSpPr/>
+        <p:nvPr/>
+      </p:nvGrpSpPr>
+      <p:grpSpPr>
+        <a:xfrm>
+          <a:off x="0" y="0"/>
+          <a:ext cx="0" cy="0"/>
+          <a:chOff x="0" y="0"/>
+          <a:chExt cx="0" cy="0"/>
+        </a:xfrm>
+      </p:grpSpPr>
+      <p:sp>
+        <p:nvSpPr>
+          <p:cNvPr id="4" name="Rechteck 3"/>
+          <p:cNvSpPr/>
+          <p:nvPr/>
+        </p:nvSpPr>
+        <p:spPr>
+          <a:xfrm>
+            <a:off x="57664" y="57665"/>
+            <a:ext cx="12068433" cy="6738552"/>
+          </a:xfrm>
+          <a:prstGeom prst="rect">
+            <a:avLst/>
+          </a:prstGeom>
+          <a:solidFill>
+            <a:schemeClr val="bg1">
+              <a:lumMod val="95000"/>
+            </a:schemeClr>
+          </a:solidFill>
+          <a:ln w="152400">
+            <a:solidFill>
+              <a:srgbClr val="F3850D"/>
+            </a:solidFill>
+          </a:ln>
+        </p:spPr>
+        <p:style>
+          <a:lnRef idx="2">
+            <a:schemeClr val="accent1">
+              <a:shade val="50000"/>
+            </a:schemeClr>
+          </a:lnRef>
+          <a:fillRef idx="1">
+            <a:schemeClr val="accent1"/>
+          </a:fillRef>
+          <a:effectRef idx="0">
+            <a:schemeClr val="accent1"/>
+          </a:effectRef>
+          <a:fontRef idx="minor">
+            <a:schemeClr val="lt1"/>
+          </a:fontRef>
+        </p:style>
+        <p:txBody>
+          <a:bodyPr rtlCol="0" anchor="ctr"/>
+          <a:lstStyle/>
+          <a:p>
+            <a:pPr algn="ctr"/>
+            <a:endParaRPr lang="de-CH"/>
+          </a:p>
+        </p:txBody>
+      </p:sp>
+      <p:pic>
+        <p:nvPicPr>
+          <p:cNvPr id="7" name="Grafik 6">
+            <a:extLst>
+              <a:ext uri="{FF2B5EF4-FFF2-40B4-BE49-F238E27FC236}">
+                <a16:creationId xmlns:a16="http://schemas.microsoft.com/office/drawing/2014/main" id="{16410759-2A9C-4C5D-8846-E02A24841B57}"/>
+              </a:ext>
+            </a:extLst>
+          </p:cNvPr>
+          <p:cNvPicPr>
+            <a:picLocks noChangeAspect="1"/>
+          </p:cNvPicPr>
+          <p:nvPr/>
+        </p:nvPicPr>
+        <p:blipFill>
+          <a:blip r:embed="rId3">
+            <a:extLst>
+              <a:ext uri="{28A0092B-C50C-407E-A947-70E740481C1C}">
+                <a14:useLocalDpi xmlns:a14="http://schemas.microsoft.com/office/drawing/2010/main" val="0"/>
+              </a:ext>
+            </a:extLst>
+          </a:blip>
+          <a:srcRect/>
+          <a:stretch/>
+        </p:blipFill>
+        <p:spPr>
+          <a:xfrm>
+            <a:off x="3877550" y="2037574"/>
+            <a:ext cx="4103950" cy="4103950"/>
+          </a:xfrm>
+          <a:prstGeom prst="rect">
+            <a:avLst/>
+          </a:prstGeom>
+        </p:spPr>
+      </p:pic>
+      <p:sp>
+        <p:nvSpPr>
+          <p:cNvPr id="6" name="Rechteck 5">
+            <a:extLst>
+              <a:ext uri="{FF2B5EF4-FFF2-40B4-BE49-F238E27FC236}">
+                <a16:creationId xmlns:a16="http://schemas.microsoft.com/office/drawing/2014/main" id="{9B7DAAAB-BB0C-4876-8E00-34CFB5322FD0}"/>
+              </a:ext>
+            </a:extLst>
+          </p:cNvPr>
+          <p:cNvSpPr/>
+          <p:nvPr/>
+        </p:nvSpPr>
+        <p:spPr>
+          <a:xfrm>
+            <a:off x="152401" y="159025"/>
+            <a:ext cx="11880574" cy="6182140"/>
+          </a:xfrm>
+          <a:prstGeom prst="rect">
+            <a:avLst/>
+          </a:prstGeom>
+          <a:solidFill>
+            <a:srgbClr val="F2F2F2">
+              <a:alpha val="60000"/>
+            </a:srgbClr>
+          </a:solidFill>
+          <a:ln w="76200">
+            <a:noFill/>
+          </a:ln>
+        </p:spPr>
+        <p:style>
+          <a:lnRef idx="2">
+            <a:schemeClr val="accent1">
+              <a:shade val="50000"/>
+            </a:schemeClr>
+          </a:lnRef>
+          <a:fillRef idx="1">
+            <a:schemeClr val="accent1"/>
+          </a:fillRef>
+          <a:effectRef idx="0">
+            <a:schemeClr val="accent1"/>
+          </a:effectRef>
+          <a:fontRef idx="minor">
+            <a:schemeClr val="lt1"/>
+          </a:fontRef>
+        </p:style>
+        <p:txBody>
+          <a:bodyPr rtlCol="0" anchor="t"/>
+          <a:lstStyle/>
+          <a:p>
+            <a:pPr algn="ctr"/>
+            <a:r>
+              <a:rPr lang="de-CH" sz="11000" dirty="0">
+                <a:solidFill>
+                  <a:schemeClr val="tx1"/>
+                </a:solidFill>
+                <a:latin typeface="Montserrat Medium" panose="00000600000000000000" pitchFamily="2" charset="0"/>
+              </a:rPr>
+              <a:t>Advertising</a:t>
+            </a:r>
+          </a:p>
+        </p:txBody>
+      </p:sp>
+    </p:spTree>
+    <p:extLst>
+      <p:ext uri="{BB962C8B-B14F-4D97-AF65-F5344CB8AC3E}">
+        <p14:creationId xmlns:p14="http://schemas.microsoft.com/office/powerpoint/2010/main" val="777861699"/>
+      </p:ext>
+    </p:extLst>
+  </p:cSld>
+  <p:clrMapOvr>
+    <a:masterClrMapping/>
+  </p:clrMapOvr>
+</p:sld>
+</file>
+
+<file path=ppt/slides/slide119.xml><?xml version="1.0" encoding="utf-8"?>
+<p:sld xmlns:a="http://schemas.openxmlformats.org/drawingml/2006/main" xmlns:r="http://schemas.openxmlformats.org/officeDocument/2006/relationships" xmlns:p="http://schemas.openxmlformats.org/presentationml/2006/main">
+  <p:cSld>
+    <p:spTree>
+      <p:nvGrpSpPr>
+        <p:cNvPr id="1" name=""/>
+        <p:cNvGrpSpPr/>
+        <p:nvPr/>
+      </p:nvGrpSpPr>
+      <p:grpSpPr>
+        <a:xfrm>
+          <a:off x="0" y="0"/>
+          <a:ext cx="0" cy="0"/>
+          <a:chOff x="0" y="0"/>
+          <a:chExt cx="0" cy="0"/>
+        </a:xfrm>
+      </p:grpSpPr>
+      <p:sp>
+        <p:nvSpPr>
+          <p:cNvPr id="4" name="Rechteck 3"/>
+          <p:cNvSpPr/>
+          <p:nvPr/>
+        </p:nvSpPr>
+        <p:spPr>
+          <a:xfrm>
+            <a:off x="57664" y="57665"/>
+            <a:ext cx="12068433" cy="6738552"/>
+          </a:xfrm>
+          <a:prstGeom prst="rect">
+            <a:avLst/>
+          </a:prstGeom>
+          <a:solidFill>
+            <a:schemeClr val="bg1">
+              <a:lumMod val="95000"/>
+            </a:schemeClr>
+          </a:solidFill>
+          <a:ln w="152400">
+            <a:solidFill>
+              <a:srgbClr val="F3850D"/>
+            </a:solidFill>
+          </a:ln>
+        </p:spPr>
+        <p:style>
+          <a:lnRef idx="2">
+            <a:schemeClr val="accent1">
+              <a:shade val="50000"/>
+            </a:schemeClr>
+          </a:lnRef>
+          <a:fillRef idx="1">
+            <a:schemeClr val="accent1"/>
+          </a:fillRef>
+          <a:effectRef idx="0">
+            <a:schemeClr val="accent1"/>
+          </a:effectRef>
+          <a:fontRef idx="minor">
+            <a:schemeClr val="lt1"/>
+          </a:fontRef>
+        </p:style>
+        <p:txBody>
+          <a:bodyPr rtlCol="0" anchor="ctr"/>
+          <a:lstStyle/>
+          <a:p>
+            <a:pPr algn="ctr"/>
+            <a:endParaRPr lang="de-CH"/>
+          </a:p>
+        </p:txBody>
+      </p:sp>
+      <p:pic>
+        <p:nvPicPr>
+          <p:cNvPr id="5" name="Grafik 4">
+            <a:extLst>
+              <a:ext uri="{FF2B5EF4-FFF2-40B4-BE49-F238E27FC236}">
+                <a16:creationId xmlns:a16="http://schemas.microsoft.com/office/drawing/2014/main" id="{F2CDA023-A6D8-4C27-9F8F-7F042EE0B6E1}"/>
+              </a:ext>
+            </a:extLst>
+          </p:cNvPr>
+          <p:cNvPicPr>
+            <a:picLocks noChangeAspect="1"/>
+          </p:cNvPicPr>
+          <p:nvPr/>
+        </p:nvPicPr>
+        <p:blipFill>
+          <a:blip r:embed="rId3">
+            <a:extLst>
+              <a:ext uri="{28A0092B-C50C-407E-A947-70E740481C1C}">
+                <a14:useLocalDpi xmlns:a14="http://schemas.microsoft.com/office/drawing/2010/main" val="0"/>
+              </a:ext>
+            </a:extLst>
+          </a:blip>
+          <a:srcRect/>
+          <a:stretch/>
+        </p:blipFill>
+        <p:spPr>
+          <a:xfrm>
+            <a:off x="9347830" y="195521"/>
+            <a:ext cx="2372162" cy="2372162"/>
+          </a:xfrm>
+          <a:prstGeom prst="rect">
+            <a:avLst/>
+          </a:prstGeom>
+        </p:spPr>
+      </p:pic>
+      <p:sp>
+        <p:nvSpPr>
+          <p:cNvPr id="8" name="Rechteck 7">
+            <a:extLst>
+              <a:ext uri="{FF2B5EF4-FFF2-40B4-BE49-F238E27FC236}">
+                <a16:creationId xmlns:a16="http://schemas.microsoft.com/office/drawing/2014/main" id="{65A16251-256F-4D13-A307-0F06FBDDD39A}"/>
+              </a:ext>
+            </a:extLst>
+          </p:cNvPr>
+          <p:cNvSpPr/>
+          <p:nvPr/>
+        </p:nvSpPr>
+        <p:spPr>
+          <a:xfrm>
+            <a:off x="152401" y="112644"/>
+            <a:ext cx="9611031" cy="2902226"/>
+          </a:xfrm>
+          <a:prstGeom prst="rect">
+            <a:avLst/>
+          </a:prstGeom>
+          <a:solidFill>
+            <a:srgbClr val="F2F2F2">
+              <a:alpha val="0"/>
+            </a:srgbClr>
+          </a:solidFill>
+          <a:ln w="76200">
+            <a:noFill/>
+          </a:ln>
+        </p:spPr>
+        <p:style>
+          <a:lnRef idx="2">
+            <a:schemeClr val="accent1">
+              <a:shade val="50000"/>
+            </a:schemeClr>
+          </a:lnRef>
+          <a:fillRef idx="1">
+            <a:schemeClr val="accent1"/>
+          </a:fillRef>
+          <a:effectRef idx="0">
+            <a:schemeClr val="accent1"/>
+          </a:effectRef>
+          <a:fontRef idx="minor">
+            <a:schemeClr val="lt1"/>
+          </a:fontRef>
+        </p:style>
+        <p:txBody>
+          <a:bodyPr rtlCol="0" anchor="t"/>
+          <a:lstStyle/>
+          <a:p>
+            <a:r>
+              <a:rPr lang="de-CH" sz="8800" dirty="0">
+                <a:solidFill>
+                  <a:schemeClr val="tx1"/>
+                </a:solidFill>
+                <a:latin typeface="Montserrat Medium" panose="00000600000000000000" pitchFamily="2" charset="0"/>
+              </a:rPr>
+              <a:t>Advertising</a:t>
+            </a:r>
+          </a:p>
+        </p:txBody>
+      </p:sp>
+      <p:sp>
+        <p:nvSpPr>
+          <p:cNvPr id="9" name="Rechteck 8">
+            <a:extLst>
+              <a:ext uri="{FF2B5EF4-FFF2-40B4-BE49-F238E27FC236}">
+                <a16:creationId xmlns:a16="http://schemas.microsoft.com/office/drawing/2014/main" id="{101A9D07-1CF6-4106-9706-780E90EEC934}"/>
+              </a:ext>
+            </a:extLst>
+          </p:cNvPr>
+          <p:cNvSpPr/>
+          <p:nvPr/>
+        </p:nvSpPr>
+        <p:spPr>
+          <a:xfrm>
+            <a:off x="205409" y="171851"/>
+            <a:ext cx="11562521" cy="2736573"/>
+          </a:xfrm>
+          <a:prstGeom prst="rect">
+            <a:avLst/>
+          </a:prstGeom>
+          <a:solidFill>
+            <a:srgbClr val="F2F2F2">
+              <a:alpha val="80000"/>
+            </a:srgbClr>
+          </a:solidFill>
+          <a:ln w="76200">
+            <a:noFill/>
+          </a:ln>
+        </p:spPr>
+        <p:style>
+          <a:lnRef idx="2">
+            <a:schemeClr val="accent1">
+              <a:shade val="50000"/>
+            </a:schemeClr>
+          </a:lnRef>
+          <a:fillRef idx="1">
+            <a:schemeClr val="accent1"/>
+          </a:fillRef>
+          <a:effectRef idx="0">
+            <a:schemeClr val="accent1"/>
+          </a:effectRef>
+          <a:fontRef idx="minor">
+            <a:schemeClr val="lt1"/>
+          </a:fontRef>
+        </p:style>
+        <p:txBody>
+          <a:bodyPr rtlCol="0" anchor="ctr"/>
+          <a:lstStyle/>
+          <a:p>
+            <a:pPr algn="ctr"/>
+            <a:endParaRPr lang="de-CH" dirty="0"/>
+          </a:p>
+        </p:txBody>
+      </p:sp>
+    </p:spTree>
+    <p:extLst>
+      <p:ext uri="{BB962C8B-B14F-4D97-AF65-F5344CB8AC3E}">
+        <p14:creationId xmlns:p14="http://schemas.microsoft.com/office/powerpoint/2010/main" val="724228117"/>
       </p:ext>
     </p:extLst>
   </p:cSld>
@@ -17535,6 +22010,2095 @@
 </p:sld>
 </file>
 
+<file path=ppt/slides/slide120.xml><?xml version="1.0" encoding="utf-8"?>
+<p:sld xmlns:a="http://schemas.openxmlformats.org/drawingml/2006/main" xmlns:r="http://schemas.openxmlformats.org/officeDocument/2006/relationships" xmlns:p="http://schemas.openxmlformats.org/presentationml/2006/main">
+  <p:cSld>
+    <p:spTree>
+      <p:nvGrpSpPr>
+        <p:cNvPr id="1" name=""/>
+        <p:cNvGrpSpPr/>
+        <p:nvPr/>
+      </p:nvGrpSpPr>
+      <p:grpSpPr>
+        <a:xfrm>
+          <a:off x="0" y="0"/>
+          <a:ext cx="0" cy="0"/>
+          <a:chOff x="0" y="0"/>
+          <a:chExt cx="0" cy="0"/>
+        </a:xfrm>
+      </p:grpSpPr>
+      <p:sp>
+        <p:nvSpPr>
+          <p:cNvPr id="4" name="Rechteck 3"/>
+          <p:cNvSpPr/>
+          <p:nvPr/>
+        </p:nvSpPr>
+        <p:spPr>
+          <a:xfrm>
+            <a:off x="57664" y="57665"/>
+            <a:ext cx="12068433" cy="6738552"/>
+          </a:xfrm>
+          <a:prstGeom prst="rect">
+            <a:avLst/>
+          </a:prstGeom>
+          <a:solidFill>
+            <a:schemeClr val="bg1">
+              <a:lumMod val="95000"/>
+            </a:schemeClr>
+          </a:solidFill>
+          <a:ln w="152400">
+            <a:solidFill>
+              <a:srgbClr val="F3850D"/>
+            </a:solidFill>
+          </a:ln>
+        </p:spPr>
+        <p:style>
+          <a:lnRef idx="2">
+            <a:schemeClr val="accent1">
+              <a:shade val="50000"/>
+            </a:schemeClr>
+          </a:lnRef>
+          <a:fillRef idx="1">
+            <a:schemeClr val="accent1"/>
+          </a:fillRef>
+          <a:effectRef idx="0">
+            <a:schemeClr val="accent1"/>
+          </a:effectRef>
+          <a:fontRef idx="minor">
+            <a:schemeClr val="lt1"/>
+          </a:fontRef>
+        </p:style>
+        <p:txBody>
+          <a:bodyPr rtlCol="0" anchor="ctr"/>
+          <a:lstStyle/>
+          <a:p>
+            <a:pPr algn="ctr"/>
+            <a:endParaRPr lang="de-CH"/>
+          </a:p>
+        </p:txBody>
+      </p:sp>
+      <p:pic>
+        <p:nvPicPr>
+          <p:cNvPr id="7" name="Grafik 6">
+            <a:extLst>
+              <a:ext uri="{FF2B5EF4-FFF2-40B4-BE49-F238E27FC236}">
+                <a16:creationId xmlns:a16="http://schemas.microsoft.com/office/drawing/2014/main" id="{16410759-2A9C-4C5D-8846-E02A24841B57}"/>
+              </a:ext>
+            </a:extLst>
+          </p:cNvPr>
+          <p:cNvPicPr>
+            <a:picLocks noChangeAspect="1"/>
+          </p:cNvPicPr>
+          <p:nvPr/>
+        </p:nvPicPr>
+        <p:blipFill>
+          <a:blip r:embed="rId3">
+            <a:extLst>
+              <a:ext uri="{28A0092B-C50C-407E-A947-70E740481C1C}">
+                <a14:useLocalDpi xmlns:a14="http://schemas.microsoft.com/office/drawing/2010/main" val="0"/>
+              </a:ext>
+            </a:extLst>
+          </a:blip>
+          <a:srcRect/>
+          <a:stretch/>
+        </p:blipFill>
+        <p:spPr>
+          <a:xfrm>
+            <a:off x="3877550" y="2037574"/>
+            <a:ext cx="4103950" cy="4103950"/>
+          </a:xfrm>
+          <a:prstGeom prst="rect">
+            <a:avLst/>
+          </a:prstGeom>
+        </p:spPr>
+      </p:pic>
+      <p:sp>
+        <p:nvSpPr>
+          <p:cNvPr id="6" name="Rechteck 5">
+            <a:extLst>
+              <a:ext uri="{FF2B5EF4-FFF2-40B4-BE49-F238E27FC236}">
+                <a16:creationId xmlns:a16="http://schemas.microsoft.com/office/drawing/2014/main" id="{9B7DAAAB-BB0C-4876-8E00-34CFB5322FD0}"/>
+              </a:ext>
+            </a:extLst>
+          </p:cNvPr>
+          <p:cNvSpPr/>
+          <p:nvPr/>
+        </p:nvSpPr>
+        <p:spPr>
+          <a:xfrm>
+            <a:off x="152401" y="159025"/>
+            <a:ext cx="11880574" cy="6182140"/>
+          </a:xfrm>
+          <a:prstGeom prst="rect">
+            <a:avLst/>
+          </a:prstGeom>
+          <a:solidFill>
+            <a:srgbClr val="F2F2F2">
+              <a:alpha val="60000"/>
+            </a:srgbClr>
+          </a:solidFill>
+          <a:ln w="76200">
+            <a:noFill/>
+          </a:ln>
+        </p:spPr>
+        <p:style>
+          <a:lnRef idx="2">
+            <a:schemeClr val="accent1">
+              <a:shade val="50000"/>
+            </a:schemeClr>
+          </a:lnRef>
+          <a:fillRef idx="1">
+            <a:schemeClr val="accent1"/>
+          </a:fillRef>
+          <a:effectRef idx="0">
+            <a:schemeClr val="accent1"/>
+          </a:effectRef>
+          <a:fontRef idx="minor">
+            <a:schemeClr val="lt1"/>
+          </a:fontRef>
+        </p:style>
+        <p:txBody>
+          <a:bodyPr rtlCol="0" anchor="t"/>
+          <a:lstStyle/>
+          <a:p>
+            <a:pPr algn="ctr"/>
+            <a:r>
+              <a:rPr lang="de-CH" sz="11000" dirty="0">
+                <a:solidFill>
+                  <a:schemeClr val="tx1"/>
+                </a:solidFill>
+                <a:latin typeface="Montserrat Medium" panose="00000600000000000000" pitchFamily="2" charset="0"/>
+              </a:rPr>
+              <a:t>Licensing</a:t>
+            </a:r>
+          </a:p>
+        </p:txBody>
+      </p:sp>
+    </p:spTree>
+    <p:extLst>
+      <p:ext uri="{BB962C8B-B14F-4D97-AF65-F5344CB8AC3E}">
+        <p14:creationId xmlns:p14="http://schemas.microsoft.com/office/powerpoint/2010/main" val="2319276911"/>
+      </p:ext>
+    </p:extLst>
+  </p:cSld>
+  <p:clrMapOvr>
+    <a:masterClrMapping/>
+  </p:clrMapOvr>
+</p:sld>
+</file>
+
+<file path=ppt/slides/slide121.xml><?xml version="1.0" encoding="utf-8"?>
+<p:sld xmlns:a="http://schemas.openxmlformats.org/drawingml/2006/main" xmlns:r="http://schemas.openxmlformats.org/officeDocument/2006/relationships" xmlns:p="http://schemas.openxmlformats.org/presentationml/2006/main">
+  <p:cSld>
+    <p:spTree>
+      <p:nvGrpSpPr>
+        <p:cNvPr id="1" name=""/>
+        <p:cNvGrpSpPr/>
+        <p:nvPr/>
+      </p:nvGrpSpPr>
+      <p:grpSpPr>
+        <a:xfrm>
+          <a:off x="0" y="0"/>
+          <a:ext cx="0" cy="0"/>
+          <a:chOff x="0" y="0"/>
+          <a:chExt cx="0" cy="0"/>
+        </a:xfrm>
+      </p:grpSpPr>
+      <p:sp>
+        <p:nvSpPr>
+          <p:cNvPr id="4" name="Rechteck 3"/>
+          <p:cNvSpPr/>
+          <p:nvPr/>
+        </p:nvSpPr>
+        <p:spPr>
+          <a:xfrm>
+            <a:off x="57664" y="57665"/>
+            <a:ext cx="12068433" cy="6738552"/>
+          </a:xfrm>
+          <a:prstGeom prst="rect">
+            <a:avLst/>
+          </a:prstGeom>
+          <a:solidFill>
+            <a:schemeClr val="bg1">
+              <a:lumMod val="95000"/>
+            </a:schemeClr>
+          </a:solidFill>
+          <a:ln w="152400">
+            <a:solidFill>
+              <a:srgbClr val="F3850D"/>
+            </a:solidFill>
+          </a:ln>
+        </p:spPr>
+        <p:style>
+          <a:lnRef idx="2">
+            <a:schemeClr val="accent1">
+              <a:shade val="50000"/>
+            </a:schemeClr>
+          </a:lnRef>
+          <a:fillRef idx="1">
+            <a:schemeClr val="accent1"/>
+          </a:fillRef>
+          <a:effectRef idx="0">
+            <a:schemeClr val="accent1"/>
+          </a:effectRef>
+          <a:fontRef idx="minor">
+            <a:schemeClr val="lt1"/>
+          </a:fontRef>
+        </p:style>
+        <p:txBody>
+          <a:bodyPr rtlCol="0" anchor="ctr"/>
+          <a:lstStyle/>
+          <a:p>
+            <a:pPr algn="ctr"/>
+            <a:endParaRPr lang="de-CH"/>
+          </a:p>
+        </p:txBody>
+      </p:sp>
+      <p:pic>
+        <p:nvPicPr>
+          <p:cNvPr id="5" name="Grafik 4">
+            <a:extLst>
+              <a:ext uri="{FF2B5EF4-FFF2-40B4-BE49-F238E27FC236}">
+                <a16:creationId xmlns:a16="http://schemas.microsoft.com/office/drawing/2014/main" id="{F2CDA023-A6D8-4C27-9F8F-7F042EE0B6E1}"/>
+              </a:ext>
+            </a:extLst>
+          </p:cNvPr>
+          <p:cNvPicPr>
+            <a:picLocks noChangeAspect="1"/>
+          </p:cNvPicPr>
+          <p:nvPr/>
+        </p:nvPicPr>
+        <p:blipFill>
+          <a:blip r:embed="rId3">
+            <a:extLst>
+              <a:ext uri="{28A0092B-C50C-407E-A947-70E740481C1C}">
+                <a14:useLocalDpi xmlns:a14="http://schemas.microsoft.com/office/drawing/2010/main" val="0"/>
+              </a:ext>
+            </a:extLst>
+          </a:blip>
+          <a:srcRect/>
+          <a:stretch/>
+        </p:blipFill>
+        <p:spPr>
+          <a:xfrm>
+            <a:off x="9347830" y="195521"/>
+            <a:ext cx="2372162" cy="2372162"/>
+          </a:xfrm>
+          <a:prstGeom prst="rect">
+            <a:avLst/>
+          </a:prstGeom>
+        </p:spPr>
+      </p:pic>
+      <p:sp>
+        <p:nvSpPr>
+          <p:cNvPr id="8" name="Rechteck 7">
+            <a:extLst>
+              <a:ext uri="{FF2B5EF4-FFF2-40B4-BE49-F238E27FC236}">
+                <a16:creationId xmlns:a16="http://schemas.microsoft.com/office/drawing/2014/main" id="{65A16251-256F-4D13-A307-0F06FBDDD39A}"/>
+              </a:ext>
+            </a:extLst>
+          </p:cNvPr>
+          <p:cNvSpPr/>
+          <p:nvPr/>
+        </p:nvSpPr>
+        <p:spPr>
+          <a:xfrm>
+            <a:off x="152401" y="112644"/>
+            <a:ext cx="9611031" cy="2902226"/>
+          </a:xfrm>
+          <a:prstGeom prst="rect">
+            <a:avLst/>
+          </a:prstGeom>
+          <a:solidFill>
+            <a:srgbClr val="F2F2F2">
+              <a:alpha val="0"/>
+            </a:srgbClr>
+          </a:solidFill>
+          <a:ln w="76200">
+            <a:noFill/>
+          </a:ln>
+        </p:spPr>
+        <p:style>
+          <a:lnRef idx="2">
+            <a:schemeClr val="accent1">
+              <a:shade val="50000"/>
+            </a:schemeClr>
+          </a:lnRef>
+          <a:fillRef idx="1">
+            <a:schemeClr val="accent1"/>
+          </a:fillRef>
+          <a:effectRef idx="0">
+            <a:schemeClr val="accent1"/>
+          </a:effectRef>
+          <a:fontRef idx="minor">
+            <a:schemeClr val="lt1"/>
+          </a:fontRef>
+        </p:style>
+        <p:txBody>
+          <a:bodyPr rtlCol="0" anchor="t"/>
+          <a:lstStyle/>
+          <a:p>
+            <a:r>
+              <a:rPr lang="de-CH" sz="8800" dirty="0">
+                <a:solidFill>
+                  <a:schemeClr val="tx1"/>
+                </a:solidFill>
+                <a:latin typeface="Montserrat Medium" panose="00000600000000000000" pitchFamily="2" charset="0"/>
+              </a:rPr>
+              <a:t>Licensing</a:t>
+            </a:r>
+          </a:p>
+        </p:txBody>
+      </p:sp>
+      <p:sp>
+        <p:nvSpPr>
+          <p:cNvPr id="9" name="Rechteck 8">
+            <a:extLst>
+              <a:ext uri="{FF2B5EF4-FFF2-40B4-BE49-F238E27FC236}">
+                <a16:creationId xmlns:a16="http://schemas.microsoft.com/office/drawing/2014/main" id="{101A9D07-1CF6-4106-9706-780E90EEC934}"/>
+              </a:ext>
+            </a:extLst>
+          </p:cNvPr>
+          <p:cNvSpPr/>
+          <p:nvPr/>
+        </p:nvSpPr>
+        <p:spPr>
+          <a:xfrm>
+            <a:off x="318052" y="171851"/>
+            <a:ext cx="11449878" cy="2736573"/>
+          </a:xfrm>
+          <a:prstGeom prst="rect">
+            <a:avLst/>
+          </a:prstGeom>
+          <a:solidFill>
+            <a:srgbClr val="F2F2F2">
+              <a:alpha val="80000"/>
+            </a:srgbClr>
+          </a:solidFill>
+          <a:ln w="76200">
+            <a:noFill/>
+          </a:ln>
+        </p:spPr>
+        <p:style>
+          <a:lnRef idx="2">
+            <a:schemeClr val="accent1">
+              <a:shade val="50000"/>
+            </a:schemeClr>
+          </a:lnRef>
+          <a:fillRef idx="1">
+            <a:schemeClr val="accent1"/>
+          </a:fillRef>
+          <a:effectRef idx="0">
+            <a:schemeClr val="accent1"/>
+          </a:effectRef>
+          <a:fontRef idx="minor">
+            <a:schemeClr val="lt1"/>
+          </a:fontRef>
+        </p:style>
+        <p:txBody>
+          <a:bodyPr rtlCol="0" anchor="ctr"/>
+          <a:lstStyle/>
+          <a:p>
+            <a:pPr algn="ctr"/>
+            <a:endParaRPr lang="de-CH" dirty="0"/>
+          </a:p>
+        </p:txBody>
+      </p:sp>
+    </p:spTree>
+    <p:extLst>
+      <p:ext uri="{BB962C8B-B14F-4D97-AF65-F5344CB8AC3E}">
+        <p14:creationId xmlns:p14="http://schemas.microsoft.com/office/powerpoint/2010/main" val="916277097"/>
+      </p:ext>
+    </p:extLst>
+  </p:cSld>
+  <p:clrMapOvr>
+    <a:masterClrMapping/>
+  </p:clrMapOvr>
+</p:sld>
+</file>
+
+<file path=ppt/slides/slide122.xml><?xml version="1.0" encoding="utf-8"?>
+<p:sld xmlns:a="http://schemas.openxmlformats.org/drawingml/2006/main" xmlns:r="http://schemas.openxmlformats.org/officeDocument/2006/relationships" xmlns:p="http://schemas.openxmlformats.org/presentationml/2006/main">
+  <p:cSld>
+    <p:spTree>
+      <p:nvGrpSpPr>
+        <p:cNvPr id="1" name=""/>
+        <p:cNvGrpSpPr/>
+        <p:nvPr/>
+      </p:nvGrpSpPr>
+      <p:grpSpPr>
+        <a:xfrm>
+          <a:off x="0" y="0"/>
+          <a:ext cx="0" cy="0"/>
+          <a:chOff x="0" y="0"/>
+          <a:chExt cx="0" cy="0"/>
+        </a:xfrm>
+      </p:grpSpPr>
+      <p:sp>
+        <p:nvSpPr>
+          <p:cNvPr id="4" name="Rechteck 3"/>
+          <p:cNvSpPr/>
+          <p:nvPr/>
+        </p:nvSpPr>
+        <p:spPr>
+          <a:xfrm>
+            <a:off x="57664" y="57665"/>
+            <a:ext cx="12068433" cy="6738552"/>
+          </a:xfrm>
+          <a:prstGeom prst="rect">
+            <a:avLst/>
+          </a:prstGeom>
+          <a:solidFill>
+            <a:schemeClr val="bg1">
+              <a:lumMod val="95000"/>
+            </a:schemeClr>
+          </a:solidFill>
+          <a:ln w="152400">
+            <a:solidFill>
+              <a:srgbClr val="F3850D"/>
+            </a:solidFill>
+          </a:ln>
+        </p:spPr>
+        <p:style>
+          <a:lnRef idx="2">
+            <a:schemeClr val="accent1">
+              <a:shade val="50000"/>
+            </a:schemeClr>
+          </a:lnRef>
+          <a:fillRef idx="1">
+            <a:schemeClr val="accent1"/>
+          </a:fillRef>
+          <a:effectRef idx="0">
+            <a:schemeClr val="accent1"/>
+          </a:effectRef>
+          <a:fontRef idx="minor">
+            <a:schemeClr val="lt1"/>
+          </a:fontRef>
+        </p:style>
+        <p:txBody>
+          <a:bodyPr rtlCol="0" anchor="ctr"/>
+          <a:lstStyle/>
+          <a:p>
+            <a:pPr algn="ctr"/>
+            <a:endParaRPr lang="de-CH"/>
+          </a:p>
+        </p:txBody>
+      </p:sp>
+      <p:pic>
+        <p:nvPicPr>
+          <p:cNvPr id="7" name="Grafik 6">
+            <a:extLst>
+              <a:ext uri="{FF2B5EF4-FFF2-40B4-BE49-F238E27FC236}">
+                <a16:creationId xmlns:a16="http://schemas.microsoft.com/office/drawing/2014/main" id="{16410759-2A9C-4C5D-8846-E02A24841B57}"/>
+              </a:ext>
+            </a:extLst>
+          </p:cNvPr>
+          <p:cNvPicPr>
+            <a:picLocks noChangeAspect="1"/>
+          </p:cNvPicPr>
+          <p:nvPr/>
+        </p:nvPicPr>
+        <p:blipFill>
+          <a:blip r:embed="rId3">
+            <a:extLst>
+              <a:ext uri="{28A0092B-C50C-407E-A947-70E740481C1C}">
+                <a14:useLocalDpi xmlns:a14="http://schemas.microsoft.com/office/drawing/2010/main" val="0"/>
+              </a:ext>
+            </a:extLst>
+          </a:blip>
+          <a:srcRect/>
+          <a:stretch/>
+        </p:blipFill>
+        <p:spPr>
+          <a:xfrm>
+            <a:off x="3877550" y="2037574"/>
+            <a:ext cx="4103950" cy="4103950"/>
+          </a:xfrm>
+          <a:prstGeom prst="rect">
+            <a:avLst/>
+          </a:prstGeom>
+        </p:spPr>
+      </p:pic>
+      <p:sp>
+        <p:nvSpPr>
+          <p:cNvPr id="6" name="Rechteck 5">
+            <a:extLst>
+              <a:ext uri="{FF2B5EF4-FFF2-40B4-BE49-F238E27FC236}">
+                <a16:creationId xmlns:a16="http://schemas.microsoft.com/office/drawing/2014/main" id="{9B7DAAAB-BB0C-4876-8E00-34CFB5322FD0}"/>
+              </a:ext>
+            </a:extLst>
+          </p:cNvPr>
+          <p:cNvSpPr/>
+          <p:nvPr/>
+        </p:nvSpPr>
+        <p:spPr>
+          <a:xfrm>
+            <a:off x="152401" y="159025"/>
+            <a:ext cx="11880574" cy="6182140"/>
+          </a:xfrm>
+          <a:prstGeom prst="rect">
+            <a:avLst/>
+          </a:prstGeom>
+          <a:solidFill>
+            <a:srgbClr val="F2F2F2">
+              <a:alpha val="60000"/>
+            </a:srgbClr>
+          </a:solidFill>
+          <a:ln w="76200">
+            <a:noFill/>
+          </a:ln>
+        </p:spPr>
+        <p:style>
+          <a:lnRef idx="2">
+            <a:schemeClr val="accent1">
+              <a:shade val="50000"/>
+            </a:schemeClr>
+          </a:lnRef>
+          <a:fillRef idx="1">
+            <a:schemeClr val="accent1"/>
+          </a:fillRef>
+          <a:effectRef idx="0">
+            <a:schemeClr val="accent1"/>
+          </a:effectRef>
+          <a:fontRef idx="minor">
+            <a:schemeClr val="lt1"/>
+          </a:fontRef>
+        </p:style>
+        <p:txBody>
+          <a:bodyPr rtlCol="0" anchor="t"/>
+          <a:lstStyle/>
+          <a:p>
+            <a:pPr algn="ctr"/>
+            <a:r>
+              <a:rPr lang="de-CH" sz="11000" dirty="0">
+                <a:solidFill>
+                  <a:schemeClr val="tx1"/>
+                </a:solidFill>
+                <a:latin typeface="Montserrat Medium" panose="00000600000000000000" pitchFamily="2" charset="0"/>
+              </a:rPr>
+              <a:t>Asset Sale</a:t>
+            </a:r>
+          </a:p>
+        </p:txBody>
+      </p:sp>
+    </p:spTree>
+    <p:extLst>
+      <p:ext uri="{BB962C8B-B14F-4D97-AF65-F5344CB8AC3E}">
+        <p14:creationId xmlns:p14="http://schemas.microsoft.com/office/powerpoint/2010/main" val="405025953"/>
+      </p:ext>
+    </p:extLst>
+  </p:cSld>
+  <p:clrMapOvr>
+    <a:masterClrMapping/>
+  </p:clrMapOvr>
+</p:sld>
+</file>
+
+<file path=ppt/slides/slide123.xml><?xml version="1.0" encoding="utf-8"?>
+<p:sld xmlns:a="http://schemas.openxmlformats.org/drawingml/2006/main" xmlns:r="http://schemas.openxmlformats.org/officeDocument/2006/relationships" xmlns:p="http://schemas.openxmlformats.org/presentationml/2006/main">
+  <p:cSld>
+    <p:spTree>
+      <p:nvGrpSpPr>
+        <p:cNvPr id="1" name=""/>
+        <p:cNvGrpSpPr/>
+        <p:nvPr/>
+      </p:nvGrpSpPr>
+      <p:grpSpPr>
+        <a:xfrm>
+          <a:off x="0" y="0"/>
+          <a:ext cx="0" cy="0"/>
+          <a:chOff x="0" y="0"/>
+          <a:chExt cx="0" cy="0"/>
+        </a:xfrm>
+      </p:grpSpPr>
+      <p:sp>
+        <p:nvSpPr>
+          <p:cNvPr id="4" name="Rechteck 3"/>
+          <p:cNvSpPr/>
+          <p:nvPr/>
+        </p:nvSpPr>
+        <p:spPr>
+          <a:xfrm>
+            <a:off x="57664" y="57665"/>
+            <a:ext cx="12068433" cy="6738552"/>
+          </a:xfrm>
+          <a:prstGeom prst="rect">
+            <a:avLst/>
+          </a:prstGeom>
+          <a:solidFill>
+            <a:schemeClr val="bg1">
+              <a:lumMod val="95000"/>
+            </a:schemeClr>
+          </a:solidFill>
+          <a:ln w="152400">
+            <a:solidFill>
+              <a:srgbClr val="F3850D"/>
+            </a:solidFill>
+          </a:ln>
+        </p:spPr>
+        <p:style>
+          <a:lnRef idx="2">
+            <a:schemeClr val="accent1">
+              <a:shade val="50000"/>
+            </a:schemeClr>
+          </a:lnRef>
+          <a:fillRef idx="1">
+            <a:schemeClr val="accent1"/>
+          </a:fillRef>
+          <a:effectRef idx="0">
+            <a:schemeClr val="accent1"/>
+          </a:effectRef>
+          <a:fontRef idx="minor">
+            <a:schemeClr val="lt1"/>
+          </a:fontRef>
+        </p:style>
+        <p:txBody>
+          <a:bodyPr rtlCol="0" anchor="ctr"/>
+          <a:lstStyle/>
+          <a:p>
+            <a:pPr algn="ctr"/>
+            <a:endParaRPr lang="de-CH"/>
+          </a:p>
+        </p:txBody>
+      </p:sp>
+      <p:pic>
+        <p:nvPicPr>
+          <p:cNvPr id="5" name="Grafik 4">
+            <a:extLst>
+              <a:ext uri="{FF2B5EF4-FFF2-40B4-BE49-F238E27FC236}">
+                <a16:creationId xmlns:a16="http://schemas.microsoft.com/office/drawing/2014/main" id="{F2CDA023-A6D8-4C27-9F8F-7F042EE0B6E1}"/>
+              </a:ext>
+            </a:extLst>
+          </p:cNvPr>
+          <p:cNvPicPr>
+            <a:picLocks noChangeAspect="1"/>
+          </p:cNvPicPr>
+          <p:nvPr/>
+        </p:nvPicPr>
+        <p:blipFill>
+          <a:blip r:embed="rId3">
+            <a:extLst>
+              <a:ext uri="{28A0092B-C50C-407E-A947-70E740481C1C}">
+                <a14:useLocalDpi xmlns:a14="http://schemas.microsoft.com/office/drawing/2010/main" val="0"/>
+              </a:ext>
+            </a:extLst>
+          </a:blip>
+          <a:srcRect/>
+          <a:stretch/>
+        </p:blipFill>
+        <p:spPr>
+          <a:xfrm>
+            <a:off x="9347830" y="195521"/>
+            <a:ext cx="2372162" cy="2372162"/>
+          </a:xfrm>
+          <a:prstGeom prst="rect">
+            <a:avLst/>
+          </a:prstGeom>
+        </p:spPr>
+      </p:pic>
+      <p:sp>
+        <p:nvSpPr>
+          <p:cNvPr id="8" name="Rechteck 7">
+            <a:extLst>
+              <a:ext uri="{FF2B5EF4-FFF2-40B4-BE49-F238E27FC236}">
+                <a16:creationId xmlns:a16="http://schemas.microsoft.com/office/drawing/2014/main" id="{65A16251-256F-4D13-A307-0F06FBDDD39A}"/>
+              </a:ext>
+            </a:extLst>
+          </p:cNvPr>
+          <p:cNvSpPr/>
+          <p:nvPr/>
+        </p:nvSpPr>
+        <p:spPr>
+          <a:xfrm>
+            <a:off x="152401" y="112644"/>
+            <a:ext cx="9611031" cy="2902226"/>
+          </a:xfrm>
+          <a:prstGeom prst="rect">
+            <a:avLst/>
+          </a:prstGeom>
+          <a:solidFill>
+            <a:srgbClr val="F2F2F2">
+              <a:alpha val="0"/>
+            </a:srgbClr>
+          </a:solidFill>
+          <a:ln w="76200">
+            <a:noFill/>
+          </a:ln>
+        </p:spPr>
+        <p:style>
+          <a:lnRef idx="2">
+            <a:schemeClr val="accent1">
+              <a:shade val="50000"/>
+            </a:schemeClr>
+          </a:lnRef>
+          <a:fillRef idx="1">
+            <a:schemeClr val="accent1"/>
+          </a:fillRef>
+          <a:effectRef idx="0">
+            <a:schemeClr val="accent1"/>
+          </a:effectRef>
+          <a:fontRef idx="minor">
+            <a:schemeClr val="lt1"/>
+          </a:fontRef>
+        </p:style>
+        <p:txBody>
+          <a:bodyPr rtlCol="0" anchor="t"/>
+          <a:lstStyle/>
+          <a:p>
+            <a:r>
+              <a:rPr lang="de-CH" sz="8800" dirty="0">
+                <a:solidFill>
+                  <a:schemeClr val="tx1"/>
+                </a:solidFill>
+                <a:latin typeface="Montserrat Medium" panose="00000600000000000000" pitchFamily="2" charset="0"/>
+              </a:rPr>
+              <a:t>Asset Sale</a:t>
+            </a:r>
+          </a:p>
+        </p:txBody>
+      </p:sp>
+      <p:sp>
+        <p:nvSpPr>
+          <p:cNvPr id="9" name="Rechteck 8">
+            <a:extLst>
+              <a:ext uri="{FF2B5EF4-FFF2-40B4-BE49-F238E27FC236}">
+                <a16:creationId xmlns:a16="http://schemas.microsoft.com/office/drawing/2014/main" id="{101A9D07-1CF6-4106-9706-780E90EEC934}"/>
+              </a:ext>
+            </a:extLst>
+          </p:cNvPr>
+          <p:cNvSpPr/>
+          <p:nvPr/>
+        </p:nvSpPr>
+        <p:spPr>
+          <a:xfrm>
+            <a:off x="152401" y="171851"/>
+            <a:ext cx="11668538" cy="2736573"/>
+          </a:xfrm>
+          <a:prstGeom prst="rect">
+            <a:avLst/>
+          </a:prstGeom>
+          <a:solidFill>
+            <a:srgbClr val="F2F2F2">
+              <a:alpha val="80000"/>
+            </a:srgbClr>
+          </a:solidFill>
+          <a:ln w="76200">
+            <a:noFill/>
+          </a:ln>
+        </p:spPr>
+        <p:style>
+          <a:lnRef idx="2">
+            <a:schemeClr val="accent1">
+              <a:shade val="50000"/>
+            </a:schemeClr>
+          </a:lnRef>
+          <a:fillRef idx="1">
+            <a:schemeClr val="accent1"/>
+          </a:fillRef>
+          <a:effectRef idx="0">
+            <a:schemeClr val="accent1"/>
+          </a:effectRef>
+          <a:fontRef idx="minor">
+            <a:schemeClr val="lt1"/>
+          </a:fontRef>
+        </p:style>
+        <p:txBody>
+          <a:bodyPr rtlCol="0" anchor="ctr"/>
+          <a:lstStyle/>
+          <a:p>
+            <a:pPr algn="ctr"/>
+            <a:endParaRPr lang="de-CH" dirty="0"/>
+          </a:p>
+        </p:txBody>
+      </p:sp>
+    </p:spTree>
+    <p:extLst>
+      <p:ext uri="{BB962C8B-B14F-4D97-AF65-F5344CB8AC3E}">
+        <p14:creationId xmlns:p14="http://schemas.microsoft.com/office/powerpoint/2010/main" val="1067396306"/>
+      </p:ext>
+    </p:extLst>
+  </p:cSld>
+  <p:clrMapOvr>
+    <a:masterClrMapping/>
+  </p:clrMapOvr>
+</p:sld>
+</file>
+
+<file path=ppt/slides/slide124.xml><?xml version="1.0" encoding="utf-8"?>
+<p:sld xmlns:a="http://schemas.openxmlformats.org/drawingml/2006/main" xmlns:r="http://schemas.openxmlformats.org/officeDocument/2006/relationships" xmlns:p="http://schemas.openxmlformats.org/presentationml/2006/main">
+  <p:cSld>
+    <p:spTree>
+      <p:nvGrpSpPr>
+        <p:cNvPr id="1" name=""/>
+        <p:cNvGrpSpPr/>
+        <p:nvPr/>
+      </p:nvGrpSpPr>
+      <p:grpSpPr>
+        <a:xfrm>
+          <a:off x="0" y="0"/>
+          <a:ext cx="0" cy="0"/>
+          <a:chOff x="0" y="0"/>
+          <a:chExt cx="0" cy="0"/>
+        </a:xfrm>
+      </p:grpSpPr>
+      <p:sp>
+        <p:nvSpPr>
+          <p:cNvPr id="4" name="Rechteck 3"/>
+          <p:cNvSpPr/>
+          <p:nvPr/>
+        </p:nvSpPr>
+        <p:spPr>
+          <a:xfrm>
+            <a:off x="57664" y="57665"/>
+            <a:ext cx="12068433" cy="6738552"/>
+          </a:xfrm>
+          <a:prstGeom prst="rect">
+            <a:avLst/>
+          </a:prstGeom>
+          <a:solidFill>
+            <a:schemeClr val="bg1">
+              <a:lumMod val="95000"/>
+            </a:schemeClr>
+          </a:solidFill>
+          <a:ln w="152400">
+            <a:solidFill>
+              <a:srgbClr val="FF0000"/>
+            </a:solidFill>
+          </a:ln>
+        </p:spPr>
+        <p:style>
+          <a:lnRef idx="2">
+            <a:schemeClr val="accent1">
+              <a:shade val="50000"/>
+            </a:schemeClr>
+          </a:lnRef>
+          <a:fillRef idx="1">
+            <a:schemeClr val="accent1"/>
+          </a:fillRef>
+          <a:effectRef idx="0">
+            <a:schemeClr val="accent1"/>
+          </a:effectRef>
+          <a:fontRef idx="minor">
+            <a:schemeClr val="lt1"/>
+          </a:fontRef>
+        </p:style>
+        <p:txBody>
+          <a:bodyPr rtlCol="0" anchor="ctr"/>
+          <a:lstStyle/>
+          <a:p>
+            <a:pPr algn="ctr"/>
+            <a:endParaRPr lang="de-CH"/>
+          </a:p>
+        </p:txBody>
+      </p:sp>
+      <p:sp>
+        <p:nvSpPr>
+          <p:cNvPr id="5" name="Rechteck 4">
+            <a:extLst>
+              <a:ext uri="{FF2B5EF4-FFF2-40B4-BE49-F238E27FC236}">
+                <a16:creationId xmlns:a16="http://schemas.microsoft.com/office/drawing/2014/main" id="{3EACE796-470F-48E5-B35C-51FE6CFAA1F3}"/>
+              </a:ext>
+            </a:extLst>
+          </p:cNvPr>
+          <p:cNvSpPr/>
+          <p:nvPr/>
+        </p:nvSpPr>
+        <p:spPr>
+          <a:xfrm>
+            <a:off x="152401" y="152987"/>
+            <a:ext cx="11880574" cy="6141795"/>
+          </a:xfrm>
+          <a:prstGeom prst="rect">
+            <a:avLst/>
+          </a:prstGeom>
+          <a:solidFill>
+            <a:srgbClr val="F2F2F2">
+              <a:alpha val="60000"/>
+            </a:srgbClr>
+          </a:solidFill>
+          <a:ln w="76200">
+            <a:noFill/>
+          </a:ln>
+        </p:spPr>
+        <p:style>
+          <a:lnRef idx="2">
+            <a:schemeClr val="accent1">
+              <a:shade val="50000"/>
+            </a:schemeClr>
+          </a:lnRef>
+          <a:fillRef idx="1">
+            <a:schemeClr val="accent1"/>
+          </a:fillRef>
+          <a:effectRef idx="0">
+            <a:schemeClr val="accent1"/>
+          </a:effectRef>
+          <a:fontRef idx="minor">
+            <a:schemeClr val="lt1"/>
+          </a:fontRef>
+        </p:style>
+        <p:txBody>
+          <a:bodyPr rtlCol="0" anchor="t"/>
+          <a:lstStyle/>
+          <a:p>
+            <a:pPr algn="ctr"/>
+            <a:r>
+              <a:rPr lang="de-CH" sz="11000" dirty="0">
+                <a:solidFill>
+                  <a:schemeClr val="tx1"/>
+                </a:solidFill>
+                <a:latin typeface="Montserrat Medium" panose="00000600000000000000" pitchFamily="2" charset="0"/>
+              </a:rPr>
+              <a:t>Fixed </a:t>
+            </a:r>
+            <a:r>
+              <a:rPr lang="de-CH" sz="11000" dirty="0" err="1">
+                <a:solidFill>
+                  <a:schemeClr val="tx1"/>
+                </a:solidFill>
+                <a:latin typeface="Montserrat Medium" panose="00000600000000000000" pitchFamily="2" charset="0"/>
+              </a:rPr>
+              <a:t>Cost</a:t>
+            </a:r>
+            <a:endParaRPr lang="de-CH" sz="11000" dirty="0">
+              <a:solidFill>
+                <a:schemeClr val="tx1"/>
+              </a:solidFill>
+              <a:latin typeface="Montserrat Medium" panose="00000600000000000000" pitchFamily="2" charset="0"/>
+            </a:endParaRPr>
+          </a:p>
+        </p:txBody>
+      </p:sp>
+      <p:pic>
+        <p:nvPicPr>
+          <p:cNvPr id="7" name="Grafik 6">
+            <a:extLst>
+              <a:ext uri="{FF2B5EF4-FFF2-40B4-BE49-F238E27FC236}">
+                <a16:creationId xmlns:a16="http://schemas.microsoft.com/office/drawing/2014/main" id="{AA9C4BCE-3DED-413C-BC74-B5013B0212E9}"/>
+              </a:ext>
+            </a:extLst>
+          </p:cNvPr>
+          <p:cNvPicPr>
+            <a:picLocks noChangeAspect="1"/>
+          </p:cNvPicPr>
+          <p:nvPr/>
+        </p:nvPicPr>
+        <p:blipFill>
+          <a:blip r:embed="rId3">
+            <a:extLst>
+              <a:ext uri="{28A0092B-C50C-407E-A947-70E740481C1C}">
+                <a14:useLocalDpi xmlns:a14="http://schemas.microsoft.com/office/drawing/2010/main" val="0"/>
+              </a:ext>
+            </a:extLst>
+          </a:blip>
+          <a:srcRect/>
+          <a:stretch/>
+        </p:blipFill>
+        <p:spPr>
+          <a:xfrm>
+            <a:off x="3877550" y="2037574"/>
+            <a:ext cx="4103950" cy="4103950"/>
+          </a:xfrm>
+          <a:prstGeom prst="rect">
+            <a:avLst/>
+          </a:prstGeom>
+        </p:spPr>
+      </p:pic>
+    </p:spTree>
+    <p:extLst>
+      <p:ext uri="{BB962C8B-B14F-4D97-AF65-F5344CB8AC3E}">
+        <p14:creationId xmlns:p14="http://schemas.microsoft.com/office/powerpoint/2010/main" val="1653183672"/>
+      </p:ext>
+    </p:extLst>
+  </p:cSld>
+  <p:clrMapOvr>
+    <a:masterClrMapping/>
+  </p:clrMapOvr>
+</p:sld>
+</file>
+
+<file path=ppt/slides/slide125.xml><?xml version="1.0" encoding="utf-8"?>
+<p:sld xmlns:a="http://schemas.openxmlformats.org/drawingml/2006/main" xmlns:r="http://schemas.openxmlformats.org/officeDocument/2006/relationships" xmlns:p="http://schemas.openxmlformats.org/presentationml/2006/main">
+  <p:cSld>
+    <p:spTree>
+      <p:nvGrpSpPr>
+        <p:cNvPr id="1" name=""/>
+        <p:cNvGrpSpPr/>
+        <p:nvPr/>
+      </p:nvGrpSpPr>
+      <p:grpSpPr>
+        <a:xfrm>
+          <a:off x="0" y="0"/>
+          <a:ext cx="0" cy="0"/>
+          <a:chOff x="0" y="0"/>
+          <a:chExt cx="0" cy="0"/>
+        </a:xfrm>
+      </p:grpSpPr>
+      <p:sp>
+        <p:nvSpPr>
+          <p:cNvPr id="4" name="Rechteck 3"/>
+          <p:cNvSpPr/>
+          <p:nvPr/>
+        </p:nvSpPr>
+        <p:spPr>
+          <a:xfrm>
+            <a:off x="57664" y="57665"/>
+            <a:ext cx="12068433" cy="6738552"/>
+          </a:xfrm>
+          <a:prstGeom prst="rect">
+            <a:avLst/>
+          </a:prstGeom>
+          <a:solidFill>
+            <a:schemeClr val="bg1">
+              <a:lumMod val="95000"/>
+            </a:schemeClr>
+          </a:solidFill>
+          <a:ln w="152400">
+            <a:solidFill>
+              <a:srgbClr val="FF0000"/>
+            </a:solidFill>
+          </a:ln>
+        </p:spPr>
+        <p:style>
+          <a:lnRef idx="2">
+            <a:schemeClr val="accent1">
+              <a:shade val="50000"/>
+            </a:schemeClr>
+          </a:lnRef>
+          <a:fillRef idx="1">
+            <a:schemeClr val="accent1"/>
+          </a:fillRef>
+          <a:effectRef idx="0">
+            <a:schemeClr val="accent1"/>
+          </a:effectRef>
+          <a:fontRef idx="minor">
+            <a:schemeClr val="lt1"/>
+          </a:fontRef>
+        </p:style>
+        <p:txBody>
+          <a:bodyPr rtlCol="0" anchor="ctr"/>
+          <a:lstStyle/>
+          <a:p>
+            <a:pPr algn="ctr"/>
+            <a:endParaRPr lang="de-CH"/>
+          </a:p>
+        </p:txBody>
+      </p:sp>
+      <p:pic>
+        <p:nvPicPr>
+          <p:cNvPr id="6" name="Grafik 5">
+            <a:extLst>
+              <a:ext uri="{FF2B5EF4-FFF2-40B4-BE49-F238E27FC236}">
+                <a16:creationId xmlns:a16="http://schemas.microsoft.com/office/drawing/2014/main" id="{297C8120-C769-41FD-BB27-5B2E50EC23E6}"/>
+              </a:ext>
+            </a:extLst>
+          </p:cNvPr>
+          <p:cNvPicPr>
+            <a:picLocks noChangeAspect="1"/>
+          </p:cNvPicPr>
+          <p:nvPr/>
+        </p:nvPicPr>
+        <p:blipFill>
+          <a:blip r:embed="rId3">
+            <a:extLst>
+              <a:ext uri="{28A0092B-C50C-407E-A947-70E740481C1C}">
+                <a14:useLocalDpi xmlns:a14="http://schemas.microsoft.com/office/drawing/2010/main" val="0"/>
+              </a:ext>
+            </a:extLst>
+          </a:blip>
+          <a:srcRect/>
+          <a:stretch/>
+        </p:blipFill>
+        <p:spPr>
+          <a:xfrm>
+            <a:off x="9347830" y="195521"/>
+            <a:ext cx="2372162" cy="2372162"/>
+          </a:xfrm>
+          <a:prstGeom prst="rect">
+            <a:avLst/>
+          </a:prstGeom>
+        </p:spPr>
+      </p:pic>
+      <p:sp>
+        <p:nvSpPr>
+          <p:cNvPr id="8" name="Rechteck 7">
+            <a:extLst>
+              <a:ext uri="{FF2B5EF4-FFF2-40B4-BE49-F238E27FC236}">
+                <a16:creationId xmlns:a16="http://schemas.microsoft.com/office/drawing/2014/main" id="{683A4BC0-8421-4E0D-9CEE-9CF1A133EFBC}"/>
+              </a:ext>
+            </a:extLst>
+          </p:cNvPr>
+          <p:cNvSpPr/>
+          <p:nvPr/>
+        </p:nvSpPr>
+        <p:spPr>
+          <a:xfrm>
+            <a:off x="152401" y="112644"/>
+            <a:ext cx="11111948" cy="2902226"/>
+          </a:xfrm>
+          <a:prstGeom prst="rect">
+            <a:avLst/>
+          </a:prstGeom>
+          <a:solidFill>
+            <a:srgbClr val="F2F2F2">
+              <a:alpha val="0"/>
+            </a:srgbClr>
+          </a:solidFill>
+          <a:ln w="76200">
+            <a:noFill/>
+          </a:ln>
+        </p:spPr>
+        <p:style>
+          <a:lnRef idx="2">
+            <a:schemeClr val="accent1">
+              <a:shade val="50000"/>
+            </a:schemeClr>
+          </a:lnRef>
+          <a:fillRef idx="1">
+            <a:schemeClr val="accent1"/>
+          </a:fillRef>
+          <a:effectRef idx="0">
+            <a:schemeClr val="accent1"/>
+          </a:effectRef>
+          <a:fontRef idx="minor">
+            <a:schemeClr val="lt1"/>
+          </a:fontRef>
+        </p:style>
+        <p:txBody>
+          <a:bodyPr rtlCol="0" anchor="t"/>
+          <a:lstStyle/>
+          <a:p>
+            <a:r>
+              <a:rPr lang="de-CH" sz="8800" dirty="0">
+                <a:solidFill>
+                  <a:schemeClr val="tx1"/>
+                </a:solidFill>
+                <a:latin typeface="Montserrat Medium" panose="00000600000000000000" pitchFamily="2" charset="0"/>
+              </a:rPr>
+              <a:t>Fixed </a:t>
+            </a:r>
+            <a:r>
+              <a:rPr lang="de-CH" sz="8800" dirty="0" err="1">
+                <a:solidFill>
+                  <a:schemeClr val="tx1"/>
+                </a:solidFill>
+                <a:latin typeface="Montserrat Medium" panose="00000600000000000000" pitchFamily="2" charset="0"/>
+              </a:rPr>
+              <a:t>Cost</a:t>
+            </a:r>
+            <a:endParaRPr lang="de-CH" sz="8800" dirty="0">
+              <a:solidFill>
+                <a:schemeClr val="tx1"/>
+              </a:solidFill>
+              <a:latin typeface="Montserrat Medium" panose="00000600000000000000" pitchFamily="2" charset="0"/>
+            </a:endParaRPr>
+          </a:p>
+        </p:txBody>
+      </p:sp>
+      <p:sp>
+        <p:nvSpPr>
+          <p:cNvPr id="9" name="Rechteck 8">
+            <a:extLst>
+              <a:ext uri="{FF2B5EF4-FFF2-40B4-BE49-F238E27FC236}">
+                <a16:creationId xmlns:a16="http://schemas.microsoft.com/office/drawing/2014/main" id="{F0197068-52EB-4509-A669-A98B66D119E4}"/>
+              </a:ext>
+            </a:extLst>
+          </p:cNvPr>
+          <p:cNvSpPr/>
+          <p:nvPr/>
+        </p:nvSpPr>
+        <p:spPr>
+          <a:xfrm>
+            <a:off x="304801" y="152401"/>
+            <a:ext cx="11496260" cy="2902226"/>
+          </a:xfrm>
+          <a:prstGeom prst="rect">
+            <a:avLst/>
+          </a:prstGeom>
+          <a:solidFill>
+            <a:srgbClr val="F2F2F2">
+              <a:alpha val="80000"/>
+            </a:srgbClr>
+          </a:solidFill>
+          <a:ln w="76200">
+            <a:noFill/>
+          </a:ln>
+        </p:spPr>
+        <p:style>
+          <a:lnRef idx="2">
+            <a:schemeClr val="accent1">
+              <a:shade val="50000"/>
+            </a:schemeClr>
+          </a:lnRef>
+          <a:fillRef idx="1">
+            <a:schemeClr val="accent1"/>
+          </a:fillRef>
+          <a:effectRef idx="0">
+            <a:schemeClr val="accent1"/>
+          </a:effectRef>
+          <a:fontRef idx="minor">
+            <a:schemeClr val="lt1"/>
+          </a:fontRef>
+        </p:style>
+        <p:txBody>
+          <a:bodyPr rtlCol="0" anchor="ctr"/>
+          <a:lstStyle/>
+          <a:p>
+            <a:pPr algn="ctr"/>
+            <a:endParaRPr lang="de-CH" dirty="0"/>
+          </a:p>
+        </p:txBody>
+      </p:sp>
+    </p:spTree>
+    <p:extLst>
+      <p:ext uri="{BB962C8B-B14F-4D97-AF65-F5344CB8AC3E}">
+        <p14:creationId xmlns:p14="http://schemas.microsoft.com/office/powerpoint/2010/main" val="3260766941"/>
+      </p:ext>
+    </p:extLst>
+  </p:cSld>
+  <p:clrMapOvr>
+    <a:masterClrMapping/>
+  </p:clrMapOvr>
+</p:sld>
+</file>
+
+<file path=ppt/slides/slide126.xml><?xml version="1.0" encoding="utf-8"?>
+<p:sld xmlns:a="http://schemas.openxmlformats.org/drawingml/2006/main" xmlns:r="http://schemas.openxmlformats.org/officeDocument/2006/relationships" xmlns:p="http://schemas.openxmlformats.org/presentationml/2006/main">
+  <p:cSld>
+    <p:spTree>
+      <p:nvGrpSpPr>
+        <p:cNvPr id="1" name=""/>
+        <p:cNvGrpSpPr/>
+        <p:nvPr/>
+      </p:nvGrpSpPr>
+      <p:grpSpPr>
+        <a:xfrm>
+          <a:off x="0" y="0"/>
+          <a:ext cx="0" cy="0"/>
+          <a:chOff x="0" y="0"/>
+          <a:chExt cx="0" cy="0"/>
+        </a:xfrm>
+      </p:grpSpPr>
+      <p:sp>
+        <p:nvSpPr>
+          <p:cNvPr id="4" name="Rechteck 3"/>
+          <p:cNvSpPr/>
+          <p:nvPr/>
+        </p:nvSpPr>
+        <p:spPr>
+          <a:xfrm>
+            <a:off x="57664" y="57665"/>
+            <a:ext cx="12068433" cy="6738552"/>
+          </a:xfrm>
+          <a:prstGeom prst="rect">
+            <a:avLst/>
+          </a:prstGeom>
+          <a:solidFill>
+            <a:schemeClr val="bg1">
+              <a:lumMod val="95000"/>
+            </a:schemeClr>
+          </a:solidFill>
+          <a:ln w="152400">
+            <a:solidFill>
+              <a:srgbClr val="FF0000"/>
+            </a:solidFill>
+          </a:ln>
+        </p:spPr>
+        <p:style>
+          <a:lnRef idx="2">
+            <a:schemeClr val="accent1">
+              <a:shade val="50000"/>
+            </a:schemeClr>
+          </a:lnRef>
+          <a:fillRef idx="1">
+            <a:schemeClr val="accent1"/>
+          </a:fillRef>
+          <a:effectRef idx="0">
+            <a:schemeClr val="accent1"/>
+          </a:effectRef>
+          <a:fontRef idx="minor">
+            <a:schemeClr val="lt1"/>
+          </a:fontRef>
+        </p:style>
+        <p:txBody>
+          <a:bodyPr rtlCol="0" anchor="ctr"/>
+          <a:lstStyle/>
+          <a:p>
+            <a:pPr algn="ctr"/>
+            <a:endParaRPr lang="de-CH"/>
+          </a:p>
+        </p:txBody>
+      </p:sp>
+      <p:sp>
+        <p:nvSpPr>
+          <p:cNvPr id="5" name="Rechteck 4">
+            <a:extLst>
+              <a:ext uri="{FF2B5EF4-FFF2-40B4-BE49-F238E27FC236}">
+                <a16:creationId xmlns:a16="http://schemas.microsoft.com/office/drawing/2014/main" id="{3EACE796-470F-48E5-B35C-51FE6CFAA1F3}"/>
+              </a:ext>
+            </a:extLst>
+          </p:cNvPr>
+          <p:cNvSpPr/>
+          <p:nvPr/>
+        </p:nvSpPr>
+        <p:spPr>
+          <a:xfrm>
+            <a:off x="152401" y="152987"/>
+            <a:ext cx="11880574" cy="6141795"/>
+          </a:xfrm>
+          <a:prstGeom prst="rect">
+            <a:avLst/>
+          </a:prstGeom>
+          <a:solidFill>
+            <a:srgbClr val="F2F2F2">
+              <a:alpha val="60000"/>
+            </a:srgbClr>
+          </a:solidFill>
+          <a:ln w="76200">
+            <a:noFill/>
+          </a:ln>
+        </p:spPr>
+        <p:style>
+          <a:lnRef idx="2">
+            <a:schemeClr val="accent1">
+              <a:shade val="50000"/>
+            </a:schemeClr>
+          </a:lnRef>
+          <a:fillRef idx="1">
+            <a:schemeClr val="accent1"/>
+          </a:fillRef>
+          <a:effectRef idx="0">
+            <a:schemeClr val="accent1"/>
+          </a:effectRef>
+          <a:fontRef idx="minor">
+            <a:schemeClr val="lt1"/>
+          </a:fontRef>
+        </p:style>
+        <p:txBody>
+          <a:bodyPr rtlCol="0" anchor="t"/>
+          <a:lstStyle/>
+          <a:p>
+            <a:pPr algn="ctr"/>
+            <a:r>
+              <a:rPr lang="de-CH" sz="11000" dirty="0">
+                <a:solidFill>
+                  <a:schemeClr val="tx1"/>
+                </a:solidFill>
+                <a:latin typeface="Montserrat Medium" panose="00000600000000000000" pitchFamily="2" charset="0"/>
+              </a:rPr>
+              <a:t>Variable </a:t>
+            </a:r>
+            <a:r>
+              <a:rPr lang="de-CH" sz="11000" dirty="0" err="1">
+                <a:solidFill>
+                  <a:schemeClr val="tx1"/>
+                </a:solidFill>
+                <a:latin typeface="Montserrat Medium" panose="00000600000000000000" pitchFamily="2" charset="0"/>
+              </a:rPr>
+              <a:t>Cost</a:t>
+            </a:r>
+            <a:endParaRPr lang="de-CH" sz="11000" dirty="0">
+              <a:solidFill>
+                <a:schemeClr val="tx1"/>
+              </a:solidFill>
+              <a:latin typeface="Montserrat Medium" panose="00000600000000000000" pitchFamily="2" charset="0"/>
+            </a:endParaRPr>
+          </a:p>
+        </p:txBody>
+      </p:sp>
+      <p:pic>
+        <p:nvPicPr>
+          <p:cNvPr id="7" name="Grafik 6">
+            <a:extLst>
+              <a:ext uri="{FF2B5EF4-FFF2-40B4-BE49-F238E27FC236}">
+                <a16:creationId xmlns:a16="http://schemas.microsoft.com/office/drawing/2014/main" id="{AA9C4BCE-3DED-413C-BC74-B5013B0212E9}"/>
+              </a:ext>
+            </a:extLst>
+          </p:cNvPr>
+          <p:cNvPicPr>
+            <a:picLocks noChangeAspect="1"/>
+          </p:cNvPicPr>
+          <p:nvPr/>
+        </p:nvPicPr>
+        <p:blipFill>
+          <a:blip r:embed="rId3">
+            <a:extLst>
+              <a:ext uri="{28A0092B-C50C-407E-A947-70E740481C1C}">
+                <a14:useLocalDpi xmlns:a14="http://schemas.microsoft.com/office/drawing/2010/main" val="0"/>
+              </a:ext>
+            </a:extLst>
+          </a:blip>
+          <a:srcRect/>
+          <a:stretch/>
+        </p:blipFill>
+        <p:spPr>
+          <a:xfrm>
+            <a:off x="3877550" y="2037574"/>
+            <a:ext cx="4103950" cy="4103950"/>
+          </a:xfrm>
+          <a:prstGeom prst="rect">
+            <a:avLst/>
+          </a:prstGeom>
+        </p:spPr>
+      </p:pic>
+    </p:spTree>
+    <p:extLst>
+      <p:ext uri="{BB962C8B-B14F-4D97-AF65-F5344CB8AC3E}">
+        <p14:creationId xmlns:p14="http://schemas.microsoft.com/office/powerpoint/2010/main" val="129960346"/>
+      </p:ext>
+    </p:extLst>
+  </p:cSld>
+  <p:clrMapOvr>
+    <a:masterClrMapping/>
+  </p:clrMapOvr>
+</p:sld>
+</file>
+
+<file path=ppt/slides/slide127.xml><?xml version="1.0" encoding="utf-8"?>
+<p:sld xmlns:a="http://schemas.openxmlformats.org/drawingml/2006/main" xmlns:r="http://schemas.openxmlformats.org/officeDocument/2006/relationships" xmlns:p="http://schemas.openxmlformats.org/presentationml/2006/main">
+  <p:cSld>
+    <p:spTree>
+      <p:nvGrpSpPr>
+        <p:cNvPr id="1" name=""/>
+        <p:cNvGrpSpPr/>
+        <p:nvPr/>
+      </p:nvGrpSpPr>
+      <p:grpSpPr>
+        <a:xfrm>
+          <a:off x="0" y="0"/>
+          <a:ext cx="0" cy="0"/>
+          <a:chOff x="0" y="0"/>
+          <a:chExt cx="0" cy="0"/>
+        </a:xfrm>
+      </p:grpSpPr>
+      <p:sp>
+        <p:nvSpPr>
+          <p:cNvPr id="4" name="Rechteck 3"/>
+          <p:cNvSpPr/>
+          <p:nvPr/>
+        </p:nvSpPr>
+        <p:spPr>
+          <a:xfrm>
+            <a:off x="57664" y="57665"/>
+            <a:ext cx="12068433" cy="6738552"/>
+          </a:xfrm>
+          <a:prstGeom prst="rect">
+            <a:avLst/>
+          </a:prstGeom>
+          <a:solidFill>
+            <a:schemeClr val="bg1">
+              <a:lumMod val="95000"/>
+            </a:schemeClr>
+          </a:solidFill>
+          <a:ln w="152400">
+            <a:solidFill>
+              <a:srgbClr val="FF0000"/>
+            </a:solidFill>
+          </a:ln>
+        </p:spPr>
+        <p:style>
+          <a:lnRef idx="2">
+            <a:schemeClr val="accent1">
+              <a:shade val="50000"/>
+            </a:schemeClr>
+          </a:lnRef>
+          <a:fillRef idx="1">
+            <a:schemeClr val="accent1"/>
+          </a:fillRef>
+          <a:effectRef idx="0">
+            <a:schemeClr val="accent1"/>
+          </a:effectRef>
+          <a:fontRef idx="minor">
+            <a:schemeClr val="lt1"/>
+          </a:fontRef>
+        </p:style>
+        <p:txBody>
+          <a:bodyPr rtlCol="0" anchor="ctr"/>
+          <a:lstStyle/>
+          <a:p>
+            <a:pPr algn="ctr"/>
+            <a:endParaRPr lang="de-CH"/>
+          </a:p>
+        </p:txBody>
+      </p:sp>
+      <p:pic>
+        <p:nvPicPr>
+          <p:cNvPr id="6" name="Grafik 5">
+            <a:extLst>
+              <a:ext uri="{FF2B5EF4-FFF2-40B4-BE49-F238E27FC236}">
+                <a16:creationId xmlns:a16="http://schemas.microsoft.com/office/drawing/2014/main" id="{297C8120-C769-41FD-BB27-5B2E50EC23E6}"/>
+              </a:ext>
+            </a:extLst>
+          </p:cNvPr>
+          <p:cNvPicPr>
+            <a:picLocks noChangeAspect="1"/>
+          </p:cNvPicPr>
+          <p:nvPr/>
+        </p:nvPicPr>
+        <p:blipFill>
+          <a:blip r:embed="rId3">
+            <a:extLst>
+              <a:ext uri="{28A0092B-C50C-407E-A947-70E740481C1C}">
+                <a14:useLocalDpi xmlns:a14="http://schemas.microsoft.com/office/drawing/2010/main" val="0"/>
+              </a:ext>
+            </a:extLst>
+          </a:blip>
+          <a:srcRect/>
+          <a:stretch/>
+        </p:blipFill>
+        <p:spPr>
+          <a:xfrm>
+            <a:off x="9347830" y="195521"/>
+            <a:ext cx="2372162" cy="2372162"/>
+          </a:xfrm>
+          <a:prstGeom prst="rect">
+            <a:avLst/>
+          </a:prstGeom>
+        </p:spPr>
+      </p:pic>
+      <p:sp>
+        <p:nvSpPr>
+          <p:cNvPr id="8" name="Rechteck 7">
+            <a:extLst>
+              <a:ext uri="{FF2B5EF4-FFF2-40B4-BE49-F238E27FC236}">
+                <a16:creationId xmlns:a16="http://schemas.microsoft.com/office/drawing/2014/main" id="{683A4BC0-8421-4E0D-9CEE-9CF1A133EFBC}"/>
+              </a:ext>
+            </a:extLst>
+          </p:cNvPr>
+          <p:cNvSpPr/>
+          <p:nvPr/>
+        </p:nvSpPr>
+        <p:spPr>
+          <a:xfrm>
+            <a:off x="152401" y="112644"/>
+            <a:ext cx="11111948" cy="2902226"/>
+          </a:xfrm>
+          <a:prstGeom prst="rect">
+            <a:avLst/>
+          </a:prstGeom>
+          <a:solidFill>
+            <a:srgbClr val="F2F2F2">
+              <a:alpha val="0"/>
+            </a:srgbClr>
+          </a:solidFill>
+          <a:ln w="76200">
+            <a:noFill/>
+          </a:ln>
+        </p:spPr>
+        <p:style>
+          <a:lnRef idx="2">
+            <a:schemeClr val="accent1">
+              <a:shade val="50000"/>
+            </a:schemeClr>
+          </a:lnRef>
+          <a:fillRef idx="1">
+            <a:schemeClr val="accent1"/>
+          </a:fillRef>
+          <a:effectRef idx="0">
+            <a:schemeClr val="accent1"/>
+          </a:effectRef>
+          <a:fontRef idx="minor">
+            <a:schemeClr val="lt1"/>
+          </a:fontRef>
+        </p:style>
+        <p:txBody>
+          <a:bodyPr rtlCol="0" anchor="t"/>
+          <a:lstStyle/>
+          <a:p>
+            <a:r>
+              <a:rPr lang="de-CH" sz="8800" dirty="0">
+                <a:solidFill>
+                  <a:schemeClr val="tx1"/>
+                </a:solidFill>
+                <a:latin typeface="Montserrat Medium" panose="00000600000000000000" pitchFamily="2" charset="0"/>
+              </a:rPr>
+              <a:t>Variable </a:t>
+            </a:r>
+            <a:r>
+              <a:rPr lang="de-CH" sz="8800" dirty="0" err="1">
+                <a:solidFill>
+                  <a:schemeClr val="tx1"/>
+                </a:solidFill>
+                <a:latin typeface="Montserrat Medium" panose="00000600000000000000" pitchFamily="2" charset="0"/>
+              </a:rPr>
+              <a:t>Cost</a:t>
+            </a:r>
+            <a:endParaRPr lang="de-CH" sz="8800" dirty="0">
+              <a:solidFill>
+                <a:schemeClr val="tx1"/>
+              </a:solidFill>
+              <a:latin typeface="Montserrat Medium" panose="00000600000000000000" pitchFamily="2" charset="0"/>
+            </a:endParaRPr>
+          </a:p>
+        </p:txBody>
+      </p:sp>
+      <p:sp>
+        <p:nvSpPr>
+          <p:cNvPr id="9" name="Rechteck 8">
+            <a:extLst>
+              <a:ext uri="{FF2B5EF4-FFF2-40B4-BE49-F238E27FC236}">
+                <a16:creationId xmlns:a16="http://schemas.microsoft.com/office/drawing/2014/main" id="{F0197068-52EB-4509-A669-A98B66D119E4}"/>
+              </a:ext>
+            </a:extLst>
+          </p:cNvPr>
+          <p:cNvSpPr/>
+          <p:nvPr/>
+        </p:nvSpPr>
+        <p:spPr>
+          <a:xfrm>
+            <a:off x="137593" y="195521"/>
+            <a:ext cx="11696597" cy="2902226"/>
+          </a:xfrm>
+          <a:prstGeom prst="rect">
+            <a:avLst/>
+          </a:prstGeom>
+          <a:solidFill>
+            <a:srgbClr val="F2F2F2">
+              <a:alpha val="80000"/>
+            </a:srgbClr>
+          </a:solidFill>
+          <a:ln w="76200">
+            <a:noFill/>
+          </a:ln>
+        </p:spPr>
+        <p:style>
+          <a:lnRef idx="2">
+            <a:schemeClr val="accent1">
+              <a:shade val="50000"/>
+            </a:schemeClr>
+          </a:lnRef>
+          <a:fillRef idx="1">
+            <a:schemeClr val="accent1"/>
+          </a:fillRef>
+          <a:effectRef idx="0">
+            <a:schemeClr val="accent1"/>
+          </a:effectRef>
+          <a:fontRef idx="minor">
+            <a:schemeClr val="lt1"/>
+          </a:fontRef>
+        </p:style>
+        <p:txBody>
+          <a:bodyPr rtlCol="0" anchor="ctr"/>
+          <a:lstStyle/>
+          <a:p>
+            <a:pPr algn="ctr"/>
+            <a:endParaRPr lang="de-CH" dirty="0"/>
+          </a:p>
+        </p:txBody>
+      </p:sp>
+    </p:spTree>
+    <p:extLst>
+      <p:ext uri="{BB962C8B-B14F-4D97-AF65-F5344CB8AC3E}">
+        <p14:creationId xmlns:p14="http://schemas.microsoft.com/office/powerpoint/2010/main" val="3302951163"/>
+      </p:ext>
+    </p:extLst>
+  </p:cSld>
+  <p:clrMapOvr>
+    <a:masterClrMapping/>
+  </p:clrMapOvr>
+</p:sld>
+</file>
+
+<file path=ppt/slides/slide128.xml><?xml version="1.0" encoding="utf-8"?>
+<p:sld xmlns:a="http://schemas.openxmlformats.org/drawingml/2006/main" xmlns:r="http://schemas.openxmlformats.org/officeDocument/2006/relationships" xmlns:p="http://schemas.openxmlformats.org/presentationml/2006/main">
+  <p:cSld>
+    <p:spTree>
+      <p:nvGrpSpPr>
+        <p:cNvPr id="1" name=""/>
+        <p:cNvGrpSpPr/>
+        <p:nvPr/>
+      </p:nvGrpSpPr>
+      <p:grpSpPr>
+        <a:xfrm>
+          <a:off x="0" y="0"/>
+          <a:ext cx="0" cy="0"/>
+          <a:chOff x="0" y="0"/>
+          <a:chExt cx="0" cy="0"/>
+        </a:xfrm>
+      </p:grpSpPr>
+      <p:sp>
+        <p:nvSpPr>
+          <p:cNvPr id="4" name="Rechteck 3"/>
+          <p:cNvSpPr/>
+          <p:nvPr/>
+        </p:nvSpPr>
+        <p:spPr>
+          <a:xfrm>
+            <a:off x="57664" y="57665"/>
+            <a:ext cx="12068433" cy="6738552"/>
+          </a:xfrm>
+          <a:prstGeom prst="rect">
+            <a:avLst/>
+          </a:prstGeom>
+          <a:solidFill>
+            <a:schemeClr val="bg1">
+              <a:lumMod val="95000"/>
+            </a:schemeClr>
+          </a:solidFill>
+          <a:ln w="76200">
+            <a:solidFill>
+              <a:schemeClr val="accent6">
+                <a:lumMod val="60000"/>
+                <a:lumOff val="40000"/>
+              </a:schemeClr>
+            </a:solidFill>
+          </a:ln>
+        </p:spPr>
+        <p:style>
+          <a:lnRef idx="2">
+            <a:schemeClr val="accent1">
+              <a:shade val="50000"/>
+            </a:schemeClr>
+          </a:lnRef>
+          <a:fillRef idx="1">
+            <a:schemeClr val="accent1"/>
+          </a:fillRef>
+          <a:effectRef idx="0">
+            <a:schemeClr val="accent1"/>
+          </a:effectRef>
+          <a:fontRef idx="minor">
+            <a:schemeClr val="lt1"/>
+          </a:fontRef>
+        </p:style>
+        <p:txBody>
+          <a:bodyPr rtlCol="0" anchor="ctr"/>
+          <a:lstStyle/>
+          <a:p>
+            <a:pPr algn="ctr"/>
+            <a:endParaRPr lang="de-CH" sz="9600" dirty="0">
+              <a:solidFill>
+                <a:schemeClr val="tx1"/>
+              </a:solidFill>
+              <a:latin typeface="Montserrat Medium" panose="00000600000000000000" pitchFamily="2" charset="0"/>
+            </a:endParaRPr>
+          </a:p>
+        </p:txBody>
+      </p:sp>
+      <p:pic>
+        <p:nvPicPr>
+          <p:cNvPr id="2" name="Grafik 1"/>
+          <p:cNvPicPr>
+            <a:picLocks noChangeAspect="1"/>
+          </p:cNvPicPr>
+          <p:nvPr/>
+        </p:nvPicPr>
+        <p:blipFill>
+          <a:blip r:embed="rId3" cstate="print">
+            <a:extLst>
+              <a:ext uri="{28A0092B-C50C-407E-A947-70E740481C1C}">
+                <a14:useLocalDpi xmlns:a14="http://schemas.microsoft.com/office/drawing/2010/main" val="0"/>
+              </a:ext>
+            </a:extLst>
+          </a:blip>
+          <a:stretch>
+            <a:fillRect/>
+          </a:stretch>
+        </p:blipFill>
+        <p:spPr>
+          <a:xfrm>
+            <a:off x="3490525" y="2037574"/>
+            <a:ext cx="4878000" cy="4103950"/>
+          </a:xfrm>
+          <a:prstGeom prst="rect">
+            <a:avLst/>
+          </a:prstGeom>
+        </p:spPr>
+      </p:pic>
+      <p:sp>
+        <p:nvSpPr>
+          <p:cNvPr id="5" name="Rechteck 4"/>
+          <p:cNvSpPr/>
+          <p:nvPr/>
+        </p:nvSpPr>
+        <p:spPr>
+          <a:xfrm>
+            <a:off x="152401" y="112644"/>
+            <a:ext cx="11880574" cy="6407426"/>
+          </a:xfrm>
+          <a:prstGeom prst="rect">
+            <a:avLst/>
+          </a:prstGeom>
+          <a:solidFill>
+            <a:srgbClr val="F2F2F2">
+              <a:alpha val="60000"/>
+            </a:srgbClr>
+          </a:solidFill>
+          <a:ln w="76200">
+            <a:noFill/>
+          </a:ln>
+        </p:spPr>
+        <p:style>
+          <a:lnRef idx="2">
+            <a:schemeClr val="accent1">
+              <a:shade val="50000"/>
+            </a:schemeClr>
+          </a:lnRef>
+          <a:fillRef idx="1">
+            <a:schemeClr val="accent1"/>
+          </a:fillRef>
+          <a:effectRef idx="0">
+            <a:schemeClr val="accent1"/>
+          </a:effectRef>
+          <a:fontRef idx="minor">
+            <a:schemeClr val="lt1"/>
+          </a:fontRef>
+        </p:style>
+        <p:txBody>
+          <a:bodyPr rtlCol="0" anchor="t"/>
+          <a:lstStyle/>
+          <a:p>
+            <a:pPr algn="ctr"/>
+            <a:r>
+              <a:rPr lang="de-CH" sz="11000" dirty="0">
+                <a:solidFill>
+                  <a:schemeClr val="tx1"/>
+                </a:solidFill>
+                <a:latin typeface="Montserrat Medium" panose="00000600000000000000" pitchFamily="2" charset="0"/>
+              </a:rPr>
+              <a:t>Micro Market</a:t>
+            </a:r>
+          </a:p>
+        </p:txBody>
+      </p:sp>
+    </p:spTree>
+    <p:extLst>
+      <p:ext uri="{BB962C8B-B14F-4D97-AF65-F5344CB8AC3E}">
+        <p14:creationId xmlns:p14="http://schemas.microsoft.com/office/powerpoint/2010/main" val="1527769329"/>
+      </p:ext>
+    </p:extLst>
+  </p:cSld>
+  <p:clrMapOvr>
+    <a:masterClrMapping/>
+  </p:clrMapOvr>
+</p:sld>
+</file>
+
+<file path=ppt/slides/slide129.xml><?xml version="1.0" encoding="utf-8"?>
+<p:sld xmlns:a="http://schemas.openxmlformats.org/drawingml/2006/main" xmlns:r="http://schemas.openxmlformats.org/officeDocument/2006/relationships" xmlns:p="http://schemas.openxmlformats.org/presentationml/2006/main">
+  <p:cSld>
+    <p:spTree>
+      <p:nvGrpSpPr>
+        <p:cNvPr id="1" name=""/>
+        <p:cNvGrpSpPr/>
+        <p:nvPr/>
+      </p:nvGrpSpPr>
+      <p:grpSpPr>
+        <a:xfrm>
+          <a:off x="0" y="0"/>
+          <a:ext cx="0" cy="0"/>
+          <a:chOff x="0" y="0"/>
+          <a:chExt cx="0" cy="0"/>
+        </a:xfrm>
+      </p:grpSpPr>
+      <p:sp>
+        <p:nvSpPr>
+          <p:cNvPr id="4" name="Rechteck 3"/>
+          <p:cNvSpPr/>
+          <p:nvPr/>
+        </p:nvSpPr>
+        <p:spPr>
+          <a:xfrm>
+            <a:off x="57664" y="57665"/>
+            <a:ext cx="12068433" cy="6738552"/>
+          </a:xfrm>
+          <a:prstGeom prst="rect">
+            <a:avLst/>
+          </a:prstGeom>
+          <a:solidFill>
+            <a:schemeClr val="bg1">
+              <a:lumMod val="95000"/>
+            </a:schemeClr>
+          </a:solidFill>
+          <a:ln w="76200">
+            <a:solidFill>
+              <a:schemeClr val="accent6">
+                <a:lumMod val="60000"/>
+                <a:lumOff val="40000"/>
+              </a:schemeClr>
+            </a:solidFill>
+          </a:ln>
+        </p:spPr>
+        <p:style>
+          <a:lnRef idx="2">
+            <a:schemeClr val="accent1">
+              <a:shade val="50000"/>
+            </a:schemeClr>
+          </a:lnRef>
+          <a:fillRef idx="1">
+            <a:schemeClr val="accent1"/>
+          </a:fillRef>
+          <a:effectRef idx="0">
+            <a:schemeClr val="accent1"/>
+          </a:effectRef>
+          <a:fontRef idx="minor">
+            <a:schemeClr val="lt1"/>
+          </a:fontRef>
+        </p:style>
+        <p:txBody>
+          <a:bodyPr rtlCol="0" anchor="ctr"/>
+          <a:lstStyle/>
+          <a:p>
+            <a:pPr algn="ctr"/>
+            <a:endParaRPr lang="de-CH" sz="8000" dirty="0">
+              <a:solidFill>
+                <a:schemeClr val="tx1"/>
+              </a:solidFill>
+              <a:latin typeface="Montserrat Medium" panose="00000600000000000000" pitchFamily="2" charset="0"/>
+            </a:endParaRPr>
+          </a:p>
+        </p:txBody>
+      </p:sp>
+      <p:pic>
+        <p:nvPicPr>
+          <p:cNvPr id="2" name="Grafik 1"/>
+          <p:cNvPicPr>
+            <a:picLocks noChangeAspect="1"/>
+          </p:cNvPicPr>
+          <p:nvPr/>
+        </p:nvPicPr>
+        <p:blipFill>
+          <a:blip r:embed="rId3" cstate="print">
+            <a:extLst>
+              <a:ext uri="{28A0092B-C50C-407E-A947-70E740481C1C}">
+                <a14:useLocalDpi xmlns:a14="http://schemas.microsoft.com/office/drawing/2010/main" val="0"/>
+              </a:ext>
+            </a:extLst>
+          </a:blip>
+          <a:stretch>
+            <a:fillRect/>
+          </a:stretch>
+        </p:blipFill>
+        <p:spPr>
+          <a:xfrm>
+            <a:off x="9124122" y="195521"/>
+            <a:ext cx="2819578" cy="2372162"/>
+          </a:xfrm>
+          <a:prstGeom prst="rect">
+            <a:avLst/>
+          </a:prstGeom>
+        </p:spPr>
+      </p:pic>
+      <p:sp>
+        <p:nvSpPr>
+          <p:cNvPr id="5" name="Rechteck 4"/>
+          <p:cNvSpPr/>
+          <p:nvPr/>
+        </p:nvSpPr>
+        <p:spPr>
+          <a:xfrm>
+            <a:off x="152401" y="112644"/>
+            <a:ext cx="11880574" cy="2902226"/>
+          </a:xfrm>
+          <a:prstGeom prst="rect">
+            <a:avLst/>
+          </a:prstGeom>
+          <a:solidFill>
+            <a:srgbClr val="F2F2F2">
+              <a:alpha val="0"/>
+            </a:srgbClr>
+          </a:solidFill>
+          <a:ln w="76200">
+            <a:noFill/>
+          </a:ln>
+        </p:spPr>
+        <p:style>
+          <a:lnRef idx="2">
+            <a:schemeClr val="accent1">
+              <a:shade val="50000"/>
+            </a:schemeClr>
+          </a:lnRef>
+          <a:fillRef idx="1">
+            <a:schemeClr val="accent1"/>
+          </a:fillRef>
+          <a:effectRef idx="0">
+            <a:schemeClr val="accent1"/>
+          </a:effectRef>
+          <a:fontRef idx="minor">
+            <a:schemeClr val="lt1"/>
+          </a:fontRef>
+        </p:style>
+        <p:txBody>
+          <a:bodyPr rtlCol="0" anchor="t"/>
+          <a:lstStyle/>
+          <a:p>
+            <a:r>
+              <a:rPr lang="de-CH" sz="8800" dirty="0">
+                <a:solidFill>
+                  <a:schemeClr val="tx1"/>
+                </a:solidFill>
+                <a:latin typeface="Montserrat Medium" panose="00000600000000000000" pitchFamily="2" charset="0"/>
+              </a:rPr>
+              <a:t>Micro Market</a:t>
+            </a:r>
+          </a:p>
+        </p:txBody>
+      </p:sp>
+      <p:sp>
+        <p:nvSpPr>
+          <p:cNvPr id="6" name="Rechteck 5">
+            <a:extLst>
+              <a:ext uri="{FF2B5EF4-FFF2-40B4-BE49-F238E27FC236}">
+                <a16:creationId xmlns:a16="http://schemas.microsoft.com/office/drawing/2014/main" id="{22170DA6-8CB9-4C1D-B2D0-10C0A0CEC10F}"/>
+              </a:ext>
+            </a:extLst>
+          </p:cNvPr>
+          <p:cNvSpPr/>
+          <p:nvPr/>
+        </p:nvSpPr>
+        <p:spPr>
+          <a:xfrm>
+            <a:off x="304800" y="132523"/>
+            <a:ext cx="11728175" cy="3233530"/>
+          </a:xfrm>
+          <a:prstGeom prst="rect">
+            <a:avLst/>
+          </a:prstGeom>
+          <a:solidFill>
+            <a:srgbClr val="F2F2F2">
+              <a:alpha val="80000"/>
+            </a:srgbClr>
+          </a:solidFill>
+          <a:ln w="76200">
+            <a:noFill/>
+          </a:ln>
+        </p:spPr>
+        <p:style>
+          <a:lnRef idx="2">
+            <a:schemeClr val="accent1">
+              <a:shade val="50000"/>
+            </a:schemeClr>
+          </a:lnRef>
+          <a:fillRef idx="1">
+            <a:schemeClr val="accent1"/>
+          </a:fillRef>
+          <a:effectRef idx="0">
+            <a:schemeClr val="accent1"/>
+          </a:effectRef>
+          <a:fontRef idx="minor">
+            <a:schemeClr val="lt1"/>
+          </a:fontRef>
+        </p:style>
+        <p:txBody>
+          <a:bodyPr rtlCol="0" anchor="ctr"/>
+          <a:lstStyle/>
+          <a:p>
+            <a:pPr algn="ctr"/>
+            <a:endParaRPr lang="de-CH" dirty="0"/>
+          </a:p>
+        </p:txBody>
+      </p:sp>
+    </p:spTree>
+    <p:extLst>
+      <p:ext uri="{BB962C8B-B14F-4D97-AF65-F5344CB8AC3E}">
+        <p14:creationId xmlns:p14="http://schemas.microsoft.com/office/powerpoint/2010/main" val="1236184627"/>
+      </p:ext>
+    </p:extLst>
+  </p:cSld>
+  <p:clrMapOvr>
+    <a:masterClrMapping/>
+  </p:clrMapOvr>
+</p:sld>
+</file>
+
 <file path=ppt/slides/slide13.xml><?xml version="1.0" encoding="utf-8"?>
 <p:sld xmlns:a="http://schemas.openxmlformats.org/drawingml/2006/main" xmlns:r="http://schemas.openxmlformats.org/officeDocument/2006/relationships" xmlns:p="http://schemas.openxmlformats.org/presentationml/2006/main">
   <p:cSld>
@@ -17709,6 +24273,1583 @@
     <p:extLst>
       <p:ext uri="{BB962C8B-B14F-4D97-AF65-F5344CB8AC3E}">
         <p14:creationId xmlns:p14="http://schemas.microsoft.com/office/powerpoint/2010/main" val="1201805684"/>
+      </p:ext>
+    </p:extLst>
+  </p:cSld>
+  <p:clrMapOvr>
+    <a:masterClrMapping/>
+  </p:clrMapOvr>
+</p:sld>
+</file>
+
+<file path=ppt/slides/slide130.xml><?xml version="1.0" encoding="utf-8"?>
+<p:sld xmlns:a="http://schemas.openxmlformats.org/drawingml/2006/main" xmlns:r="http://schemas.openxmlformats.org/officeDocument/2006/relationships" xmlns:p="http://schemas.openxmlformats.org/presentationml/2006/main">
+  <p:cSld>
+    <p:spTree>
+      <p:nvGrpSpPr>
+        <p:cNvPr id="1" name=""/>
+        <p:cNvGrpSpPr/>
+        <p:nvPr/>
+      </p:nvGrpSpPr>
+      <p:grpSpPr>
+        <a:xfrm>
+          <a:off x="0" y="0"/>
+          <a:ext cx="0" cy="0"/>
+          <a:chOff x="0" y="0"/>
+          <a:chExt cx="0" cy="0"/>
+        </a:xfrm>
+      </p:grpSpPr>
+      <p:sp>
+        <p:nvSpPr>
+          <p:cNvPr id="4" name="Rechteck 3"/>
+          <p:cNvSpPr/>
+          <p:nvPr/>
+        </p:nvSpPr>
+        <p:spPr>
+          <a:xfrm>
+            <a:off x="57664" y="57665"/>
+            <a:ext cx="12068433" cy="6738552"/>
+          </a:xfrm>
+          <a:prstGeom prst="rect">
+            <a:avLst/>
+          </a:prstGeom>
+          <a:solidFill>
+            <a:schemeClr val="bg1">
+              <a:lumMod val="95000"/>
+            </a:schemeClr>
+          </a:solidFill>
+          <a:ln w="76200">
+            <a:solidFill>
+              <a:schemeClr val="accent6">
+                <a:lumMod val="60000"/>
+                <a:lumOff val="40000"/>
+              </a:schemeClr>
+            </a:solidFill>
+          </a:ln>
+        </p:spPr>
+        <p:style>
+          <a:lnRef idx="2">
+            <a:schemeClr val="accent1">
+              <a:shade val="50000"/>
+            </a:schemeClr>
+          </a:lnRef>
+          <a:fillRef idx="1">
+            <a:schemeClr val="accent1"/>
+          </a:fillRef>
+          <a:effectRef idx="0">
+            <a:schemeClr val="accent1"/>
+          </a:effectRef>
+          <a:fontRef idx="minor">
+            <a:schemeClr val="lt1"/>
+          </a:fontRef>
+        </p:style>
+        <p:txBody>
+          <a:bodyPr rtlCol="0" anchor="ctr"/>
+          <a:lstStyle/>
+          <a:p>
+            <a:pPr algn="ctr"/>
+            <a:endParaRPr lang="de-CH" sz="9600" dirty="0">
+              <a:solidFill>
+                <a:schemeClr val="tx1"/>
+              </a:solidFill>
+              <a:latin typeface="Montserrat Medium" panose="00000600000000000000" pitchFamily="2" charset="0"/>
+            </a:endParaRPr>
+          </a:p>
+        </p:txBody>
+      </p:sp>
+      <p:pic>
+        <p:nvPicPr>
+          <p:cNvPr id="2" name="Grafik 1"/>
+          <p:cNvPicPr>
+            <a:picLocks noChangeAspect="1"/>
+          </p:cNvPicPr>
+          <p:nvPr/>
+        </p:nvPicPr>
+        <p:blipFill>
+          <a:blip r:embed="rId3" cstate="print">
+            <a:extLst>
+              <a:ext uri="{28A0092B-C50C-407E-A947-70E740481C1C}">
+                <a14:useLocalDpi xmlns:a14="http://schemas.microsoft.com/office/drawing/2010/main" val="0"/>
+              </a:ext>
+            </a:extLst>
+          </a:blip>
+          <a:stretch>
+            <a:fillRect/>
+          </a:stretch>
+        </p:blipFill>
+        <p:spPr>
+          <a:xfrm>
+            <a:off x="3490525" y="2037574"/>
+            <a:ext cx="4878000" cy="4103950"/>
+          </a:xfrm>
+          <a:prstGeom prst="rect">
+            <a:avLst/>
+          </a:prstGeom>
+        </p:spPr>
+      </p:pic>
+      <p:sp>
+        <p:nvSpPr>
+          <p:cNvPr id="5" name="Rechteck 4"/>
+          <p:cNvSpPr/>
+          <p:nvPr/>
+        </p:nvSpPr>
+        <p:spPr>
+          <a:xfrm>
+            <a:off x="152401" y="112644"/>
+            <a:ext cx="11880574" cy="6407426"/>
+          </a:xfrm>
+          <a:prstGeom prst="rect">
+            <a:avLst/>
+          </a:prstGeom>
+          <a:solidFill>
+            <a:srgbClr val="F2F2F2">
+              <a:alpha val="60000"/>
+            </a:srgbClr>
+          </a:solidFill>
+          <a:ln w="76200">
+            <a:noFill/>
+          </a:ln>
+        </p:spPr>
+        <p:style>
+          <a:lnRef idx="2">
+            <a:schemeClr val="accent1">
+              <a:shade val="50000"/>
+            </a:schemeClr>
+          </a:lnRef>
+          <a:fillRef idx="1">
+            <a:schemeClr val="accent1"/>
+          </a:fillRef>
+          <a:effectRef idx="0">
+            <a:schemeClr val="accent1"/>
+          </a:effectRef>
+          <a:fontRef idx="minor">
+            <a:schemeClr val="lt1"/>
+          </a:fontRef>
+        </p:style>
+        <p:txBody>
+          <a:bodyPr rtlCol="0" anchor="t"/>
+          <a:lstStyle/>
+          <a:p>
+            <a:pPr algn="ctr"/>
+            <a:r>
+              <a:rPr lang="de-CH" sz="11000" dirty="0" err="1">
+                <a:solidFill>
+                  <a:schemeClr val="tx1"/>
+                </a:solidFill>
+                <a:latin typeface="Montserrat Medium" panose="00000600000000000000" pitchFamily="2" charset="0"/>
+              </a:rPr>
+              <a:t>Niche</a:t>
+            </a:r>
+            <a:r>
+              <a:rPr lang="de-CH" sz="11000" dirty="0">
+                <a:solidFill>
+                  <a:schemeClr val="tx1"/>
+                </a:solidFill>
+                <a:latin typeface="Montserrat Medium" panose="00000600000000000000" pitchFamily="2" charset="0"/>
+              </a:rPr>
+              <a:t> Market</a:t>
+            </a:r>
+          </a:p>
+        </p:txBody>
+      </p:sp>
+    </p:spTree>
+    <p:extLst>
+      <p:ext uri="{BB962C8B-B14F-4D97-AF65-F5344CB8AC3E}">
+        <p14:creationId xmlns:p14="http://schemas.microsoft.com/office/powerpoint/2010/main" val="1635322198"/>
+      </p:ext>
+    </p:extLst>
+  </p:cSld>
+  <p:clrMapOvr>
+    <a:masterClrMapping/>
+  </p:clrMapOvr>
+</p:sld>
+</file>
+
+<file path=ppt/slides/slide131.xml><?xml version="1.0" encoding="utf-8"?>
+<p:sld xmlns:a="http://schemas.openxmlformats.org/drawingml/2006/main" xmlns:r="http://schemas.openxmlformats.org/officeDocument/2006/relationships" xmlns:p="http://schemas.openxmlformats.org/presentationml/2006/main">
+  <p:cSld>
+    <p:spTree>
+      <p:nvGrpSpPr>
+        <p:cNvPr id="1" name=""/>
+        <p:cNvGrpSpPr/>
+        <p:nvPr/>
+      </p:nvGrpSpPr>
+      <p:grpSpPr>
+        <a:xfrm>
+          <a:off x="0" y="0"/>
+          <a:ext cx="0" cy="0"/>
+          <a:chOff x="0" y="0"/>
+          <a:chExt cx="0" cy="0"/>
+        </a:xfrm>
+      </p:grpSpPr>
+      <p:sp>
+        <p:nvSpPr>
+          <p:cNvPr id="4" name="Rechteck 3"/>
+          <p:cNvSpPr/>
+          <p:nvPr/>
+        </p:nvSpPr>
+        <p:spPr>
+          <a:xfrm>
+            <a:off x="57664" y="57665"/>
+            <a:ext cx="12068433" cy="6738552"/>
+          </a:xfrm>
+          <a:prstGeom prst="rect">
+            <a:avLst/>
+          </a:prstGeom>
+          <a:solidFill>
+            <a:schemeClr val="bg1">
+              <a:lumMod val="95000"/>
+            </a:schemeClr>
+          </a:solidFill>
+          <a:ln w="76200">
+            <a:solidFill>
+              <a:schemeClr val="accent6">
+                <a:lumMod val="60000"/>
+                <a:lumOff val="40000"/>
+              </a:schemeClr>
+            </a:solidFill>
+          </a:ln>
+        </p:spPr>
+        <p:style>
+          <a:lnRef idx="2">
+            <a:schemeClr val="accent1">
+              <a:shade val="50000"/>
+            </a:schemeClr>
+          </a:lnRef>
+          <a:fillRef idx="1">
+            <a:schemeClr val="accent1"/>
+          </a:fillRef>
+          <a:effectRef idx="0">
+            <a:schemeClr val="accent1"/>
+          </a:effectRef>
+          <a:fontRef idx="minor">
+            <a:schemeClr val="lt1"/>
+          </a:fontRef>
+        </p:style>
+        <p:txBody>
+          <a:bodyPr rtlCol="0" anchor="ctr"/>
+          <a:lstStyle/>
+          <a:p>
+            <a:pPr algn="ctr"/>
+            <a:endParaRPr lang="de-CH" sz="8000" dirty="0">
+              <a:solidFill>
+                <a:schemeClr val="tx1"/>
+              </a:solidFill>
+              <a:latin typeface="Montserrat Medium" panose="00000600000000000000" pitchFamily="2" charset="0"/>
+            </a:endParaRPr>
+          </a:p>
+        </p:txBody>
+      </p:sp>
+      <p:pic>
+        <p:nvPicPr>
+          <p:cNvPr id="2" name="Grafik 1"/>
+          <p:cNvPicPr>
+            <a:picLocks noChangeAspect="1"/>
+          </p:cNvPicPr>
+          <p:nvPr/>
+        </p:nvPicPr>
+        <p:blipFill>
+          <a:blip r:embed="rId3" cstate="print">
+            <a:extLst>
+              <a:ext uri="{28A0092B-C50C-407E-A947-70E740481C1C}">
+                <a14:useLocalDpi xmlns:a14="http://schemas.microsoft.com/office/drawing/2010/main" val="0"/>
+              </a:ext>
+            </a:extLst>
+          </a:blip>
+          <a:stretch>
+            <a:fillRect/>
+          </a:stretch>
+        </p:blipFill>
+        <p:spPr>
+          <a:xfrm>
+            <a:off x="9124122" y="195521"/>
+            <a:ext cx="2819578" cy="2372162"/>
+          </a:xfrm>
+          <a:prstGeom prst="rect">
+            <a:avLst/>
+          </a:prstGeom>
+        </p:spPr>
+      </p:pic>
+      <p:sp>
+        <p:nvSpPr>
+          <p:cNvPr id="5" name="Rechteck 4"/>
+          <p:cNvSpPr/>
+          <p:nvPr/>
+        </p:nvSpPr>
+        <p:spPr>
+          <a:xfrm>
+            <a:off x="152401" y="112644"/>
+            <a:ext cx="11880574" cy="2902226"/>
+          </a:xfrm>
+          <a:prstGeom prst="rect">
+            <a:avLst/>
+          </a:prstGeom>
+          <a:solidFill>
+            <a:srgbClr val="F2F2F2">
+              <a:alpha val="0"/>
+            </a:srgbClr>
+          </a:solidFill>
+          <a:ln w="76200">
+            <a:noFill/>
+          </a:ln>
+        </p:spPr>
+        <p:style>
+          <a:lnRef idx="2">
+            <a:schemeClr val="accent1">
+              <a:shade val="50000"/>
+            </a:schemeClr>
+          </a:lnRef>
+          <a:fillRef idx="1">
+            <a:schemeClr val="accent1"/>
+          </a:fillRef>
+          <a:effectRef idx="0">
+            <a:schemeClr val="accent1"/>
+          </a:effectRef>
+          <a:fontRef idx="minor">
+            <a:schemeClr val="lt1"/>
+          </a:fontRef>
+        </p:style>
+        <p:txBody>
+          <a:bodyPr rtlCol="0" anchor="t"/>
+          <a:lstStyle/>
+          <a:p>
+            <a:r>
+              <a:rPr lang="de-CH" sz="8800" dirty="0" err="1">
+                <a:solidFill>
+                  <a:schemeClr val="tx1"/>
+                </a:solidFill>
+                <a:latin typeface="Montserrat Medium" panose="00000600000000000000" pitchFamily="2" charset="0"/>
+              </a:rPr>
+              <a:t>Niche</a:t>
+            </a:r>
+            <a:r>
+              <a:rPr lang="de-CH" sz="8800" dirty="0">
+                <a:solidFill>
+                  <a:schemeClr val="tx1"/>
+                </a:solidFill>
+                <a:latin typeface="Montserrat Medium" panose="00000600000000000000" pitchFamily="2" charset="0"/>
+              </a:rPr>
+              <a:t> Market</a:t>
+            </a:r>
+          </a:p>
+        </p:txBody>
+      </p:sp>
+      <p:sp>
+        <p:nvSpPr>
+          <p:cNvPr id="6" name="Rechteck 5">
+            <a:extLst>
+              <a:ext uri="{FF2B5EF4-FFF2-40B4-BE49-F238E27FC236}">
+                <a16:creationId xmlns:a16="http://schemas.microsoft.com/office/drawing/2014/main" id="{22170DA6-8CB9-4C1D-B2D0-10C0A0CEC10F}"/>
+              </a:ext>
+            </a:extLst>
+          </p:cNvPr>
+          <p:cNvSpPr/>
+          <p:nvPr/>
+        </p:nvSpPr>
+        <p:spPr>
+          <a:xfrm>
+            <a:off x="304800" y="132523"/>
+            <a:ext cx="11728175" cy="2683564"/>
+          </a:xfrm>
+          <a:prstGeom prst="rect">
+            <a:avLst/>
+          </a:prstGeom>
+          <a:solidFill>
+            <a:srgbClr val="F2F2F2">
+              <a:alpha val="80000"/>
+            </a:srgbClr>
+          </a:solidFill>
+          <a:ln w="76200">
+            <a:noFill/>
+          </a:ln>
+        </p:spPr>
+        <p:style>
+          <a:lnRef idx="2">
+            <a:schemeClr val="accent1">
+              <a:shade val="50000"/>
+            </a:schemeClr>
+          </a:lnRef>
+          <a:fillRef idx="1">
+            <a:schemeClr val="accent1"/>
+          </a:fillRef>
+          <a:effectRef idx="0">
+            <a:schemeClr val="accent1"/>
+          </a:effectRef>
+          <a:fontRef idx="minor">
+            <a:schemeClr val="lt1"/>
+          </a:fontRef>
+        </p:style>
+        <p:txBody>
+          <a:bodyPr rtlCol="0" anchor="ctr"/>
+          <a:lstStyle/>
+          <a:p>
+            <a:pPr algn="ctr"/>
+            <a:endParaRPr lang="de-CH" dirty="0"/>
+          </a:p>
+        </p:txBody>
+      </p:sp>
+    </p:spTree>
+    <p:extLst>
+      <p:ext uri="{BB962C8B-B14F-4D97-AF65-F5344CB8AC3E}">
+        <p14:creationId xmlns:p14="http://schemas.microsoft.com/office/powerpoint/2010/main" val="810998805"/>
+      </p:ext>
+    </p:extLst>
+  </p:cSld>
+  <p:clrMapOvr>
+    <a:masterClrMapping/>
+  </p:clrMapOvr>
+</p:sld>
+</file>
+
+<file path=ppt/slides/slide132.xml><?xml version="1.0" encoding="utf-8"?>
+<p:sld xmlns:a="http://schemas.openxmlformats.org/drawingml/2006/main" xmlns:r="http://schemas.openxmlformats.org/officeDocument/2006/relationships" xmlns:p="http://schemas.openxmlformats.org/presentationml/2006/main">
+  <p:cSld>
+    <p:spTree>
+      <p:nvGrpSpPr>
+        <p:cNvPr id="1" name=""/>
+        <p:cNvGrpSpPr/>
+        <p:nvPr/>
+      </p:nvGrpSpPr>
+      <p:grpSpPr>
+        <a:xfrm>
+          <a:off x="0" y="0"/>
+          <a:ext cx="0" cy="0"/>
+          <a:chOff x="0" y="0"/>
+          <a:chExt cx="0" cy="0"/>
+        </a:xfrm>
+      </p:grpSpPr>
+      <p:sp>
+        <p:nvSpPr>
+          <p:cNvPr id="4" name="Rechteck 3"/>
+          <p:cNvSpPr/>
+          <p:nvPr/>
+        </p:nvSpPr>
+        <p:spPr>
+          <a:xfrm>
+            <a:off x="57664" y="57665"/>
+            <a:ext cx="12068433" cy="6738552"/>
+          </a:xfrm>
+          <a:prstGeom prst="rect">
+            <a:avLst/>
+          </a:prstGeom>
+          <a:solidFill>
+            <a:schemeClr val="bg1">
+              <a:lumMod val="95000"/>
+            </a:schemeClr>
+          </a:solidFill>
+          <a:ln w="76200">
+            <a:solidFill>
+              <a:schemeClr val="accent6">
+                <a:lumMod val="60000"/>
+                <a:lumOff val="40000"/>
+              </a:schemeClr>
+            </a:solidFill>
+          </a:ln>
+        </p:spPr>
+        <p:style>
+          <a:lnRef idx="2">
+            <a:schemeClr val="accent1">
+              <a:shade val="50000"/>
+            </a:schemeClr>
+          </a:lnRef>
+          <a:fillRef idx="1">
+            <a:schemeClr val="accent1"/>
+          </a:fillRef>
+          <a:effectRef idx="0">
+            <a:schemeClr val="accent1"/>
+          </a:effectRef>
+          <a:fontRef idx="minor">
+            <a:schemeClr val="lt1"/>
+          </a:fontRef>
+        </p:style>
+        <p:txBody>
+          <a:bodyPr rtlCol="0" anchor="ctr"/>
+          <a:lstStyle/>
+          <a:p>
+            <a:pPr algn="ctr"/>
+            <a:endParaRPr lang="de-CH" sz="9600" dirty="0">
+              <a:solidFill>
+                <a:schemeClr val="tx1"/>
+              </a:solidFill>
+              <a:latin typeface="Montserrat Medium" panose="00000600000000000000" pitchFamily="2" charset="0"/>
+            </a:endParaRPr>
+          </a:p>
+        </p:txBody>
+      </p:sp>
+      <p:pic>
+        <p:nvPicPr>
+          <p:cNvPr id="2" name="Grafik 1"/>
+          <p:cNvPicPr>
+            <a:picLocks noChangeAspect="1"/>
+          </p:cNvPicPr>
+          <p:nvPr/>
+        </p:nvPicPr>
+        <p:blipFill>
+          <a:blip r:embed="rId3" cstate="print">
+            <a:extLst>
+              <a:ext uri="{28A0092B-C50C-407E-A947-70E740481C1C}">
+                <a14:useLocalDpi xmlns:a14="http://schemas.microsoft.com/office/drawing/2010/main" val="0"/>
+              </a:ext>
+            </a:extLst>
+          </a:blip>
+          <a:stretch>
+            <a:fillRect/>
+          </a:stretch>
+        </p:blipFill>
+        <p:spPr>
+          <a:xfrm>
+            <a:off x="3490525" y="2037574"/>
+            <a:ext cx="4878000" cy="4103950"/>
+          </a:xfrm>
+          <a:prstGeom prst="rect">
+            <a:avLst/>
+          </a:prstGeom>
+        </p:spPr>
+      </p:pic>
+      <p:sp>
+        <p:nvSpPr>
+          <p:cNvPr id="5" name="Rechteck 4"/>
+          <p:cNvSpPr/>
+          <p:nvPr/>
+        </p:nvSpPr>
+        <p:spPr>
+          <a:xfrm>
+            <a:off x="152401" y="112644"/>
+            <a:ext cx="11880574" cy="6407426"/>
+          </a:xfrm>
+          <a:prstGeom prst="rect">
+            <a:avLst/>
+          </a:prstGeom>
+          <a:solidFill>
+            <a:srgbClr val="F2F2F2">
+              <a:alpha val="60000"/>
+            </a:srgbClr>
+          </a:solidFill>
+          <a:ln w="76200">
+            <a:noFill/>
+          </a:ln>
+        </p:spPr>
+        <p:style>
+          <a:lnRef idx="2">
+            <a:schemeClr val="accent1">
+              <a:shade val="50000"/>
+            </a:schemeClr>
+          </a:lnRef>
+          <a:fillRef idx="1">
+            <a:schemeClr val="accent1"/>
+          </a:fillRef>
+          <a:effectRef idx="0">
+            <a:schemeClr val="accent1"/>
+          </a:effectRef>
+          <a:fontRef idx="minor">
+            <a:schemeClr val="lt1"/>
+          </a:fontRef>
+        </p:style>
+        <p:txBody>
+          <a:bodyPr rtlCol="0" anchor="t"/>
+          <a:lstStyle/>
+          <a:p>
+            <a:pPr algn="ctr"/>
+            <a:r>
+              <a:rPr lang="de-CH" sz="11000" dirty="0">
+                <a:solidFill>
+                  <a:schemeClr val="tx1"/>
+                </a:solidFill>
+                <a:latin typeface="Montserrat Medium" panose="00000600000000000000" pitchFamily="2" charset="0"/>
+              </a:rPr>
+              <a:t>Mass Market</a:t>
+            </a:r>
+          </a:p>
+        </p:txBody>
+      </p:sp>
+    </p:spTree>
+    <p:extLst>
+      <p:ext uri="{BB962C8B-B14F-4D97-AF65-F5344CB8AC3E}">
+        <p14:creationId xmlns:p14="http://schemas.microsoft.com/office/powerpoint/2010/main" val="1314884284"/>
+      </p:ext>
+    </p:extLst>
+  </p:cSld>
+  <p:clrMapOvr>
+    <a:masterClrMapping/>
+  </p:clrMapOvr>
+</p:sld>
+</file>
+
+<file path=ppt/slides/slide133.xml><?xml version="1.0" encoding="utf-8"?>
+<p:sld xmlns:a="http://schemas.openxmlformats.org/drawingml/2006/main" xmlns:r="http://schemas.openxmlformats.org/officeDocument/2006/relationships" xmlns:p="http://schemas.openxmlformats.org/presentationml/2006/main">
+  <p:cSld>
+    <p:spTree>
+      <p:nvGrpSpPr>
+        <p:cNvPr id="1" name=""/>
+        <p:cNvGrpSpPr/>
+        <p:nvPr/>
+      </p:nvGrpSpPr>
+      <p:grpSpPr>
+        <a:xfrm>
+          <a:off x="0" y="0"/>
+          <a:ext cx="0" cy="0"/>
+          <a:chOff x="0" y="0"/>
+          <a:chExt cx="0" cy="0"/>
+        </a:xfrm>
+      </p:grpSpPr>
+      <p:sp>
+        <p:nvSpPr>
+          <p:cNvPr id="4" name="Rechteck 3"/>
+          <p:cNvSpPr/>
+          <p:nvPr/>
+        </p:nvSpPr>
+        <p:spPr>
+          <a:xfrm>
+            <a:off x="57664" y="57665"/>
+            <a:ext cx="12068433" cy="6738552"/>
+          </a:xfrm>
+          <a:prstGeom prst="rect">
+            <a:avLst/>
+          </a:prstGeom>
+          <a:solidFill>
+            <a:schemeClr val="bg1">
+              <a:lumMod val="95000"/>
+            </a:schemeClr>
+          </a:solidFill>
+          <a:ln w="76200">
+            <a:solidFill>
+              <a:schemeClr val="accent6">
+                <a:lumMod val="60000"/>
+                <a:lumOff val="40000"/>
+              </a:schemeClr>
+            </a:solidFill>
+          </a:ln>
+        </p:spPr>
+        <p:style>
+          <a:lnRef idx="2">
+            <a:schemeClr val="accent1">
+              <a:shade val="50000"/>
+            </a:schemeClr>
+          </a:lnRef>
+          <a:fillRef idx="1">
+            <a:schemeClr val="accent1"/>
+          </a:fillRef>
+          <a:effectRef idx="0">
+            <a:schemeClr val="accent1"/>
+          </a:effectRef>
+          <a:fontRef idx="minor">
+            <a:schemeClr val="lt1"/>
+          </a:fontRef>
+        </p:style>
+        <p:txBody>
+          <a:bodyPr rtlCol="0" anchor="ctr"/>
+          <a:lstStyle/>
+          <a:p>
+            <a:pPr algn="ctr"/>
+            <a:endParaRPr lang="de-CH" sz="8000" dirty="0">
+              <a:solidFill>
+                <a:schemeClr val="tx1"/>
+              </a:solidFill>
+              <a:latin typeface="Montserrat Medium" panose="00000600000000000000" pitchFamily="2" charset="0"/>
+            </a:endParaRPr>
+          </a:p>
+        </p:txBody>
+      </p:sp>
+      <p:pic>
+        <p:nvPicPr>
+          <p:cNvPr id="2" name="Grafik 1"/>
+          <p:cNvPicPr>
+            <a:picLocks noChangeAspect="1"/>
+          </p:cNvPicPr>
+          <p:nvPr/>
+        </p:nvPicPr>
+        <p:blipFill>
+          <a:blip r:embed="rId3" cstate="print">
+            <a:extLst>
+              <a:ext uri="{28A0092B-C50C-407E-A947-70E740481C1C}">
+                <a14:useLocalDpi xmlns:a14="http://schemas.microsoft.com/office/drawing/2010/main" val="0"/>
+              </a:ext>
+            </a:extLst>
+          </a:blip>
+          <a:stretch>
+            <a:fillRect/>
+          </a:stretch>
+        </p:blipFill>
+        <p:spPr>
+          <a:xfrm>
+            <a:off x="9124122" y="195521"/>
+            <a:ext cx="2819578" cy="2372162"/>
+          </a:xfrm>
+          <a:prstGeom prst="rect">
+            <a:avLst/>
+          </a:prstGeom>
+        </p:spPr>
+      </p:pic>
+      <p:sp>
+        <p:nvSpPr>
+          <p:cNvPr id="5" name="Rechteck 4"/>
+          <p:cNvSpPr/>
+          <p:nvPr/>
+        </p:nvSpPr>
+        <p:spPr>
+          <a:xfrm>
+            <a:off x="152401" y="112644"/>
+            <a:ext cx="11880574" cy="2902226"/>
+          </a:xfrm>
+          <a:prstGeom prst="rect">
+            <a:avLst/>
+          </a:prstGeom>
+          <a:solidFill>
+            <a:srgbClr val="F2F2F2">
+              <a:alpha val="0"/>
+            </a:srgbClr>
+          </a:solidFill>
+          <a:ln w="76200">
+            <a:noFill/>
+          </a:ln>
+        </p:spPr>
+        <p:style>
+          <a:lnRef idx="2">
+            <a:schemeClr val="accent1">
+              <a:shade val="50000"/>
+            </a:schemeClr>
+          </a:lnRef>
+          <a:fillRef idx="1">
+            <a:schemeClr val="accent1"/>
+          </a:fillRef>
+          <a:effectRef idx="0">
+            <a:schemeClr val="accent1"/>
+          </a:effectRef>
+          <a:fontRef idx="minor">
+            <a:schemeClr val="lt1"/>
+          </a:fontRef>
+        </p:style>
+        <p:txBody>
+          <a:bodyPr rtlCol="0" anchor="t"/>
+          <a:lstStyle/>
+          <a:p>
+            <a:r>
+              <a:rPr lang="de-CH" sz="8800" dirty="0">
+                <a:solidFill>
+                  <a:schemeClr val="tx1"/>
+                </a:solidFill>
+                <a:latin typeface="Montserrat Medium" panose="00000600000000000000" pitchFamily="2" charset="0"/>
+              </a:rPr>
+              <a:t>Mass Market</a:t>
+            </a:r>
+          </a:p>
+        </p:txBody>
+      </p:sp>
+      <p:sp>
+        <p:nvSpPr>
+          <p:cNvPr id="6" name="Rechteck 5">
+            <a:extLst>
+              <a:ext uri="{FF2B5EF4-FFF2-40B4-BE49-F238E27FC236}">
+                <a16:creationId xmlns:a16="http://schemas.microsoft.com/office/drawing/2014/main" id="{22170DA6-8CB9-4C1D-B2D0-10C0A0CEC10F}"/>
+              </a:ext>
+            </a:extLst>
+          </p:cNvPr>
+          <p:cNvSpPr/>
+          <p:nvPr/>
+        </p:nvSpPr>
+        <p:spPr>
+          <a:xfrm>
+            <a:off x="304800" y="132523"/>
+            <a:ext cx="11728175" cy="2902226"/>
+          </a:xfrm>
+          <a:prstGeom prst="rect">
+            <a:avLst/>
+          </a:prstGeom>
+          <a:solidFill>
+            <a:srgbClr val="F2F2F2">
+              <a:alpha val="80000"/>
+            </a:srgbClr>
+          </a:solidFill>
+          <a:ln w="76200">
+            <a:noFill/>
+          </a:ln>
+        </p:spPr>
+        <p:style>
+          <a:lnRef idx="2">
+            <a:schemeClr val="accent1">
+              <a:shade val="50000"/>
+            </a:schemeClr>
+          </a:lnRef>
+          <a:fillRef idx="1">
+            <a:schemeClr val="accent1"/>
+          </a:fillRef>
+          <a:effectRef idx="0">
+            <a:schemeClr val="accent1"/>
+          </a:effectRef>
+          <a:fontRef idx="minor">
+            <a:schemeClr val="lt1"/>
+          </a:fontRef>
+        </p:style>
+        <p:txBody>
+          <a:bodyPr rtlCol="0" anchor="ctr"/>
+          <a:lstStyle/>
+          <a:p>
+            <a:pPr algn="ctr"/>
+            <a:endParaRPr lang="de-CH" dirty="0"/>
+          </a:p>
+        </p:txBody>
+      </p:sp>
+    </p:spTree>
+    <p:extLst>
+      <p:ext uri="{BB962C8B-B14F-4D97-AF65-F5344CB8AC3E}">
+        <p14:creationId xmlns:p14="http://schemas.microsoft.com/office/powerpoint/2010/main" val="489448246"/>
+      </p:ext>
+    </p:extLst>
+  </p:cSld>
+  <p:clrMapOvr>
+    <a:masterClrMapping/>
+  </p:clrMapOvr>
+</p:sld>
+</file>
+
+<file path=ppt/slides/slide134.xml><?xml version="1.0" encoding="utf-8"?>
+<p:sld xmlns:a="http://schemas.openxmlformats.org/drawingml/2006/main" xmlns:r="http://schemas.openxmlformats.org/officeDocument/2006/relationships" xmlns:p="http://schemas.openxmlformats.org/presentationml/2006/main">
+  <p:cSld>
+    <p:spTree>
+      <p:nvGrpSpPr>
+        <p:cNvPr id="1" name=""/>
+        <p:cNvGrpSpPr/>
+        <p:nvPr/>
+      </p:nvGrpSpPr>
+      <p:grpSpPr>
+        <a:xfrm>
+          <a:off x="0" y="0"/>
+          <a:ext cx="0" cy="0"/>
+          <a:chOff x="0" y="0"/>
+          <a:chExt cx="0" cy="0"/>
+        </a:xfrm>
+      </p:grpSpPr>
+      <p:sp>
+        <p:nvSpPr>
+          <p:cNvPr id="4" name="Rechteck 3"/>
+          <p:cNvSpPr/>
+          <p:nvPr/>
+        </p:nvSpPr>
+        <p:spPr>
+          <a:xfrm>
+            <a:off x="57664" y="57665"/>
+            <a:ext cx="12068433" cy="6738552"/>
+          </a:xfrm>
+          <a:prstGeom prst="rect">
+            <a:avLst/>
+          </a:prstGeom>
+          <a:solidFill>
+            <a:schemeClr val="bg1">
+              <a:lumMod val="95000"/>
+            </a:schemeClr>
+          </a:solidFill>
+          <a:ln w="76200">
+            <a:solidFill>
+              <a:schemeClr val="accent6">
+                <a:lumMod val="60000"/>
+                <a:lumOff val="40000"/>
+              </a:schemeClr>
+            </a:solidFill>
+          </a:ln>
+        </p:spPr>
+        <p:style>
+          <a:lnRef idx="2">
+            <a:schemeClr val="accent1">
+              <a:shade val="50000"/>
+            </a:schemeClr>
+          </a:lnRef>
+          <a:fillRef idx="1">
+            <a:schemeClr val="accent1"/>
+          </a:fillRef>
+          <a:effectRef idx="0">
+            <a:schemeClr val="accent1"/>
+          </a:effectRef>
+          <a:fontRef idx="minor">
+            <a:schemeClr val="lt1"/>
+          </a:fontRef>
+        </p:style>
+        <p:txBody>
+          <a:bodyPr rtlCol="0" anchor="ctr"/>
+          <a:lstStyle/>
+          <a:p>
+            <a:pPr algn="ctr"/>
+            <a:endParaRPr lang="de-CH" sz="9600" dirty="0">
+              <a:solidFill>
+                <a:schemeClr val="tx1"/>
+              </a:solidFill>
+              <a:latin typeface="Montserrat Medium" panose="00000600000000000000" pitchFamily="2" charset="0"/>
+            </a:endParaRPr>
+          </a:p>
+        </p:txBody>
+      </p:sp>
+      <p:pic>
+        <p:nvPicPr>
+          <p:cNvPr id="2" name="Grafik 1"/>
+          <p:cNvPicPr>
+            <a:picLocks noChangeAspect="1"/>
+          </p:cNvPicPr>
+          <p:nvPr/>
+        </p:nvPicPr>
+        <p:blipFill>
+          <a:blip r:embed="rId3" cstate="print">
+            <a:extLst>
+              <a:ext uri="{28A0092B-C50C-407E-A947-70E740481C1C}">
+                <a14:useLocalDpi xmlns:a14="http://schemas.microsoft.com/office/drawing/2010/main" val="0"/>
+              </a:ext>
+            </a:extLst>
+          </a:blip>
+          <a:stretch>
+            <a:fillRect/>
+          </a:stretch>
+        </p:blipFill>
+        <p:spPr>
+          <a:xfrm>
+            <a:off x="3490525" y="2037574"/>
+            <a:ext cx="4878000" cy="4103950"/>
+          </a:xfrm>
+          <a:prstGeom prst="rect">
+            <a:avLst/>
+          </a:prstGeom>
+        </p:spPr>
+      </p:pic>
+      <p:sp>
+        <p:nvSpPr>
+          <p:cNvPr id="5" name="Rechteck 4"/>
+          <p:cNvSpPr/>
+          <p:nvPr/>
+        </p:nvSpPr>
+        <p:spPr>
+          <a:xfrm>
+            <a:off x="152401" y="112644"/>
+            <a:ext cx="11880574" cy="6407426"/>
+          </a:xfrm>
+          <a:prstGeom prst="rect">
+            <a:avLst/>
+          </a:prstGeom>
+          <a:solidFill>
+            <a:srgbClr val="F2F2F2">
+              <a:alpha val="60000"/>
+            </a:srgbClr>
+          </a:solidFill>
+          <a:ln w="76200">
+            <a:noFill/>
+          </a:ln>
+        </p:spPr>
+        <p:style>
+          <a:lnRef idx="2">
+            <a:schemeClr val="accent1">
+              <a:shade val="50000"/>
+            </a:schemeClr>
+          </a:lnRef>
+          <a:fillRef idx="1">
+            <a:schemeClr val="accent1"/>
+          </a:fillRef>
+          <a:effectRef idx="0">
+            <a:schemeClr val="accent1"/>
+          </a:effectRef>
+          <a:fontRef idx="minor">
+            <a:schemeClr val="lt1"/>
+          </a:fontRef>
+        </p:style>
+        <p:txBody>
+          <a:bodyPr rtlCol="0" anchor="t"/>
+          <a:lstStyle/>
+          <a:p>
+            <a:pPr algn="ctr"/>
+            <a:r>
+              <a:rPr lang="de-CH" sz="8800" dirty="0" err="1">
+                <a:solidFill>
+                  <a:schemeClr val="tx1"/>
+                </a:solidFill>
+                <a:latin typeface="Montserrat Medium" panose="00000600000000000000" pitchFamily="2" charset="0"/>
+              </a:rPr>
+              <a:t>Segmented</a:t>
+            </a:r>
+            <a:r>
+              <a:rPr lang="de-CH" sz="8800" dirty="0">
+                <a:solidFill>
+                  <a:schemeClr val="tx1"/>
+                </a:solidFill>
+                <a:latin typeface="Montserrat Medium" panose="00000600000000000000" pitchFamily="2" charset="0"/>
+              </a:rPr>
+              <a:t> Market</a:t>
+            </a:r>
+          </a:p>
+        </p:txBody>
+      </p:sp>
+    </p:spTree>
+    <p:extLst>
+      <p:ext uri="{BB962C8B-B14F-4D97-AF65-F5344CB8AC3E}">
+        <p14:creationId xmlns:p14="http://schemas.microsoft.com/office/powerpoint/2010/main" val="3365603670"/>
+      </p:ext>
+    </p:extLst>
+  </p:cSld>
+  <p:clrMapOvr>
+    <a:masterClrMapping/>
+  </p:clrMapOvr>
+</p:sld>
+</file>
+
+<file path=ppt/slides/slide135.xml><?xml version="1.0" encoding="utf-8"?>
+<p:sld xmlns:a="http://schemas.openxmlformats.org/drawingml/2006/main" xmlns:r="http://schemas.openxmlformats.org/officeDocument/2006/relationships" xmlns:p="http://schemas.openxmlformats.org/presentationml/2006/main">
+  <p:cSld>
+    <p:spTree>
+      <p:nvGrpSpPr>
+        <p:cNvPr id="1" name=""/>
+        <p:cNvGrpSpPr/>
+        <p:nvPr/>
+      </p:nvGrpSpPr>
+      <p:grpSpPr>
+        <a:xfrm>
+          <a:off x="0" y="0"/>
+          <a:ext cx="0" cy="0"/>
+          <a:chOff x="0" y="0"/>
+          <a:chExt cx="0" cy="0"/>
+        </a:xfrm>
+      </p:grpSpPr>
+      <p:sp>
+        <p:nvSpPr>
+          <p:cNvPr id="4" name="Rechteck 3"/>
+          <p:cNvSpPr/>
+          <p:nvPr/>
+        </p:nvSpPr>
+        <p:spPr>
+          <a:xfrm>
+            <a:off x="57664" y="57665"/>
+            <a:ext cx="12068433" cy="6738552"/>
+          </a:xfrm>
+          <a:prstGeom prst="rect">
+            <a:avLst/>
+          </a:prstGeom>
+          <a:solidFill>
+            <a:schemeClr val="bg1">
+              <a:lumMod val="95000"/>
+            </a:schemeClr>
+          </a:solidFill>
+          <a:ln w="76200">
+            <a:solidFill>
+              <a:schemeClr val="accent6">
+                <a:lumMod val="60000"/>
+                <a:lumOff val="40000"/>
+              </a:schemeClr>
+            </a:solidFill>
+          </a:ln>
+        </p:spPr>
+        <p:style>
+          <a:lnRef idx="2">
+            <a:schemeClr val="accent1">
+              <a:shade val="50000"/>
+            </a:schemeClr>
+          </a:lnRef>
+          <a:fillRef idx="1">
+            <a:schemeClr val="accent1"/>
+          </a:fillRef>
+          <a:effectRef idx="0">
+            <a:schemeClr val="accent1"/>
+          </a:effectRef>
+          <a:fontRef idx="minor">
+            <a:schemeClr val="lt1"/>
+          </a:fontRef>
+        </p:style>
+        <p:txBody>
+          <a:bodyPr rtlCol="0" anchor="ctr"/>
+          <a:lstStyle/>
+          <a:p>
+            <a:pPr algn="ctr"/>
+            <a:endParaRPr lang="de-CH" sz="8000" dirty="0">
+              <a:solidFill>
+                <a:schemeClr val="tx1"/>
+              </a:solidFill>
+              <a:latin typeface="Montserrat Medium" panose="00000600000000000000" pitchFamily="2" charset="0"/>
+            </a:endParaRPr>
+          </a:p>
+        </p:txBody>
+      </p:sp>
+      <p:pic>
+        <p:nvPicPr>
+          <p:cNvPr id="2" name="Grafik 1"/>
+          <p:cNvPicPr>
+            <a:picLocks noChangeAspect="1"/>
+          </p:cNvPicPr>
+          <p:nvPr/>
+        </p:nvPicPr>
+        <p:blipFill>
+          <a:blip r:embed="rId3" cstate="print">
+            <a:extLst>
+              <a:ext uri="{28A0092B-C50C-407E-A947-70E740481C1C}">
+                <a14:useLocalDpi xmlns:a14="http://schemas.microsoft.com/office/drawing/2010/main" val="0"/>
+              </a:ext>
+            </a:extLst>
+          </a:blip>
+          <a:stretch>
+            <a:fillRect/>
+          </a:stretch>
+        </p:blipFill>
+        <p:spPr>
+          <a:xfrm>
+            <a:off x="9124122" y="195521"/>
+            <a:ext cx="2819578" cy="2372162"/>
+          </a:xfrm>
+          <a:prstGeom prst="rect">
+            <a:avLst/>
+          </a:prstGeom>
+        </p:spPr>
+      </p:pic>
+      <p:sp>
+        <p:nvSpPr>
+          <p:cNvPr id="5" name="Rechteck 4"/>
+          <p:cNvSpPr/>
+          <p:nvPr/>
+        </p:nvSpPr>
+        <p:spPr>
+          <a:xfrm>
+            <a:off x="152401" y="112644"/>
+            <a:ext cx="11880574" cy="2902226"/>
+          </a:xfrm>
+          <a:prstGeom prst="rect">
+            <a:avLst/>
+          </a:prstGeom>
+          <a:solidFill>
+            <a:srgbClr val="F2F2F2">
+              <a:alpha val="0"/>
+            </a:srgbClr>
+          </a:solidFill>
+          <a:ln w="76200">
+            <a:noFill/>
+          </a:ln>
+        </p:spPr>
+        <p:style>
+          <a:lnRef idx="2">
+            <a:schemeClr val="accent1">
+              <a:shade val="50000"/>
+            </a:schemeClr>
+          </a:lnRef>
+          <a:fillRef idx="1">
+            <a:schemeClr val="accent1"/>
+          </a:fillRef>
+          <a:effectRef idx="0">
+            <a:schemeClr val="accent1"/>
+          </a:effectRef>
+          <a:fontRef idx="minor">
+            <a:schemeClr val="lt1"/>
+          </a:fontRef>
+        </p:style>
+        <p:txBody>
+          <a:bodyPr rtlCol="0" anchor="t"/>
+          <a:lstStyle/>
+          <a:p>
+            <a:r>
+              <a:rPr lang="de-CH" sz="8800" dirty="0" err="1">
+                <a:solidFill>
+                  <a:schemeClr val="tx1"/>
+                </a:solidFill>
+                <a:latin typeface="Montserrat Medium" panose="00000600000000000000" pitchFamily="2" charset="0"/>
+              </a:rPr>
+              <a:t>Segmented</a:t>
+            </a:r>
+            <a:br>
+              <a:rPr lang="de-CH" sz="8800" dirty="0">
+                <a:solidFill>
+                  <a:schemeClr val="tx1"/>
+                </a:solidFill>
+                <a:latin typeface="Montserrat Medium" panose="00000600000000000000" pitchFamily="2" charset="0"/>
+              </a:rPr>
+            </a:br>
+            <a:r>
+              <a:rPr lang="de-CH" sz="8800" dirty="0">
+                <a:solidFill>
+                  <a:schemeClr val="tx1"/>
+                </a:solidFill>
+                <a:latin typeface="Montserrat Medium" panose="00000600000000000000" pitchFamily="2" charset="0"/>
+              </a:rPr>
+              <a:t>Market</a:t>
+            </a:r>
+          </a:p>
+        </p:txBody>
+      </p:sp>
+      <p:sp>
+        <p:nvSpPr>
+          <p:cNvPr id="6" name="Rechteck 5">
+            <a:extLst>
+              <a:ext uri="{FF2B5EF4-FFF2-40B4-BE49-F238E27FC236}">
+                <a16:creationId xmlns:a16="http://schemas.microsoft.com/office/drawing/2014/main" id="{22170DA6-8CB9-4C1D-B2D0-10C0A0CEC10F}"/>
+              </a:ext>
+            </a:extLst>
+          </p:cNvPr>
+          <p:cNvSpPr/>
+          <p:nvPr/>
+        </p:nvSpPr>
+        <p:spPr>
+          <a:xfrm>
+            <a:off x="248300" y="132523"/>
+            <a:ext cx="11784675" cy="2736573"/>
+          </a:xfrm>
+          <a:prstGeom prst="rect">
+            <a:avLst/>
+          </a:prstGeom>
+          <a:solidFill>
+            <a:srgbClr val="F2F2F2">
+              <a:alpha val="80000"/>
+            </a:srgbClr>
+          </a:solidFill>
+          <a:ln w="76200">
+            <a:noFill/>
+          </a:ln>
+        </p:spPr>
+        <p:style>
+          <a:lnRef idx="2">
+            <a:schemeClr val="accent1">
+              <a:shade val="50000"/>
+            </a:schemeClr>
+          </a:lnRef>
+          <a:fillRef idx="1">
+            <a:schemeClr val="accent1"/>
+          </a:fillRef>
+          <a:effectRef idx="0">
+            <a:schemeClr val="accent1"/>
+          </a:effectRef>
+          <a:fontRef idx="minor">
+            <a:schemeClr val="lt1"/>
+          </a:fontRef>
+        </p:style>
+        <p:txBody>
+          <a:bodyPr rtlCol="0" anchor="ctr"/>
+          <a:lstStyle/>
+          <a:p>
+            <a:pPr algn="ctr"/>
+            <a:endParaRPr lang="de-CH" dirty="0"/>
+          </a:p>
+        </p:txBody>
+      </p:sp>
+    </p:spTree>
+    <p:extLst>
+      <p:ext uri="{BB962C8B-B14F-4D97-AF65-F5344CB8AC3E}">
+        <p14:creationId xmlns:p14="http://schemas.microsoft.com/office/powerpoint/2010/main" val="1314503932"/>
+      </p:ext>
+    </p:extLst>
+  </p:cSld>
+  <p:clrMapOvr>
+    <a:masterClrMapping/>
+  </p:clrMapOvr>
+</p:sld>
+</file>
+
+<file path=ppt/slides/slide136.xml><?xml version="1.0" encoding="utf-8"?>
+<p:sld xmlns:a="http://schemas.openxmlformats.org/drawingml/2006/main" xmlns:r="http://schemas.openxmlformats.org/officeDocument/2006/relationships" xmlns:p="http://schemas.openxmlformats.org/presentationml/2006/main">
+  <p:cSld>
+    <p:spTree>
+      <p:nvGrpSpPr>
+        <p:cNvPr id="1" name=""/>
+        <p:cNvGrpSpPr/>
+        <p:nvPr/>
+      </p:nvGrpSpPr>
+      <p:grpSpPr>
+        <a:xfrm>
+          <a:off x="0" y="0"/>
+          <a:ext cx="0" cy="0"/>
+          <a:chOff x="0" y="0"/>
+          <a:chExt cx="0" cy="0"/>
+        </a:xfrm>
+      </p:grpSpPr>
+      <p:sp>
+        <p:nvSpPr>
+          <p:cNvPr id="4" name="Rechteck 3"/>
+          <p:cNvSpPr/>
+          <p:nvPr/>
+        </p:nvSpPr>
+        <p:spPr>
+          <a:xfrm>
+            <a:off x="57664" y="57665"/>
+            <a:ext cx="12068433" cy="6738552"/>
+          </a:xfrm>
+          <a:prstGeom prst="rect">
+            <a:avLst/>
+          </a:prstGeom>
+          <a:solidFill>
+            <a:schemeClr val="bg1">
+              <a:lumMod val="95000"/>
+            </a:schemeClr>
+          </a:solidFill>
+          <a:ln w="152400">
+            <a:solidFill>
+              <a:srgbClr val="FF0000"/>
+            </a:solidFill>
+          </a:ln>
+        </p:spPr>
+        <p:style>
+          <a:lnRef idx="2">
+            <a:schemeClr val="accent1">
+              <a:shade val="50000"/>
+            </a:schemeClr>
+          </a:lnRef>
+          <a:fillRef idx="1">
+            <a:schemeClr val="accent1"/>
+          </a:fillRef>
+          <a:effectRef idx="0">
+            <a:schemeClr val="accent1"/>
+          </a:effectRef>
+          <a:fontRef idx="minor">
+            <a:schemeClr val="lt1"/>
+          </a:fontRef>
+        </p:style>
+        <p:txBody>
+          <a:bodyPr rtlCol="0" anchor="ctr"/>
+          <a:lstStyle/>
+          <a:p>
+            <a:pPr algn="ctr"/>
+            <a:endParaRPr lang="de-CH"/>
+          </a:p>
+        </p:txBody>
+      </p:sp>
+      <p:pic>
+        <p:nvPicPr>
+          <p:cNvPr id="2" name="Grafik 1"/>
+          <p:cNvPicPr>
+            <a:picLocks noChangeAspect="1"/>
+          </p:cNvPicPr>
+          <p:nvPr/>
+        </p:nvPicPr>
+        <p:blipFill>
+          <a:blip r:embed="rId3">
+            <a:duotone>
+              <a:schemeClr val="accent1">
+                <a:shade val="45000"/>
+                <a:satMod val="135000"/>
+              </a:schemeClr>
+              <a:prstClr val="white"/>
+            </a:duotone>
+            <a:extLst>
+              <a:ext uri="{28A0092B-C50C-407E-A947-70E740481C1C}">
+                <a14:useLocalDpi xmlns:a14="http://schemas.microsoft.com/office/drawing/2010/main" val="0"/>
+              </a:ext>
+            </a:extLst>
+          </a:blip>
+          <a:stretch>
+            <a:fillRect/>
+          </a:stretch>
+        </p:blipFill>
+        <p:spPr>
+          <a:xfrm>
+            <a:off x="3657905" y="990905"/>
+            <a:ext cx="4876190" cy="4876190"/>
+          </a:xfrm>
+          <a:prstGeom prst="rect">
+            <a:avLst/>
+          </a:prstGeom>
+        </p:spPr>
+      </p:pic>
+      <p:sp>
+        <p:nvSpPr>
+          <p:cNvPr id="6" name="Rechteck 5"/>
+          <p:cNvSpPr/>
+          <p:nvPr/>
+        </p:nvSpPr>
+        <p:spPr>
+          <a:xfrm>
+            <a:off x="2224334" y="944415"/>
+            <a:ext cx="7199870" cy="4965052"/>
+          </a:xfrm>
+          <a:prstGeom prst="rect">
+            <a:avLst/>
+          </a:prstGeom>
+          <a:solidFill>
+            <a:srgbClr val="F2F2F2">
+              <a:alpha val="60000"/>
+            </a:srgbClr>
+          </a:solidFill>
+          <a:ln w="76200">
+            <a:noFill/>
+          </a:ln>
+        </p:spPr>
+        <p:style>
+          <a:lnRef idx="2">
+            <a:schemeClr val="accent1">
+              <a:shade val="50000"/>
+            </a:schemeClr>
+          </a:lnRef>
+          <a:fillRef idx="1">
+            <a:schemeClr val="accent1"/>
+          </a:fillRef>
+          <a:effectRef idx="0">
+            <a:schemeClr val="accent1"/>
+          </a:effectRef>
+          <a:fontRef idx="minor">
+            <a:schemeClr val="lt1"/>
+          </a:fontRef>
+        </p:style>
+        <p:txBody>
+          <a:bodyPr rtlCol="0" anchor="ctr"/>
+          <a:lstStyle/>
+          <a:p>
+            <a:pPr algn="ctr"/>
+            <a:endParaRPr lang="de-CH"/>
+          </a:p>
+        </p:txBody>
+      </p:sp>
+    </p:spTree>
+    <p:extLst>
+      <p:ext uri="{BB962C8B-B14F-4D97-AF65-F5344CB8AC3E}">
+        <p14:creationId xmlns:p14="http://schemas.microsoft.com/office/powerpoint/2010/main" val="1428270910"/>
+      </p:ext>
+    </p:extLst>
+  </p:cSld>
+  <p:clrMapOvr>
+    <a:masterClrMapping/>
+  </p:clrMapOvr>
+</p:sld>
+</file>
+
+<file path=ppt/slides/slide137.xml><?xml version="1.0" encoding="utf-8"?>
+<p:sld xmlns:a="http://schemas.openxmlformats.org/drawingml/2006/main" xmlns:r="http://schemas.openxmlformats.org/officeDocument/2006/relationships" xmlns:p="http://schemas.openxmlformats.org/presentationml/2006/main">
+  <p:cSld>
+    <p:spTree>
+      <p:nvGrpSpPr>
+        <p:cNvPr id="1" name=""/>
+        <p:cNvGrpSpPr/>
+        <p:nvPr/>
+      </p:nvGrpSpPr>
+      <p:grpSpPr>
+        <a:xfrm>
+          <a:off x="0" y="0"/>
+          <a:ext cx="0" cy="0"/>
+          <a:chOff x="0" y="0"/>
+          <a:chExt cx="0" cy="0"/>
+        </a:xfrm>
+      </p:grpSpPr>
+      <p:sp>
+        <p:nvSpPr>
+          <p:cNvPr id="4" name="Rechteck 3"/>
+          <p:cNvSpPr/>
+          <p:nvPr/>
+        </p:nvSpPr>
+        <p:spPr>
+          <a:xfrm>
+            <a:off x="57664" y="57665"/>
+            <a:ext cx="12068433" cy="6738552"/>
+          </a:xfrm>
+          <a:prstGeom prst="rect">
+            <a:avLst/>
+          </a:prstGeom>
+          <a:solidFill>
+            <a:schemeClr val="bg1">
+              <a:lumMod val="95000"/>
+            </a:schemeClr>
+          </a:solidFill>
+          <a:ln w="76200">
+            <a:solidFill>
+              <a:srgbClr val="FF0000"/>
+            </a:solidFill>
+          </a:ln>
+        </p:spPr>
+        <p:style>
+          <a:lnRef idx="2">
+            <a:schemeClr val="accent1">
+              <a:shade val="50000"/>
+            </a:schemeClr>
+          </a:lnRef>
+          <a:fillRef idx="1">
+            <a:schemeClr val="accent1"/>
+          </a:fillRef>
+          <a:effectRef idx="0">
+            <a:schemeClr val="accent1"/>
+          </a:effectRef>
+          <a:fontRef idx="minor">
+            <a:schemeClr val="lt1"/>
+          </a:fontRef>
+        </p:style>
+        <p:txBody>
+          <a:bodyPr rtlCol="0" anchor="ctr"/>
+          <a:lstStyle/>
+          <a:p>
+            <a:pPr algn="ctr"/>
+            <a:endParaRPr lang="de-CH"/>
+          </a:p>
+        </p:txBody>
+      </p:sp>
+      <p:pic>
+        <p:nvPicPr>
+          <p:cNvPr id="2" name="Grafik 1"/>
+          <p:cNvPicPr>
+            <a:picLocks noChangeAspect="1"/>
+          </p:cNvPicPr>
+          <p:nvPr/>
+        </p:nvPicPr>
+        <p:blipFill>
+          <a:blip r:embed="rId3">
+            <a:duotone>
+              <a:schemeClr val="accent4">
+                <a:shade val="45000"/>
+                <a:satMod val="135000"/>
+              </a:schemeClr>
+              <a:prstClr val="white"/>
+            </a:duotone>
+            <a:extLst>
+              <a:ext uri="{28A0092B-C50C-407E-A947-70E740481C1C}">
+                <a14:useLocalDpi xmlns:a14="http://schemas.microsoft.com/office/drawing/2010/main" val="0"/>
+              </a:ext>
+            </a:extLst>
+          </a:blip>
+          <a:stretch>
+            <a:fillRect/>
+          </a:stretch>
+        </p:blipFill>
+        <p:spPr>
+          <a:xfrm>
+            <a:off x="3657905" y="990905"/>
+            <a:ext cx="4876190" cy="4876190"/>
+          </a:xfrm>
+          <a:prstGeom prst="rect">
+            <a:avLst/>
+          </a:prstGeom>
+        </p:spPr>
+      </p:pic>
+      <p:sp>
+        <p:nvSpPr>
+          <p:cNvPr id="6" name="Rechteck 5"/>
+          <p:cNvSpPr/>
+          <p:nvPr/>
+        </p:nvSpPr>
+        <p:spPr>
+          <a:xfrm>
+            <a:off x="2290119" y="990906"/>
+            <a:ext cx="7199870" cy="4965052"/>
+          </a:xfrm>
+          <a:prstGeom prst="rect">
+            <a:avLst/>
+          </a:prstGeom>
+          <a:solidFill>
+            <a:srgbClr val="F2F2F2">
+              <a:alpha val="60000"/>
+            </a:srgbClr>
+          </a:solidFill>
+          <a:ln w="76200">
+            <a:noFill/>
+          </a:ln>
+        </p:spPr>
+        <p:style>
+          <a:lnRef idx="2">
+            <a:schemeClr val="accent1">
+              <a:shade val="50000"/>
+            </a:schemeClr>
+          </a:lnRef>
+          <a:fillRef idx="1">
+            <a:schemeClr val="accent1"/>
+          </a:fillRef>
+          <a:effectRef idx="0">
+            <a:schemeClr val="accent1"/>
+          </a:effectRef>
+          <a:fontRef idx="minor">
+            <a:schemeClr val="lt1"/>
+          </a:fontRef>
+        </p:style>
+        <p:txBody>
+          <a:bodyPr rtlCol="0" anchor="ctr"/>
+          <a:lstStyle/>
+          <a:p>
+            <a:pPr algn="ctr"/>
+            <a:endParaRPr lang="de-CH"/>
+          </a:p>
+        </p:txBody>
+      </p:sp>
+    </p:spTree>
+    <p:extLst>
+      <p:ext uri="{BB962C8B-B14F-4D97-AF65-F5344CB8AC3E}">
+        <p14:creationId xmlns:p14="http://schemas.microsoft.com/office/powerpoint/2010/main" val="4223352952"/>
       </p:ext>
     </p:extLst>
   </p:cSld>
@@ -24075,7 +32216,7 @@
               <a:lumMod val="95000"/>
             </a:schemeClr>
           </a:solidFill>
-          <a:ln w="76200">
+          <a:ln w="152400">
             <a:solidFill>
               <a:schemeClr val="accent6">
                 <a:lumMod val="60000"/>
@@ -24123,21 +32264,20 @@
           <p:nvPr/>
         </p:nvPicPr>
         <p:blipFill>
-          <a:blip r:embed="rId3" cstate="print">
+          <a:blip r:embed="rId3">
             <a:extLst>
               <a:ext uri="{28A0092B-C50C-407E-A947-70E740481C1C}">
                 <a14:useLocalDpi xmlns:a14="http://schemas.microsoft.com/office/drawing/2010/main" val="0"/>
               </a:ext>
             </a:extLst>
           </a:blip>
-          <a:stretch>
-            <a:fillRect/>
-          </a:stretch>
+          <a:srcRect/>
+          <a:stretch/>
         </p:blipFill>
         <p:spPr>
           <a:xfrm>
-            <a:off x="3490525" y="2037574"/>
-            <a:ext cx="4878000" cy="4103950"/>
+            <a:off x="3877550" y="2037574"/>
+            <a:ext cx="4103950" cy="4103950"/>
           </a:xfrm>
           <a:prstGeom prst="rect">
             <a:avLst/>
@@ -24152,8 +32292,8 @@
         </p:nvSpPr>
         <p:spPr>
           <a:xfrm>
-            <a:off x="152401" y="112644"/>
-            <a:ext cx="11880574" cy="6407426"/>
+            <a:off x="152401" y="152400"/>
+            <a:ext cx="11880574" cy="6069496"/>
           </a:xfrm>
           <a:prstGeom prst="rect">
             <a:avLst/>
@@ -24249,7 +32389,7 @@
               <a:lumMod val="95000"/>
             </a:schemeClr>
           </a:solidFill>
-          <a:ln w="76200">
+          <a:ln w="152400">
             <a:solidFill>
               <a:schemeClr val="accent6">
                 <a:lumMod val="60000"/>
@@ -24297,21 +32437,20 @@
           <p:nvPr/>
         </p:nvPicPr>
         <p:blipFill>
-          <a:blip r:embed="rId3" cstate="print">
+          <a:blip r:embed="rId3">
             <a:extLst>
               <a:ext uri="{28A0092B-C50C-407E-A947-70E740481C1C}">
                 <a14:useLocalDpi xmlns:a14="http://schemas.microsoft.com/office/drawing/2010/main" val="0"/>
               </a:ext>
             </a:extLst>
           </a:blip>
-          <a:stretch>
-            <a:fillRect/>
-          </a:stretch>
+          <a:srcRect/>
+          <a:stretch/>
         </p:blipFill>
         <p:spPr>
           <a:xfrm>
-            <a:off x="9124122" y="195521"/>
-            <a:ext cx="2819578" cy="2372162"/>
+            <a:off x="9347830" y="195521"/>
+            <a:ext cx="2372162" cy="2372162"/>
           </a:xfrm>
           <a:prstGeom prst="rect">
             <a:avLst/>
@@ -24327,7 +32466,7 @@
         <p:spPr>
           <a:xfrm>
             <a:off x="152401" y="112644"/>
-            <a:ext cx="11880574" cy="2902226"/>
+            <a:ext cx="10926417" cy="2902226"/>
           </a:xfrm>
           <a:prstGeom prst="rect">
             <a:avLst/>
@@ -24387,8 +32526,8 @@
         </p:nvSpPr>
         <p:spPr>
           <a:xfrm>
-            <a:off x="304800" y="132523"/>
-            <a:ext cx="11728175" cy="3233530"/>
+            <a:off x="304800" y="152401"/>
+            <a:ext cx="11569148" cy="3233530"/>
           </a:xfrm>
           <a:prstGeom prst="rect">
             <a:avLst/>
@@ -24476,7 +32615,7 @@
               <a:lumMod val="95000"/>
             </a:schemeClr>
           </a:solidFill>
-          <a:ln w="76200">
+          <a:ln w="152400">
             <a:solidFill>
               <a:schemeClr val="accent6">
                 <a:lumMod val="60000"/>
@@ -24524,21 +32663,20 @@
           <p:nvPr/>
         </p:nvPicPr>
         <p:blipFill>
-          <a:blip r:embed="rId3" cstate="print">
+          <a:blip r:embed="rId3">
             <a:extLst>
               <a:ext uri="{28A0092B-C50C-407E-A947-70E740481C1C}">
                 <a14:useLocalDpi xmlns:a14="http://schemas.microsoft.com/office/drawing/2010/main" val="0"/>
               </a:ext>
             </a:extLst>
           </a:blip>
-          <a:stretch>
-            <a:fillRect/>
-          </a:stretch>
+          <a:srcRect/>
+          <a:stretch/>
         </p:blipFill>
         <p:spPr>
           <a:xfrm>
-            <a:off x="3490525" y="2037574"/>
-            <a:ext cx="4878000" cy="4103950"/>
+            <a:off x="3877550" y="2037574"/>
+            <a:ext cx="4103950" cy="4103950"/>
           </a:xfrm>
           <a:prstGeom prst="rect">
             <a:avLst/>
@@ -24553,8 +32691,8 @@
         </p:nvSpPr>
         <p:spPr>
           <a:xfrm>
-            <a:off x="152401" y="112644"/>
-            <a:ext cx="11880574" cy="6407426"/>
+            <a:off x="152401" y="152988"/>
+            <a:ext cx="11880574" cy="6108664"/>
           </a:xfrm>
           <a:prstGeom prst="rect">
             <a:avLst/>
@@ -24659,7 +32797,7 @@
               <a:lumMod val="95000"/>
             </a:schemeClr>
           </a:solidFill>
-          <a:ln w="76200">
+          <a:ln w="152400">
             <a:solidFill>
               <a:schemeClr val="accent6">
                 <a:lumMod val="60000"/>
@@ -24707,21 +32845,20 @@
           <p:nvPr/>
         </p:nvPicPr>
         <p:blipFill>
-          <a:blip r:embed="rId3" cstate="print">
+          <a:blip r:embed="rId3">
             <a:extLst>
               <a:ext uri="{28A0092B-C50C-407E-A947-70E740481C1C}">
                 <a14:useLocalDpi xmlns:a14="http://schemas.microsoft.com/office/drawing/2010/main" val="0"/>
               </a:ext>
             </a:extLst>
           </a:blip>
-          <a:stretch>
-            <a:fillRect/>
-          </a:stretch>
+          <a:srcRect/>
+          <a:stretch/>
         </p:blipFill>
         <p:spPr>
           <a:xfrm>
-            <a:off x="9124122" y="195521"/>
-            <a:ext cx="2819578" cy="2372162"/>
+            <a:off x="9347830" y="195521"/>
+            <a:ext cx="2372162" cy="2372162"/>
           </a:xfrm>
           <a:prstGeom prst="rect">
             <a:avLst/>
@@ -24737,7 +32874,7 @@
         <p:spPr>
           <a:xfrm>
             <a:off x="152401" y="112644"/>
-            <a:ext cx="11880574" cy="2902226"/>
+            <a:ext cx="11158329" cy="2902226"/>
           </a:xfrm>
           <a:prstGeom prst="rect">
             <a:avLst/>
@@ -24806,8 +32943,8 @@
         </p:nvSpPr>
         <p:spPr>
           <a:xfrm>
-            <a:off x="304800" y="132523"/>
-            <a:ext cx="11728175" cy="2683564"/>
+            <a:off x="304800" y="152401"/>
+            <a:ext cx="11549270" cy="2683564"/>
           </a:xfrm>
           <a:prstGeom prst="rect">
             <a:avLst/>
@@ -24895,7 +33032,7 @@
               <a:lumMod val="95000"/>
             </a:schemeClr>
           </a:solidFill>
-          <a:ln w="76200">
+          <a:ln w="152400">
             <a:solidFill>
               <a:schemeClr val="accent6">
                 <a:lumMod val="60000"/>
@@ -24943,21 +33080,20 @@
           <p:nvPr/>
         </p:nvPicPr>
         <p:blipFill>
-          <a:blip r:embed="rId3" cstate="print">
+          <a:blip r:embed="rId3">
             <a:extLst>
               <a:ext uri="{28A0092B-C50C-407E-A947-70E740481C1C}">
                 <a14:useLocalDpi xmlns:a14="http://schemas.microsoft.com/office/drawing/2010/main" val="0"/>
               </a:ext>
             </a:extLst>
           </a:blip>
-          <a:stretch>
-            <a:fillRect/>
-          </a:stretch>
+          <a:srcRect/>
+          <a:stretch/>
         </p:blipFill>
         <p:spPr>
           <a:xfrm>
-            <a:off x="3490525" y="2037574"/>
-            <a:ext cx="4878000" cy="4103950"/>
+            <a:off x="3877550" y="2037574"/>
+            <a:ext cx="4103950" cy="4103950"/>
           </a:xfrm>
           <a:prstGeom prst="rect">
             <a:avLst/>
@@ -24972,8 +33108,8 @@
         </p:nvSpPr>
         <p:spPr>
           <a:xfrm>
-            <a:off x="152401" y="112644"/>
-            <a:ext cx="11880574" cy="6407426"/>
+            <a:off x="152401" y="152988"/>
+            <a:ext cx="11880574" cy="6128542"/>
           </a:xfrm>
           <a:prstGeom prst="rect">
             <a:avLst/>
@@ -25069,7 +33205,7 @@
               <a:lumMod val="95000"/>
             </a:schemeClr>
           </a:solidFill>
-          <a:ln w="76200">
+          <a:ln w="152400">
             <a:solidFill>
               <a:schemeClr val="accent6">
                 <a:lumMod val="60000"/>
@@ -25117,21 +33253,20 @@
           <p:nvPr/>
         </p:nvPicPr>
         <p:blipFill>
-          <a:blip r:embed="rId3" cstate="print">
+          <a:blip r:embed="rId3">
             <a:extLst>
               <a:ext uri="{28A0092B-C50C-407E-A947-70E740481C1C}">
                 <a14:useLocalDpi xmlns:a14="http://schemas.microsoft.com/office/drawing/2010/main" val="0"/>
               </a:ext>
             </a:extLst>
           </a:blip>
-          <a:stretch>
-            <a:fillRect/>
-          </a:stretch>
+          <a:srcRect/>
+          <a:stretch/>
         </p:blipFill>
         <p:spPr>
           <a:xfrm>
-            <a:off x="9124122" y="195521"/>
-            <a:ext cx="2819578" cy="2372162"/>
+            <a:off x="9347830" y="195521"/>
+            <a:ext cx="2372162" cy="2372162"/>
           </a:xfrm>
           <a:prstGeom prst="rect">
             <a:avLst/>
@@ -25147,7 +33282,7 @@
         <p:spPr>
           <a:xfrm>
             <a:off x="152401" y="112644"/>
-            <a:ext cx="11880574" cy="2902226"/>
+            <a:ext cx="11111948" cy="2902226"/>
           </a:xfrm>
           <a:prstGeom prst="rect">
             <a:avLst/>
@@ -25207,8 +33342,8 @@
         </p:nvSpPr>
         <p:spPr>
           <a:xfrm>
-            <a:off x="304800" y="132523"/>
-            <a:ext cx="11728175" cy="2902226"/>
+            <a:off x="304801" y="152401"/>
+            <a:ext cx="11489634" cy="2902226"/>
           </a:xfrm>
           <a:prstGeom prst="rect">
             <a:avLst/>
@@ -25296,7 +33431,7 @@
               <a:lumMod val="95000"/>
             </a:schemeClr>
           </a:solidFill>
-          <a:ln w="76200">
+          <a:ln w="152400">
             <a:solidFill>
               <a:schemeClr val="accent6">
                 <a:lumMod val="60000"/>
@@ -25344,21 +33479,20 @@
           <p:nvPr/>
         </p:nvPicPr>
         <p:blipFill>
-          <a:blip r:embed="rId3" cstate="print">
+          <a:blip r:embed="rId3">
             <a:extLst>
               <a:ext uri="{28A0092B-C50C-407E-A947-70E740481C1C}">
                 <a14:useLocalDpi xmlns:a14="http://schemas.microsoft.com/office/drawing/2010/main" val="0"/>
               </a:ext>
             </a:extLst>
           </a:blip>
-          <a:stretch>
-            <a:fillRect/>
-          </a:stretch>
+          <a:srcRect/>
+          <a:stretch/>
         </p:blipFill>
         <p:spPr>
           <a:xfrm>
-            <a:off x="3490525" y="2037574"/>
-            <a:ext cx="4878000" cy="4103950"/>
+            <a:off x="3877550" y="2037574"/>
+            <a:ext cx="4103950" cy="4103950"/>
           </a:xfrm>
           <a:prstGeom prst="rect">
             <a:avLst/>
@@ -25373,8 +33507,8 @@
         </p:nvSpPr>
         <p:spPr>
           <a:xfrm>
-            <a:off x="152401" y="112644"/>
-            <a:ext cx="11880574" cy="6407426"/>
+            <a:off x="152401" y="152988"/>
+            <a:ext cx="11880574" cy="6128542"/>
           </a:xfrm>
           <a:prstGeom prst="rect">
             <a:avLst/>
@@ -25479,7 +33613,7 @@
               <a:lumMod val="95000"/>
             </a:schemeClr>
           </a:solidFill>
-          <a:ln w="76200">
+          <a:ln w="152400">
             <a:solidFill>
               <a:schemeClr val="accent6">
                 <a:lumMod val="60000"/>
@@ -25527,21 +33661,20 @@
           <p:nvPr/>
         </p:nvPicPr>
         <p:blipFill>
-          <a:blip r:embed="rId3" cstate="print">
+          <a:blip r:embed="rId3">
             <a:extLst>
               <a:ext uri="{28A0092B-C50C-407E-A947-70E740481C1C}">
                 <a14:useLocalDpi xmlns:a14="http://schemas.microsoft.com/office/drawing/2010/main" val="0"/>
               </a:ext>
             </a:extLst>
           </a:blip>
-          <a:stretch>
-            <a:fillRect/>
-          </a:stretch>
+          <a:srcRect/>
+          <a:stretch/>
         </p:blipFill>
         <p:spPr>
           <a:xfrm>
-            <a:off x="9124122" y="195521"/>
-            <a:ext cx="2819578" cy="2372162"/>
+            <a:off x="9347830" y="195521"/>
+            <a:ext cx="2372162" cy="2372162"/>
           </a:xfrm>
           <a:prstGeom prst="rect">
             <a:avLst/>
@@ -25557,7 +33690,7 @@
         <p:spPr>
           <a:xfrm>
             <a:off x="152401" y="112644"/>
-            <a:ext cx="11880574" cy="2902226"/>
+            <a:ext cx="10204173" cy="2902226"/>
           </a:xfrm>
           <a:prstGeom prst="rect">
             <a:avLst/>
@@ -25634,8 +33767,8 @@
         </p:nvSpPr>
         <p:spPr>
           <a:xfrm>
-            <a:off x="248300" y="132523"/>
-            <a:ext cx="11784675" cy="2736573"/>
+            <a:off x="248300" y="152401"/>
+            <a:ext cx="11532883" cy="2736573"/>
           </a:xfrm>
           <a:prstGeom prst="rect">
             <a:avLst/>
